--- a/python_notes.pptx
+++ b/python_notes.pptx
@@ -7,10 +7,10 @@
     <p:sldMasterId id="2147483660" r:id="rId3"/>
   </p:sldMasterIdLst>
   <p:notesMasterIdLst>
-    <p:notesMasterId r:id="rId27"/>
+    <p:notesMasterId r:id="rId32"/>
   </p:notesMasterIdLst>
   <p:handoutMasterIdLst>
-    <p:handoutMasterId r:id="rId28"/>
+    <p:handoutMasterId r:id="rId33"/>
   </p:handoutMasterIdLst>
   <p:sldIdLst>
     <p:sldId id="256" r:id="rId4"/>
@@ -36,6 +36,11 @@
     <p:sldId id="276" r:id="rId24"/>
     <p:sldId id="277" r:id="rId25"/>
     <p:sldId id="278" r:id="rId26"/>
+    <p:sldId id="279" r:id="rId27"/>
+    <p:sldId id="280" r:id="rId28"/>
+    <p:sldId id="281" r:id="rId29"/>
+    <p:sldId id="283" r:id="rId30"/>
+    <p:sldId id="282" r:id="rId31"/>
   </p:sldIdLst>
   <p:sldSz cx="12192000" cy="6858000"/>
   <p:notesSz cx="6858000" cy="9144000"/>
@@ -239,7 +244,7 @@
           <a:p>
             <a:fld id="{A63E0BE3-463E-487B-B716-77FFA30EA717}" type="datetimeFigureOut">
               <a:rPr lang="en-US" smtClean="0"/>
-              <a:t>3/12/2017</a:t>
+              <a:t>3/15/2017</a:t>
             </a:fld>
             <a:endParaRPr lang="en-US"/>
           </a:p>
@@ -409,7 +414,7 @@
           <a:p>
             <a:fld id="{FDDEC35C-4CAE-4F25-B3C3-137572B012EB}" type="datetimeFigureOut">
               <a:rPr lang="en-US" smtClean="0"/>
-              <a:t>3/12/2017</a:t>
+              <a:t>3/15/2017</a:t>
             </a:fld>
             <a:endParaRPr lang="en-US"/>
           </a:p>
@@ -799,7 +804,7 @@
           <a:p>
             <a:fld id="{72095589-1F2D-4229-8793-7914286CC95D}" type="datetime1">
               <a:rPr lang="en-US" smtClean="0"/>
-              <a:t>3/12/2017</a:t>
+              <a:t>3/15/2017</a:t>
             </a:fld>
             <a:endParaRPr lang="en-US" dirty="0"/>
           </a:p>
@@ -973,7 +978,7 @@
           <a:p>
             <a:fld id="{B442EE64-96CE-4274-81F7-8145DC33C301}" type="datetime1">
               <a:rPr lang="en-US" smtClean="0"/>
-              <a:t>3/12/2017</a:t>
+              <a:t>3/15/2017</a:t>
             </a:fld>
             <a:endParaRPr lang="en-US"/>
           </a:p>
@@ -1157,7 +1162,7 @@
           <a:p>
             <a:fld id="{3848B6D6-B9DD-445B-9CF3-1B88585CD718}" type="datetime1">
               <a:rPr lang="en-US" smtClean="0"/>
-              <a:t>3/12/2017</a:t>
+              <a:t>3/15/2017</a:t>
             </a:fld>
             <a:endParaRPr lang="en-US"/>
           </a:p>
@@ -1353,7 +1358,7 @@
           <a:p>
             <a:fld id="{54B6762C-E026-40C6-869B-46FDA69BBE10}" type="datetimeFigureOut">
               <a:rPr lang="en-US" smtClean="0"/>
-              <a:t>3/12/2017</a:t>
+              <a:t>3/15/2017</a:t>
             </a:fld>
             <a:endParaRPr lang="en-US"/>
           </a:p>
@@ -1523,7 +1528,7 @@
           <a:p>
             <a:fld id="{54B6762C-E026-40C6-869B-46FDA69BBE10}" type="datetimeFigureOut">
               <a:rPr lang="en-US" smtClean="0"/>
-              <a:t>3/12/2017</a:t>
+              <a:t>3/15/2017</a:t>
             </a:fld>
             <a:endParaRPr lang="en-US"/>
           </a:p>
@@ -1769,7 +1774,7 @@
           <a:p>
             <a:fld id="{54B6762C-E026-40C6-869B-46FDA69BBE10}" type="datetimeFigureOut">
               <a:rPr lang="en-US" smtClean="0"/>
-              <a:t>3/12/2017</a:t>
+              <a:t>3/15/2017</a:t>
             </a:fld>
             <a:endParaRPr lang="en-US"/>
           </a:p>
@@ -2001,7 +2006,7 @@
           <a:p>
             <a:fld id="{54B6762C-E026-40C6-869B-46FDA69BBE10}" type="datetimeFigureOut">
               <a:rPr lang="en-US" smtClean="0"/>
-              <a:t>3/12/2017</a:t>
+              <a:t>3/15/2017</a:t>
             </a:fld>
             <a:endParaRPr lang="en-US"/>
           </a:p>
@@ -2368,7 +2373,7 @@
           <a:p>
             <a:fld id="{54B6762C-E026-40C6-869B-46FDA69BBE10}" type="datetimeFigureOut">
               <a:rPr lang="en-US" smtClean="0"/>
-              <a:t>3/12/2017</a:t>
+              <a:t>3/15/2017</a:t>
             </a:fld>
             <a:endParaRPr lang="en-US"/>
           </a:p>
@@ -2486,7 +2491,7 @@
           <a:p>
             <a:fld id="{54B6762C-E026-40C6-869B-46FDA69BBE10}" type="datetimeFigureOut">
               <a:rPr lang="en-US" smtClean="0"/>
-              <a:t>3/12/2017</a:t>
+              <a:t>3/15/2017</a:t>
             </a:fld>
             <a:endParaRPr lang="en-US"/>
           </a:p>
@@ -2581,7 +2586,7 @@
           <a:p>
             <a:fld id="{54B6762C-E026-40C6-869B-46FDA69BBE10}" type="datetimeFigureOut">
               <a:rPr lang="en-US" smtClean="0"/>
-              <a:t>3/12/2017</a:t>
+              <a:t>3/15/2017</a:t>
             </a:fld>
             <a:endParaRPr lang="en-US"/>
           </a:p>
@@ -2858,7 +2863,7 @@
           <a:p>
             <a:fld id="{54B6762C-E026-40C6-869B-46FDA69BBE10}" type="datetimeFigureOut">
               <a:rPr lang="en-US" smtClean="0"/>
-              <a:t>3/12/2017</a:t>
+              <a:t>3/15/2017</a:t>
             </a:fld>
             <a:endParaRPr lang="en-US"/>
           </a:p>
@@ -3028,7 +3033,7 @@
           <a:p>
             <a:fld id="{C7E82F5F-9B4F-4A5C-831E-120949344C92}" type="datetime1">
               <a:rPr lang="en-US" smtClean="0"/>
-              <a:t>3/12/2017</a:t>
+              <a:t>3/15/2017</a:t>
             </a:fld>
             <a:endParaRPr lang="en-US"/>
           </a:p>
@@ -3285,7 +3290,7 @@
           <a:p>
             <a:fld id="{54B6762C-E026-40C6-869B-46FDA69BBE10}" type="datetimeFigureOut">
               <a:rPr lang="en-US" smtClean="0"/>
-              <a:t>3/12/2017</a:t>
+              <a:t>3/15/2017</a:t>
             </a:fld>
             <a:endParaRPr lang="en-US"/>
           </a:p>
@@ -3455,7 +3460,7 @@
           <a:p>
             <a:fld id="{54B6762C-E026-40C6-869B-46FDA69BBE10}" type="datetimeFigureOut">
               <a:rPr lang="en-US" smtClean="0"/>
-              <a:t>3/12/2017</a:t>
+              <a:t>3/15/2017</a:t>
             </a:fld>
             <a:endParaRPr lang="en-US"/>
           </a:p>
@@ -3635,7 +3640,7 @@
           <a:p>
             <a:fld id="{54B6762C-E026-40C6-869B-46FDA69BBE10}" type="datetimeFigureOut">
               <a:rPr lang="en-US" smtClean="0"/>
-              <a:t>3/12/2017</a:t>
+              <a:t>3/15/2017</a:t>
             </a:fld>
             <a:endParaRPr lang="en-US"/>
           </a:p>
@@ -3827,7 +3832,7 @@
           <a:p>
             <a:fld id="{103E9E45-B669-4A43-8B9E-837119EB0DD3}" type="datetime1">
               <a:rPr lang="en-US" smtClean="0"/>
-              <a:t>3/12/2017</a:t>
+              <a:t>3/15/2017</a:t>
             </a:fld>
             <a:endParaRPr lang="en-US"/>
           </a:p>
@@ -4001,7 +4006,7 @@
           <a:p>
             <a:fld id="{F2CA510D-6B86-4582-AF81-2DE653D099D7}" type="datetime1">
               <a:rPr lang="en-US" smtClean="0"/>
-              <a:t>3/12/2017</a:t>
+              <a:t>3/15/2017</a:t>
             </a:fld>
             <a:endParaRPr lang="en-US"/>
           </a:p>
@@ -4251,7 +4256,7 @@
           <a:p>
             <a:fld id="{8BA0F55E-C955-480E-A584-66D799BA9E83}" type="datetime1">
               <a:rPr lang="en-US" smtClean="0"/>
-              <a:t>3/12/2017</a:t>
+              <a:t>3/15/2017</a:t>
             </a:fld>
             <a:endParaRPr lang="en-US"/>
           </a:p>
@@ -4487,7 +4492,7 @@
           <a:p>
             <a:fld id="{E6A13AF9-560C-4C87-A060-76ECE80A9794}" type="datetime1">
               <a:rPr lang="en-US" smtClean="0"/>
-              <a:t>3/12/2017</a:t>
+              <a:t>3/15/2017</a:t>
             </a:fld>
             <a:endParaRPr lang="en-US"/>
           </a:p>
@@ -4858,7 +4863,7 @@
           <a:p>
             <a:fld id="{E25AD518-FFB5-4660-80A9-484DCA4A4002}" type="datetime1">
               <a:rPr lang="en-US" smtClean="0"/>
-              <a:t>3/12/2017</a:t>
+              <a:t>3/15/2017</a:t>
             </a:fld>
             <a:endParaRPr lang="en-US"/>
           </a:p>
@@ -4980,7 +4985,7 @@
           <a:p>
             <a:fld id="{AE587E42-D10B-4207-B78A-ACA68AA0A68F}" type="datetime1">
               <a:rPr lang="en-US" smtClean="0"/>
-              <a:t>3/12/2017</a:t>
+              <a:t>3/15/2017</a:t>
             </a:fld>
             <a:endParaRPr lang="en-US"/>
           </a:p>
@@ -5079,7 +5084,7 @@
           <a:p>
             <a:fld id="{58DE498A-CD33-4B65-8AFD-4E31FE81F72D}" type="datetime1">
               <a:rPr lang="en-US" smtClean="0"/>
-              <a:t>3/12/2017</a:t>
+              <a:t>3/15/2017</a:t>
             </a:fld>
             <a:endParaRPr lang="en-US"/>
           </a:p>
@@ -5329,7 +5334,7 @@
           <a:p>
             <a:fld id="{0E00E361-17BE-4288-AB08-3B97BE0737C5}" type="datetime1">
               <a:rPr lang="en-US" smtClean="0"/>
-              <a:t>3/12/2017</a:t>
+              <a:t>3/15/2017</a:t>
             </a:fld>
             <a:endParaRPr lang="en-US"/>
           </a:p>
@@ -5610,7 +5615,7 @@
           <a:p>
             <a:fld id="{20DB26F4-13D4-43D6-A93F-56528E17975A}" type="datetime1">
               <a:rPr lang="en-US" smtClean="0"/>
-              <a:t>3/12/2017</a:t>
+              <a:t>3/15/2017</a:t>
             </a:fld>
             <a:endParaRPr lang="en-US"/>
           </a:p>
@@ -5867,7 +5872,7 @@
           <a:p>
             <a:fld id="{0055BD7E-6FF0-4E09-805C-AA88A4081083}" type="datetime1">
               <a:rPr lang="en-US" smtClean="0"/>
-              <a:t>3/12/2017</a:t>
+              <a:t>3/15/2017</a:t>
             </a:fld>
             <a:endParaRPr lang="en-US"/>
           </a:p>
@@ -6041,7 +6046,7 @@
           <a:p>
             <a:fld id="{6EF56BD1-7354-4DA0-8F03-706940EEC3C8}" type="datetime1">
               <a:rPr lang="en-US" smtClean="0"/>
-              <a:t>3/12/2017</a:t>
+              <a:t>3/15/2017</a:t>
             </a:fld>
             <a:endParaRPr lang="en-US"/>
           </a:p>
@@ -6225,7 +6230,7 @@
           <a:p>
             <a:fld id="{1CB1BE92-4DAA-4B83-A86A-7009169ECDC7}" type="datetime1">
               <a:rPr lang="en-US" smtClean="0"/>
-              <a:t>3/12/2017</a:t>
+              <a:t>3/15/2017</a:t>
             </a:fld>
             <a:endParaRPr lang="en-US"/>
           </a:p>
@@ -6461,7 +6466,7 @@
           <a:p>
             <a:fld id="{C14F2707-F4DE-4EC3-906A-E569EC4FE6A2}" type="datetime1">
               <a:rPr lang="en-US" smtClean="0"/>
-              <a:t>3/12/2017</a:t>
+              <a:t>3/15/2017</a:t>
             </a:fld>
             <a:endParaRPr lang="en-US"/>
           </a:p>
@@ -6832,7 +6837,7 @@
           <a:p>
             <a:fld id="{88DAB92F-2757-4D94-8EE0-4CE602C71ACD}" type="datetime1">
               <a:rPr lang="en-US" smtClean="0"/>
-              <a:t>3/12/2017</a:t>
+              <a:t>3/15/2017</a:t>
             </a:fld>
             <a:endParaRPr lang="en-US"/>
           </a:p>
@@ -6954,7 +6959,7 @@
           <a:p>
             <a:fld id="{658FC12C-7C3B-4414-AA1B-E86D050AB677}" type="datetime1">
               <a:rPr lang="en-US" smtClean="0"/>
-              <a:t>3/12/2017</a:t>
+              <a:t>3/15/2017</a:t>
             </a:fld>
             <a:endParaRPr lang="en-US"/>
           </a:p>
@@ -7053,7 +7058,7 @@
           <a:p>
             <a:fld id="{9EE8A447-BA34-4273-95A6-71AB9806CD6B}" type="datetime1">
               <a:rPr lang="en-US" smtClean="0"/>
-              <a:t>3/12/2017</a:t>
+              <a:t>3/15/2017</a:t>
             </a:fld>
             <a:endParaRPr lang="en-US"/>
           </a:p>
@@ -7334,7 +7339,7 @@
           <a:p>
             <a:fld id="{A487F3D7-0A62-4B5F-9DF7-879DC6E4D81A}" type="datetime1">
               <a:rPr lang="en-US" smtClean="0"/>
-              <a:t>3/12/2017</a:t>
+              <a:t>3/15/2017</a:t>
             </a:fld>
             <a:endParaRPr lang="en-US"/>
           </a:p>
@@ -7591,7 +7596,7 @@
           <a:p>
             <a:fld id="{8383956E-0D60-4C7D-9238-FADDCB6660C3}" type="datetime1">
               <a:rPr lang="en-US" smtClean="0"/>
-              <a:t>3/12/2017</a:t>
+              <a:t>3/15/2017</a:t>
             </a:fld>
             <a:endParaRPr lang="en-US"/>
           </a:p>
@@ -7828,7 +7833,7 @@
           <a:p>
             <a:fld id="{13C4B124-5BB2-44B0-9672-EC3E897DD3A4}" type="datetime1">
               <a:rPr lang="en-US" smtClean="0"/>
-              <a:t>3/12/2017</a:t>
+              <a:t>3/15/2017</a:t>
             </a:fld>
             <a:endParaRPr lang="en-US"/>
           </a:p>
@@ -8373,7 +8378,7 @@
           <a:p>
             <a:fld id="{54B6762C-E026-40C6-869B-46FDA69BBE10}" type="datetimeFigureOut">
               <a:rPr lang="en-US" smtClean="0"/>
-              <a:t>3/12/2017</a:t>
+              <a:t>3/15/2017</a:t>
             </a:fld>
             <a:endParaRPr lang="en-US"/>
           </a:p>
@@ -8933,7 +8938,7 @@
           <a:p>
             <a:fld id="{4A261DF8-C7D3-4A7B-A51B-C4D4681F1B37}" type="datetime1">
               <a:rPr lang="en-US" smtClean="0"/>
-              <a:t>3/12/2017</a:t>
+              <a:t>3/15/2017</a:t>
             </a:fld>
             <a:endParaRPr lang="en-US"/>
           </a:p>
@@ -9933,11 +9938,47 @@
             </a:pPr>
             <a:r>
               <a:rPr lang="en-US" sz="2000" dirty="0" smtClean="0"/>
-              <a:t>Addition (</a:t>
+              <a:t>Addition (x+y)</a:t>
+            </a:r>
+          </a:p>
+          <a:p>
+            <a:pPr marL="0" indent="0">
+              <a:buNone/>
+            </a:pPr>
+            <a:r>
+              <a:rPr lang="en-US" sz="2000" dirty="0" smtClean="0"/>
+              <a:t>Subtraction (x-y)</a:t>
+            </a:r>
+          </a:p>
+          <a:p>
+            <a:pPr marL="0" indent="0">
+              <a:buNone/>
+            </a:pPr>
+            <a:r>
+              <a:rPr lang="en-US" sz="2000" dirty="0" smtClean="0"/>
+              <a:t>Multiplication (x*y)</a:t>
+            </a:r>
+          </a:p>
+          <a:p>
+            <a:pPr marL="0" indent="0">
+              <a:buNone/>
+            </a:pPr>
+            <a:r>
+              <a:rPr lang="en-US" sz="2000" dirty="0" smtClean="0"/>
+              <a:t>Division (x/y)</a:t>
+            </a:r>
+          </a:p>
+          <a:p>
+            <a:pPr marL="0" indent="0">
+              <a:buNone/>
+            </a:pPr>
+            <a:r>
+              <a:rPr lang="en-US" sz="2000" dirty="0" smtClean="0"/>
+              <a:t>Modulus (</a:t>
             </a:r>
             <a:r>
               <a:rPr lang="en-US" sz="2000" dirty="0" err="1" smtClean="0"/>
-              <a:t>x+y</a:t>
+              <a:t>x%y</a:t>
             </a:r>
             <a:r>
               <a:rPr lang="en-US" sz="2000" dirty="0" smtClean="0"/>
@@ -9950,7 +9991,7 @@
             </a:pPr>
             <a:r>
               <a:rPr lang="en-US" sz="2000" dirty="0" smtClean="0"/>
-              <a:t>Subtraction (x-y)</a:t>
+              <a:t>Exponent (x**y)</a:t>
             </a:r>
           </a:p>
           <a:p>
@@ -9959,57 +10000,8 @@
             </a:pPr>
             <a:r>
               <a:rPr lang="en-US" sz="2000" dirty="0" smtClean="0"/>
-              <a:t>Multiplication (x*y)</a:t>
-            </a:r>
-          </a:p>
-          <a:p>
-            <a:pPr marL="0" indent="0">
-              <a:buNone/>
-            </a:pPr>
-            <a:r>
-              <a:rPr lang="en-US" sz="2000" dirty="0" smtClean="0"/>
-              <a:t>Division (x/y)</a:t>
-            </a:r>
-          </a:p>
-          <a:p>
-            <a:pPr marL="0" indent="0">
-              <a:buNone/>
-            </a:pPr>
-            <a:r>
-              <a:rPr lang="en-US" sz="2000" dirty="0" smtClean="0"/>
-              <a:t>Modulus (</a:t>
-            </a:r>
-            <a:r>
-              <a:rPr lang="en-US" sz="2000" dirty="0" err="1" smtClean="0"/>
-              <a:t>x%y</a:t>
-            </a:r>
-            <a:r>
-              <a:rPr lang="en-US" sz="2000" dirty="0" smtClean="0"/>
-              <a:t>)</a:t>
-            </a:r>
-          </a:p>
-          <a:p>
-            <a:pPr marL="0" indent="0">
-              <a:buNone/>
-            </a:pPr>
-            <a:r>
-              <a:rPr lang="en-US" sz="2000" dirty="0" smtClean="0"/>
-              <a:t>Exponent (x**y)</a:t>
-            </a:r>
-          </a:p>
-          <a:p>
-            <a:pPr marL="0" indent="0">
-              <a:buNone/>
-            </a:pPr>
-            <a:r>
-              <a:rPr lang="en-US" sz="2000" dirty="0" smtClean="0"/>
-              <a:t>Floor Division (x//y</a:t>
-            </a:r>
-            <a:r>
-              <a:rPr lang="en-US" sz="2000" dirty="0" smtClean="0"/>
-              <a:t>)</a:t>
-            </a:r>
-            <a:endParaRPr lang="en-US" sz="2000" dirty="0" smtClean="0"/>
+              <a:t>Floor Division (x//y)</a:t>
+            </a:r>
           </a:p>
         </p:txBody>
       </p:sp>
@@ -10132,7 +10124,6 @@
               <a:rPr lang="en-US" sz="2400" dirty="0"/>
               <a:t>-  Subtraction</a:t>
             </a:r>
-            <a:endParaRPr lang="en-US" sz="2400" dirty="0"/>
           </a:p>
         </p:txBody>
       </p:sp>
@@ -12509,35 +12500,28 @@
                 </a:solidFill>
                 <a:latin typeface="Consolas" panose="020B0609020204030204" pitchFamily="49" charset="0"/>
               </a:rPr>
-              <a:t> </a:t>
-            </a:r>
-            <a:r>
-              <a:rPr lang="en-US" sz="2800" dirty="0" err="1">
-                <a:solidFill>
-                  <a:srgbClr val="000000"/>
-                </a:solidFill>
-                <a:latin typeface="Consolas" panose="020B0609020204030204" pitchFamily="49" charset="0"/>
-              </a:rPr>
-              <a:t>i</a:t>
+              <a:t> i in range(</a:t>
             </a:r>
             <a:r>
               <a:rPr lang="en-US" sz="2800" dirty="0">
                 <a:solidFill>
-                  <a:srgbClr val="000000"/>
-                </a:solidFill>
-                <a:latin typeface="Consolas" panose="020B0609020204030204" pitchFamily="49" charset="0"/>
-              </a:rPr>
-              <a:t> in range(</a:t>
+                  <a:srgbClr val="09885A"/>
+                </a:solidFill>
+                <a:latin typeface="Consolas" panose="020B0609020204030204" pitchFamily="49" charset="0"/>
+              </a:rPr>
+              <a:t>10</a:t>
             </a:r>
             <a:r>
               <a:rPr lang="en-US" sz="2800" dirty="0">
                 <a:solidFill>
-                  <a:srgbClr val="09885A"/>
-                </a:solidFill>
-                <a:latin typeface="Consolas" panose="020B0609020204030204" pitchFamily="49" charset="0"/>
-              </a:rPr>
-              <a:t>10</a:t>
-            </a:r>
+                  <a:srgbClr val="000000"/>
+                </a:solidFill>
+                <a:latin typeface="Consolas" panose="020B0609020204030204" pitchFamily="49" charset="0"/>
+              </a:rPr>
+              <a:t>):</a:t>
+            </a:r>
+          </a:p>
+          <a:p>
             <a:r>
               <a:rPr lang="en-US" sz="2800" dirty="0">
                 <a:solidFill>
@@ -12545,54 +12529,25 @@
                 </a:solidFill>
                 <a:latin typeface="Consolas" panose="020B0609020204030204" pitchFamily="49" charset="0"/>
               </a:rPr>
-              <a:t>):</a:t>
-            </a:r>
-          </a:p>
-          <a:p>
+              <a:t>    print(</a:t>
+            </a:r>
             <a:r>
               <a:rPr lang="en-US" sz="2800" dirty="0">
                 <a:solidFill>
-                  <a:srgbClr val="000000"/>
-                </a:solidFill>
-                <a:latin typeface="Consolas" panose="020B0609020204030204" pitchFamily="49" charset="0"/>
-              </a:rPr>
-              <a:t>    print(</a:t>
+                  <a:srgbClr val="A31515"/>
+                </a:solidFill>
+                <a:latin typeface="Consolas" panose="020B0609020204030204" pitchFamily="49" charset="0"/>
+              </a:rPr>
+              <a:t>"Range : "</a:t>
             </a:r>
             <a:r>
               <a:rPr lang="en-US" sz="2800" dirty="0">
                 <a:solidFill>
-                  <a:srgbClr val="A31515"/>
-                </a:solidFill>
-                <a:latin typeface="Consolas" panose="020B0609020204030204" pitchFamily="49" charset="0"/>
-              </a:rPr>
-              <a:t>"Range : "</a:t>
-            </a:r>
-            <a:r>
-              <a:rPr lang="en-US" sz="2800" dirty="0">
-                <a:solidFill>
-                  <a:srgbClr val="000000"/>
-                </a:solidFill>
-                <a:latin typeface="Consolas" panose="020B0609020204030204" pitchFamily="49" charset="0"/>
-              </a:rPr>
-              <a:t>,</a:t>
-            </a:r>
-            <a:r>
-              <a:rPr lang="en-US" sz="2800" dirty="0" err="1">
-                <a:solidFill>
-                  <a:srgbClr val="000000"/>
-                </a:solidFill>
-                <a:latin typeface="Consolas" panose="020B0609020204030204" pitchFamily="49" charset="0"/>
-              </a:rPr>
-              <a:t>i</a:t>
-            </a:r>
-            <a:r>
-              <a:rPr lang="en-US" sz="2800" dirty="0">
-                <a:solidFill>
-                  <a:srgbClr val="000000"/>
-                </a:solidFill>
-                <a:latin typeface="Consolas" panose="020B0609020204030204" pitchFamily="49" charset="0"/>
-              </a:rPr>
-              <a:t>)</a:t>
+                  <a:srgbClr val="000000"/>
+                </a:solidFill>
+                <a:latin typeface="Consolas" panose="020B0609020204030204" pitchFamily="49" charset="0"/>
+              </a:rPr>
+              <a:t>,i)</a:t>
             </a:r>
             <a:endParaRPr lang="en-US" sz="2800" b="0" dirty="0">
               <a:solidFill>
@@ -15596,8 +15551,8 @@
         </p:nvSpPr>
         <p:spPr>
           <a:xfrm>
-            <a:off x="838200" y="1780851"/>
-            <a:ext cx="8915400" cy="3046988"/>
+            <a:off x="805841" y="1356564"/>
+            <a:ext cx="8915400" cy="4893647"/>
           </a:xfrm>
           <a:prstGeom prst="rect">
             <a:avLst/>
@@ -15749,34 +15704,286 @@
           </a:p>
           <a:p>
             <a:r>
+              <a:rPr lang="fr-FR" sz="2400" dirty="0" smtClean="0">
+                <a:solidFill>
+                  <a:srgbClr val="000000"/>
+                </a:solidFill>
+                <a:latin typeface="Consolas" panose="020B0609020204030204" pitchFamily="49" charset="0"/>
+              </a:rPr>
+              <a:t>print</a:t>
+            </a:r>
+            <a:r>
               <a:rPr lang="fr-FR" sz="2400" dirty="0">
                 <a:solidFill>
                   <a:srgbClr val="000000"/>
                 </a:solidFill>
                 <a:latin typeface="Consolas" panose="020B0609020204030204" pitchFamily="49" charset="0"/>
               </a:rPr>
-              <a:t/>
-            </a:r>
-            <a:br>
+              <a:t>(</a:t>
+            </a:r>
+            <a:r>
               <a:rPr lang="fr-FR" sz="2400" dirty="0">
                 <a:solidFill>
-                  <a:srgbClr val="000000"/>
-                </a:solidFill>
-                <a:latin typeface="Consolas" panose="020B0609020204030204" pitchFamily="49" charset="0"/>
-              </a:rPr>
-            </a:br>
+                  <a:srgbClr val="A31515"/>
+                </a:solidFill>
+                <a:latin typeface="Consolas" panose="020B0609020204030204" pitchFamily="49" charset="0"/>
+              </a:rPr>
+              <a:t>"Tuple : "</a:t>
+            </a:r>
+            <a:r>
+              <a:rPr lang="fr-FR" sz="2400" dirty="0">
+                <a:solidFill>
+                  <a:srgbClr val="000000"/>
+                </a:solidFill>
+                <a:latin typeface="Consolas" panose="020B0609020204030204" pitchFamily="49" charset="0"/>
+              </a:rPr>
+              <a:t>,t)</a:t>
+            </a:r>
+          </a:p>
+          <a:p>
+            <a:r>
+              <a:rPr lang="fr-FR" sz="2400" dirty="0">
+                <a:solidFill>
+                  <a:srgbClr val="000000"/>
+                </a:solidFill>
+                <a:latin typeface="Consolas" panose="020B0609020204030204" pitchFamily="49" charset="0"/>
+              </a:rPr>
+              <a:t>print(</a:t>
+            </a:r>
+            <a:r>
+              <a:rPr lang="fr-FR" sz="2400" dirty="0">
+                <a:solidFill>
+                  <a:srgbClr val="A31515"/>
+                </a:solidFill>
+                <a:latin typeface="Consolas" panose="020B0609020204030204" pitchFamily="49" charset="0"/>
+              </a:rPr>
+              <a:t>"Tuple type() : "</a:t>
+            </a:r>
+            <a:r>
+              <a:rPr lang="fr-FR" sz="2400" dirty="0">
+                <a:solidFill>
+                  <a:srgbClr val="000000"/>
+                </a:solidFill>
+                <a:latin typeface="Consolas" panose="020B0609020204030204" pitchFamily="49" charset="0"/>
+              </a:rPr>
+              <a:t>,type(t)) </a:t>
+            </a:r>
+          </a:p>
+          <a:p>
+            <a:r>
+              <a:rPr lang="fr-FR" sz="2400" dirty="0">
+                <a:solidFill>
+                  <a:srgbClr val="000000"/>
+                </a:solidFill>
+                <a:latin typeface="Consolas" panose="020B0609020204030204" pitchFamily="49" charset="0"/>
+              </a:rPr>
+              <a:t>print(</a:t>
+            </a:r>
+            <a:r>
+              <a:rPr lang="fr-FR" sz="2400" dirty="0">
+                <a:solidFill>
+                  <a:srgbClr val="A31515"/>
+                </a:solidFill>
+                <a:latin typeface="Consolas" panose="020B0609020204030204" pitchFamily="49" charset="0"/>
+              </a:rPr>
+              <a:t>"Tuple </a:t>
+            </a:r>
             <a:r>
               <a:rPr lang="fr-FR" sz="2400" dirty="0" err="1">
                 <a:solidFill>
-                  <a:srgbClr val="000000"/>
-                </a:solidFill>
-                <a:latin typeface="Consolas" panose="020B0609020204030204" pitchFamily="49" charset="0"/>
-              </a:rPr>
-              <a:t>print</a:t>
+                  <a:srgbClr val="A31515"/>
+                </a:solidFill>
+                <a:latin typeface="Consolas" panose="020B0609020204030204" pitchFamily="49" charset="0"/>
+              </a:rPr>
+              <a:t>length</a:t>
             </a:r>
             <a:r>
               <a:rPr lang="fr-FR" sz="2400" dirty="0">
                 <a:solidFill>
+                  <a:srgbClr val="A31515"/>
+                </a:solidFill>
+                <a:latin typeface="Consolas" panose="020B0609020204030204" pitchFamily="49" charset="0"/>
+              </a:rPr>
+              <a:t> : "</a:t>
+            </a:r>
+            <a:r>
+              <a:rPr lang="fr-FR" sz="2400" dirty="0">
+                <a:solidFill>
+                  <a:srgbClr val="000000"/>
+                </a:solidFill>
+                <a:latin typeface="Consolas" panose="020B0609020204030204" pitchFamily="49" charset="0"/>
+              </a:rPr>
+              <a:t>,</a:t>
+            </a:r>
+            <a:r>
+              <a:rPr lang="fr-FR" sz="2400" dirty="0" err="1">
+                <a:solidFill>
+                  <a:srgbClr val="000000"/>
+                </a:solidFill>
+                <a:latin typeface="Consolas" panose="020B0609020204030204" pitchFamily="49" charset="0"/>
+              </a:rPr>
+              <a:t>len</a:t>
+            </a:r>
+            <a:r>
+              <a:rPr lang="fr-FR" sz="2400" dirty="0">
+                <a:solidFill>
+                  <a:srgbClr val="000000"/>
+                </a:solidFill>
+                <a:latin typeface="Consolas" panose="020B0609020204030204" pitchFamily="49" charset="0"/>
+              </a:rPr>
+              <a:t>(t)) </a:t>
+            </a:r>
+          </a:p>
+          <a:p>
+            <a:r>
+              <a:rPr lang="fr-FR" sz="2400" dirty="0">
+                <a:solidFill>
+                  <a:srgbClr val="000000"/>
+                </a:solidFill>
+                <a:latin typeface="Consolas" panose="020B0609020204030204" pitchFamily="49" charset="0"/>
+              </a:rPr>
+              <a:t>print(</a:t>
+            </a:r>
+            <a:r>
+              <a:rPr lang="fr-FR" sz="2400" dirty="0">
+                <a:solidFill>
+                  <a:srgbClr val="A31515"/>
+                </a:solidFill>
+                <a:latin typeface="Consolas" panose="020B0609020204030204" pitchFamily="49" charset="0"/>
+              </a:rPr>
+              <a:t>"Tuple[0] : "</a:t>
+            </a:r>
+            <a:r>
+              <a:rPr lang="fr-FR" sz="2400" dirty="0">
+                <a:solidFill>
+                  <a:srgbClr val="000000"/>
+                </a:solidFill>
+                <a:latin typeface="Consolas" panose="020B0609020204030204" pitchFamily="49" charset="0"/>
+              </a:rPr>
+              <a:t>,t[</a:t>
+            </a:r>
+            <a:r>
+              <a:rPr lang="fr-FR" sz="2400" dirty="0">
+                <a:solidFill>
+                  <a:srgbClr val="09885A"/>
+                </a:solidFill>
+                <a:latin typeface="Consolas" panose="020B0609020204030204" pitchFamily="49" charset="0"/>
+              </a:rPr>
+              <a:t>0</a:t>
+            </a:r>
+            <a:r>
+              <a:rPr lang="fr-FR" sz="2400" dirty="0">
+                <a:solidFill>
+                  <a:srgbClr val="000000"/>
+                </a:solidFill>
+                <a:latin typeface="Consolas" panose="020B0609020204030204" pitchFamily="49" charset="0"/>
+              </a:rPr>
+              <a:t>]) </a:t>
+            </a:r>
+          </a:p>
+          <a:p>
+            <a:r>
+              <a:rPr lang="fr-FR" sz="2400" dirty="0">
+                <a:solidFill>
+                  <a:srgbClr val="000000"/>
+                </a:solidFill>
+                <a:latin typeface="Consolas" panose="020B0609020204030204" pitchFamily="49" charset="0"/>
+              </a:rPr>
+              <a:t>print(</a:t>
+            </a:r>
+            <a:r>
+              <a:rPr lang="fr-FR" sz="2400" dirty="0">
+                <a:solidFill>
+                  <a:srgbClr val="A31515"/>
+                </a:solidFill>
+                <a:latin typeface="Consolas" panose="020B0609020204030204" pitchFamily="49" charset="0"/>
+              </a:rPr>
+              <a:t>"Tuple[5] : "</a:t>
+            </a:r>
+            <a:r>
+              <a:rPr lang="fr-FR" sz="2400" dirty="0">
+                <a:solidFill>
+                  <a:srgbClr val="000000"/>
+                </a:solidFill>
+                <a:latin typeface="Consolas" panose="020B0609020204030204" pitchFamily="49" charset="0"/>
+              </a:rPr>
+              <a:t>,t[</a:t>
+            </a:r>
+            <a:r>
+              <a:rPr lang="fr-FR" sz="2400" dirty="0">
+                <a:solidFill>
+                  <a:srgbClr val="09885A"/>
+                </a:solidFill>
+                <a:latin typeface="Consolas" panose="020B0609020204030204" pitchFamily="49" charset="0"/>
+              </a:rPr>
+              <a:t>5</a:t>
+            </a:r>
+            <a:r>
+              <a:rPr lang="fr-FR" sz="2400" dirty="0">
+                <a:solidFill>
+                  <a:srgbClr val="000000"/>
+                </a:solidFill>
+                <a:latin typeface="Consolas" panose="020B0609020204030204" pitchFamily="49" charset="0"/>
+              </a:rPr>
+              <a:t>]) </a:t>
+            </a:r>
+            <a:endParaRPr lang="fr-FR" sz="2400" dirty="0" smtClean="0">
+              <a:solidFill>
+                <a:srgbClr val="000000"/>
+              </a:solidFill>
+              <a:latin typeface="Consolas" panose="020B0609020204030204" pitchFamily="49" charset="0"/>
+            </a:endParaRPr>
+          </a:p>
+          <a:p>
+            <a:endParaRPr lang="fr-FR" sz="2400" dirty="0">
+              <a:solidFill>
+                <a:srgbClr val="000000"/>
+              </a:solidFill>
+              <a:latin typeface="Consolas" panose="020B0609020204030204" pitchFamily="49" charset="0"/>
+            </a:endParaRPr>
+          </a:p>
+          <a:p>
+            <a:r>
+              <a:rPr lang="fr-FR" sz="2400" dirty="0" err="1" smtClean="0">
+                <a:solidFill>
+                  <a:srgbClr val="000000"/>
+                </a:solidFill>
+                <a:latin typeface="Consolas" panose="020B0609020204030204" pitchFamily="49" charset="0"/>
+              </a:rPr>
+              <a:t>tp</a:t>
+            </a:r>
+            <a:r>
+              <a:rPr lang="fr-FR" sz="2400" dirty="0" smtClean="0">
+                <a:solidFill>
+                  <a:srgbClr val="000000"/>
+                </a:solidFill>
+                <a:latin typeface="Consolas" panose="020B0609020204030204" pitchFamily="49" charset="0"/>
+              </a:rPr>
+              <a:t> = (‘JSON’,’cricket’,’</a:t>
+            </a:r>
+            <a:r>
+              <a:rPr lang="fr-FR" sz="2400" dirty="0" err="1" smtClean="0">
+                <a:solidFill>
+                  <a:srgbClr val="000000"/>
+                </a:solidFill>
+                <a:latin typeface="Consolas" panose="020B0609020204030204" pitchFamily="49" charset="0"/>
+              </a:rPr>
+              <a:t>nepal</a:t>
+            </a:r>
+            <a:r>
+              <a:rPr lang="fr-FR" sz="2400" dirty="0" smtClean="0">
+                <a:solidFill>
+                  <a:srgbClr val="000000"/>
+                </a:solidFill>
+                <a:latin typeface="Consolas" panose="020B0609020204030204" pitchFamily="49" charset="0"/>
+              </a:rPr>
+              <a:t>’)</a:t>
+            </a:r>
+          </a:p>
+          <a:p>
+            <a:r>
+              <a:rPr lang="fr-FR" sz="2400" dirty="0" smtClean="0">
+                <a:solidFill>
                   <a:srgbClr val="000000"/>
                 </a:solidFill>
                 <a:latin typeface="Consolas" panose="020B0609020204030204" pitchFamily="49" charset="0"/>
@@ -15784,337 +15991,110 @@
               <a:t>(</a:t>
             </a:r>
             <a:r>
-              <a:rPr lang="fr-FR" sz="2400" dirty="0">
-                <a:solidFill>
-                  <a:srgbClr val="A31515"/>
-                </a:solidFill>
-                <a:latin typeface="Consolas" panose="020B0609020204030204" pitchFamily="49" charset="0"/>
-              </a:rPr>
-              <a:t>"</a:t>
-            </a:r>
-            <a:r>
-              <a:rPr lang="fr-FR" sz="2400" dirty="0" err="1">
-                <a:solidFill>
-                  <a:srgbClr val="A31515"/>
-                </a:solidFill>
-                <a:latin typeface="Consolas" panose="020B0609020204030204" pitchFamily="49" charset="0"/>
-              </a:rPr>
-              <a:t>Tuple</a:t>
-            </a:r>
-            <a:r>
-              <a:rPr lang="fr-FR" sz="2400" dirty="0">
-                <a:solidFill>
-                  <a:srgbClr val="A31515"/>
-                </a:solidFill>
-                <a:latin typeface="Consolas" panose="020B0609020204030204" pitchFamily="49" charset="0"/>
-              </a:rPr>
-              <a:t> : "</a:t>
-            </a:r>
-            <a:r>
-              <a:rPr lang="fr-FR" sz="2400" dirty="0">
-                <a:solidFill>
-                  <a:srgbClr val="000000"/>
-                </a:solidFill>
-                <a:latin typeface="Consolas" panose="020B0609020204030204" pitchFamily="49" charset="0"/>
-              </a:rPr>
-              <a:t>,t)</a:t>
-            </a:r>
-          </a:p>
-          <a:p>
-            <a:r>
-              <a:rPr lang="fr-FR" sz="2400" dirty="0" err="1">
-                <a:solidFill>
-                  <a:srgbClr val="000000"/>
-                </a:solidFill>
-                <a:latin typeface="Consolas" panose="020B0609020204030204" pitchFamily="49" charset="0"/>
-              </a:rPr>
-              <a:t>print</a:t>
-            </a:r>
-            <a:r>
-              <a:rPr lang="fr-FR" sz="2400" dirty="0">
-                <a:solidFill>
-                  <a:srgbClr val="000000"/>
-                </a:solidFill>
-                <a:latin typeface="Consolas" panose="020B0609020204030204" pitchFamily="49" charset="0"/>
-              </a:rPr>
-              <a:t>(</a:t>
-            </a:r>
-            <a:r>
-              <a:rPr lang="fr-FR" sz="2400" dirty="0">
-                <a:solidFill>
-                  <a:srgbClr val="A31515"/>
-                </a:solidFill>
-                <a:latin typeface="Consolas" panose="020B0609020204030204" pitchFamily="49" charset="0"/>
-              </a:rPr>
-              <a:t>"</a:t>
-            </a:r>
-            <a:r>
-              <a:rPr lang="fr-FR" sz="2400" dirty="0" err="1">
-                <a:solidFill>
-                  <a:srgbClr val="A31515"/>
-                </a:solidFill>
-                <a:latin typeface="Consolas" panose="020B0609020204030204" pitchFamily="49" charset="0"/>
-              </a:rPr>
-              <a:t>Tuple</a:t>
-            </a:r>
-            <a:r>
-              <a:rPr lang="fr-FR" sz="2400" dirty="0">
-                <a:solidFill>
-                  <a:srgbClr val="A31515"/>
-                </a:solidFill>
-                <a:latin typeface="Consolas" panose="020B0609020204030204" pitchFamily="49" charset="0"/>
-              </a:rPr>
-              <a:t> type() : "</a:t>
-            </a:r>
-            <a:r>
-              <a:rPr lang="fr-FR" sz="2400" dirty="0">
-                <a:solidFill>
-                  <a:srgbClr val="000000"/>
-                </a:solidFill>
-                <a:latin typeface="Consolas" panose="020B0609020204030204" pitchFamily="49" charset="0"/>
-              </a:rPr>
-              <a:t>,type(t)) </a:t>
-            </a:r>
-          </a:p>
-          <a:p>
-            <a:r>
-              <a:rPr lang="fr-FR" sz="2400" dirty="0" err="1">
-                <a:solidFill>
-                  <a:srgbClr val="000000"/>
-                </a:solidFill>
-                <a:latin typeface="Consolas" panose="020B0609020204030204" pitchFamily="49" charset="0"/>
-              </a:rPr>
-              <a:t>print</a:t>
-            </a:r>
-            <a:r>
-              <a:rPr lang="fr-FR" sz="2400" dirty="0">
-                <a:solidFill>
-                  <a:srgbClr val="000000"/>
-                </a:solidFill>
-                <a:latin typeface="Consolas" panose="020B0609020204030204" pitchFamily="49" charset="0"/>
-              </a:rPr>
-              <a:t>(</a:t>
-            </a:r>
-            <a:r>
-              <a:rPr lang="fr-FR" sz="2400" dirty="0">
-                <a:solidFill>
-                  <a:srgbClr val="A31515"/>
-                </a:solidFill>
-                <a:latin typeface="Consolas" panose="020B0609020204030204" pitchFamily="49" charset="0"/>
-              </a:rPr>
-              <a:t>"</a:t>
-            </a:r>
-            <a:r>
-              <a:rPr lang="fr-FR" sz="2400" dirty="0" err="1">
-                <a:solidFill>
-                  <a:srgbClr val="A31515"/>
-                </a:solidFill>
-                <a:latin typeface="Consolas" panose="020B0609020204030204" pitchFamily="49" charset="0"/>
-              </a:rPr>
-              <a:t>Tuple</a:t>
-            </a:r>
-            <a:r>
-              <a:rPr lang="fr-FR" sz="2400" dirty="0">
-                <a:solidFill>
-                  <a:srgbClr val="A31515"/>
-                </a:solidFill>
-                <a:latin typeface="Consolas" panose="020B0609020204030204" pitchFamily="49" charset="0"/>
-              </a:rPr>
-              <a:t> </a:t>
-            </a:r>
-            <a:r>
-              <a:rPr lang="fr-FR" sz="2400" dirty="0" err="1">
-                <a:solidFill>
-                  <a:srgbClr val="A31515"/>
-                </a:solidFill>
-                <a:latin typeface="Consolas" panose="020B0609020204030204" pitchFamily="49" charset="0"/>
-              </a:rPr>
-              <a:t>length</a:t>
-            </a:r>
-            <a:r>
-              <a:rPr lang="fr-FR" sz="2400" dirty="0">
-                <a:solidFill>
-                  <a:srgbClr val="A31515"/>
-                </a:solidFill>
-                <a:latin typeface="Consolas" panose="020B0609020204030204" pitchFamily="49" charset="0"/>
-              </a:rPr>
-              <a:t> : "</a:t>
-            </a:r>
-            <a:r>
-              <a:rPr lang="fr-FR" sz="2400" dirty="0">
-                <a:solidFill>
-                  <a:srgbClr val="000000"/>
-                </a:solidFill>
-                <a:latin typeface="Consolas" panose="020B0609020204030204" pitchFamily="49" charset="0"/>
-              </a:rPr>
-              <a:t>,</a:t>
-            </a:r>
-            <a:r>
-              <a:rPr lang="fr-FR" sz="2400" dirty="0" err="1">
-                <a:solidFill>
-                  <a:srgbClr val="000000"/>
-                </a:solidFill>
-                <a:latin typeface="Consolas" panose="020B0609020204030204" pitchFamily="49" charset="0"/>
-              </a:rPr>
-              <a:t>len</a:t>
-            </a:r>
-            <a:r>
-              <a:rPr lang="fr-FR" sz="2400" dirty="0">
-                <a:solidFill>
-                  <a:srgbClr val="000000"/>
-                </a:solidFill>
-                <a:latin typeface="Consolas" panose="020B0609020204030204" pitchFamily="49" charset="0"/>
-              </a:rPr>
-              <a:t>(t)) </a:t>
-            </a:r>
-          </a:p>
-          <a:p>
-            <a:r>
-              <a:rPr lang="fr-FR" sz="2400" dirty="0" err="1">
-                <a:solidFill>
-                  <a:srgbClr val="000000"/>
-                </a:solidFill>
-                <a:latin typeface="Consolas" panose="020B0609020204030204" pitchFamily="49" charset="0"/>
-              </a:rPr>
-              <a:t>print</a:t>
-            </a:r>
-            <a:r>
-              <a:rPr lang="fr-FR" sz="2400" dirty="0">
-                <a:solidFill>
-                  <a:srgbClr val="000000"/>
-                </a:solidFill>
-                <a:latin typeface="Consolas" panose="020B0609020204030204" pitchFamily="49" charset="0"/>
-              </a:rPr>
-              <a:t>(</a:t>
-            </a:r>
-            <a:r>
-              <a:rPr lang="fr-FR" sz="2400" dirty="0">
-                <a:solidFill>
-                  <a:srgbClr val="A31515"/>
-                </a:solidFill>
-                <a:latin typeface="Consolas" panose="020B0609020204030204" pitchFamily="49" charset="0"/>
-              </a:rPr>
-              <a:t>"</a:t>
-            </a:r>
-            <a:r>
-              <a:rPr lang="fr-FR" sz="2400" dirty="0" err="1">
-                <a:solidFill>
-                  <a:srgbClr val="A31515"/>
-                </a:solidFill>
-                <a:latin typeface="Consolas" panose="020B0609020204030204" pitchFamily="49" charset="0"/>
-              </a:rPr>
-              <a:t>Tuple</a:t>
-            </a:r>
-            <a:r>
-              <a:rPr lang="fr-FR" sz="2400" dirty="0">
-                <a:solidFill>
-                  <a:srgbClr val="A31515"/>
-                </a:solidFill>
-                <a:latin typeface="Consolas" panose="020B0609020204030204" pitchFamily="49" charset="0"/>
-              </a:rPr>
-              <a:t>[0] : "</a:t>
-            </a:r>
-            <a:r>
-              <a:rPr lang="fr-FR" sz="2400" dirty="0">
-                <a:solidFill>
-                  <a:srgbClr val="000000"/>
-                </a:solidFill>
-                <a:latin typeface="Consolas" panose="020B0609020204030204" pitchFamily="49" charset="0"/>
-              </a:rPr>
-              <a:t>,t[</a:t>
-            </a:r>
-            <a:r>
-              <a:rPr lang="fr-FR" sz="2400" dirty="0">
-                <a:solidFill>
-                  <a:srgbClr val="09885A"/>
-                </a:solidFill>
-                <a:latin typeface="Consolas" panose="020B0609020204030204" pitchFamily="49" charset="0"/>
-              </a:rPr>
-              <a:t>0</a:t>
-            </a:r>
-            <a:r>
-              <a:rPr lang="fr-FR" sz="2400" dirty="0">
-                <a:solidFill>
-                  <a:srgbClr val="000000"/>
-                </a:solidFill>
-                <a:latin typeface="Consolas" panose="020B0609020204030204" pitchFamily="49" charset="0"/>
-              </a:rPr>
-              <a:t>]) </a:t>
-            </a:r>
-          </a:p>
-          <a:p>
-            <a:r>
-              <a:rPr lang="fr-FR" sz="2400" dirty="0" err="1">
-                <a:solidFill>
-                  <a:srgbClr val="000000"/>
-                </a:solidFill>
-                <a:latin typeface="Consolas" panose="020B0609020204030204" pitchFamily="49" charset="0"/>
-              </a:rPr>
-              <a:t>print</a:t>
-            </a:r>
-            <a:r>
-              <a:rPr lang="fr-FR" sz="2400" dirty="0">
-                <a:solidFill>
-                  <a:srgbClr val="000000"/>
-                </a:solidFill>
-                <a:latin typeface="Consolas" panose="020B0609020204030204" pitchFamily="49" charset="0"/>
-              </a:rPr>
-              <a:t>(</a:t>
-            </a:r>
-            <a:r>
-              <a:rPr lang="fr-FR" sz="2400" dirty="0">
-                <a:solidFill>
-                  <a:srgbClr val="A31515"/>
-                </a:solidFill>
-                <a:latin typeface="Consolas" panose="020B0609020204030204" pitchFamily="49" charset="0"/>
-              </a:rPr>
-              <a:t>"</a:t>
-            </a:r>
-            <a:r>
-              <a:rPr lang="fr-FR" sz="2400" dirty="0" err="1">
-                <a:solidFill>
-                  <a:srgbClr val="A31515"/>
-                </a:solidFill>
-                <a:latin typeface="Consolas" panose="020B0609020204030204" pitchFamily="49" charset="0"/>
-              </a:rPr>
-              <a:t>Tuple</a:t>
-            </a:r>
-            <a:r>
-              <a:rPr lang="fr-FR" sz="2400" dirty="0">
-                <a:solidFill>
-                  <a:srgbClr val="A31515"/>
-                </a:solidFill>
-                <a:latin typeface="Consolas" panose="020B0609020204030204" pitchFamily="49" charset="0"/>
-              </a:rPr>
-              <a:t>[5] : "</a:t>
-            </a:r>
-            <a:r>
-              <a:rPr lang="fr-FR" sz="2400" dirty="0">
-                <a:solidFill>
-                  <a:srgbClr val="000000"/>
-                </a:solidFill>
-                <a:latin typeface="Consolas" panose="020B0609020204030204" pitchFamily="49" charset="0"/>
-              </a:rPr>
-              <a:t>,t[</a:t>
-            </a:r>
-            <a:r>
-              <a:rPr lang="fr-FR" sz="2400" dirty="0">
-                <a:solidFill>
-                  <a:srgbClr val="09885A"/>
-                </a:solidFill>
-                <a:latin typeface="Consolas" panose="020B0609020204030204" pitchFamily="49" charset="0"/>
-              </a:rPr>
-              <a:t>5</a:t>
-            </a:r>
-            <a:r>
-              <a:rPr lang="fr-FR" sz="2400" dirty="0">
-                <a:solidFill>
-                  <a:srgbClr val="000000"/>
-                </a:solidFill>
-                <a:latin typeface="Consolas" panose="020B0609020204030204" pitchFamily="49" charset="0"/>
-              </a:rPr>
-              <a:t>]) </a:t>
-            </a:r>
+              <a:rPr lang="fr-FR" sz="2400" dirty="0" err="1" smtClean="0">
+                <a:solidFill>
+                  <a:srgbClr val="000000"/>
+                </a:solidFill>
+                <a:latin typeface="Consolas" panose="020B0609020204030204" pitchFamily="49" charset="0"/>
+              </a:rPr>
+              <a:t>file,game,country</a:t>
+            </a:r>
+            <a:r>
+              <a:rPr lang="fr-FR" sz="2400" dirty="0" smtClean="0">
+                <a:solidFill>
+                  <a:srgbClr val="000000"/>
+                </a:solidFill>
+                <a:latin typeface="Consolas" panose="020B0609020204030204" pitchFamily="49" charset="0"/>
+              </a:rPr>
+              <a:t>)=</a:t>
+            </a:r>
+            <a:r>
+              <a:rPr lang="fr-FR" sz="2400" dirty="0" err="1" smtClean="0">
+                <a:solidFill>
+                  <a:srgbClr val="000000"/>
+                </a:solidFill>
+                <a:latin typeface="Consolas" panose="020B0609020204030204" pitchFamily="49" charset="0"/>
+              </a:rPr>
+              <a:t>tp</a:t>
+            </a:r>
+            <a:r>
+              <a:rPr lang="fr-FR" sz="2400" dirty="0" smtClean="0">
+                <a:solidFill>
+                  <a:srgbClr val="000000"/>
+                </a:solidFill>
+                <a:latin typeface="Consolas" panose="020B0609020204030204" pitchFamily="49" charset="0"/>
+              </a:rPr>
+              <a:t>         </a:t>
+            </a:r>
+            <a:r>
+              <a:rPr lang="fr-FR" sz="2400" dirty="0" smtClean="0">
+                <a:solidFill>
+                  <a:schemeClr val="accent6">
+                    <a:lumMod val="50000"/>
+                  </a:schemeClr>
+                </a:solidFill>
+                <a:latin typeface="Consolas" panose="020B0609020204030204" pitchFamily="49" charset="0"/>
+              </a:rPr>
+              <a:t>#</a:t>
+            </a:r>
+            <a:r>
+              <a:rPr lang="fr-FR" sz="2400" dirty="0" err="1" smtClean="0">
+                <a:solidFill>
+                  <a:schemeClr val="accent6">
+                    <a:lumMod val="50000"/>
+                  </a:schemeClr>
+                </a:solidFill>
+                <a:latin typeface="Consolas" panose="020B0609020204030204" pitchFamily="49" charset="0"/>
+              </a:rPr>
+              <a:t>unpacking</a:t>
+            </a:r>
+            <a:endParaRPr lang="fr-FR" sz="2400" dirty="0" smtClean="0">
+              <a:solidFill>
+                <a:schemeClr val="accent6">
+                  <a:lumMod val="50000"/>
+                </a:schemeClr>
+              </a:solidFill>
+              <a:latin typeface="Consolas" panose="020B0609020204030204" pitchFamily="49" charset="0"/>
+            </a:endParaRPr>
+          </a:p>
+          <a:p>
+            <a:r>
+              <a:rPr lang="fr-FR" sz="2400" dirty="0" smtClean="0">
+                <a:solidFill>
+                  <a:srgbClr val="000000"/>
+                </a:solidFill>
+                <a:latin typeface="Consolas" panose="020B0609020204030204" pitchFamily="49" charset="0"/>
+              </a:rPr>
+              <a:t>&gt;&gt;&gt; file #JSON</a:t>
+            </a:r>
+          </a:p>
+          <a:p>
+            <a:r>
+              <a:rPr lang="fr-FR" sz="2400" dirty="0" smtClean="0">
+                <a:solidFill>
+                  <a:srgbClr val="000000"/>
+                </a:solidFill>
+                <a:latin typeface="Consolas" panose="020B0609020204030204" pitchFamily="49" charset="0"/>
+              </a:rPr>
+              <a:t>&gt;&gt;&gt; country #</a:t>
+            </a:r>
+            <a:r>
+              <a:rPr lang="fr-FR" sz="2400" dirty="0" err="1" smtClean="0">
+                <a:solidFill>
+                  <a:srgbClr val="000000"/>
+                </a:solidFill>
+                <a:latin typeface="Consolas" panose="020B0609020204030204" pitchFamily="49" charset="0"/>
+              </a:rPr>
+              <a:t>nepal</a:t>
+            </a:r>
+            <a:endParaRPr lang="fr-FR" sz="2400" dirty="0" smtClean="0">
+              <a:solidFill>
+                <a:srgbClr val="000000"/>
+              </a:solidFill>
+              <a:latin typeface="Consolas" panose="020B0609020204030204" pitchFamily="49" charset="0"/>
+            </a:endParaRPr>
+          </a:p>
+          <a:p>
             <a:endParaRPr lang="fr-FR" sz="2400" b="0" dirty="0">
               <a:solidFill>
                 <a:srgbClr val="000000"/>
@@ -16535,7 +16515,7 @@
         <p:spPr>
           <a:xfrm>
             <a:off x="536028" y="1408580"/>
-            <a:ext cx="11403724" cy="3416320"/>
+            <a:ext cx="11403724" cy="3693319"/>
           </a:xfrm>
           <a:prstGeom prst="rect">
             <a:avLst/>
@@ -17051,22 +17031,32 @@
           </a:p>
           <a:p>
             <a:r>
+              <a:rPr lang="en-US" dirty="0" smtClean="0">
+                <a:solidFill>
+                  <a:srgbClr val="000000"/>
+                </a:solidFill>
+                <a:latin typeface="Consolas" panose="020B0609020204030204" pitchFamily="49" charset="0"/>
+              </a:rPr>
+              <a:t>print</a:t>
+            </a:r>
+            <a:r>
               <a:rPr lang="en-US" dirty="0">
                 <a:solidFill>
                   <a:srgbClr val="000000"/>
                 </a:solidFill>
                 <a:latin typeface="Consolas" panose="020B0609020204030204" pitchFamily="49" charset="0"/>
               </a:rPr>
-              <a:t/>
-            </a:r>
-            <a:br>
+              <a:t>(</a:t>
+            </a:r>
+            <a:r>
               <a:rPr lang="en-US" dirty="0">
                 <a:solidFill>
-                  <a:srgbClr val="000000"/>
-                </a:solidFill>
-                <a:latin typeface="Consolas" panose="020B0609020204030204" pitchFamily="49" charset="0"/>
-              </a:rPr>
-            </a:br>
+                  <a:srgbClr val="A31515"/>
+                </a:solidFill>
+                <a:latin typeface="Consolas" panose="020B0609020204030204" pitchFamily="49" charset="0"/>
+              </a:rPr>
+              <a:t>"Type() : "</a:t>
+            </a:r>
             <a:r>
               <a:rPr lang="en-US" dirty="0">
                 <a:solidFill>
@@ -17074,6 +17064,17 @@
                 </a:solidFill>
                 <a:latin typeface="Consolas" panose="020B0609020204030204" pitchFamily="49" charset="0"/>
               </a:rPr>
+              <a:t>,type(d)) </a:t>
+            </a:r>
+          </a:p>
+          <a:p>
+            <a:r>
+              <a:rPr lang="en-US" dirty="0">
+                <a:solidFill>
+                  <a:srgbClr val="000000"/>
+                </a:solidFill>
+                <a:latin typeface="Consolas" panose="020B0609020204030204" pitchFamily="49" charset="0"/>
+              </a:rPr>
               <a:t>print(</a:t>
             </a:r>
             <a:r>
@@ -17083,7 +17084,7 @@
                 </a:solidFill>
                 <a:latin typeface="Consolas" panose="020B0609020204030204" pitchFamily="49" charset="0"/>
               </a:rPr>
-              <a:t>"Dictionary : "</a:t>
+              <a:t>"Length : "</a:t>
             </a:r>
             <a:r>
               <a:rPr lang="en-US" dirty="0">
@@ -17092,10 +17093,19 @@
                 </a:solidFill>
                 <a:latin typeface="Consolas" panose="020B0609020204030204" pitchFamily="49" charset="0"/>
               </a:rPr>
-              <a:t>,d)</a:t>
-            </a:r>
-          </a:p>
-          <a:p>
+              <a:t>,len(d)) </a:t>
+            </a:r>
+          </a:p>
+          <a:p>
+            <a:r>
+              <a:rPr lang="en-US" dirty="0" smtClean="0">
+                <a:solidFill>
+                  <a:srgbClr val="000000"/>
+                </a:solidFill>
+                <a:latin typeface="Consolas" panose="020B0609020204030204" pitchFamily="49" charset="0"/>
+              </a:rPr>
+              <a:t>print</a:t>
+            </a:r>
             <a:r>
               <a:rPr lang="en-US" dirty="0">
                 <a:solidFill>
@@ -17103,7 +17113,7 @@
                 </a:solidFill>
                 <a:latin typeface="Consolas" panose="020B0609020204030204" pitchFamily="49" charset="0"/>
               </a:rPr>
-              <a:t>print(</a:t>
+              <a:t>(</a:t>
             </a:r>
             <a:r>
               <a:rPr lang="en-US" dirty="0">
@@ -17112,118 +17122,7 @@
                 </a:solidFill>
                 <a:latin typeface="Consolas" panose="020B0609020204030204" pitchFamily="49" charset="0"/>
               </a:rPr>
-              <a:t>"Type() : "</a:t>
-            </a:r>
-            <a:r>
-              <a:rPr lang="en-US" dirty="0">
-                <a:solidFill>
-                  <a:srgbClr val="000000"/>
-                </a:solidFill>
-                <a:latin typeface="Consolas" panose="020B0609020204030204" pitchFamily="49" charset="0"/>
-              </a:rPr>
-              <a:t>,type(d)) </a:t>
-            </a:r>
-          </a:p>
-          <a:p>
-            <a:r>
-              <a:rPr lang="en-US" dirty="0">
-                <a:solidFill>
-                  <a:srgbClr val="000000"/>
-                </a:solidFill>
-                <a:latin typeface="Consolas" panose="020B0609020204030204" pitchFamily="49" charset="0"/>
-              </a:rPr>
-              <a:t>print(</a:t>
-            </a:r>
-            <a:r>
-              <a:rPr lang="en-US" dirty="0">
-                <a:solidFill>
-                  <a:srgbClr val="A31515"/>
-                </a:solidFill>
-                <a:latin typeface="Consolas" panose="020B0609020204030204" pitchFamily="49" charset="0"/>
-              </a:rPr>
-              <a:t>"Length : "</a:t>
-            </a:r>
-            <a:r>
-              <a:rPr lang="en-US" dirty="0">
-                <a:solidFill>
-                  <a:srgbClr val="000000"/>
-                </a:solidFill>
-                <a:latin typeface="Consolas" panose="020B0609020204030204" pitchFamily="49" charset="0"/>
-              </a:rPr>
-              <a:t>,</a:t>
-            </a:r>
-            <a:r>
-              <a:rPr lang="en-US" dirty="0" err="1">
-                <a:solidFill>
-                  <a:srgbClr val="000000"/>
-                </a:solidFill>
-                <a:latin typeface="Consolas" panose="020B0609020204030204" pitchFamily="49" charset="0"/>
-              </a:rPr>
-              <a:t>len</a:t>
-            </a:r>
-            <a:r>
-              <a:rPr lang="en-US" dirty="0">
-                <a:solidFill>
-                  <a:srgbClr val="000000"/>
-                </a:solidFill>
-                <a:latin typeface="Consolas" panose="020B0609020204030204" pitchFamily="49" charset="0"/>
-              </a:rPr>
-              <a:t>(d)) </a:t>
-            </a:r>
-          </a:p>
-          <a:p>
-            <a:r>
-              <a:rPr lang="en-US" dirty="0">
-                <a:solidFill>
-                  <a:srgbClr val="000000"/>
-                </a:solidFill>
-                <a:latin typeface="Consolas" panose="020B0609020204030204" pitchFamily="49" charset="0"/>
-              </a:rPr>
-              <a:t/>
-            </a:r>
-            <a:br>
-              <a:rPr lang="en-US" dirty="0">
-                <a:solidFill>
-                  <a:srgbClr val="000000"/>
-                </a:solidFill>
-                <a:latin typeface="Consolas" panose="020B0609020204030204" pitchFamily="49" charset="0"/>
-              </a:rPr>
-            </a:br>
-            <a:r>
-              <a:rPr lang="en-US" dirty="0">
-                <a:solidFill>
-                  <a:srgbClr val="000000"/>
-                </a:solidFill>
-                <a:latin typeface="Consolas" panose="020B0609020204030204" pitchFamily="49" charset="0"/>
-              </a:rPr>
-              <a:t>print(</a:t>
-            </a:r>
-            <a:r>
-              <a:rPr lang="en-US" dirty="0">
-                <a:solidFill>
-                  <a:srgbClr val="A31515"/>
-                </a:solidFill>
-                <a:latin typeface="Consolas" panose="020B0609020204030204" pitchFamily="49" charset="0"/>
-              </a:rPr>
-              <a:t>"\</a:t>
-            </a:r>
-            <a:r>
-              <a:rPr lang="en-US" dirty="0" err="1">
-                <a:solidFill>
-                  <a:srgbClr val="A31515"/>
-                </a:solidFill>
-                <a:latin typeface="Consolas" panose="020B0609020204030204" pitchFamily="49" charset="0"/>
-              </a:rPr>
-              <a:t>nDictionary</a:t>
-            </a:r>
-            <a:r>
-              <a:rPr lang="en-US" dirty="0">
-                <a:solidFill>
-                  <a:srgbClr val="A31515"/>
-                </a:solidFill>
-                <a:latin typeface="Consolas" panose="020B0609020204030204" pitchFamily="49" charset="0"/>
-              </a:rPr>
-              <a:t> ['Nepal'] : "</a:t>
+              <a:t>"\nDictionary ['Nepal'] : "</a:t>
             </a:r>
             <a:r>
               <a:rPr lang="en-US" dirty="0">
@@ -17341,53 +17240,77 @@
                 </a:solidFill>
                 <a:latin typeface="Consolas" panose="020B0609020204030204" pitchFamily="49" charset="0"/>
               </a:rPr>
-              <a:t>,</a:t>
-            </a:r>
-            <a:r>
-              <a:rPr lang="en-US" dirty="0" err="1">
-                <a:solidFill>
-                  <a:srgbClr val="000000"/>
-                </a:solidFill>
-                <a:latin typeface="Consolas" panose="020B0609020204030204" pitchFamily="49" charset="0"/>
-              </a:rPr>
-              <a:t>d.get</a:t>
+              <a:t>,d.get(</a:t>
             </a:r>
             <a:r>
               <a:rPr lang="en-US" dirty="0">
                 <a:solidFill>
-                  <a:srgbClr val="000000"/>
-                </a:solidFill>
-                <a:latin typeface="Consolas" panose="020B0609020204030204" pitchFamily="49" charset="0"/>
-              </a:rPr>
-              <a:t>(</a:t>
+                  <a:srgbClr val="A31515"/>
+                </a:solidFill>
+                <a:latin typeface="Consolas" panose="020B0609020204030204" pitchFamily="49" charset="0"/>
+              </a:rPr>
+              <a:t>'Russia'</a:t>
             </a:r>
             <a:r>
               <a:rPr lang="en-US" dirty="0">
                 <a:solidFill>
-                  <a:srgbClr val="A31515"/>
-                </a:solidFill>
-                <a:latin typeface="Consolas" panose="020B0609020204030204" pitchFamily="49" charset="0"/>
-              </a:rPr>
-              <a:t>'Russia'</a:t>
+                  <a:srgbClr val="000000"/>
+                </a:solidFill>
+                <a:latin typeface="Consolas" panose="020B0609020204030204" pitchFamily="49" charset="0"/>
+              </a:rPr>
+              <a:t>)) </a:t>
             </a:r>
             <a:r>
               <a:rPr lang="en-US" dirty="0">
                 <a:solidFill>
-                  <a:srgbClr val="000000"/>
-                </a:solidFill>
-                <a:latin typeface="Consolas" panose="020B0609020204030204" pitchFamily="49" charset="0"/>
-              </a:rPr>
-              <a:t>)) </a:t>
-            </a:r>
-            <a:r>
-              <a:rPr lang="en-US" dirty="0">
-                <a:solidFill>
                   <a:srgbClr val="008000"/>
                 </a:solidFill>
                 <a:latin typeface="Consolas" panose="020B0609020204030204" pitchFamily="49" charset="0"/>
               </a:rPr>
-              <a:t>#similar to line above</a:t>
-            </a:r>
+              <a:t>#similar to line </a:t>
+            </a:r>
+            <a:r>
+              <a:rPr lang="en-US" dirty="0" smtClean="0">
+                <a:solidFill>
+                  <a:srgbClr val="008000"/>
+                </a:solidFill>
+                <a:latin typeface="Consolas" panose="020B0609020204030204" pitchFamily="49" charset="0"/>
+              </a:rPr>
+              <a:t>above</a:t>
+            </a:r>
+          </a:p>
+          <a:p>
+            <a:endParaRPr lang="en-US" b="0" dirty="0">
+              <a:solidFill>
+                <a:srgbClr val="008000"/>
+              </a:solidFill>
+              <a:effectLst/>
+              <a:latin typeface="Consolas" panose="020B0609020204030204" pitchFamily="49" charset="0"/>
+            </a:endParaRPr>
+          </a:p>
+          <a:p>
+            <a:r>
+              <a:rPr lang="en-US" b="1" u="sng" dirty="0" smtClean="0">
+                <a:solidFill>
+                  <a:srgbClr val="FF0000"/>
+                </a:solidFill>
+                <a:latin typeface="Consolas" panose="020B0609020204030204" pitchFamily="49" charset="0"/>
+              </a:rPr>
+              <a:t>k = d.keys() </a:t>
+            </a:r>
+          </a:p>
+          <a:p>
+            <a:r>
+              <a:rPr lang="en-US" b="1" u="sng" dirty="0" smtClean="0">
+                <a:solidFill>
+                  <a:srgbClr val="FF0000"/>
+                </a:solidFill>
+                <a:latin typeface="Consolas" panose="020B0609020204030204" pitchFamily="49" charset="0"/>
+              </a:rPr>
+              <a:t>v = d.values()</a:t>
+            </a:r>
+          </a:p>
+          <a:p>
             <a:endParaRPr lang="en-US" b="0" dirty="0">
               <a:solidFill>
                 <a:srgbClr val="000000"/>
@@ -17434,7 +17357,7 @@
         </p:nvSpPr>
         <p:spPr>
           <a:xfrm>
-            <a:off x="536027" y="5158962"/>
+            <a:off x="536028" y="5207195"/>
             <a:ext cx="9122979" cy="646331"/>
           </a:xfrm>
           <a:prstGeom prst="rect">
@@ -17466,13 +17389,13 @@
               <a:t> item in </a:t>
             </a:r>
             <a:r>
-              <a:rPr lang="en-US" dirty="0" err="1">
-                <a:solidFill>
-                  <a:srgbClr val="000000"/>
-                </a:solidFill>
-                <a:latin typeface="Consolas" panose="020B0609020204030204" pitchFamily="49" charset="0"/>
-              </a:rPr>
-              <a:t>d.items</a:t>
+              <a:rPr lang="en-US" b="1" u="sng" dirty="0">
+                <a:solidFill>
+                  <a:srgbClr val="FF0000"/>
+                </a:solidFill>
+                <a:latin typeface="Consolas" panose="020B0609020204030204" pitchFamily="49" charset="0"/>
+              </a:rPr>
+              <a:t>d.items():</a:t>
             </a:r>
             <a:r>
               <a:rPr lang="en-US" dirty="0">
@@ -17481,7 +17404,7 @@
                 </a:solidFill>
                 <a:latin typeface="Consolas" panose="020B0609020204030204" pitchFamily="49" charset="0"/>
               </a:rPr>
-              <a:t>():  </a:t>
+              <a:t>  </a:t>
             </a:r>
             <a:r>
               <a:rPr lang="en-US" dirty="0">
@@ -17573,10 +17496,4862 @@
           </a:p>
         </p:txBody>
       </p:sp>
+      <p:sp>
+        <p:nvSpPr>
+          <p:cNvPr id="2" name="Rectangle 1"/>
+          <p:cNvSpPr/>
+          <p:nvPr/>
+        </p:nvSpPr>
+        <p:spPr>
+          <a:xfrm>
+            <a:off x="3048000" y="4190847"/>
+            <a:ext cx="6096000" cy="646331"/>
+          </a:xfrm>
+          <a:prstGeom prst="rect">
+            <a:avLst/>
+          </a:prstGeom>
+        </p:spPr>
+        <p:txBody>
+          <a:bodyPr>
+            <a:spAutoFit/>
+          </a:bodyPr>
+          <a:lstStyle/>
+          <a:p>
+            <a:r>
+              <a:rPr lang="en-US" dirty="0">
+                <a:solidFill>
+                  <a:srgbClr val="008000"/>
+                </a:solidFill>
+                <a:latin typeface="Consolas" panose="020B0609020204030204" pitchFamily="49" charset="0"/>
+              </a:rPr>
+              <a:t>#for key in d.keys():</a:t>
+            </a:r>
+            <a:endParaRPr lang="en-US" dirty="0">
+              <a:solidFill>
+                <a:srgbClr val="000000"/>
+              </a:solidFill>
+              <a:latin typeface="Consolas" panose="020B0609020204030204" pitchFamily="49" charset="0"/>
+            </a:endParaRPr>
+          </a:p>
+          <a:p>
+            <a:r>
+              <a:rPr lang="en-US" dirty="0">
+                <a:solidFill>
+                  <a:srgbClr val="008000"/>
+                </a:solidFill>
+                <a:latin typeface="Consolas" panose="020B0609020204030204" pitchFamily="49" charset="0"/>
+              </a:rPr>
+              <a:t>#for value in d.values():</a:t>
+            </a:r>
+            <a:endParaRPr lang="en-US" b="0" dirty="0">
+              <a:solidFill>
+                <a:srgbClr val="000000"/>
+              </a:solidFill>
+              <a:effectLst/>
+              <a:latin typeface="Consolas" panose="020B0609020204030204" pitchFamily="49" charset="0"/>
+            </a:endParaRPr>
+          </a:p>
+        </p:txBody>
+      </p:sp>
     </p:spTree>
     <p:extLst>
       <p:ext uri="{BB962C8B-B14F-4D97-AF65-F5344CB8AC3E}">
         <p14:creationId xmlns:p14="http://schemas.microsoft.com/office/powerpoint/2010/main" val="2049406927"/>
+      </p:ext>
+    </p:extLst>
+  </p:cSld>
+  <p:clrMapOvr>
+    <a:masterClrMapping/>
+  </p:clrMapOvr>
+</p:sld>
+</file>
+
+<file path=ppt/slides/slide24.xml><?xml version="1.0" encoding="utf-8"?>
+<p:sld xmlns:a="http://schemas.openxmlformats.org/drawingml/2006/main" xmlns:r="http://schemas.openxmlformats.org/officeDocument/2006/relationships" xmlns:p="http://schemas.openxmlformats.org/presentationml/2006/main">
+  <p:cSld>
+    <p:spTree>
+      <p:nvGrpSpPr>
+        <p:cNvPr id="1" name=""/>
+        <p:cNvGrpSpPr/>
+        <p:nvPr/>
+      </p:nvGrpSpPr>
+      <p:grpSpPr>
+        <a:xfrm>
+          <a:off x="0" y="0"/>
+          <a:ext cx="0" cy="0"/>
+          <a:chOff x="0" y="0"/>
+          <a:chExt cx="0" cy="0"/>
+        </a:xfrm>
+      </p:grpSpPr>
+      <p:sp>
+        <p:nvSpPr>
+          <p:cNvPr id="5" name="Footer Placeholder 4"/>
+          <p:cNvSpPr>
+            <a:spLocks noGrp="1"/>
+          </p:cNvSpPr>
+          <p:nvPr>
+            <p:ph type="ftr" sz="quarter" idx="11"/>
+          </p:nvPr>
+        </p:nvSpPr>
+        <p:spPr/>
+        <p:txBody>
+          <a:bodyPr/>
+          <a:lstStyle/>
+          <a:p>
+            <a:r>
+              <a:rPr lang="en-US" smtClean="0"/>
+              <a:t>Python Programming 2017</a:t>
+            </a:r>
+            <a:endParaRPr lang="en-US"/>
+          </a:p>
+        </p:txBody>
+      </p:sp>
+      <p:sp>
+        <p:nvSpPr>
+          <p:cNvPr id="6" name="Slide Number Placeholder 5"/>
+          <p:cNvSpPr>
+            <a:spLocks noGrp="1"/>
+          </p:cNvSpPr>
+          <p:nvPr>
+            <p:ph type="sldNum" sz="quarter" idx="12"/>
+          </p:nvPr>
+        </p:nvSpPr>
+        <p:spPr/>
+        <p:txBody>
+          <a:bodyPr/>
+          <a:lstStyle/>
+          <a:p>
+            <a:fld id="{2A1B63E0-6EC5-4007-90B5-64164FE953DE}" type="slidenum">
+              <a:rPr lang="en-US" smtClean="0"/>
+              <a:t>24</a:t>
+            </a:fld>
+            <a:endParaRPr lang="en-US"/>
+          </a:p>
+        </p:txBody>
+      </p:sp>
+      <p:sp>
+        <p:nvSpPr>
+          <p:cNvPr id="7" name="Rectangle 6"/>
+          <p:cNvSpPr/>
+          <p:nvPr/>
+        </p:nvSpPr>
+        <p:spPr>
+          <a:xfrm>
+            <a:off x="914401" y="1183600"/>
+            <a:ext cx="7798676" cy="4801314"/>
+          </a:xfrm>
+          <a:prstGeom prst="rect">
+            <a:avLst/>
+          </a:prstGeom>
+        </p:spPr>
+        <p:txBody>
+          <a:bodyPr wrap="square">
+            <a:spAutoFit/>
+          </a:bodyPr>
+          <a:lstStyle/>
+          <a:p>
+            <a:r>
+              <a:rPr lang="en-US" dirty="0">
+                <a:solidFill>
+                  <a:srgbClr val="008000"/>
+                </a:solidFill>
+                <a:latin typeface="Consolas" panose="020B0609020204030204" pitchFamily="49" charset="0"/>
+              </a:rPr>
+              <a:t>#Adding key,value</a:t>
+            </a:r>
+            <a:endParaRPr lang="en-US" dirty="0">
+              <a:solidFill>
+                <a:srgbClr val="000000"/>
+              </a:solidFill>
+              <a:latin typeface="Consolas" panose="020B0609020204030204" pitchFamily="49" charset="0"/>
+            </a:endParaRPr>
+          </a:p>
+          <a:p>
+            <a:r>
+              <a:rPr lang="en-US" dirty="0" smtClean="0">
+                <a:solidFill>
+                  <a:srgbClr val="000000"/>
+                </a:solidFill>
+                <a:latin typeface="Consolas" panose="020B0609020204030204" pitchFamily="49" charset="0"/>
+              </a:rPr>
+              <a:t>d</a:t>
+            </a:r>
+            <a:r>
+              <a:rPr lang="en-US" dirty="0">
+                <a:solidFill>
+                  <a:srgbClr val="000000"/>
+                </a:solidFill>
+                <a:latin typeface="Consolas" panose="020B0609020204030204" pitchFamily="49" charset="0"/>
+              </a:rPr>
+              <a:t>[</a:t>
+            </a:r>
+            <a:r>
+              <a:rPr lang="en-US" dirty="0">
+                <a:solidFill>
+                  <a:srgbClr val="A31515"/>
+                </a:solidFill>
+                <a:latin typeface="Consolas" panose="020B0609020204030204" pitchFamily="49" charset="0"/>
+              </a:rPr>
+              <a:t>"Singapore"</a:t>
+            </a:r>
+            <a:r>
+              <a:rPr lang="en-US" dirty="0">
+                <a:solidFill>
+                  <a:srgbClr val="000000"/>
+                </a:solidFill>
+                <a:latin typeface="Consolas" panose="020B0609020204030204" pitchFamily="49" charset="0"/>
+              </a:rPr>
+              <a:t>]=</a:t>
+            </a:r>
+            <a:r>
+              <a:rPr lang="en-US" dirty="0">
+                <a:solidFill>
+                  <a:srgbClr val="A31515"/>
+                </a:solidFill>
+                <a:latin typeface="Consolas" panose="020B0609020204030204" pitchFamily="49" charset="0"/>
+              </a:rPr>
+              <a:t>"Singapore City"</a:t>
+            </a:r>
+            <a:endParaRPr lang="en-US" dirty="0">
+              <a:solidFill>
+                <a:srgbClr val="000000"/>
+              </a:solidFill>
+              <a:latin typeface="Consolas" panose="020B0609020204030204" pitchFamily="49" charset="0"/>
+            </a:endParaRPr>
+          </a:p>
+          <a:p>
+            <a:endParaRPr lang="en-US" dirty="0" smtClean="0">
+              <a:solidFill>
+                <a:srgbClr val="008000"/>
+              </a:solidFill>
+              <a:latin typeface="Consolas" panose="020B0609020204030204" pitchFamily="49" charset="0"/>
+            </a:endParaRPr>
+          </a:p>
+          <a:p>
+            <a:r>
+              <a:rPr lang="en-US" dirty="0" smtClean="0">
+                <a:solidFill>
+                  <a:srgbClr val="008000"/>
+                </a:solidFill>
+                <a:latin typeface="Consolas" panose="020B0609020204030204" pitchFamily="49" charset="0"/>
+              </a:rPr>
+              <a:t>#</a:t>
+            </a:r>
+            <a:r>
+              <a:rPr lang="en-US" dirty="0">
+                <a:solidFill>
+                  <a:srgbClr val="008000"/>
+                </a:solidFill>
+                <a:latin typeface="Consolas" panose="020B0609020204030204" pitchFamily="49" charset="0"/>
+              </a:rPr>
+              <a:t>update: concat (same keys with values provided)</a:t>
+            </a:r>
+            <a:endParaRPr lang="en-US" dirty="0">
+              <a:solidFill>
+                <a:srgbClr val="000000"/>
+              </a:solidFill>
+              <a:latin typeface="Consolas" panose="020B0609020204030204" pitchFamily="49" charset="0"/>
+            </a:endParaRPr>
+          </a:p>
+          <a:p>
+            <a:r>
+              <a:rPr lang="en-US" dirty="0">
+                <a:solidFill>
+                  <a:srgbClr val="000000"/>
+                </a:solidFill>
+                <a:latin typeface="Consolas" panose="020B0609020204030204" pitchFamily="49" charset="0"/>
+              </a:rPr>
+              <a:t>d.update({</a:t>
+            </a:r>
+            <a:r>
+              <a:rPr lang="en-US" dirty="0">
+                <a:solidFill>
+                  <a:srgbClr val="A31515"/>
+                </a:solidFill>
+                <a:latin typeface="Consolas" panose="020B0609020204030204" pitchFamily="49" charset="0"/>
+              </a:rPr>
+              <a:t>"UK"</a:t>
+            </a:r>
+            <a:r>
+              <a:rPr lang="en-US" dirty="0">
+                <a:solidFill>
+                  <a:srgbClr val="000000"/>
+                </a:solidFill>
+                <a:latin typeface="Consolas" panose="020B0609020204030204" pitchFamily="49" charset="0"/>
+              </a:rPr>
+              <a:t>:</a:t>
+            </a:r>
+            <a:r>
+              <a:rPr lang="en-US" dirty="0">
+                <a:solidFill>
+                  <a:srgbClr val="A31515"/>
+                </a:solidFill>
+                <a:latin typeface="Consolas" panose="020B0609020204030204" pitchFamily="49" charset="0"/>
+              </a:rPr>
+              <a:t>"London</a:t>
+            </a:r>
+            <a:r>
+              <a:rPr lang="en-US" dirty="0" smtClean="0">
+                <a:solidFill>
+                  <a:srgbClr val="A31515"/>
+                </a:solidFill>
+                <a:latin typeface="Consolas" panose="020B0609020204030204" pitchFamily="49" charset="0"/>
+              </a:rPr>
+              <a:t>"</a:t>
+            </a:r>
+            <a:r>
+              <a:rPr lang="en-US" dirty="0" smtClean="0">
+                <a:solidFill>
+                  <a:srgbClr val="000000"/>
+                </a:solidFill>
+                <a:latin typeface="Consolas" panose="020B0609020204030204" pitchFamily="49" charset="0"/>
+              </a:rPr>
+              <a:t>})</a:t>
+            </a:r>
+          </a:p>
+          <a:p>
+            <a:endParaRPr lang="en-US" dirty="0">
+              <a:solidFill>
+                <a:srgbClr val="000000"/>
+              </a:solidFill>
+              <a:latin typeface="Consolas" panose="020B0609020204030204" pitchFamily="49" charset="0"/>
+            </a:endParaRPr>
+          </a:p>
+          <a:p>
+            <a:r>
+              <a:rPr lang="en-US" dirty="0" smtClean="0">
+                <a:solidFill>
+                  <a:srgbClr val="008000"/>
+                </a:solidFill>
+                <a:latin typeface="Consolas" panose="020B0609020204030204" pitchFamily="49" charset="0"/>
+              </a:rPr>
+              <a:t>#</a:t>
+            </a:r>
+            <a:r>
+              <a:rPr lang="en-US" dirty="0">
+                <a:solidFill>
+                  <a:srgbClr val="008000"/>
+                </a:solidFill>
+                <a:latin typeface="Consolas" panose="020B0609020204030204" pitchFamily="49" charset="0"/>
+              </a:rPr>
+              <a:t>pop(): removes given key with its </a:t>
+            </a:r>
+            <a:r>
+              <a:rPr lang="en-US" dirty="0" smtClean="0">
+                <a:solidFill>
+                  <a:srgbClr val="008000"/>
+                </a:solidFill>
+                <a:latin typeface="Consolas" panose="020B0609020204030204" pitchFamily="49" charset="0"/>
+              </a:rPr>
+              <a:t>value</a:t>
+            </a:r>
+          </a:p>
+          <a:p>
+            <a:r>
+              <a:rPr lang="en-US" dirty="0" smtClean="0">
+                <a:solidFill>
+                  <a:srgbClr val="000000"/>
+                </a:solidFill>
+                <a:latin typeface="Consolas" panose="020B0609020204030204" pitchFamily="49" charset="0"/>
+              </a:rPr>
+              <a:t>d.pop</a:t>
+            </a:r>
+            <a:r>
+              <a:rPr lang="en-US" dirty="0">
+                <a:solidFill>
+                  <a:srgbClr val="000000"/>
+                </a:solidFill>
+                <a:latin typeface="Consolas" panose="020B0609020204030204" pitchFamily="49" charset="0"/>
+              </a:rPr>
+              <a:t>(</a:t>
+            </a:r>
+            <a:r>
+              <a:rPr lang="en-US" dirty="0">
+                <a:solidFill>
+                  <a:srgbClr val="A31515"/>
+                </a:solidFill>
+                <a:latin typeface="Consolas" panose="020B0609020204030204" pitchFamily="49" charset="0"/>
+              </a:rPr>
+              <a:t>"Country</a:t>
+            </a:r>
+            <a:r>
+              <a:rPr lang="en-US" dirty="0" smtClean="0">
+                <a:solidFill>
+                  <a:srgbClr val="A31515"/>
+                </a:solidFill>
+                <a:latin typeface="Consolas" panose="020B0609020204030204" pitchFamily="49" charset="0"/>
+              </a:rPr>
+              <a:t>"</a:t>
+            </a:r>
+            <a:r>
+              <a:rPr lang="en-US" dirty="0" smtClean="0">
+                <a:solidFill>
+                  <a:srgbClr val="000000"/>
+                </a:solidFill>
+                <a:latin typeface="Consolas" panose="020B0609020204030204" pitchFamily="49" charset="0"/>
+              </a:rPr>
+              <a:t>)</a:t>
+            </a:r>
+          </a:p>
+          <a:p>
+            <a:endParaRPr lang="en-US" dirty="0">
+              <a:solidFill>
+                <a:srgbClr val="000000"/>
+              </a:solidFill>
+              <a:latin typeface="Consolas" panose="020B0609020204030204" pitchFamily="49" charset="0"/>
+            </a:endParaRPr>
+          </a:p>
+          <a:p>
+            <a:r>
+              <a:rPr lang="en-US" dirty="0" smtClean="0">
+                <a:solidFill>
+                  <a:srgbClr val="008000"/>
+                </a:solidFill>
+                <a:latin typeface="Consolas" panose="020B0609020204030204" pitchFamily="49" charset="0"/>
+              </a:rPr>
+              <a:t>#</a:t>
+            </a:r>
+            <a:r>
+              <a:rPr lang="en-US" dirty="0">
+                <a:solidFill>
+                  <a:srgbClr val="008000"/>
+                </a:solidFill>
+                <a:latin typeface="Consolas" panose="020B0609020204030204" pitchFamily="49" charset="0"/>
+              </a:rPr>
+              <a:t>popitem(): removes and returns (key,value) pair as Tuple()</a:t>
+            </a:r>
+            <a:endParaRPr lang="en-US" dirty="0">
+              <a:solidFill>
+                <a:srgbClr val="000000"/>
+              </a:solidFill>
+              <a:latin typeface="Consolas" panose="020B0609020204030204" pitchFamily="49" charset="0"/>
+            </a:endParaRPr>
+          </a:p>
+          <a:p>
+            <a:r>
+              <a:rPr lang="en-US" dirty="0">
+                <a:solidFill>
+                  <a:srgbClr val="000000"/>
+                </a:solidFill>
+                <a:latin typeface="Consolas" panose="020B0609020204030204" pitchFamily="49" charset="0"/>
+              </a:rPr>
+              <a:t>print(</a:t>
+            </a:r>
+            <a:r>
+              <a:rPr lang="en-US" dirty="0">
+                <a:solidFill>
+                  <a:srgbClr val="A31515"/>
+                </a:solidFill>
+                <a:latin typeface="Consolas" panose="020B0609020204030204" pitchFamily="49" charset="0"/>
+              </a:rPr>
+              <a:t>"Popitem : "</a:t>
+            </a:r>
+            <a:r>
+              <a:rPr lang="en-US" dirty="0">
+                <a:solidFill>
+                  <a:srgbClr val="000000"/>
+                </a:solidFill>
+                <a:latin typeface="Consolas" panose="020B0609020204030204" pitchFamily="49" charset="0"/>
+              </a:rPr>
+              <a:t>,d.popitem</a:t>
+            </a:r>
+            <a:r>
+              <a:rPr lang="en-US" dirty="0" smtClean="0">
+                <a:solidFill>
+                  <a:srgbClr val="000000"/>
+                </a:solidFill>
+                <a:latin typeface="Consolas" panose="020B0609020204030204" pitchFamily="49" charset="0"/>
+              </a:rPr>
+              <a:t>())</a:t>
+            </a:r>
+          </a:p>
+          <a:p>
+            <a:endParaRPr lang="en-US" dirty="0">
+              <a:solidFill>
+                <a:srgbClr val="000000"/>
+              </a:solidFill>
+              <a:latin typeface="Consolas" panose="020B0609020204030204" pitchFamily="49" charset="0"/>
+            </a:endParaRPr>
+          </a:p>
+          <a:p>
+            <a:r>
+              <a:rPr lang="en-US" dirty="0" smtClean="0">
+                <a:solidFill>
+                  <a:srgbClr val="008000"/>
+                </a:solidFill>
+                <a:latin typeface="Consolas" panose="020B0609020204030204" pitchFamily="49" charset="0"/>
+              </a:rPr>
+              <a:t>#</a:t>
+            </a:r>
+            <a:r>
+              <a:rPr lang="en-US" dirty="0">
+                <a:solidFill>
+                  <a:srgbClr val="008000"/>
+                </a:solidFill>
+                <a:latin typeface="Consolas" panose="020B0609020204030204" pitchFamily="49" charset="0"/>
+              </a:rPr>
+              <a:t>copy(): copy and generate new Dictionary</a:t>
+            </a:r>
+            <a:endParaRPr lang="en-US" dirty="0">
+              <a:solidFill>
+                <a:srgbClr val="000000"/>
+              </a:solidFill>
+              <a:latin typeface="Consolas" panose="020B0609020204030204" pitchFamily="49" charset="0"/>
+            </a:endParaRPr>
+          </a:p>
+          <a:p>
+            <a:r>
+              <a:rPr lang="en-US" dirty="0">
+                <a:solidFill>
+                  <a:srgbClr val="000000"/>
+                </a:solidFill>
+                <a:latin typeface="Consolas" panose="020B0609020204030204" pitchFamily="49" charset="0"/>
+              </a:rPr>
+              <a:t>dcopy = d.copy</a:t>
+            </a:r>
+            <a:r>
+              <a:rPr lang="en-US" dirty="0" smtClean="0">
+                <a:solidFill>
+                  <a:srgbClr val="000000"/>
+                </a:solidFill>
+                <a:latin typeface="Consolas" panose="020B0609020204030204" pitchFamily="49" charset="0"/>
+              </a:rPr>
+              <a:t>()</a:t>
+            </a:r>
+          </a:p>
+          <a:p>
+            <a:endParaRPr lang="en-US" dirty="0">
+              <a:solidFill>
+                <a:srgbClr val="000000"/>
+              </a:solidFill>
+              <a:latin typeface="Consolas" panose="020B0609020204030204" pitchFamily="49" charset="0"/>
+            </a:endParaRPr>
+          </a:p>
+          <a:p>
+            <a:r>
+              <a:rPr lang="en-US" dirty="0" smtClean="0">
+                <a:solidFill>
+                  <a:srgbClr val="008000"/>
+                </a:solidFill>
+                <a:latin typeface="Consolas" panose="020B0609020204030204" pitchFamily="49" charset="0"/>
+              </a:rPr>
+              <a:t>#</a:t>
+            </a:r>
+            <a:r>
+              <a:rPr lang="en-US" dirty="0">
+                <a:solidFill>
+                  <a:srgbClr val="008000"/>
+                </a:solidFill>
+                <a:latin typeface="Consolas" panose="020B0609020204030204" pitchFamily="49" charset="0"/>
+              </a:rPr>
+              <a:t>clear(): clear content of Dictionary, set to empty</a:t>
+            </a:r>
+            <a:endParaRPr lang="en-US" dirty="0">
+              <a:solidFill>
+                <a:srgbClr val="000000"/>
+              </a:solidFill>
+              <a:latin typeface="Consolas" panose="020B0609020204030204" pitchFamily="49" charset="0"/>
+            </a:endParaRPr>
+          </a:p>
+          <a:p>
+            <a:r>
+              <a:rPr lang="en-US" dirty="0" smtClean="0">
+                <a:solidFill>
+                  <a:srgbClr val="000000"/>
+                </a:solidFill>
+                <a:latin typeface="Consolas" panose="020B0609020204030204" pitchFamily="49" charset="0"/>
+              </a:rPr>
+              <a:t>dcopy.clear()</a:t>
+            </a:r>
+          </a:p>
+        </p:txBody>
+      </p:sp>
+      <p:sp>
+        <p:nvSpPr>
+          <p:cNvPr id="8" name="Title 1"/>
+          <p:cNvSpPr>
+            <a:spLocks noGrp="1"/>
+          </p:cNvSpPr>
+          <p:nvPr>
+            <p:ph type="title"/>
+          </p:nvPr>
+        </p:nvSpPr>
+        <p:spPr>
+          <a:xfrm>
+            <a:off x="838200" y="308504"/>
+            <a:ext cx="10515600" cy="875096"/>
+          </a:xfrm>
+        </p:spPr>
+        <p:txBody>
+          <a:bodyPr/>
+          <a:lstStyle/>
+          <a:p>
+            <a:r>
+              <a:rPr lang="en-US" dirty="0" smtClean="0"/>
+              <a:t>Dictionaries {}</a:t>
+            </a:r>
+            <a:endParaRPr lang="en-US" dirty="0"/>
+          </a:p>
+        </p:txBody>
+      </p:sp>
+      <p:sp>
+        <p:nvSpPr>
+          <p:cNvPr id="9" name="Rectangle 8"/>
+          <p:cNvSpPr/>
+          <p:nvPr/>
+        </p:nvSpPr>
+        <p:spPr>
+          <a:xfrm>
+            <a:off x="7777656" y="1183600"/>
+            <a:ext cx="6011916" cy="1200329"/>
+          </a:xfrm>
+          <a:prstGeom prst="rect">
+            <a:avLst/>
+          </a:prstGeom>
+        </p:spPr>
+        <p:txBody>
+          <a:bodyPr wrap="square">
+            <a:spAutoFit/>
+          </a:bodyPr>
+          <a:lstStyle/>
+          <a:p>
+            <a:r>
+              <a:rPr lang="en-US" dirty="0" smtClean="0">
+                <a:solidFill>
+                  <a:srgbClr val="000000"/>
+                </a:solidFill>
+                <a:latin typeface="Consolas" panose="020B0609020204030204" pitchFamily="49" charset="0"/>
+              </a:rPr>
+              <a:t>print(sorted(d))</a:t>
+            </a:r>
+          </a:p>
+          <a:p>
+            <a:r>
+              <a:rPr lang="en-US" dirty="0" smtClean="0">
+                <a:solidFill>
+                  <a:srgbClr val="008000"/>
+                </a:solidFill>
+                <a:latin typeface="Consolas" panose="020B0609020204030204" pitchFamily="49" charset="0"/>
+              </a:rPr>
+              <a:t>#</a:t>
+            </a:r>
+            <a:r>
+              <a:rPr lang="en-US" dirty="0">
+                <a:solidFill>
+                  <a:srgbClr val="008000"/>
+                </a:solidFill>
+                <a:latin typeface="Consolas" panose="020B0609020204030204" pitchFamily="49" charset="0"/>
+              </a:rPr>
+              <a:t>sorts by Key </a:t>
+            </a:r>
+            <a:r>
+              <a:rPr lang="en-US" dirty="0" smtClean="0">
+                <a:solidFill>
+                  <a:srgbClr val="008000"/>
+                </a:solidFill>
+                <a:latin typeface="Consolas" panose="020B0609020204030204" pitchFamily="49" charset="0"/>
+              </a:rPr>
+              <a:t>only gives List</a:t>
+            </a:r>
+            <a:endParaRPr lang="en-US" dirty="0">
+              <a:solidFill>
+                <a:srgbClr val="000000"/>
+              </a:solidFill>
+              <a:latin typeface="Consolas" panose="020B0609020204030204" pitchFamily="49" charset="0"/>
+            </a:endParaRPr>
+          </a:p>
+          <a:p>
+            <a:r>
+              <a:rPr lang="en-US" dirty="0" smtClean="0">
+                <a:solidFill>
+                  <a:srgbClr val="000000"/>
+                </a:solidFill>
+                <a:latin typeface="Consolas" panose="020B0609020204030204" pitchFamily="49" charset="0"/>
+              </a:rPr>
+              <a:t>print(sorted(d.values()))</a:t>
+            </a:r>
+          </a:p>
+          <a:p>
+            <a:r>
+              <a:rPr lang="en-US" dirty="0" smtClean="0">
+                <a:solidFill>
+                  <a:srgbClr val="008000"/>
+                </a:solidFill>
+                <a:latin typeface="Consolas" panose="020B0609020204030204" pitchFamily="49" charset="0"/>
+              </a:rPr>
+              <a:t>#</a:t>
+            </a:r>
+            <a:r>
+              <a:rPr lang="en-US" dirty="0">
+                <a:solidFill>
+                  <a:srgbClr val="008000"/>
+                </a:solidFill>
+                <a:latin typeface="Consolas" panose="020B0609020204030204" pitchFamily="49" charset="0"/>
+              </a:rPr>
+              <a:t>sorts by </a:t>
+            </a:r>
+            <a:r>
+              <a:rPr lang="en-US" dirty="0" smtClean="0">
+                <a:solidFill>
+                  <a:srgbClr val="008000"/>
+                </a:solidFill>
+                <a:latin typeface="Consolas" panose="020B0609020204030204" pitchFamily="49" charset="0"/>
+              </a:rPr>
+              <a:t>Value</a:t>
+            </a:r>
+            <a:r>
+              <a:rPr lang="en-US" dirty="0">
+                <a:solidFill>
+                  <a:srgbClr val="008000"/>
+                </a:solidFill>
+                <a:latin typeface="Consolas" panose="020B0609020204030204" pitchFamily="49" charset="0"/>
+              </a:rPr>
+              <a:t> </a:t>
+            </a:r>
+            <a:r>
+              <a:rPr lang="en-US" dirty="0" smtClean="0">
+                <a:solidFill>
+                  <a:srgbClr val="008000"/>
+                </a:solidFill>
+                <a:latin typeface="Consolas" panose="020B0609020204030204" pitchFamily="49" charset="0"/>
+              </a:rPr>
+              <a:t>only gives List</a:t>
+            </a:r>
+            <a:endParaRPr lang="en-US" b="0" dirty="0">
+              <a:solidFill>
+                <a:srgbClr val="000000"/>
+              </a:solidFill>
+              <a:effectLst/>
+              <a:latin typeface="Consolas" panose="020B0609020204030204" pitchFamily="49" charset="0"/>
+            </a:endParaRPr>
+          </a:p>
+        </p:txBody>
+      </p:sp>
+    </p:spTree>
+    <p:extLst>
+      <p:ext uri="{BB962C8B-B14F-4D97-AF65-F5344CB8AC3E}">
+        <p14:creationId xmlns:p14="http://schemas.microsoft.com/office/powerpoint/2010/main" val="2152023588"/>
+      </p:ext>
+    </p:extLst>
+  </p:cSld>
+  <p:clrMapOvr>
+    <a:masterClrMapping/>
+  </p:clrMapOvr>
+</p:sld>
+</file>
+
+<file path=ppt/slides/slide25.xml><?xml version="1.0" encoding="utf-8"?>
+<p:sld xmlns:a="http://schemas.openxmlformats.org/drawingml/2006/main" xmlns:r="http://schemas.openxmlformats.org/officeDocument/2006/relationships" xmlns:p="http://schemas.openxmlformats.org/presentationml/2006/main">
+  <p:cSld>
+    <p:spTree>
+      <p:nvGrpSpPr>
+        <p:cNvPr id="1" name=""/>
+        <p:cNvGrpSpPr/>
+        <p:nvPr/>
+      </p:nvGrpSpPr>
+      <p:grpSpPr>
+        <a:xfrm>
+          <a:off x="0" y="0"/>
+          <a:ext cx="0" cy="0"/>
+          <a:chOff x="0" y="0"/>
+          <a:chExt cx="0" cy="0"/>
+        </a:xfrm>
+      </p:grpSpPr>
+      <p:sp>
+        <p:nvSpPr>
+          <p:cNvPr id="2" name="Title 1"/>
+          <p:cNvSpPr>
+            <a:spLocks noGrp="1"/>
+          </p:cNvSpPr>
+          <p:nvPr>
+            <p:ph type="title"/>
+          </p:nvPr>
+        </p:nvSpPr>
+        <p:spPr/>
+        <p:txBody>
+          <a:bodyPr/>
+          <a:lstStyle/>
+          <a:p>
+            <a:r>
+              <a:rPr lang="en-US" b="1" dirty="0" smtClean="0"/>
+              <a:t>Naming Conventions </a:t>
+            </a:r>
+            <a:r>
+              <a:rPr lang="en-US" sz="2800" b="1" dirty="0" smtClean="0"/>
+              <a:t>(function</a:t>
+            </a:r>
+            <a:r>
+              <a:rPr lang="en-US" sz="2800" b="1" dirty="0" smtClean="0"/>
+              <a:t>, class</a:t>
+            </a:r>
+            <a:r>
+              <a:rPr lang="en-US" sz="2800" b="1" dirty="0" smtClean="0"/>
+              <a:t>)</a:t>
+            </a:r>
+            <a:endParaRPr lang="en-US" sz="2800" b="1" dirty="0"/>
+          </a:p>
+        </p:txBody>
+      </p:sp>
+      <p:sp>
+        <p:nvSpPr>
+          <p:cNvPr id="5" name="Footer Placeholder 4"/>
+          <p:cNvSpPr>
+            <a:spLocks noGrp="1"/>
+          </p:cNvSpPr>
+          <p:nvPr>
+            <p:ph type="ftr" sz="quarter" idx="11"/>
+          </p:nvPr>
+        </p:nvSpPr>
+        <p:spPr/>
+        <p:txBody>
+          <a:bodyPr/>
+          <a:lstStyle/>
+          <a:p>
+            <a:r>
+              <a:rPr lang="en-US" smtClean="0"/>
+              <a:t>Python Programming 2017</a:t>
+            </a:r>
+            <a:endParaRPr lang="en-US"/>
+          </a:p>
+        </p:txBody>
+      </p:sp>
+      <p:sp>
+        <p:nvSpPr>
+          <p:cNvPr id="6" name="Slide Number Placeholder 5"/>
+          <p:cNvSpPr>
+            <a:spLocks noGrp="1"/>
+          </p:cNvSpPr>
+          <p:nvPr>
+            <p:ph type="sldNum" sz="quarter" idx="12"/>
+          </p:nvPr>
+        </p:nvSpPr>
+        <p:spPr/>
+        <p:txBody>
+          <a:bodyPr/>
+          <a:lstStyle/>
+          <a:p>
+            <a:fld id="{2A1B63E0-6EC5-4007-90B5-64164FE953DE}" type="slidenum">
+              <a:rPr lang="en-US" smtClean="0"/>
+              <a:t>25</a:t>
+            </a:fld>
+            <a:endParaRPr lang="en-US"/>
+          </a:p>
+        </p:txBody>
+      </p:sp>
+      <p:sp>
+        <p:nvSpPr>
+          <p:cNvPr id="7" name="Rectangle 6"/>
+          <p:cNvSpPr/>
+          <p:nvPr/>
+        </p:nvSpPr>
+        <p:spPr>
+          <a:xfrm>
+            <a:off x="921327" y="1690688"/>
+            <a:ext cx="9738322" cy="4801314"/>
+          </a:xfrm>
+          <a:prstGeom prst="rect">
+            <a:avLst/>
+          </a:prstGeom>
+        </p:spPr>
+        <p:txBody>
+          <a:bodyPr wrap="square">
+            <a:spAutoFit/>
+          </a:bodyPr>
+          <a:lstStyle/>
+          <a:p>
+            <a:r>
+              <a:rPr lang="en-US" dirty="0" smtClean="0">
+                <a:solidFill>
+                  <a:srgbClr val="000000"/>
+                </a:solidFill>
+                <a:latin typeface="Consolas" panose="020B0609020204030204" pitchFamily="49" charset="0"/>
+              </a:rPr>
+              <a:t>Class names start with uppercase letter and other identifiers with lowercase letter.</a:t>
+            </a:r>
+          </a:p>
+          <a:p>
+            <a:pPr marL="742950" lvl="1" indent="-285750">
+              <a:buFont typeface="Arial" panose="020B0604020202020204" pitchFamily="34" charset="0"/>
+              <a:buChar char="•"/>
+            </a:pPr>
+            <a:r>
+              <a:rPr lang="en-US" dirty="0" smtClean="0">
+                <a:solidFill>
+                  <a:srgbClr val="000000"/>
+                </a:solidFill>
+                <a:latin typeface="Consolas" panose="020B0609020204030204" pitchFamily="49" charset="0"/>
+              </a:rPr>
+              <a:t>SampleClassName </a:t>
+            </a:r>
+          </a:p>
+          <a:p>
+            <a:pPr marL="742950" lvl="1" indent="-285750">
+              <a:buFont typeface="Arial" panose="020B0604020202020204" pitchFamily="34" charset="0"/>
+              <a:buChar char="•"/>
+            </a:pPr>
+            <a:r>
+              <a:rPr lang="en-US" dirty="0" smtClean="0">
+                <a:solidFill>
+                  <a:srgbClr val="000000"/>
+                </a:solidFill>
+                <a:latin typeface="Consolas" panose="020B0609020204030204" pitchFamily="49" charset="0"/>
+              </a:rPr>
+              <a:t>sampleFunctionName</a:t>
+            </a:r>
+          </a:p>
+          <a:p>
+            <a:pPr marL="742950" lvl="1" indent="-285750">
+              <a:buFont typeface="Arial" panose="020B0604020202020204" pitchFamily="34" charset="0"/>
+              <a:buChar char="•"/>
+            </a:pPr>
+            <a:r>
+              <a:rPr lang="en-US" dirty="0" smtClean="0">
+                <a:solidFill>
+                  <a:srgbClr val="000000"/>
+                </a:solidFill>
+                <a:latin typeface="Consolas" panose="020B0609020204030204" pitchFamily="49" charset="0"/>
+              </a:rPr>
+              <a:t>sampleVariableName</a:t>
+            </a:r>
+            <a:endParaRPr lang="en-US" dirty="0">
+              <a:solidFill>
+                <a:srgbClr val="000000"/>
+              </a:solidFill>
+              <a:latin typeface="Consolas" panose="020B0609020204030204" pitchFamily="49" charset="0"/>
+            </a:endParaRPr>
+          </a:p>
+          <a:p>
+            <a:pPr lvl="1"/>
+            <a:endParaRPr lang="en-US" dirty="0" smtClean="0">
+              <a:solidFill>
+                <a:srgbClr val="000000"/>
+              </a:solidFill>
+              <a:latin typeface="Consolas" panose="020B0609020204030204" pitchFamily="49" charset="0"/>
+            </a:endParaRPr>
+          </a:p>
+          <a:p>
+            <a:r>
+              <a:rPr lang="en-US" dirty="0" smtClean="0">
+                <a:solidFill>
+                  <a:srgbClr val="000000"/>
+                </a:solidFill>
+                <a:latin typeface="Consolas" panose="020B0609020204030204" pitchFamily="49" charset="0"/>
+              </a:rPr>
+              <a:t>Private identifiers start with a single underscore</a:t>
+            </a:r>
+          </a:p>
+          <a:p>
+            <a:pPr marL="742950" lvl="1" indent="-285750">
+              <a:buFont typeface="Arial" panose="020B0604020202020204" pitchFamily="34" charset="0"/>
+              <a:buChar char="•"/>
+            </a:pPr>
+            <a:r>
+              <a:rPr lang="en-US" dirty="0" smtClean="0">
+                <a:solidFill>
+                  <a:srgbClr val="000000"/>
+                </a:solidFill>
+                <a:latin typeface="Consolas" panose="020B0609020204030204" pitchFamily="49" charset="0"/>
+              </a:rPr>
+              <a:t>_samplePrivateIdentifier		</a:t>
+            </a:r>
+          </a:p>
+          <a:p>
+            <a:pPr lvl="1"/>
+            <a:endParaRPr lang="en-US" dirty="0" smtClean="0">
+              <a:solidFill>
+                <a:srgbClr val="000000"/>
+              </a:solidFill>
+              <a:latin typeface="Consolas" panose="020B0609020204030204" pitchFamily="49" charset="0"/>
+            </a:endParaRPr>
+          </a:p>
+          <a:p>
+            <a:r>
+              <a:rPr lang="en-US" dirty="0" smtClean="0">
+                <a:solidFill>
+                  <a:srgbClr val="000000"/>
+                </a:solidFill>
+                <a:latin typeface="Consolas" panose="020B0609020204030204" pitchFamily="49" charset="0"/>
+              </a:rPr>
+              <a:t>Strongly private identifier start with double underscore</a:t>
+            </a:r>
+          </a:p>
+          <a:p>
+            <a:pPr marL="742950" lvl="1" indent="-285750">
+              <a:buFont typeface="Arial" panose="020B0604020202020204" pitchFamily="34" charset="0"/>
+              <a:buChar char="•"/>
+            </a:pPr>
+            <a:r>
+              <a:rPr lang="en-US" dirty="0" smtClean="0">
+                <a:solidFill>
+                  <a:srgbClr val="000000"/>
+                </a:solidFill>
+                <a:latin typeface="Consolas" panose="020B0609020204030204" pitchFamily="49" charset="0"/>
+              </a:rPr>
+              <a:t>__sampleStrongPrivateIdentifier</a:t>
+            </a:r>
+            <a:r>
+              <a:rPr lang="en-US" dirty="0">
+                <a:solidFill>
+                  <a:srgbClr val="000000"/>
+                </a:solidFill>
+                <a:latin typeface="Consolas" panose="020B0609020204030204" pitchFamily="49" charset="0"/>
+              </a:rPr>
+              <a:t>	</a:t>
+            </a:r>
+            <a:r>
+              <a:rPr lang="en-US" dirty="0" smtClean="0">
+                <a:solidFill>
+                  <a:srgbClr val="000000"/>
+                </a:solidFill>
+                <a:latin typeface="Consolas" panose="020B0609020204030204" pitchFamily="49" charset="0"/>
+              </a:rPr>
+              <a:t>		</a:t>
+            </a:r>
+          </a:p>
+          <a:p>
+            <a:endParaRPr lang="en-US" dirty="0" smtClean="0">
+              <a:solidFill>
+                <a:srgbClr val="000000"/>
+              </a:solidFill>
+              <a:latin typeface="Consolas" panose="020B0609020204030204" pitchFamily="49" charset="0"/>
+            </a:endParaRPr>
+          </a:p>
+          <a:p>
+            <a:r>
+              <a:rPr lang="en-US" dirty="0" smtClean="0">
+                <a:solidFill>
+                  <a:srgbClr val="000000"/>
+                </a:solidFill>
+                <a:latin typeface="Consolas" panose="020B0609020204030204" pitchFamily="49" charset="0"/>
+              </a:rPr>
+              <a:t>Language defined/native identifiers start with two underscores at front and end</a:t>
+            </a:r>
+          </a:p>
+          <a:p>
+            <a:pPr marL="742950" lvl="1" indent="-285750">
+              <a:buFont typeface="Arial" panose="020B0604020202020204" pitchFamily="34" charset="0"/>
+              <a:buChar char="•"/>
+            </a:pPr>
+            <a:r>
+              <a:rPr lang="en-US" dirty="0" smtClean="0">
+                <a:solidFill>
+                  <a:srgbClr val="000000"/>
+                </a:solidFill>
+                <a:latin typeface="Consolas" panose="020B0609020204030204" pitchFamily="49" charset="0"/>
+              </a:rPr>
+              <a:t>__doc__</a:t>
+            </a:r>
+          </a:p>
+          <a:p>
+            <a:pPr marL="742950" lvl="1" indent="-285750">
+              <a:buFont typeface="Arial" panose="020B0604020202020204" pitchFamily="34" charset="0"/>
+              <a:buChar char="•"/>
+            </a:pPr>
+            <a:r>
+              <a:rPr lang="en-US" dirty="0" smtClean="0">
+                <a:solidFill>
+                  <a:srgbClr val="000000"/>
+                </a:solidFill>
+                <a:latin typeface="Consolas" panose="020B0609020204030204" pitchFamily="49" charset="0"/>
+              </a:rPr>
+              <a:t>__init__</a:t>
+            </a:r>
+          </a:p>
+          <a:p>
+            <a:pPr marL="742950" lvl="1" indent="-285750">
+              <a:buFont typeface="Arial" panose="020B0604020202020204" pitchFamily="34" charset="0"/>
+              <a:buChar char="•"/>
+            </a:pPr>
+            <a:r>
+              <a:rPr lang="en-US" dirty="0" smtClean="0">
+                <a:solidFill>
+                  <a:srgbClr val="000000"/>
+                </a:solidFill>
+                <a:latin typeface="Consolas" panose="020B0609020204030204" pitchFamily="49" charset="0"/>
+              </a:rPr>
+              <a:t>__main__</a:t>
+            </a:r>
+            <a:r>
+              <a:rPr lang="en-US" dirty="0">
+                <a:solidFill>
+                  <a:srgbClr val="000000"/>
+                </a:solidFill>
+                <a:latin typeface="Consolas" panose="020B0609020204030204" pitchFamily="49" charset="0"/>
+              </a:rPr>
+              <a:t>	</a:t>
+            </a:r>
+            <a:r>
+              <a:rPr lang="en-US" dirty="0" smtClean="0">
+                <a:solidFill>
+                  <a:srgbClr val="000000"/>
+                </a:solidFill>
+                <a:latin typeface="Consolas" panose="020B0609020204030204" pitchFamily="49" charset="0"/>
+              </a:rPr>
+              <a:t>	</a:t>
+            </a:r>
+            <a:endParaRPr lang="en-US" dirty="0">
+              <a:solidFill>
+                <a:srgbClr val="000000"/>
+              </a:solidFill>
+              <a:latin typeface="Consolas" panose="020B0609020204030204" pitchFamily="49" charset="0"/>
+            </a:endParaRPr>
+          </a:p>
+        </p:txBody>
+      </p:sp>
+    </p:spTree>
+    <p:extLst>
+      <p:ext uri="{BB962C8B-B14F-4D97-AF65-F5344CB8AC3E}">
+        <p14:creationId xmlns:p14="http://schemas.microsoft.com/office/powerpoint/2010/main" val="59345204"/>
+      </p:ext>
+    </p:extLst>
+  </p:cSld>
+  <p:clrMapOvr>
+    <a:masterClrMapping/>
+  </p:clrMapOvr>
+</p:sld>
+</file>
+
+<file path=ppt/slides/slide26.xml><?xml version="1.0" encoding="utf-8"?>
+<p:sld xmlns:a="http://schemas.openxmlformats.org/drawingml/2006/main" xmlns:r="http://schemas.openxmlformats.org/officeDocument/2006/relationships" xmlns:p="http://schemas.openxmlformats.org/presentationml/2006/main">
+  <p:cSld>
+    <p:spTree>
+      <p:nvGrpSpPr>
+        <p:cNvPr id="1" name=""/>
+        <p:cNvGrpSpPr/>
+        <p:nvPr/>
+      </p:nvGrpSpPr>
+      <p:grpSpPr>
+        <a:xfrm>
+          <a:off x="0" y="0"/>
+          <a:ext cx="0" cy="0"/>
+          <a:chOff x="0" y="0"/>
+          <a:chExt cx="0" cy="0"/>
+        </a:xfrm>
+      </p:grpSpPr>
+      <p:sp>
+        <p:nvSpPr>
+          <p:cNvPr id="2" name="Title 1"/>
+          <p:cNvSpPr>
+            <a:spLocks noGrp="1"/>
+          </p:cNvSpPr>
+          <p:nvPr>
+            <p:ph type="title"/>
+          </p:nvPr>
+        </p:nvSpPr>
+        <p:spPr>
+          <a:xfrm>
+            <a:off x="838200" y="365126"/>
+            <a:ext cx="10515600" cy="912912"/>
+          </a:xfrm>
+        </p:spPr>
+        <p:txBody>
+          <a:bodyPr/>
+          <a:lstStyle/>
+          <a:p>
+            <a:r>
+              <a:rPr lang="en-US" dirty="0" smtClean="0"/>
+              <a:t>Functions</a:t>
+            </a:r>
+            <a:endParaRPr lang="en-US" dirty="0"/>
+          </a:p>
+        </p:txBody>
+      </p:sp>
+      <p:sp>
+        <p:nvSpPr>
+          <p:cNvPr id="5" name="Footer Placeholder 4"/>
+          <p:cNvSpPr>
+            <a:spLocks noGrp="1"/>
+          </p:cNvSpPr>
+          <p:nvPr>
+            <p:ph type="ftr" sz="quarter" idx="11"/>
+          </p:nvPr>
+        </p:nvSpPr>
+        <p:spPr/>
+        <p:txBody>
+          <a:bodyPr/>
+          <a:lstStyle/>
+          <a:p>
+            <a:r>
+              <a:rPr lang="en-US" smtClean="0"/>
+              <a:t>Python Programming 2017</a:t>
+            </a:r>
+            <a:endParaRPr lang="en-US"/>
+          </a:p>
+        </p:txBody>
+      </p:sp>
+      <p:sp>
+        <p:nvSpPr>
+          <p:cNvPr id="6" name="Slide Number Placeholder 5"/>
+          <p:cNvSpPr>
+            <a:spLocks noGrp="1"/>
+          </p:cNvSpPr>
+          <p:nvPr>
+            <p:ph type="sldNum" sz="quarter" idx="12"/>
+          </p:nvPr>
+        </p:nvSpPr>
+        <p:spPr/>
+        <p:txBody>
+          <a:bodyPr/>
+          <a:lstStyle/>
+          <a:p>
+            <a:fld id="{2A1B63E0-6EC5-4007-90B5-64164FE953DE}" type="slidenum">
+              <a:rPr lang="en-US" smtClean="0"/>
+              <a:t>26</a:t>
+            </a:fld>
+            <a:endParaRPr lang="en-US"/>
+          </a:p>
+        </p:txBody>
+      </p:sp>
+      <p:sp>
+        <p:nvSpPr>
+          <p:cNvPr id="7" name="Rectangle 6"/>
+          <p:cNvSpPr/>
+          <p:nvPr/>
+        </p:nvSpPr>
+        <p:spPr>
+          <a:xfrm>
+            <a:off x="838200" y="1116625"/>
+            <a:ext cx="10998897" cy="3354765"/>
+          </a:xfrm>
+          <a:prstGeom prst="rect">
+            <a:avLst/>
+          </a:prstGeom>
+        </p:spPr>
+        <p:txBody>
+          <a:bodyPr wrap="square">
+            <a:spAutoFit/>
+          </a:bodyPr>
+          <a:lstStyle/>
+          <a:p>
+            <a:r>
+              <a:rPr lang="en-US" dirty="0" smtClean="0">
+                <a:solidFill>
+                  <a:srgbClr val="000000"/>
+                </a:solidFill>
+                <a:latin typeface="Consolas" panose="020B0609020204030204" pitchFamily="49" charset="0"/>
+              </a:rPr>
+              <a:t>Functions are a </a:t>
+            </a:r>
+            <a:r>
+              <a:rPr lang="en-US" b="1" dirty="0" smtClean="0">
+                <a:solidFill>
+                  <a:srgbClr val="000000"/>
+                </a:solidFill>
+                <a:latin typeface="Consolas" panose="020B0609020204030204" pitchFamily="49" charset="0"/>
+              </a:rPr>
+              <a:t>construct/building blocks </a:t>
+            </a:r>
+            <a:r>
+              <a:rPr lang="en-US" dirty="0" smtClean="0">
+                <a:solidFill>
+                  <a:srgbClr val="000000"/>
+                </a:solidFill>
+                <a:latin typeface="Consolas" panose="020B0609020204030204" pitchFamily="49" charset="0"/>
+              </a:rPr>
+              <a:t>to </a:t>
+            </a:r>
+            <a:r>
+              <a:rPr lang="en-US" b="1" dirty="0" smtClean="0">
+                <a:solidFill>
+                  <a:srgbClr val="000000"/>
+                </a:solidFill>
+                <a:latin typeface="Consolas" panose="020B0609020204030204" pitchFamily="49" charset="0"/>
+              </a:rPr>
+              <a:t>structure</a:t>
+            </a:r>
+            <a:r>
+              <a:rPr lang="en-US" dirty="0" smtClean="0">
+                <a:solidFill>
+                  <a:srgbClr val="000000"/>
+                </a:solidFill>
+                <a:latin typeface="Consolas" panose="020B0609020204030204" pitchFamily="49" charset="0"/>
+              </a:rPr>
+              <a:t> programs, also called subroutines or procedures</a:t>
+            </a:r>
+            <a:r>
+              <a:rPr lang="en-US" dirty="0" smtClean="0">
+                <a:solidFill>
+                  <a:srgbClr val="000000"/>
+                </a:solidFill>
+                <a:latin typeface="Consolas" panose="020B0609020204030204" pitchFamily="49" charset="0"/>
+              </a:rPr>
+              <a:t>. Helps </a:t>
+            </a:r>
+            <a:r>
+              <a:rPr lang="en-US" b="1" dirty="0" smtClean="0">
+                <a:solidFill>
+                  <a:srgbClr val="000000"/>
+                </a:solidFill>
+                <a:latin typeface="Consolas" panose="020B0609020204030204" pitchFamily="49" charset="0"/>
+              </a:rPr>
+              <a:t>organizing</a:t>
+            </a:r>
+            <a:r>
+              <a:rPr lang="en-US" dirty="0" smtClean="0">
+                <a:solidFill>
+                  <a:srgbClr val="000000"/>
+                </a:solidFill>
+                <a:latin typeface="Consolas" panose="020B0609020204030204" pitchFamily="49" charset="0"/>
+              </a:rPr>
+              <a:t> </a:t>
+            </a:r>
+            <a:r>
+              <a:rPr lang="en-US" dirty="0" smtClean="0">
+                <a:solidFill>
+                  <a:srgbClr val="000000"/>
+                </a:solidFill>
+                <a:latin typeface="Consolas" panose="020B0609020204030204" pitchFamily="49" charset="0"/>
+              </a:rPr>
+              <a:t>programs, </a:t>
+            </a:r>
+            <a:r>
+              <a:rPr lang="en-US" b="1" dirty="0" smtClean="0">
+                <a:solidFill>
+                  <a:srgbClr val="000000"/>
+                </a:solidFill>
+                <a:latin typeface="Consolas" panose="020B0609020204030204" pitchFamily="49" charset="0"/>
+              </a:rPr>
+              <a:t>re-using</a:t>
+            </a:r>
+            <a:r>
+              <a:rPr lang="en-US" dirty="0" smtClean="0">
+                <a:solidFill>
+                  <a:srgbClr val="000000"/>
+                </a:solidFill>
+                <a:latin typeface="Consolas" panose="020B0609020204030204" pitchFamily="49" charset="0"/>
+              </a:rPr>
+              <a:t> codes!!</a:t>
+            </a:r>
+            <a:endParaRPr lang="en-US" dirty="0" smtClean="0">
+              <a:solidFill>
+                <a:srgbClr val="000000"/>
+              </a:solidFill>
+              <a:latin typeface="Consolas" panose="020B0609020204030204" pitchFamily="49" charset="0"/>
+            </a:endParaRPr>
+          </a:p>
+          <a:p>
+            <a:endParaRPr lang="en-US" dirty="0" smtClean="0">
+              <a:solidFill>
+                <a:srgbClr val="000000"/>
+              </a:solidFill>
+              <a:latin typeface="Consolas" panose="020B0609020204030204" pitchFamily="49" charset="0"/>
+            </a:endParaRPr>
+          </a:p>
+          <a:p>
+            <a:r>
+              <a:rPr lang="en-US" sz="1400" i="1" dirty="0" smtClean="0">
+                <a:latin typeface="Consolas" panose="020B0609020204030204" pitchFamily="49" charset="0"/>
+              </a:rPr>
+              <a:t>Methods are similar to Function, but they have object reference</a:t>
+            </a:r>
+            <a:endParaRPr lang="en-US" sz="1400" i="1" dirty="0" smtClean="0">
+              <a:latin typeface="Consolas" panose="020B0609020204030204" pitchFamily="49" charset="0"/>
+            </a:endParaRPr>
+          </a:p>
+          <a:p>
+            <a:endParaRPr lang="en-US" dirty="0" smtClean="0">
+              <a:solidFill>
+                <a:srgbClr val="000000"/>
+              </a:solidFill>
+              <a:latin typeface="Consolas" panose="020B0609020204030204" pitchFamily="49" charset="0"/>
+            </a:endParaRPr>
+          </a:p>
+          <a:p>
+            <a:endParaRPr lang="en-US" dirty="0" smtClean="0">
+              <a:solidFill>
+                <a:srgbClr val="000000"/>
+              </a:solidFill>
+              <a:latin typeface="Consolas" panose="020B0609020204030204" pitchFamily="49" charset="0"/>
+            </a:endParaRPr>
+          </a:p>
+          <a:p>
+            <a:r>
+              <a:rPr lang="en-US" b="1" dirty="0" smtClean="0">
+                <a:solidFill>
+                  <a:srgbClr val="FF0000"/>
+                </a:solidFill>
+                <a:latin typeface="Consolas" panose="020B0609020204030204" pitchFamily="49" charset="0"/>
+              </a:rPr>
+              <a:t>def</a:t>
+            </a:r>
+            <a:r>
+              <a:rPr lang="en-US" dirty="0" smtClean="0">
+                <a:solidFill>
+                  <a:srgbClr val="000000"/>
+                </a:solidFill>
+                <a:latin typeface="Consolas" panose="020B0609020204030204" pitchFamily="49" charset="0"/>
+              </a:rPr>
+              <a:t> </a:t>
+            </a:r>
+            <a:r>
+              <a:rPr lang="en-US" b="1" dirty="0" smtClean="0">
+                <a:latin typeface="Consolas" panose="020B0609020204030204" pitchFamily="49" charset="0"/>
+              </a:rPr>
+              <a:t>functionName</a:t>
+            </a:r>
+            <a:r>
+              <a:rPr lang="en-US" b="1" dirty="0" smtClean="0">
+                <a:solidFill>
+                  <a:srgbClr val="000000"/>
+                </a:solidFill>
+                <a:latin typeface="Consolas" panose="020B0609020204030204" pitchFamily="49" charset="0"/>
+              </a:rPr>
+              <a:t>(</a:t>
+            </a:r>
+            <a:r>
+              <a:rPr lang="en-US" b="1" dirty="0" smtClean="0">
+                <a:solidFill>
+                  <a:schemeClr val="bg1">
+                    <a:lumMod val="75000"/>
+                  </a:schemeClr>
+                </a:solidFill>
+                <a:latin typeface="Consolas" panose="020B0609020204030204" pitchFamily="49" charset="0"/>
+              </a:rPr>
+              <a:t>parameters</a:t>
+            </a:r>
+            <a:r>
+              <a:rPr lang="en-US" dirty="0" smtClean="0">
+                <a:solidFill>
+                  <a:srgbClr val="000000"/>
+                </a:solidFill>
+                <a:latin typeface="Consolas" panose="020B0609020204030204" pitchFamily="49" charset="0"/>
+              </a:rPr>
+              <a:t>)</a:t>
+            </a:r>
+            <a:r>
+              <a:rPr lang="en-US" b="1" dirty="0" smtClean="0">
+                <a:solidFill>
+                  <a:srgbClr val="000000"/>
+                </a:solidFill>
+                <a:latin typeface="Consolas" panose="020B0609020204030204" pitchFamily="49" charset="0"/>
+              </a:rPr>
+              <a:t>:</a:t>
+            </a:r>
+          </a:p>
+          <a:p>
+            <a:r>
+              <a:rPr lang="en-US" dirty="0" smtClean="0">
+                <a:solidFill>
+                  <a:srgbClr val="000000"/>
+                </a:solidFill>
+                <a:latin typeface="Consolas" panose="020B0609020204030204" pitchFamily="49" charset="0"/>
+              </a:rPr>
+              <a:t>	</a:t>
+            </a:r>
+            <a:r>
+              <a:rPr lang="en-US" b="1" dirty="0" smtClean="0">
+                <a:solidFill>
+                  <a:srgbClr val="000000"/>
+                </a:solidFill>
+                <a:latin typeface="Consolas" panose="020B0609020204030204" pitchFamily="49" charset="0"/>
+              </a:rPr>
+              <a:t>‘’’ DOCSTRING ‘’’</a:t>
+            </a:r>
+            <a:r>
+              <a:rPr lang="en-US" dirty="0" smtClean="0">
+                <a:solidFill>
+                  <a:srgbClr val="000000"/>
+                </a:solidFill>
+                <a:latin typeface="Consolas" panose="020B0609020204030204" pitchFamily="49" charset="0"/>
+              </a:rPr>
+              <a:t> </a:t>
+            </a:r>
+          </a:p>
+          <a:p>
+            <a:r>
+              <a:rPr lang="en-US" dirty="0">
+                <a:solidFill>
+                  <a:srgbClr val="000000"/>
+                </a:solidFill>
+                <a:latin typeface="Consolas" panose="020B0609020204030204" pitchFamily="49" charset="0"/>
+              </a:rPr>
+              <a:t>	</a:t>
+            </a:r>
+            <a:r>
+              <a:rPr lang="en-US" dirty="0" smtClean="0">
+                <a:solidFill>
+                  <a:srgbClr val="000000"/>
+                </a:solidFill>
+                <a:latin typeface="Consolas" panose="020B0609020204030204" pitchFamily="49" charset="0"/>
+              </a:rPr>
+              <a:t>function </a:t>
+            </a:r>
+            <a:r>
+              <a:rPr lang="en-US" dirty="0" smtClean="0">
+                <a:solidFill>
+                  <a:srgbClr val="000000"/>
+                </a:solidFill>
+                <a:latin typeface="Consolas" panose="020B0609020204030204" pitchFamily="49" charset="0"/>
+              </a:rPr>
+              <a:t>body</a:t>
+            </a:r>
+          </a:p>
+          <a:p>
+            <a:r>
+              <a:rPr lang="en-US" dirty="0">
+                <a:solidFill>
+                  <a:srgbClr val="000000"/>
+                </a:solidFill>
+                <a:latin typeface="Consolas" panose="020B0609020204030204" pitchFamily="49" charset="0"/>
+              </a:rPr>
+              <a:t>	</a:t>
+            </a:r>
+            <a:r>
+              <a:rPr lang="en-US" b="1" dirty="0" smtClean="0">
+                <a:solidFill>
+                  <a:srgbClr val="000000"/>
+                </a:solidFill>
+                <a:latin typeface="Consolas" panose="020B0609020204030204" pitchFamily="49" charset="0"/>
+              </a:rPr>
+              <a:t>return</a:t>
+            </a:r>
+            <a:r>
+              <a:rPr lang="en-US" dirty="0" smtClean="0">
+                <a:solidFill>
+                  <a:srgbClr val="000000"/>
+                </a:solidFill>
+                <a:latin typeface="Consolas" panose="020B0609020204030204" pitchFamily="49" charset="0"/>
+              </a:rPr>
+              <a:t> 	</a:t>
+            </a:r>
+          </a:p>
+          <a:p>
+            <a:endParaRPr lang="en-US" dirty="0" smtClean="0">
+              <a:solidFill>
+                <a:srgbClr val="000000"/>
+              </a:solidFill>
+              <a:latin typeface="Consolas" panose="020B0609020204030204" pitchFamily="49" charset="0"/>
+            </a:endParaRPr>
+          </a:p>
+          <a:p>
+            <a:endParaRPr lang="en-US" dirty="0" smtClean="0">
+              <a:solidFill>
+                <a:srgbClr val="000000"/>
+              </a:solidFill>
+              <a:latin typeface="Consolas" panose="020B0609020204030204" pitchFamily="49" charset="0"/>
+            </a:endParaRPr>
+          </a:p>
+        </p:txBody>
+      </p:sp>
+      <p:sp>
+        <p:nvSpPr>
+          <p:cNvPr id="3" name="Rectangle 2"/>
+          <p:cNvSpPr/>
+          <p:nvPr/>
+        </p:nvSpPr>
+        <p:spPr>
+          <a:xfrm>
+            <a:off x="4764066" y="3494028"/>
+            <a:ext cx="7427934" cy="2585323"/>
+          </a:xfrm>
+          <a:prstGeom prst="rect">
+            <a:avLst/>
+          </a:prstGeom>
+        </p:spPr>
+        <p:style>
+          <a:lnRef idx="2">
+            <a:schemeClr val="dk1"/>
+          </a:lnRef>
+          <a:fillRef idx="1">
+            <a:schemeClr val="lt1"/>
+          </a:fillRef>
+          <a:effectRef idx="0">
+            <a:schemeClr val="dk1"/>
+          </a:effectRef>
+          <a:fontRef idx="minor">
+            <a:schemeClr val="dk1"/>
+          </a:fontRef>
+        </p:style>
+        <p:txBody>
+          <a:bodyPr wrap="square">
+            <a:spAutoFit/>
+          </a:bodyPr>
+          <a:lstStyle/>
+          <a:p>
+            <a:r>
+              <a:rPr lang="en-US" dirty="0">
+                <a:solidFill>
+                  <a:srgbClr val="0000FF"/>
+                </a:solidFill>
+                <a:latin typeface="Consolas" panose="020B0609020204030204" pitchFamily="49" charset="0"/>
+              </a:rPr>
+              <a:t>def</a:t>
+            </a:r>
+            <a:r>
+              <a:rPr lang="en-US" dirty="0">
+                <a:solidFill>
+                  <a:srgbClr val="000000"/>
+                </a:solidFill>
+                <a:latin typeface="Consolas" panose="020B0609020204030204" pitchFamily="49" charset="0"/>
+              </a:rPr>
+              <a:t> </a:t>
+            </a:r>
+            <a:r>
+              <a:rPr lang="en-US" b="1" dirty="0">
+                <a:solidFill>
+                  <a:srgbClr val="000000"/>
+                </a:solidFill>
+                <a:latin typeface="Consolas" panose="020B0609020204030204" pitchFamily="49" charset="0"/>
+              </a:rPr>
+              <a:t>add():</a:t>
+            </a:r>
+          </a:p>
+          <a:p>
+            <a:r>
+              <a:rPr lang="en-US" dirty="0">
+                <a:solidFill>
+                  <a:srgbClr val="000000"/>
+                </a:solidFill>
+                <a:latin typeface="Consolas" panose="020B0609020204030204" pitchFamily="49" charset="0"/>
+              </a:rPr>
+              <a:t>    </a:t>
+            </a:r>
+            <a:r>
+              <a:rPr lang="en-US" dirty="0">
+                <a:solidFill>
+                  <a:srgbClr val="A31515"/>
+                </a:solidFill>
+                <a:latin typeface="Consolas" panose="020B0609020204030204" pitchFamily="49" charset="0"/>
+              </a:rPr>
+              <a:t>"""Function add(): calculates sum of variables"""</a:t>
+            </a:r>
+            <a:r>
+              <a:rPr lang="en-US" dirty="0">
+                <a:solidFill>
+                  <a:srgbClr val="000000"/>
+                </a:solidFill>
+                <a:latin typeface="Consolas" panose="020B0609020204030204" pitchFamily="49" charset="0"/>
+              </a:rPr>
+              <a:t> </a:t>
+            </a:r>
+            <a:endParaRPr lang="en-US" dirty="0" smtClean="0">
+              <a:solidFill>
+                <a:srgbClr val="000000"/>
+              </a:solidFill>
+              <a:latin typeface="Consolas" panose="020B0609020204030204" pitchFamily="49" charset="0"/>
+            </a:endParaRPr>
+          </a:p>
+          <a:p>
+            <a:r>
+              <a:rPr lang="en-US" dirty="0">
+                <a:solidFill>
+                  <a:srgbClr val="000000"/>
+                </a:solidFill>
+                <a:latin typeface="Consolas" panose="020B0609020204030204" pitchFamily="49" charset="0"/>
+              </a:rPr>
+              <a:t>    x=</a:t>
+            </a:r>
+            <a:r>
+              <a:rPr lang="en-US" dirty="0">
+                <a:solidFill>
+                  <a:srgbClr val="09885A"/>
+                </a:solidFill>
+                <a:latin typeface="Consolas" panose="020B0609020204030204" pitchFamily="49" charset="0"/>
+              </a:rPr>
+              <a:t>10</a:t>
+            </a:r>
+            <a:endParaRPr lang="en-US" dirty="0">
+              <a:solidFill>
+                <a:srgbClr val="000000"/>
+              </a:solidFill>
+              <a:latin typeface="Consolas" panose="020B0609020204030204" pitchFamily="49" charset="0"/>
+            </a:endParaRPr>
+          </a:p>
+          <a:p>
+            <a:r>
+              <a:rPr lang="en-US" dirty="0">
+                <a:solidFill>
+                  <a:srgbClr val="000000"/>
+                </a:solidFill>
+                <a:latin typeface="Consolas" panose="020B0609020204030204" pitchFamily="49" charset="0"/>
+              </a:rPr>
+              <a:t>    y=</a:t>
+            </a:r>
+            <a:r>
+              <a:rPr lang="en-US" dirty="0">
+                <a:solidFill>
+                  <a:srgbClr val="09885A"/>
+                </a:solidFill>
+                <a:latin typeface="Consolas" panose="020B0609020204030204" pitchFamily="49" charset="0"/>
+              </a:rPr>
+              <a:t>10</a:t>
+            </a:r>
+            <a:endParaRPr lang="en-US" dirty="0">
+              <a:solidFill>
+                <a:srgbClr val="000000"/>
+              </a:solidFill>
+              <a:latin typeface="Consolas" panose="020B0609020204030204" pitchFamily="49" charset="0"/>
+            </a:endParaRPr>
+          </a:p>
+          <a:p>
+            <a:r>
+              <a:rPr lang="en-US" dirty="0">
+                <a:solidFill>
+                  <a:srgbClr val="000000"/>
+                </a:solidFill>
+                <a:latin typeface="Consolas" panose="020B0609020204030204" pitchFamily="49" charset="0"/>
+              </a:rPr>
+              <a:t>    sum = </a:t>
+            </a:r>
+            <a:r>
+              <a:rPr lang="en-US" dirty="0" smtClean="0">
+                <a:solidFill>
+                  <a:srgbClr val="000000"/>
+                </a:solidFill>
+                <a:latin typeface="Consolas" panose="020B0609020204030204" pitchFamily="49" charset="0"/>
+              </a:rPr>
+              <a:t>x + y</a:t>
+            </a:r>
+            <a:endParaRPr lang="en-US" dirty="0">
+              <a:solidFill>
+                <a:srgbClr val="000000"/>
+              </a:solidFill>
+              <a:latin typeface="Consolas" panose="020B0609020204030204" pitchFamily="49" charset="0"/>
+            </a:endParaRPr>
+          </a:p>
+          <a:p>
+            <a:r>
+              <a:rPr lang="en-US" dirty="0">
+                <a:solidFill>
+                  <a:srgbClr val="000000"/>
+                </a:solidFill>
+                <a:latin typeface="Consolas" panose="020B0609020204030204" pitchFamily="49" charset="0"/>
+              </a:rPr>
+              <a:t>    print(sum</a:t>
+            </a:r>
+            <a:r>
+              <a:rPr lang="en-US" dirty="0" smtClean="0">
+                <a:solidFill>
+                  <a:srgbClr val="000000"/>
+                </a:solidFill>
+                <a:latin typeface="Consolas" panose="020B0609020204030204" pitchFamily="49" charset="0"/>
+              </a:rPr>
+              <a:t>)</a:t>
+            </a:r>
+          </a:p>
+          <a:p>
+            <a:endParaRPr lang="en-US" dirty="0">
+              <a:solidFill>
+                <a:srgbClr val="000000"/>
+              </a:solidFill>
+              <a:latin typeface="Consolas" panose="020B0609020204030204" pitchFamily="49" charset="0"/>
+            </a:endParaRPr>
+          </a:p>
+          <a:p>
+            <a:r>
+              <a:rPr lang="en-US" dirty="0" smtClean="0">
+                <a:solidFill>
+                  <a:srgbClr val="000000"/>
+                </a:solidFill>
+                <a:latin typeface="Consolas" panose="020B0609020204030204" pitchFamily="49" charset="0"/>
+              </a:rPr>
+              <a:t>print</a:t>
+            </a:r>
+            <a:r>
+              <a:rPr lang="en-US" dirty="0">
+                <a:solidFill>
+                  <a:srgbClr val="000000"/>
+                </a:solidFill>
+                <a:latin typeface="Consolas" panose="020B0609020204030204" pitchFamily="49" charset="0"/>
+              </a:rPr>
+              <a:t>(</a:t>
+            </a:r>
+            <a:r>
+              <a:rPr lang="en-US" dirty="0">
+                <a:solidFill>
+                  <a:srgbClr val="A31515"/>
+                </a:solidFill>
+                <a:latin typeface="Consolas" panose="020B0609020204030204" pitchFamily="49" charset="0"/>
+              </a:rPr>
+              <a:t>"Showing </a:t>
+            </a:r>
+            <a:r>
+              <a:rPr lang="en-US" dirty="0" err="1">
+                <a:solidFill>
+                  <a:srgbClr val="A31515"/>
+                </a:solidFill>
+                <a:latin typeface="Consolas" panose="020B0609020204030204" pitchFamily="49" charset="0"/>
+              </a:rPr>
+              <a:t>DOCString</a:t>
+            </a:r>
+            <a:r>
+              <a:rPr lang="en-US" dirty="0">
+                <a:solidFill>
+                  <a:srgbClr val="A31515"/>
+                </a:solidFill>
+                <a:latin typeface="Consolas" panose="020B0609020204030204" pitchFamily="49" charset="0"/>
+              </a:rPr>
+              <a:t> :"</a:t>
+            </a:r>
+            <a:r>
+              <a:rPr lang="en-US" dirty="0">
+                <a:solidFill>
+                  <a:srgbClr val="000000"/>
+                </a:solidFill>
+                <a:latin typeface="Consolas" panose="020B0609020204030204" pitchFamily="49" charset="0"/>
+              </a:rPr>
+              <a:t>, </a:t>
+            </a:r>
+            <a:r>
+              <a:rPr lang="en-US" b="1" dirty="0" err="1">
+                <a:solidFill>
+                  <a:srgbClr val="000000"/>
+                </a:solidFill>
+                <a:latin typeface="Consolas" panose="020B0609020204030204" pitchFamily="49" charset="0"/>
+              </a:rPr>
+              <a:t>add.__doc</a:t>
+            </a:r>
+            <a:r>
+              <a:rPr lang="en-US" b="1" dirty="0">
+                <a:solidFill>
+                  <a:srgbClr val="000000"/>
+                </a:solidFill>
+                <a:latin typeface="Consolas" panose="020B0609020204030204" pitchFamily="49" charset="0"/>
+              </a:rPr>
+              <a:t>__)</a:t>
+            </a:r>
+          </a:p>
+          <a:p>
+            <a:r>
+              <a:rPr lang="en-US" b="1" dirty="0">
+                <a:solidFill>
+                  <a:srgbClr val="000000"/>
+                </a:solidFill>
+                <a:latin typeface="Consolas" panose="020B0609020204030204" pitchFamily="49" charset="0"/>
+              </a:rPr>
+              <a:t>add()</a:t>
+            </a:r>
+            <a:endParaRPr lang="en-US" b="1" dirty="0">
+              <a:solidFill>
+                <a:srgbClr val="000000"/>
+              </a:solidFill>
+              <a:effectLst/>
+              <a:latin typeface="Consolas" panose="020B0609020204030204" pitchFamily="49" charset="0"/>
+            </a:endParaRPr>
+          </a:p>
+        </p:txBody>
+      </p:sp>
+    </p:spTree>
+    <p:extLst>
+      <p:ext uri="{BB962C8B-B14F-4D97-AF65-F5344CB8AC3E}">
+        <p14:creationId xmlns:p14="http://schemas.microsoft.com/office/powerpoint/2010/main" val="806223999"/>
+      </p:ext>
+    </p:extLst>
+  </p:cSld>
+  <p:clrMapOvr>
+    <a:masterClrMapping/>
+  </p:clrMapOvr>
+</p:sld>
+</file>
+
+<file path=ppt/slides/slide27.xml><?xml version="1.0" encoding="utf-8"?>
+<p:sld xmlns:a="http://schemas.openxmlformats.org/drawingml/2006/main" xmlns:r="http://schemas.openxmlformats.org/officeDocument/2006/relationships" xmlns:p="http://schemas.openxmlformats.org/presentationml/2006/main">
+  <p:cSld>
+    <p:spTree>
+      <p:nvGrpSpPr>
+        <p:cNvPr id="1" name=""/>
+        <p:cNvGrpSpPr/>
+        <p:nvPr/>
+      </p:nvGrpSpPr>
+      <p:grpSpPr>
+        <a:xfrm>
+          <a:off x="0" y="0"/>
+          <a:ext cx="0" cy="0"/>
+          <a:chOff x="0" y="0"/>
+          <a:chExt cx="0" cy="0"/>
+        </a:xfrm>
+      </p:grpSpPr>
+      <p:sp>
+        <p:nvSpPr>
+          <p:cNvPr id="5" name="Footer Placeholder 4"/>
+          <p:cNvSpPr>
+            <a:spLocks noGrp="1"/>
+          </p:cNvSpPr>
+          <p:nvPr>
+            <p:ph type="ftr" sz="quarter" idx="11"/>
+          </p:nvPr>
+        </p:nvSpPr>
+        <p:spPr/>
+        <p:txBody>
+          <a:bodyPr/>
+          <a:lstStyle/>
+          <a:p>
+            <a:pPr marL="0" marR="0" lvl="0" indent="0" algn="ctr" defTabSz="914400" rtl="0" eaLnBrk="1" fontAlgn="auto" latinLnBrk="0" hangingPunct="1">
+              <a:lnSpc>
+                <a:spcPct val="100000"/>
+              </a:lnSpc>
+              <a:spcBef>
+                <a:spcPts val="0"/>
+              </a:spcBef>
+              <a:spcAft>
+                <a:spcPts val="0"/>
+              </a:spcAft>
+              <a:buClrTx/>
+              <a:buSzTx/>
+              <a:buFontTx/>
+              <a:buNone/>
+              <a:tabLst/>
+              <a:defRPr/>
+            </a:pPr>
+            <a:r>
+              <a:rPr kumimoji="0" lang="en-US" sz="1200" b="0" i="0" u="none" strike="noStrike" kern="1200" cap="none" spc="0" normalizeH="0" baseline="0" noProof="0" smtClean="0">
+                <a:ln>
+                  <a:noFill/>
+                </a:ln>
+                <a:solidFill>
+                  <a:prstClr val="black">
+                    <a:tint val="75000"/>
+                  </a:prstClr>
+                </a:solidFill>
+                <a:effectLst/>
+                <a:uLnTx/>
+                <a:uFillTx/>
+                <a:latin typeface="Calibri" panose="020F0502020204030204"/>
+                <a:ea typeface="+mn-ea"/>
+                <a:cs typeface="+mn-cs"/>
+              </a:rPr>
+              <a:t>Python Programming 2017</a:t>
+            </a:r>
+            <a:endParaRPr kumimoji="0" lang="en-US" sz="1200" b="0" i="0" u="none" strike="noStrike" kern="1200" cap="none" spc="0" normalizeH="0" baseline="0" noProof="0">
+              <a:ln>
+                <a:noFill/>
+              </a:ln>
+              <a:solidFill>
+                <a:prstClr val="black">
+                  <a:tint val="75000"/>
+                </a:prstClr>
+              </a:solidFill>
+              <a:effectLst/>
+              <a:uLnTx/>
+              <a:uFillTx/>
+              <a:latin typeface="Calibri" panose="020F0502020204030204"/>
+              <a:ea typeface="+mn-ea"/>
+              <a:cs typeface="+mn-cs"/>
+            </a:endParaRPr>
+          </a:p>
+        </p:txBody>
+      </p:sp>
+      <p:sp>
+        <p:nvSpPr>
+          <p:cNvPr id="6" name="Slide Number Placeholder 5"/>
+          <p:cNvSpPr>
+            <a:spLocks noGrp="1"/>
+          </p:cNvSpPr>
+          <p:nvPr>
+            <p:ph type="sldNum" sz="quarter" idx="12"/>
+          </p:nvPr>
+        </p:nvSpPr>
+        <p:spPr/>
+        <p:txBody>
+          <a:bodyPr/>
+          <a:lstStyle/>
+          <a:p>
+            <a:pPr marL="0" marR="0" lvl="0" indent="0" algn="r" defTabSz="914400" rtl="0" eaLnBrk="1" fontAlgn="auto" latinLnBrk="0" hangingPunct="1">
+              <a:lnSpc>
+                <a:spcPct val="100000"/>
+              </a:lnSpc>
+              <a:spcBef>
+                <a:spcPts val="0"/>
+              </a:spcBef>
+              <a:spcAft>
+                <a:spcPts val="0"/>
+              </a:spcAft>
+              <a:buClrTx/>
+              <a:buSzTx/>
+              <a:buFontTx/>
+              <a:buNone/>
+              <a:tabLst/>
+              <a:defRPr/>
+            </a:pPr>
+            <a:fld id="{2A1B63E0-6EC5-4007-90B5-64164FE953DE}" type="slidenum">
+              <a:rPr kumimoji="0" lang="en-US" sz="1200" b="0" i="0" u="none" strike="noStrike" kern="1200" cap="none" spc="0" normalizeH="0" baseline="0" noProof="0" smtClean="0">
+                <a:ln>
+                  <a:noFill/>
+                </a:ln>
+                <a:solidFill>
+                  <a:prstClr val="black">
+                    <a:tint val="75000"/>
+                  </a:prstClr>
+                </a:solidFill>
+                <a:effectLst/>
+                <a:uLnTx/>
+                <a:uFillTx/>
+                <a:latin typeface="Calibri" panose="020F0502020204030204"/>
+                <a:ea typeface="+mn-ea"/>
+                <a:cs typeface="+mn-cs"/>
+              </a:rPr>
+              <a:pPr marL="0" marR="0" lvl="0" indent="0" algn="r" defTabSz="914400" rtl="0" eaLnBrk="1" fontAlgn="auto" latinLnBrk="0" hangingPunct="1">
+                <a:lnSpc>
+                  <a:spcPct val="100000"/>
+                </a:lnSpc>
+                <a:spcBef>
+                  <a:spcPts val="0"/>
+                </a:spcBef>
+                <a:spcAft>
+                  <a:spcPts val="0"/>
+                </a:spcAft>
+                <a:buClrTx/>
+                <a:buSzTx/>
+                <a:buFontTx/>
+                <a:buNone/>
+                <a:tabLst/>
+                <a:defRPr/>
+              </a:pPr>
+              <a:t>27</a:t>
+            </a:fld>
+            <a:endParaRPr kumimoji="0" lang="en-US" sz="1200" b="0" i="0" u="none" strike="noStrike" kern="1200" cap="none" spc="0" normalizeH="0" baseline="0" noProof="0">
+              <a:ln>
+                <a:noFill/>
+              </a:ln>
+              <a:solidFill>
+                <a:prstClr val="black">
+                  <a:tint val="75000"/>
+                </a:prstClr>
+              </a:solidFill>
+              <a:effectLst/>
+              <a:uLnTx/>
+              <a:uFillTx/>
+              <a:latin typeface="Calibri" panose="020F0502020204030204"/>
+              <a:ea typeface="+mn-ea"/>
+              <a:cs typeface="+mn-cs"/>
+            </a:endParaRPr>
+          </a:p>
+        </p:txBody>
+      </p:sp>
+      <p:sp>
+        <p:nvSpPr>
+          <p:cNvPr id="7" name="Rectangle 6"/>
+          <p:cNvSpPr/>
+          <p:nvPr/>
+        </p:nvSpPr>
+        <p:spPr>
+          <a:xfrm>
+            <a:off x="880996" y="2210206"/>
+            <a:ext cx="8017701" cy="1477328"/>
+          </a:xfrm>
+          <a:prstGeom prst="rect">
+            <a:avLst/>
+          </a:prstGeom>
+        </p:spPr>
+        <p:txBody>
+          <a:bodyPr wrap="square">
+            <a:spAutoFit/>
+          </a:bodyPr>
+          <a:lstStyle/>
+          <a:p>
+            <a:pPr marL="0" marR="0" lvl="0" indent="0" algn="l" defTabSz="914400" rtl="0" eaLnBrk="1" fontAlgn="auto" latinLnBrk="0" hangingPunct="1">
+              <a:lnSpc>
+                <a:spcPct val="100000"/>
+              </a:lnSpc>
+              <a:spcBef>
+                <a:spcPts val="0"/>
+              </a:spcBef>
+              <a:spcAft>
+                <a:spcPts val="0"/>
+              </a:spcAft>
+              <a:buClrTx/>
+              <a:buSzTx/>
+              <a:buFontTx/>
+              <a:buNone/>
+              <a:tabLst/>
+              <a:defRPr/>
+            </a:pPr>
+            <a:r>
+              <a:rPr kumimoji="0" lang="en-US" sz="1800" b="0" i="0" u="none" strike="noStrike" kern="1200" cap="none" spc="0" normalizeH="0" baseline="0" noProof="0" dirty="0">
+                <a:ln>
+                  <a:noFill/>
+                </a:ln>
+                <a:solidFill>
+                  <a:srgbClr val="0000FF"/>
+                </a:solidFill>
+                <a:effectLst/>
+                <a:uLnTx/>
+                <a:uFillTx/>
+                <a:latin typeface="Consolas" panose="020B0609020204030204" pitchFamily="49" charset="0"/>
+                <a:ea typeface="+mn-ea"/>
+                <a:cs typeface="+mn-cs"/>
+              </a:rPr>
+              <a:t>def</a:t>
+            </a:r>
+            <a:r>
+              <a:rPr kumimoji="0" lang="en-US" sz="1800" b="0" i="0" u="none" strike="noStrike" kern="1200" cap="none" spc="0" normalizeH="0" baseline="0" noProof="0" dirty="0">
+                <a:ln>
+                  <a:noFill/>
+                </a:ln>
+                <a:solidFill>
+                  <a:srgbClr val="000000"/>
+                </a:solidFill>
+                <a:effectLst/>
+                <a:uLnTx/>
+                <a:uFillTx/>
+                <a:latin typeface="Consolas" panose="020B0609020204030204" pitchFamily="49" charset="0"/>
+                <a:ea typeface="+mn-ea"/>
+                <a:cs typeface="+mn-cs"/>
+              </a:rPr>
+              <a:t> </a:t>
+            </a:r>
+            <a:r>
+              <a:rPr kumimoji="0" lang="en-US" sz="1800" b="1" i="0" u="none" strike="noStrike" kern="1200" cap="none" spc="0" normalizeH="0" baseline="0" noProof="0" dirty="0" smtClean="0">
+                <a:ln>
+                  <a:noFill/>
+                </a:ln>
+                <a:solidFill>
+                  <a:srgbClr val="000000"/>
+                </a:solidFill>
+                <a:effectLst/>
+                <a:uLnTx/>
+                <a:uFillTx/>
+                <a:latin typeface="Consolas" panose="020B0609020204030204" pitchFamily="49" charset="0"/>
+                <a:ea typeface="+mn-ea"/>
+                <a:cs typeface="+mn-cs"/>
+              </a:rPr>
+              <a:t>add_param_default(</a:t>
+            </a:r>
+            <a:r>
+              <a:rPr kumimoji="0" lang="en-US" sz="1800" b="1" i="0" u="none" strike="noStrike" kern="1200" cap="none" spc="0" normalizeH="0" baseline="0" noProof="0" dirty="0" err="1" smtClean="0">
+                <a:ln>
+                  <a:noFill/>
+                </a:ln>
+                <a:solidFill>
+                  <a:srgbClr val="000000"/>
+                </a:solidFill>
+                <a:effectLst/>
+                <a:uLnTx/>
+                <a:uFillTx/>
+                <a:latin typeface="Consolas" panose="020B0609020204030204" pitchFamily="49" charset="0"/>
+                <a:ea typeface="+mn-ea"/>
+                <a:cs typeface="+mn-cs"/>
+              </a:rPr>
+              <a:t>x,y</a:t>
+            </a:r>
+            <a:r>
+              <a:rPr kumimoji="0" lang="en-US" sz="1800" b="1" i="0" u="none" strike="noStrike" kern="1200" cap="none" spc="0" normalizeH="0" baseline="0" noProof="0" dirty="0" smtClean="0">
+                <a:ln>
+                  <a:noFill/>
+                </a:ln>
+                <a:solidFill>
+                  <a:srgbClr val="000000"/>
+                </a:solidFill>
+                <a:effectLst/>
+                <a:uLnTx/>
+                <a:uFillTx/>
+                <a:latin typeface="Consolas" panose="020B0609020204030204" pitchFamily="49" charset="0"/>
+                <a:ea typeface="+mn-ea"/>
+                <a:cs typeface="+mn-cs"/>
+              </a:rPr>
+              <a:t>=</a:t>
+            </a:r>
+            <a:r>
+              <a:rPr kumimoji="0" lang="en-US" sz="1800" b="1" i="0" u="none" strike="noStrike" kern="1200" cap="none" spc="0" normalizeH="0" baseline="0" noProof="0" dirty="0" smtClean="0">
+                <a:ln>
+                  <a:noFill/>
+                </a:ln>
+                <a:solidFill>
+                  <a:srgbClr val="09885A"/>
+                </a:solidFill>
+                <a:effectLst/>
+                <a:uLnTx/>
+                <a:uFillTx/>
+                <a:latin typeface="Consolas" panose="020B0609020204030204" pitchFamily="49" charset="0"/>
+                <a:ea typeface="+mn-ea"/>
+                <a:cs typeface="+mn-cs"/>
+              </a:rPr>
+              <a:t>0</a:t>
+            </a:r>
+            <a:r>
+              <a:rPr kumimoji="0" lang="en-US" sz="1800" b="1" i="0" u="none" strike="noStrike" kern="1200" cap="none" spc="0" normalizeH="0" baseline="0" noProof="0" dirty="0" smtClean="0">
+                <a:ln>
+                  <a:noFill/>
+                </a:ln>
+                <a:solidFill>
+                  <a:srgbClr val="000000"/>
+                </a:solidFill>
+                <a:effectLst/>
+                <a:uLnTx/>
+                <a:uFillTx/>
+                <a:latin typeface="Consolas" panose="020B0609020204030204" pitchFamily="49" charset="0"/>
+                <a:ea typeface="+mn-ea"/>
+                <a:cs typeface="+mn-cs"/>
+              </a:rPr>
+              <a:t>,z=</a:t>
+            </a:r>
+            <a:r>
+              <a:rPr kumimoji="0" lang="en-US" sz="1800" b="1" i="0" u="none" strike="noStrike" kern="1200" cap="none" spc="0" normalizeH="0" baseline="0" noProof="0" dirty="0" smtClean="0">
+                <a:ln>
+                  <a:noFill/>
+                </a:ln>
+                <a:solidFill>
+                  <a:srgbClr val="09885A"/>
+                </a:solidFill>
+                <a:effectLst/>
+                <a:uLnTx/>
+                <a:uFillTx/>
+                <a:latin typeface="Consolas" panose="020B0609020204030204" pitchFamily="49" charset="0"/>
+                <a:ea typeface="+mn-ea"/>
+                <a:cs typeface="+mn-cs"/>
+              </a:rPr>
+              <a:t>1</a:t>
+            </a:r>
+            <a:r>
+              <a:rPr kumimoji="0" lang="en-US" sz="1800" b="1" i="0" u="none" strike="noStrike" kern="1200" cap="none" spc="0" normalizeH="0" baseline="0" noProof="0" dirty="0">
+                <a:ln>
+                  <a:noFill/>
+                </a:ln>
+                <a:solidFill>
+                  <a:srgbClr val="000000"/>
+                </a:solidFill>
+                <a:effectLst/>
+                <a:uLnTx/>
+                <a:uFillTx/>
+                <a:latin typeface="Consolas" panose="020B0609020204030204" pitchFamily="49" charset="0"/>
+                <a:ea typeface="+mn-ea"/>
+                <a:cs typeface="+mn-cs"/>
+              </a:rPr>
+              <a:t>)</a:t>
+            </a:r>
+            <a:r>
+              <a:rPr kumimoji="0" lang="en-US" sz="1800" b="0" i="0" u="none" strike="noStrike" kern="1200" cap="none" spc="0" normalizeH="0" baseline="0" noProof="0" dirty="0">
+                <a:ln>
+                  <a:noFill/>
+                </a:ln>
+                <a:solidFill>
+                  <a:srgbClr val="000000"/>
+                </a:solidFill>
+                <a:effectLst/>
+                <a:uLnTx/>
+                <a:uFillTx/>
+                <a:latin typeface="Consolas" panose="020B0609020204030204" pitchFamily="49" charset="0"/>
+                <a:ea typeface="+mn-ea"/>
+                <a:cs typeface="+mn-cs"/>
+              </a:rPr>
+              <a:t>: </a:t>
+            </a:r>
+            <a:endParaRPr kumimoji="0" lang="en-US" sz="1800" b="0" i="0" u="none" strike="noStrike" kern="1200" cap="none" spc="0" normalizeH="0" baseline="0" noProof="0" dirty="0" smtClean="0">
+              <a:ln>
+                <a:noFill/>
+              </a:ln>
+              <a:solidFill>
+                <a:srgbClr val="000000"/>
+              </a:solidFill>
+              <a:effectLst/>
+              <a:uLnTx/>
+              <a:uFillTx/>
+              <a:latin typeface="Consolas" panose="020B0609020204030204" pitchFamily="49" charset="0"/>
+              <a:ea typeface="+mn-ea"/>
+              <a:cs typeface="+mn-cs"/>
+            </a:endParaRPr>
+          </a:p>
+          <a:p>
+            <a:pPr marL="0" marR="0" lvl="0" indent="0" algn="l" defTabSz="914400" rtl="0" eaLnBrk="1" fontAlgn="auto" latinLnBrk="0" hangingPunct="1">
+              <a:lnSpc>
+                <a:spcPct val="100000"/>
+              </a:lnSpc>
+              <a:spcBef>
+                <a:spcPts val="0"/>
+              </a:spcBef>
+              <a:spcAft>
+                <a:spcPts val="0"/>
+              </a:spcAft>
+              <a:buClrTx/>
+              <a:buSzTx/>
+              <a:buFontTx/>
+              <a:buNone/>
+              <a:tabLst/>
+              <a:defRPr/>
+            </a:pPr>
+            <a:r>
+              <a:rPr kumimoji="0" lang="en-US" sz="1800" b="0" i="0" u="none" strike="noStrike" kern="1200" cap="none" spc="0" normalizeH="0" baseline="0" noProof="0" dirty="0">
+                <a:ln>
+                  <a:noFill/>
+                </a:ln>
+                <a:solidFill>
+                  <a:srgbClr val="000000"/>
+                </a:solidFill>
+                <a:effectLst/>
+                <a:uLnTx/>
+                <a:uFillTx/>
+                <a:latin typeface="Consolas" panose="020B0609020204030204" pitchFamily="49" charset="0"/>
+                <a:ea typeface="+mn-ea"/>
+                <a:cs typeface="+mn-cs"/>
+              </a:rPr>
+              <a:t>    sum = x+y+z</a:t>
+            </a:r>
+          </a:p>
+          <a:p>
+            <a:pPr marL="0" marR="0" lvl="0" indent="0" algn="l" defTabSz="914400" rtl="0" eaLnBrk="1" fontAlgn="auto" latinLnBrk="0" hangingPunct="1">
+              <a:lnSpc>
+                <a:spcPct val="100000"/>
+              </a:lnSpc>
+              <a:spcBef>
+                <a:spcPts val="0"/>
+              </a:spcBef>
+              <a:spcAft>
+                <a:spcPts val="0"/>
+              </a:spcAft>
+              <a:buClrTx/>
+              <a:buSzTx/>
+              <a:buFontTx/>
+              <a:buNone/>
+              <a:tabLst/>
+              <a:defRPr/>
+            </a:pPr>
+            <a:r>
+              <a:rPr kumimoji="0" lang="en-US" sz="1800" b="0" i="0" u="none" strike="noStrike" kern="1200" cap="none" spc="0" normalizeH="0" baseline="0" noProof="0" dirty="0">
+                <a:ln>
+                  <a:noFill/>
+                </a:ln>
+                <a:solidFill>
+                  <a:srgbClr val="000000"/>
+                </a:solidFill>
+                <a:effectLst/>
+                <a:uLnTx/>
+                <a:uFillTx/>
+                <a:latin typeface="Consolas" panose="020B0609020204030204" pitchFamily="49" charset="0"/>
+                <a:ea typeface="+mn-ea"/>
+                <a:cs typeface="+mn-cs"/>
+              </a:rPr>
+              <a:t>    </a:t>
+            </a:r>
+            <a:r>
+              <a:rPr kumimoji="0" lang="en-US" sz="1800" b="0" i="0" u="none" strike="noStrike" kern="1200" cap="none" spc="0" normalizeH="0" baseline="0" noProof="0" dirty="0">
+                <a:ln>
+                  <a:noFill/>
+                </a:ln>
+                <a:solidFill>
+                  <a:srgbClr val="0000FF"/>
+                </a:solidFill>
+                <a:effectLst/>
+                <a:uLnTx/>
+                <a:uFillTx/>
+                <a:latin typeface="Consolas" panose="020B0609020204030204" pitchFamily="49" charset="0"/>
+                <a:ea typeface="+mn-ea"/>
+                <a:cs typeface="+mn-cs"/>
+              </a:rPr>
+              <a:t>return</a:t>
+            </a:r>
+            <a:r>
+              <a:rPr kumimoji="0" lang="en-US" sz="1800" b="0" i="0" u="none" strike="noStrike" kern="1200" cap="none" spc="0" normalizeH="0" baseline="0" noProof="0" dirty="0">
+                <a:ln>
+                  <a:noFill/>
+                </a:ln>
+                <a:solidFill>
+                  <a:srgbClr val="000000"/>
+                </a:solidFill>
+                <a:effectLst/>
+                <a:uLnTx/>
+                <a:uFillTx/>
+                <a:latin typeface="Consolas" panose="020B0609020204030204" pitchFamily="49" charset="0"/>
+                <a:ea typeface="+mn-ea"/>
+                <a:cs typeface="+mn-cs"/>
+              </a:rPr>
+              <a:t> sum</a:t>
+            </a:r>
+          </a:p>
+          <a:p>
+            <a:pPr marL="0" marR="0" lvl="0" indent="0" algn="l" defTabSz="914400" rtl="0" eaLnBrk="1" fontAlgn="auto" latinLnBrk="0" hangingPunct="1">
+              <a:lnSpc>
+                <a:spcPct val="100000"/>
+              </a:lnSpc>
+              <a:spcBef>
+                <a:spcPts val="0"/>
+              </a:spcBef>
+              <a:spcAft>
+                <a:spcPts val="0"/>
+              </a:spcAft>
+              <a:buClrTx/>
+              <a:buSzTx/>
+              <a:buFontTx/>
+              <a:buNone/>
+              <a:tabLst/>
+              <a:defRPr/>
+            </a:pPr>
+            <a:r>
+              <a:rPr kumimoji="0" lang="en-US" sz="1800" b="0" i="0" u="none" strike="noStrike" kern="1200" cap="none" spc="0" normalizeH="0" baseline="0" noProof="0" dirty="0">
+                <a:ln>
+                  <a:noFill/>
+                </a:ln>
+                <a:solidFill>
+                  <a:srgbClr val="FF0000"/>
+                </a:solidFill>
+                <a:effectLst/>
+                <a:uLnTx/>
+                <a:uFillTx/>
+                <a:latin typeface="Consolas" panose="020B0609020204030204" pitchFamily="49" charset="0"/>
+                <a:ea typeface="+mn-ea"/>
+                <a:cs typeface="+mn-cs"/>
+              </a:rPr>
+              <a:t/>
+            </a:r>
+            <a:br>
+              <a:rPr kumimoji="0" lang="en-US" sz="1800" b="0" i="0" u="none" strike="noStrike" kern="1200" cap="none" spc="0" normalizeH="0" baseline="0" noProof="0" dirty="0">
+                <a:ln>
+                  <a:noFill/>
+                </a:ln>
+                <a:solidFill>
+                  <a:srgbClr val="FF0000"/>
+                </a:solidFill>
+                <a:effectLst/>
+                <a:uLnTx/>
+                <a:uFillTx/>
+                <a:latin typeface="Consolas" panose="020B0609020204030204" pitchFamily="49" charset="0"/>
+                <a:ea typeface="+mn-ea"/>
+                <a:cs typeface="+mn-cs"/>
+              </a:rPr>
+            </a:br>
+            <a:r>
+              <a:rPr kumimoji="0" lang="en-US" sz="1800" b="0" i="0" u="none" strike="noStrike" kern="1200" cap="none" spc="0" normalizeH="0" baseline="0" noProof="0" dirty="0">
+                <a:ln>
+                  <a:noFill/>
+                </a:ln>
+                <a:solidFill>
+                  <a:prstClr val="black"/>
+                </a:solidFill>
+                <a:effectLst/>
+                <a:uLnTx/>
+                <a:uFillTx/>
+                <a:latin typeface="Consolas" panose="020B0609020204030204" pitchFamily="49" charset="0"/>
+                <a:ea typeface="+mn-ea"/>
+                <a:cs typeface="+mn-cs"/>
+              </a:rPr>
+              <a:t>value</a:t>
+            </a:r>
+            <a:r>
+              <a:rPr kumimoji="0" lang="en-US" sz="1800" b="0" i="0" u="none" strike="noStrike" kern="1200" cap="none" spc="0" normalizeH="0" baseline="0" noProof="0" dirty="0">
+                <a:ln>
+                  <a:noFill/>
+                </a:ln>
+                <a:solidFill>
+                  <a:srgbClr val="FF0000"/>
+                </a:solidFill>
+                <a:effectLst/>
+                <a:uLnTx/>
+                <a:uFillTx/>
+                <a:latin typeface="Consolas" panose="020B0609020204030204" pitchFamily="49" charset="0"/>
+                <a:ea typeface="+mn-ea"/>
+                <a:cs typeface="+mn-cs"/>
+              </a:rPr>
+              <a:t> = </a:t>
+            </a:r>
+            <a:r>
+              <a:rPr kumimoji="0" lang="en-US" sz="1800" b="1" i="0" u="none" strike="noStrike" kern="1200" cap="none" spc="0" normalizeH="0" baseline="0" noProof="0" dirty="0" smtClean="0">
+                <a:ln>
+                  <a:noFill/>
+                </a:ln>
+                <a:solidFill>
+                  <a:srgbClr val="FF0000"/>
+                </a:solidFill>
+                <a:effectLst/>
+                <a:uLnTx/>
+                <a:uFillTx/>
+                <a:latin typeface="Consolas" panose="020B0609020204030204" pitchFamily="49" charset="0"/>
+                <a:ea typeface="+mn-ea"/>
+                <a:cs typeface="+mn-cs"/>
+              </a:rPr>
+              <a:t>add_param_default()</a:t>
+            </a:r>
+            <a:r>
+              <a:rPr kumimoji="0" lang="en-US" sz="1800" b="0" i="0" u="none" strike="noStrike" kern="1200" cap="none" spc="0" normalizeH="0" baseline="0" noProof="0" dirty="0">
+                <a:ln>
+                  <a:noFill/>
+                </a:ln>
+                <a:solidFill>
+                  <a:srgbClr val="FF0000"/>
+                </a:solidFill>
+                <a:effectLst/>
+                <a:uLnTx/>
+                <a:uFillTx/>
+                <a:latin typeface="Consolas" panose="020B0609020204030204" pitchFamily="49" charset="0"/>
+                <a:ea typeface="+mn-ea"/>
+                <a:cs typeface="+mn-cs"/>
+              </a:rPr>
+              <a:t>  </a:t>
+            </a:r>
+          </a:p>
+        </p:txBody>
+      </p:sp>
+      <p:sp>
+        <p:nvSpPr>
+          <p:cNvPr id="8" name="Rectangle 7"/>
+          <p:cNvSpPr/>
+          <p:nvPr/>
+        </p:nvSpPr>
+        <p:spPr>
+          <a:xfrm>
+            <a:off x="790958" y="4602024"/>
+            <a:ext cx="6463430" cy="1754326"/>
+          </a:xfrm>
+          <a:prstGeom prst="rect">
+            <a:avLst/>
+          </a:prstGeom>
+        </p:spPr>
+        <p:style>
+          <a:lnRef idx="2">
+            <a:schemeClr val="dk1"/>
+          </a:lnRef>
+          <a:fillRef idx="1">
+            <a:schemeClr val="lt1"/>
+          </a:fillRef>
+          <a:effectRef idx="0">
+            <a:schemeClr val="dk1"/>
+          </a:effectRef>
+          <a:fontRef idx="minor">
+            <a:schemeClr val="dk1"/>
+          </a:fontRef>
+        </p:style>
+        <p:txBody>
+          <a:bodyPr wrap="square">
+            <a:spAutoFit/>
+          </a:bodyPr>
+          <a:lstStyle/>
+          <a:p>
+            <a:pPr marL="0" marR="0" lvl="0" indent="0" algn="l" defTabSz="914400" rtl="0" eaLnBrk="1" fontAlgn="auto" latinLnBrk="0" hangingPunct="1">
+              <a:lnSpc>
+                <a:spcPct val="100000"/>
+              </a:lnSpc>
+              <a:spcBef>
+                <a:spcPts val="0"/>
+              </a:spcBef>
+              <a:spcAft>
+                <a:spcPts val="0"/>
+              </a:spcAft>
+              <a:buClrTx/>
+              <a:buSzTx/>
+              <a:buFontTx/>
+              <a:buNone/>
+              <a:tabLst/>
+              <a:defRPr/>
+            </a:pPr>
+            <a:r>
+              <a:rPr kumimoji="0" lang="en-US" sz="1800" b="0" i="0" u="none" strike="noStrike" kern="1200" cap="none" spc="0" normalizeH="0" baseline="0" noProof="0" dirty="0">
+                <a:ln>
+                  <a:noFill/>
+                </a:ln>
+                <a:solidFill>
+                  <a:srgbClr val="0000FF"/>
+                </a:solidFill>
+                <a:effectLst/>
+                <a:uLnTx/>
+                <a:uFillTx/>
+                <a:latin typeface="Consolas" panose="020B0609020204030204" pitchFamily="49" charset="0"/>
+                <a:ea typeface="+mn-ea"/>
+                <a:cs typeface="+mn-cs"/>
+              </a:rPr>
+              <a:t>def</a:t>
+            </a:r>
+            <a:r>
+              <a:rPr kumimoji="0" lang="en-US" sz="1800" b="0" i="0" u="none" strike="noStrike" kern="1200" cap="none" spc="0" normalizeH="0" baseline="0" noProof="0" dirty="0">
+                <a:ln>
+                  <a:noFill/>
+                </a:ln>
+                <a:solidFill>
+                  <a:srgbClr val="000000"/>
+                </a:solidFill>
+                <a:effectLst/>
+                <a:uLnTx/>
+                <a:uFillTx/>
+                <a:latin typeface="Consolas" panose="020B0609020204030204" pitchFamily="49" charset="0"/>
+                <a:ea typeface="+mn-ea"/>
+                <a:cs typeface="+mn-cs"/>
+              </a:rPr>
+              <a:t> </a:t>
+            </a:r>
+            <a:r>
+              <a:rPr kumimoji="0" lang="en-US" sz="1800" b="1" i="0" u="none" strike="noStrike" kern="1200" cap="none" spc="0" normalizeH="0" baseline="0" noProof="0" dirty="0" smtClean="0">
+                <a:ln>
+                  <a:noFill/>
+                </a:ln>
+                <a:solidFill>
+                  <a:srgbClr val="000000"/>
+                </a:solidFill>
+                <a:effectLst/>
+                <a:uLnTx/>
+                <a:uFillTx/>
+                <a:latin typeface="Consolas" panose="020B0609020204030204" pitchFamily="49" charset="0"/>
+                <a:ea typeface="+mn-ea"/>
+                <a:cs typeface="+mn-cs"/>
+              </a:rPr>
+              <a:t>add_param_default(x=0,y=</a:t>
+            </a:r>
+            <a:r>
+              <a:rPr kumimoji="0" lang="en-US" sz="1800" b="1" i="0" u="none" strike="noStrike" kern="1200" cap="none" spc="0" normalizeH="0" baseline="0" noProof="0" dirty="0" smtClean="0">
+                <a:ln>
+                  <a:noFill/>
+                </a:ln>
+                <a:solidFill>
+                  <a:srgbClr val="09885A"/>
+                </a:solidFill>
+                <a:effectLst/>
+                <a:uLnTx/>
+                <a:uFillTx/>
+                <a:latin typeface="Consolas" panose="020B0609020204030204" pitchFamily="49" charset="0"/>
+                <a:ea typeface="+mn-ea"/>
+                <a:cs typeface="+mn-cs"/>
+              </a:rPr>
+              <a:t>0</a:t>
+            </a:r>
+            <a:r>
+              <a:rPr kumimoji="0" lang="en-US" sz="1800" b="1" i="0" u="none" strike="noStrike" kern="1200" cap="none" spc="0" normalizeH="0" baseline="0" noProof="0" dirty="0" smtClean="0">
+                <a:ln>
+                  <a:noFill/>
+                </a:ln>
+                <a:solidFill>
+                  <a:srgbClr val="000000"/>
+                </a:solidFill>
+                <a:effectLst/>
+                <a:uLnTx/>
+                <a:uFillTx/>
+                <a:latin typeface="Consolas" panose="020B0609020204030204" pitchFamily="49" charset="0"/>
+                <a:ea typeface="+mn-ea"/>
+                <a:cs typeface="+mn-cs"/>
+              </a:rPr>
+              <a:t>,z=</a:t>
+            </a:r>
+            <a:r>
+              <a:rPr kumimoji="0" lang="en-US" sz="1800" b="1" i="0" u="none" strike="noStrike" kern="1200" cap="none" spc="0" normalizeH="0" baseline="0" noProof="0" dirty="0" smtClean="0">
+                <a:ln>
+                  <a:noFill/>
+                </a:ln>
+                <a:solidFill>
+                  <a:srgbClr val="09885A"/>
+                </a:solidFill>
+                <a:effectLst/>
+                <a:uLnTx/>
+                <a:uFillTx/>
+                <a:latin typeface="Consolas" panose="020B0609020204030204" pitchFamily="49" charset="0"/>
+                <a:ea typeface="+mn-ea"/>
+                <a:cs typeface="+mn-cs"/>
+              </a:rPr>
+              <a:t>1</a:t>
+            </a:r>
+            <a:r>
+              <a:rPr kumimoji="0" lang="en-US" sz="1800" b="1" i="0" u="none" strike="noStrike" kern="1200" cap="none" spc="0" normalizeH="0" baseline="0" noProof="0" dirty="0">
+                <a:ln>
+                  <a:noFill/>
+                </a:ln>
+                <a:solidFill>
+                  <a:srgbClr val="000000"/>
+                </a:solidFill>
+                <a:effectLst/>
+                <a:uLnTx/>
+                <a:uFillTx/>
+                <a:latin typeface="Consolas" panose="020B0609020204030204" pitchFamily="49" charset="0"/>
+                <a:ea typeface="+mn-ea"/>
+                <a:cs typeface="+mn-cs"/>
+              </a:rPr>
+              <a:t>):</a:t>
+            </a:r>
+            <a:r>
+              <a:rPr kumimoji="0" lang="en-US" sz="1800" b="0" i="0" u="none" strike="noStrike" kern="1200" cap="none" spc="0" normalizeH="0" baseline="0" noProof="0" dirty="0">
+                <a:ln>
+                  <a:noFill/>
+                </a:ln>
+                <a:solidFill>
+                  <a:srgbClr val="000000"/>
+                </a:solidFill>
+                <a:effectLst/>
+                <a:uLnTx/>
+                <a:uFillTx/>
+                <a:latin typeface="Consolas" panose="020B0609020204030204" pitchFamily="49" charset="0"/>
+                <a:ea typeface="+mn-ea"/>
+                <a:cs typeface="+mn-cs"/>
+              </a:rPr>
+              <a:t> </a:t>
+            </a:r>
+            <a:endParaRPr kumimoji="0" lang="en-US" sz="1800" b="0" i="0" u="none" strike="noStrike" kern="1200" cap="none" spc="0" normalizeH="0" baseline="0" noProof="0" dirty="0" smtClean="0">
+              <a:ln>
+                <a:noFill/>
+              </a:ln>
+              <a:solidFill>
+                <a:srgbClr val="000000"/>
+              </a:solidFill>
+              <a:effectLst/>
+              <a:uLnTx/>
+              <a:uFillTx/>
+              <a:latin typeface="Consolas" panose="020B0609020204030204" pitchFamily="49" charset="0"/>
+              <a:ea typeface="+mn-ea"/>
+              <a:cs typeface="+mn-cs"/>
+            </a:endParaRPr>
+          </a:p>
+          <a:p>
+            <a:pPr marL="0" marR="0" lvl="0" indent="0" algn="l" defTabSz="914400" rtl="0" eaLnBrk="1" fontAlgn="auto" latinLnBrk="0" hangingPunct="1">
+              <a:lnSpc>
+                <a:spcPct val="100000"/>
+              </a:lnSpc>
+              <a:spcBef>
+                <a:spcPts val="0"/>
+              </a:spcBef>
+              <a:spcAft>
+                <a:spcPts val="0"/>
+              </a:spcAft>
+              <a:buClrTx/>
+              <a:buSzTx/>
+              <a:buFontTx/>
+              <a:buNone/>
+              <a:tabLst/>
+              <a:defRPr/>
+            </a:pPr>
+            <a:r>
+              <a:rPr kumimoji="0" lang="en-US" sz="1800" b="0" i="0" u="none" strike="noStrike" kern="1200" cap="none" spc="0" normalizeH="0" baseline="0" noProof="0" dirty="0">
+                <a:ln>
+                  <a:noFill/>
+                </a:ln>
+                <a:solidFill>
+                  <a:srgbClr val="000000"/>
+                </a:solidFill>
+                <a:effectLst/>
+                <a:uLnTx/>
+                <a:uFillTx/>
+                <a:latin typeface="Consolas" panose="020B0609020204030204" pitchFamily="49" charset="0"/>
+                <a:ea typeface="+mn-ea"/>
+                <a:cs typeface="+mn-cs"/>
+              </a:rPr>
+              <a:t>    sum = x+y+z</a:t>
+            </a:r>
+          </a:p>
+          <a:p>
+            <a:pPr marL="0" marR="0" lvl="0" indent="0" algn="l" defTabSz="914400" rtl="0" eaLnBrk="1" fontAlgn="auto" latinLnBrk="0" hangingPunct="1">
+              <a:lnSpc>
+                <a:spcPct val="100000"/>
+              </a:lnSpc>
+              <a:spcBef>
+                <a:spcPts val="0"/>
+              </a:spcBef>
+              <a:spcAft>
+                <a:spcPts val="0"/>
+              </a:spcAft>
+              <a:buClrTx/>
+              <a:buSzTx/>
+              <a:buFontTx/>
+              <a:buNone/>
+              <a:tabLst/>
+              <a:defRPr/>
+            </a:pPr>
+            <a:r>
+              <a:rPr kumimoji="0" lang="en-US" sz="1800" b="0" i="0" u="none" strike="noStrike" kern="1200" cap="none" spc="0" normalizeH="0" baseline="0" noProof="0" dirty="0">
+                <a:ln>
+                  <a:noFill/>
+                </a:ln>
+                <a:solidFill>
+                  <a:srgbClr val="000000"/>
+                </a:solidFill>
+                <a:effectLst/>
+                <a:uLnTx/>
+                <a:uFillTx/>
+                <a:latin typeface="Consolas" panose="020B0609020204030204" pitchFamily="49" charset="0"/>
+                <a:ea typeface="+mn-ea"/>
+                <a:cs typeface="+mn-cs"/>
+              </a:rPr>
+              <a:t>    </a:t>
+            </a:r>
+            <a:r>
+              <a:rPr kumimoji="0" lang="en-US" sz="1800" b="0" i="0" u="none" strike="noStrike" kern="1200" cap="none" spc="0" normalizeH="0" baseline="0" noProof="0" dirty="0">
+                <a:ln>
+                  <a:noFill/>
+                </a:ln>
+                <a:solidFill>
+                  <a:srgbClr val="0000FF"/>
+                </a:solidFill>
+                <a:effectLst/>
+                <a:uLnTx/>
+                <a:uFillTx/>
+                <a:latin typeface="Consolas" panose="020B0609020204030204" pitchFamily="49" charset="0"/>
+                <a:ea typeface="+mn-ea"/>
+                <a:cs typeface="+mn-cs"/>
+              </a:rPr>
+              <a:t>return</a:t>
+            </a:r>
+            <a:r>
+              <a:rPr kumimoji="0" lang="en-US" sz="1800" b="0" i="0" u="none" strike="noStrike" kern="1200" cap="none" spc="0" normalizeH="0" baseline="0" noProof="0" dirty="0">
+                <a:ln>
+                  <a:noFill/>
+                </a:ln>
+                <a:solidFill>
+                  <a:srgbClr val="000000"/>
+                </a:solidFill>
+                <a:effectLst/>
+                <a:uLnTx/>
+                <a:uFillTx/>
+                <a:latin typeface="Consolas" panose="020B0609020204030204" pitchFamily="49" charset="0"/>
+                <a:ea typeface="+mn-ea"/>
+                <a:cs typeface="+mn-cs"/>
+              </a:rPr>
+              <a:t> sum</a:t>
+            </a:r>
+          </a:p>
+          <a:p>
+            <a:pPr marL="0" marR="0" lvl="0" indent="0" algn="l" defTabSz="914400" rtl="0" eaLnBrk="1" fontAlgn="auto" latinLnBrk="0" hangingPunct="1">
+              <a:lnSpc>
+                <a:spcPct val="100000"/>
+              </a:lnSpc>
+              <a:spcBef>
+                <a:spcPts val="0"/>
+              </a:spcBef>
+              <a:spcAft>
+                <a:spcPts val="0"/>
+              </a:spcAft>
+              <a:buClrTx/>
+              <a:buSzTx/>
+              <a:buFontTx/>
+              <a:buNone/>
+              <a:tabLst/>
+              <a:defRPr/>
+            </a:pPr>
+            <a:endParaRPr kumimoji="0" lang="en-US" sz="1800" b="0" i="0" u="none" strike="noStrike" kern="1200" cap="none" spc="0" normalizeH="0" baseline="0" noProof="0" dirty="0" smtClean="0">
+              <a:ln>
+                <a:noFill/>
+              </a:ln>
+              <a:solidFill>
+                <a:srgbClr val="000000"/>
+              </a:solidFill>
+              <a:effectLst/>
+              <a:uLnTx/>
+              <a:uFillTx/>
+              <a:latin typeface="Consolas" panose="020B0609020204030204" pitchFamily="49" charset="0"/>
+              <a:ea typeface="+mn-ea"/>
+              <a:cs typeface="+mn-cs"/>
+            </a:endParaRPr>
+          </a:p>
+          <a:p>
+            <a:pPr marL="0" marR="0" lvl="0" indent="0" algn="l" defTabSz="914400" rtl="0" eaLnBrk="1" fontAlgn="auto" latinLnBrk="0" hangingPunct="1">
+              <a:lnSpc>
+                <a:spcPct val="100000"/>
+              </a:lnSpc>
+              <a:spcBef>
+                <a:spcPts val="0"/>
+              </a:spcBef>
+              <a:spcAft>
+                <a:spcPts val="0"/>
+              </a:spcAft>
+              <a:buClrTx/>
+              <a:buSzTx/>
+              <a:buFontTx/>
+              <a:buNone/>
+              <a:tabLst/>
+              <a:defRPr/>
+            </a:pPr>
+            <a:r>
+              <a:rPr kumimoji="0" lang="en-US" sz="1800" b="0" i="0" u="none" strike="noStrike" kern="1200" cap="none" spc="0" normalizeH="0" baseline="0" noProof="0" dirty="0" smtClean="0">
+                <a:ln>
+                  <a:noFill/>
+                </a:ln>
+                <a:solidFill>
+                  <a:srgbClr val="000000"/>
+                </a:solidFill>
+                <a:effectLst/>
+                <a:uLnTx/>
+                <a:uFillTx/>
+                <a:latin typeface="Consolas" panose="020B0609020204030204" pitchFamily="49" charset="0"/>
+                <a:ea typeface="+mn-ea"/>
+                <a:cs typeface="+mn-cs"/>
+              </a:rPr>
+              <a:t>value</a:t>
+            </a:r>
+            <a:r>
+              <a:rPr kumimoji="0" lang="en-US" sz="1800" b="0" i="0" u="none" strike="noStrike" kern="1200" cap="none" spc="0" normalizeH="0" baseline="0" noProof="0" dirty="0">
+                <a:ln>
+                  <a:noFill/>
+                </a:ln>
+                <a:solidFill>
+                  <a:srgbClr val="000000"/>
+                </a:solidFill>
+                <a:effectLst/>
+                <a:uLnTx/>
+                <a:uFillTx/>
+                <a:latin typeface="Consolas" panose="020B0609020204030204" pitchFamily="49" charset="0"/>
+                <a:ea typeface="+mn-ea"/>
+                <a:cs typeface="+mn-cs"/>
+              </a:rPr>
+              <a:t> = </a:t>
+            </a:r>
+            <a:r>
+              <a:rPr kumimoji="0" lang="en-US" sz="1800" b="1" i="0" u="none" strike="noStrike" kern="1200" cap="none" spc="0" normalizeH="0" baseline="0" noProof="0" dirty="0" smtClean="0">
+                <a:ln>
+                  <a:noFill/>
+                </a:ln>
+                <a:solidFill>
+                  <a:srgbClr val="000000"/>
+                </a:solidFill>
+                <a:effectLst/>
+                <a:uLnTx/>
+                <a:uFillTx/>
+                <a:latin typeface="Consolas" panose="020B0609020204030204" pitchFamily="49" charset="0"/>
+                <a:ea typeface="+mn-ea"/>
+                <a:cs typeface="+mn-cs"/>
+              </a:rPr>
+              <a:t>add_param_default()</a:t>
+            </a:r>
+            <a:r>
+              <a:rPr kumimoji="0" lang="en-US" sz="1800" b="0" i="0" u="none" strike="noStrike" kern="1200" cap="none" spc="0" normalizeH="0" baseline="0" noProof="0" dirty="0">
+                <a:ln>
+                  <a:noFill/>
+                </a:ln>
+                <a:solidFill>
+                  <a:srgbClr val="000000"/>
+                </a:solidFill>
+                <a:effectLst/>
+                <a:uLnTx/>
+                <a:uFillTx/>
+                <a:latin typeface="Consolas" panose="020B0609020204030204" pitchFamily="49" charset="0"/>
+                <a:ea typeface="+mn-ea"/>
+                <a:cs typeface="+mn-cs"/>
+              </a:rPr>
+              <a:t>  </a:t>
+            </a:r>
+            <a:endParaRPr kumimoji="0" lang="en-US" sz="1800" b="0" i="0" u="none" strike="noStrike" kern="1200" cap="none" spc="0" normalizeH="0" baseline="0" noProof="0" dirty="0" smtClean="0">
+              <a:ln>
+                <a:noFill/>
+              </a:ln>
+              <a:solidFill>
+                <a:srgbClr val="000000"/>
+              </a:solidFill>
+              <a:effectLst/>
+              <a:uLnTx/>
+              <a:uFillTx/>
+              <a:latin typeface="Consolas" panose="020B0609020204030204" pitchFamily="49" charset="0"/>
+              <a:ea typeface="+mn-ea"/>
+              <a:cs typeface="+mn-cs"/>
+            </a:endParaRPr>
+          </a:p>
+          <a:p>
+            <a:pPr marL="0" marR="0" lvl="0" indent="0" algn="l" defTabSz="914400" rtl="0" eaLnBrk="1" fontAlgn="auto" latinLnBrk="0" hangingPunct="1">
+              <a:lnSpc>
+                <a:spcPct val="100000"/>
+              </a:lnSpc>
+              <a:spcBef>
+                <a:spcPts val="0"/>
+              </a:spcBef>
+              <a:spcAft>
+                <a:spcPts val="0"/>
+              </a:spcAft>
+              <a:buClrTx/>
+              <a:buSzTx/>
+              <a:buFontTx/>
+              <a:buNone/>
+              <a:tabLst/>
+              <a:defRPr/>
+            </a:pPr>
+            <a:r>
+              <a:rPr kumimoji="0" lang="en-US" sz="1800" b="0" i="0" u="none" strike="noStrike" kern="1200" cap="none" spc="0" normalizeH="0" baseline="0" noProof="0" dirty="0" smtClean="0">
+                <a:ln>
+                  <a:noFill/>
+                </a:ln>
+                <a:solidFill>
+                  <a:srgbClr val="008000"/>
+                </a:solidFill>
+                <a:effectLst/>
+                <a:uLnTx/>
+                <a:uFillTx/>
+                <a:latin typeface="Consolas" panose="020B0609020204030204" pitchFamily="49" charset="0"/>
+                <a:ea typeface="+mn-ea"/>
+                <a:cs typeface="+mn-cs"/>
+              </a:rPr>
+              <a:t>#</a:t>
+            </a:r>
+            <a:r>
+              <a:rPr kumimoji="0" lang="en-US" sz="1800" b="0" i="0" u="none" strike="noStrike" kern="1200" cap="none" spc="0" normalizeH="0" baseline="0" noProof="0" dirty="0">
+                <a:ln>
+                  <a:noFill/>
+                </a:ln>
+                <a:solidFill>
+                  <a:srgbClr val="008000"/>
+                </a:solidFill>
+                <a:effectLst/>
+                <a:uLnTx/>
+                <a:uFillTx/>
+                <a:latin typeface="Consolas" panose="020B0609020204030204" pitchFamily="49" charset="0"/>
+                <a:ea typeface="+mn-ea"/>
+                <a:cs typeface="+mn-cs"/>
+              </a:rPr>
+              <a:t>All parameter of function </a:t>
+            </a:r>
+            <a:r>
+              <a:rPr kumimoji="0" lang="en-US" sz="1800" b="0" i="0" u="none" strike="noStrike" kern="1200" cap="none" spc="0" normalizeH="0" baseline="0" noProof="0" dirty="0" smtClean="0">
+                <a:ln>
+                  <a:noFill/>
+                </a:ln>
+                <a:solidFill>
+                  <a:srgbClr val="008000"/>
+                </a:solidFill>
+                <a:effectLst/>
+                <a:uLnTx/>
+                <a:uFillTx/>
+                <a:latin typeface="Consolas" panose="020B0609020204030204" pitchFamily="49" charset="0"/>
+                <a:ea typeface="+mn-ea"/>
+                <a:cs typeface="+mn-cs"/>
+              </a:rPr>
+              <a:t>are constant</a:t>
+            </a:r>
+            <a:endParaRPr kumimoji="0" lang="en-US" sz="1800" b="0" i="0" u="none" strike="noStrike" kern="1200" cap="none" spc="0" normalizeH="0" baseline="0" noProof="0" dirty="0">
+              <a:ln>
+                <a:noFill/>
+              </a:ln>
+              <a:solidFill>
+                <a:srgbClr val="000000"/>
+              </a:solidFill>
+              <a:effectLst/>
+              <a:uLnTx/>
+              <a:uFillTx/>
+              <a:latin typeface="Consolas" panose="020B0609020204030204" pitchFamily="49" charset="0"/>
+              <a:ea typeface="+mn-ea"/>
+              <a:cs typeface="+mn-cs"/>
+            </a:endParaRPr>
+          </a:p>
+        </p:txBody>
+      </p:sp>
+      <p:sp>
+        <p:nvSpPr>
+          <p:cNvPr id="10" name="Rectangle 9"/>
+          <p:cNvSpPr/>
+          <p:nvPr/>
+        </p:nvSpPr>
+        <p:spPr>
+          <a:xfrm>
+            <a:off x="4401855" y="3329819"/>
+            <a:ext cx="3603872" cy="369332"/>
+          </a:xfrm>
+          <a:prstGeom prst="rect">
+            <a:avLst/>
+          </a:prstGeom>
+        </p:spPr>
+        <p:txBody>
+          <a:bodyPr wrap="none">
+            <a:spAutoFit/>
+          </a:bodyPr>
+          <a:lstStyle/>
+          <a:p>
+            <a:pPr marL="0" marR="0" lvl="0" indent="0" algn="l" defTabSz="914400" rtl="0" eaLnBrk="1" fontAlgn="auto" latinLnBrk="0" hangingPunct="1">
+              <a:lnSpc>
+                <a:spcPct val="100000"/>
+              </a:lnSpc>
+              <a:spcBef>
+                <a:spcPts val="0"/>
+              </a:spcBef>
+              <a:spcAft>
+                <a:spcPts val="0"/>
+              </a:spcAft>
+              <a:buClrTx/>
+              <a:buSzTx/>
+              <a:buFontTx/>
+              <a:buNone/>
+              <a:tabLst/>
+              <a:defRPr/>
+            </a:pPr>
+            <a:r>
+              <a:rPr kumimoji="0" lang="en-US" sz="1800" b="0" i="0" u="none" strike="noStrike" kern="1200" cap="none" spc="0" normalizeH="0" baseline="0" noProof="0" dirty="0">
+                <a:ln>
+                  <a:noFill/>
+                </a:ln>
+                <a:solidFill>
+                  <a:srgbClr val="008000"/>
+                </a:solidFill>
+                <a:effectLst/>
+                <a:uLnTx/>
+                <a:uFillTx/>
+                <a:latin typeface="Consolas" panose="020B0609020204030204" pitchFamily="49" charset="0"/>
+                <a:ea typeface="+mn-ea"/>
+                <a:cs typeface="+mn-cs"/>
+              </a:rPr>
+              <a:t>#</a:t>
+            </a:r>
+            <a:r>
+              <a:rPr kumimoji="0" lang="en-US" sz="1800" b="0" i="0" u="none" strike="noStrike" kern="1200" cap="none" spc="0" normalizeH="0" baseline="0" noProof="0" dirty="0" smtClean="0">
+                <a:ln>
+                  <a:noFill/>
+                </a:ln>
+                <a:solidFill>
+                  <a:srgbClr val="008000"/>
+                </a:solidFill>
+                <a:effectLst/>
+                <a:uLnTx/>
+                <a:uFillTx/>
+                <a:latin typeface="Consolas" panose="020B0609020204030204" pitchFamily="49" charset="0"/>
+                <a:ea typeface="+mn-ea"/>
+                <a:cs typeface="+mn-cs"/>
+              </a:rPr>
+              <a:t>parameter</a:t>
+            </a:r>
+            <a:r>
+              <a:rPr kumimoji="0" lang="en-US" sz="1800" b="0" i="0" u="none" strike="noStrike" kern="1200" cap="none" spc="0" normalizeH="0" baseline="0" noProof="0" dirty="0">
+                <a:ln>
+                  <a:noFill/>
+                </a:ln>
+                <a:solidFill>
+                  <a:srgbClr val="008000"/>
+                </a:solidFill>
+                <a:effectLst/>
+                <a:uLnTx/>
+                <a:uFillTx/>
+                <a:latin typeface="Consolas" panose="020B0609020204030204" pitchFamily="49" charset="0"/>
+                <a:ea typeface="+mn-ea"/>
+                <a:cs typeface="+mn-cs"/>
+              </a:rPr>
+              <a:t> </a:t>
+            </a:r>
+            <a:r>
+              <a:rPr kumimoji="0" lang="en-US" sz="1800" b="0" i="0" u="none" strike="noStrike" kern="1200" cap="none" spc="0" normalizeH="0" baseline="0" noProof="0" dirty="0" smtClean="0">
+                <a:ln>
+                  <a:noFill/>
+                </a:ln>
+                <a:solidFill>
+                  <a:srgbClr val="008000"/>
+                </a:solidFill>
+                <a:effectLst/>
+                <a:uLnTx/>
+                <a:uFillTx/>
+                <a:latin typeface="Consolas" panose="020B0609020204030204" pitchFamily="49" charset="0"/>
+                <a:ea typeface="+mn-ea"/>
+                <a:cs typeface="+mn-cs"/>
+              </a:rPr>
+              <a:t>x is required!!</a:t>
+            </a:r>
+            <a:endParaRPr kumimoji="0" lang="en-US" sz="1800" b="0" i="0" u="none" strike="noStrike" kern="1200" cap="none" spc="0" normalizeH="0" baseline="0" noProof="0" dirty="0">
+              <a:ln>
+                <a:noFill/>
+              </a:ln>
+              <a:solidFill>
+                <a:srgbClr val="000000"/>
+              </a:solidFill>
+              <a:effectLst/>
+              <a:uLnTx/>
+              <a:uFillTx/>
+              <a:latin typeface="Consolas" panose="020B0609020204030204" pitchFamily="49" charset="0"/>
+              <a:ea typeface="+mn-ea"/>
+              <a:cs typeface="+mn-cs"/>
+            </a:endParaRPr>
+          </a:p>
+        </p:txBody>
+      </p:sp>
+      <p:sp>
+        <p:nvSpPr>
+          <p:cNvPr id="11" name="Rectangle 10"/>
+          <p:cNvSpPr/>
+          <p:nvPr/>
+        </p:nvSpPr>
+        <p:spPr>
+          <a:xfrm>
+            <a:off x="5256990" y="2166192"/>
+            <a:ext cx="4996881" cy="369332"/>
+          </a:xfrm>
+          <a:prstGeom prst="rect">
+            <a:avLst/>
+          </a:prstGeom>
+        </p:spPr>
+        <p:txBody>
+          <a:bodyPr wrap="none">
+            <a:spAutoFit/>
+          </a:bodyPr>
+          <a:lstStyle/>
+          <a:p>
+            <a:pPr marL="0" marR="0" lvl="0" indent="0" algn="l" defTabSz="914400" rtl="0" eaLnBrk="1" fontAlgn="auto" latinLnBrk="0" hangingPunct="1">
+              <a:lnSpc>
+                <a:spcPct val="100000"/>
+              </a:lnSpc>
+              <a:spcBef>
+                <a:spcPts val="0"/>
+              </a:spcBef>
+              <a:spcAft>
+                <a:spcPts val="0"/>
+              </a:spcAft>
+              <a:buClrTx/>
+              <a:buSzTx/>
+              <a:buFontTx/>
+              <a:buNone/>
+              <a:tabLst/>
+              <a:defRPr/>
+            </a:pPr>
+            <a:r>
+              <a:rPr kumimoji="0" lang="en-US" sz="1800" b="0" i="0" u="none" strike="noStrike" kern="1200" cap="none" spc="0" normalizeH="0" baseline="0" noProof="0" dirty="0" smtClean="0">
+                <a:ln>
+                  <a:noFill/>
+                </a:ln>
+                <a:solidFill>
+                  <a:srgbClr val="008000"/>
+                </a:solidFill>
+                <a:effectLst/>
+                <a:uLnTx/>
+                <a:uFillTx/>
+                <a:latin typeface="Consolas" panose="020B0609020204030204" pitchFamily="49" charset="0"/>
+                <a:ea typeface="+mn-ea"/>
+                <a:cs typeface="+mn-cs"/>
+              </a:rPr>
+              <a:t>#constant/arbitrary parameters</a:t>
+            </a:r>
+            <a:r>
+              <a:rPr kumimoji="0" lang="en-US" sz="1800" b="0" i="0" u="none" strike="noStrike" kern="1200" cap="none" spc="0" normalizeH="0" baseline="0" noProof="0" dirty="0">
+                <a:ln>
+                  <a:noFill/>
+                </a:ln>
+                <a:solidFill>
+                  <a:srgbClr val="008000"/>
+                </a:solidFill>
+                <a:effectLst/>
+                <a:uLnTx/>
+                <a:uFillTx/>
+                <a:latin typeface="Consolas" panose="020B0609020204030204" pitchFamily="49" charset="0"/>
+                <a:ea typeface="+mn-ea"/>
+                <a:cs typeface="+mn-cs"/>
+              </a:rPr>
+              <a:t> </a:t>
+            </a:r>
+            <a:r>
+              <a:rPr kumimoji="0" lang="en-US" sz="1800" b="0" i="0" u="none" strike="noStrike" kern="1200" cap="none" spc="0" normalizeH="0" baseline="0" noProof="0" dirty="0" smtClean="0">
+                <a:ln>
+                  <a:noFill/>
+                </a:ln>
+                <a:solidFill>
+                  <a:srgbClr val="008000"/>
+                </a:solidFill>
+                <a:effectLst/>
+                <a:uLnTx/>
+                <a:uFillTx/>
+                <a:latin typeface="Consolas" panose="020B0609020204030204" pitchFamily="49" charset="0"/>
+                <a:ea typeface="+mn-ea"/>
+                <a:cs typeface="+mn-cs"/>
+              </a:rPr>
+              <a:t>y</a:t>
+            </a:r>
+            <a:r>
+              <a:rPr kumimoji="0" lang="en-US" sz="1800" b="0" i="0" u="none" strike="noStrike" kern="1200" cap="none" spc="0" normalizeH="0" baseline="0" noProof="0" dirty="0">
+                <a:ln>
+                  <a:noFill/>
+                </a:ln>
+                <a:solidFill>
+                  <a:srgbClr val="008000"/>
+                </a:solidFill>
+                <a:effectLst/>
+                <a:uLnTx/>
+                <a:uFillTx/>
+                <a:latin typeface="Consolas" panose="020B0609020204030204" pitchFamily="49" charset="0"/>
+                <a:ea typeface="+mn-ea"/>
+                <a:cs typeface="+mn-cs"/>
+              </a:rPr>
+              <a:t> and </a:t>
+            </a:r>
+            <a:r>
+              <a:rPr kumimoji="0" lang="en-US" sz="1800" b="0" i="0" u="none" strike="noStrike" kern="1200" cap="none" spc="0" normalizeH="0" baseline="0" noProof="0" dirty="0" smtClean="0">
+                <a:ln>
+                  <a:noFill/>
+                </a:ln>
+                <a:solidFill>
+                  <a:srgbClr val="008000"/>
+                </a:solidFill>
+                <a:effectLst/>
+                <a:uLnTx/>
+                <a:uFillTx/>
+                <a:latin typeface="Consolas" panose="020B0609020204030204" pitchFamily="49" charset="0"/>
+                <a:ea typeface="+mn-ea"/>
+                <a:cs typeface="+mn-cs"/>
+              </a:rPr>
+              <a:t>z</a:t>
+            </a:r>
+            <a:endParaRPr kumimoji="0" lang="en-US" sz="1800" b="0" i="0" u="none" strike="noStrike" kern="1200" cap="none" spc="0" normalizeH="0" baseline="0" noProof="0" dirty="0">
+              <a:ln>
+                <a:noFill/>
+              </a:ln>
+              <a:solidFill>
+                <a:srgbClr val="000000"/>
+              </a:solidFill>
+              <a:effectLst/>
+              <a:uLnTx/>
+              <a:uFillTx/>
+              <a:latin typeface="Consolas" panose="020B0609020204030204" pitchFamily="49" charset="0"/>
+              <a:ea typeface="+mn-ea"/>
+              <a:cs typeface="+mn-cs"/>
+            </a:endParaRPr>
+          </a:p>
+        </p:txBody>
+      </p:sp>
+      <p:sp>
+        <p:nvSpPr>
+          <p:cNvPr id="13" name="Title 1"/>
+          <p:cNvSpPr txBox="1">
+            <a:spLocks/>
+          </p:cNvSpPr>
+          <p:nvPr/>
+        </p:nvSpPr>
+        <p:spPr>
+          <a:xfrm>
+            <a:off x="592897" y="581526"/>
+            <a:ext cx="10515600" cy="1091859"/>
+          </a:xfrm>
+          <a:prstGeom prst="rect">
+            <a:avLst/>
+          </a:prstGeom>
+        </p:spPr>
+        <p:txBody>
+          <a:bodyPr vert="horz" lIns="91440" tIns="45720" rIns="91440" bIns="45720" rtlCol="0" anchor="ctr">
+            <a:normAutofit/>
+          </a:bodyPr>
+          <a:lstStyle>
+            <a:lvl1pPr algn="l" defTabSz="914400" rtl="0" eaLnBrk="1" latinLnBrk="0" hangingPunct="1">
+              <a:lnSpc>
+                <a:spcPct val="90000"/>
+              </a:lnSpc>
+              <a:spcBef>
+                <a:spcPct val="0"/>
+              </a:spcBef>
+              <a:buNone/>
+              <a:defRPr sz="4400" kern="1200">
+                <a:solidFill>
+                  <a:schemeClr val="tx1"/>
+                </a:solidFill>
+                <a:latin typeface="+mj-lt"/>
+                <a:ea typeface="+mj-ea"/>
+                <a:cs typeface="+mj-cs"/>
+              </a:defRPr>
+            </a:lvl1pPr>
+          </a:lstStyle>
+          <a:p>
+            <a:r>
+              <a:rPr lang="en-US" smtClean="0"/>
+              <a:t>Functions : Parameters</a:t>
+            </a:r>
+            <a:endParaRPr lang="en-US" dirty="0"/>
+          </a:p>
+        </p:txBody>
+      </p:sp>
+      <p:sp>
+        <p:nvSpPr>
+          <p:cNvPr id="14" name="Rectangle 13"/>
+          <p:cNvSpPr/>
+          <p:nvPr/>
+        </p:nvSpPr>
+        <p:spPr>
+          <a:xfrm>
+            <a:off x="592897" y="1421720"/>
+            <a:ext cx="10197765" cy="369332"/>
+          </a:xfrm>
+          <a:prstGeom prst="rect">
+            <a:avLst/>
+          </a:prstGeom>
+        </p:spPr>
+        <p:txBody>
+          <a:bodyPr wrap="square">
+            <a:spAutoFit/>
+          </a:bodyPr>
+          <a:lstStyle/>
+          <a:p>
+            <a:r>
+              <a:rPr lang="en-US" dirty="0">
+                <a:solidFill>
+                  <a:srgbClr val="000000"/>
+                </a:solidFill>
+                <a:latin typeface="Consolas" panose="020B0609020204030204" pitchFamily="49" charset="0"/>
+              </a:rPr>
+              <a:t>Parameters (Arguments) consist of none or more </a:t>
+            </a:r>
+            <a:r>
+              <a:rPr lang="en-US" dirty="0" smtClean="0">
+                <a:solidFill>
+                  <a:srgbClr val="000000"/>
+                </a:solidFill>
+                <a:latin typeface="Consolas" panose="020B0609020204030204" pitchFamily="49" charset="0"/>
+              </a:rPr>
+              <a:t>variables.</a:t>
+            </a:r>
+            <a:endParaRPr lang="en-US" dirty="0">
+              <a:solidFill>
+                <a:srgbClr val="000000"/>
+              </a:solidFill>
+              <a:latin typeface="Consolas" panose="020B0609020204030204" pitchFamily="49" charset="0"/>
+            </a:endParaRPr>
+          </a:p>
+        </p:txBody>
+      </p:sp>
+    </p:spTree>
+    <p:extLst>
+      <p:ext uri="{BB962C8B-B14F-4D97-AF65-F5344CB8AC3E}">
+        <p14:creationId xmlns:p14="http://schemas.microsoft.com/office/powerpoint/2010/main" val="4145984565"/>
+      </p:ext>
+    </p:extLst>
+  </p:cSld>
+  <p:clrMapOvr>
+    <a:masterClrMapping/>
+  </p:clrMapOvr>
+</p:sld>
+</file>
+
+<file path=ppt/slides/slide28.xml><?xml version="1.0" encoding="utf-8"?>
+<p:sld xmlns:a="http://schemas.openxmlformats.org/drawingml/2006/main" xmlns:r="http://schemas.openxmlformats.org/officeDocument/2006/relationships" xmlns:p="http://schemas.openxmlformats.org/presentationml/2006/main">
+  <p:cSld>
+    <p:spTree>
+      <p:nvGrpSpPr>
+        <p:cNvPr id="1" name=""/>
+        <p:cNvGrpSpPr/>
+        <p:nvPr/>
+      </p:nvGrpSpPr>
+      <p:grpSpPr>
+        <a:xfrm>
+          <a:off x="0" y="0"/>
+          <a:ext cx="0" cy="0"/>
+          <a:chOff x="0" y="0"/>
+          <a:chExt cx="0" cy="0"/>
+        </a:xfrm>
+      </p:grpSpPr>
+      <p:sp>
+        <p:nvSpPr>
+          <p:cNvPr id="5" name="Footer Placeholder 4"/>
+          <p:cNvSpPr>
+            <a:spLocks noGrp="1"/>
+          </p:cNvSpPr>
+          <p:nvPr>
+            <p:ph type="ftr" sz="quarter" idx="11"/>
+          </p:nvPr>
+        </p:nvSpPr>
+        <p:spPr/>
+        <p:txBody>
+          <a:bodyPr/>
+          <a:lstStyle/>
+          <a:p>
+            <a:r>
+              <a:rPr lang="en-US" smtClean="0"/>
+              <a:t>Python Programming 2017</a:t>
+            </a:r>
+            <a:endParaRPr lang="en-US"/>
+          </a:p>
+        </p:txBody>
+      </p:sp>
+      <p:sp>
+        <p:nvSpPr>
+          <p:cNvPr id="6" name="Slide Number Placeholder 5"/>
+          <p:cNvSpPr>
+            <a:spLocks noGrp="1"/>
+          </p:cNvSpPr>
+          <p:nvPr>
+            <p:ph type="sldNum" sz="quarter" idx="12"/>
+          </p:nvPr>
+        </p:nvSpPr>
+        <p:spPr/>
+        <p:txBody>
+          <a:bodyPr/>
+          <a:lstStyle/>
+          <a:p>
+            <a:fld id="{2A1B63E0-6EC5-4007-90B5-64164FE953DE}" type="slidenum">
+              <a:rPr lang="en-US" smtClean="0"/>
+              <a:t>28</a:t>
+            </a:fld>
+            <a:endParaRPr lang="en-US"/>
+          </a:p>
+        </p:txBody>
+      </p:sp>
+      <p:sp>
+        <p:nvSpPr>
+          <p:cNvPr id="13" name="Rectangle 12"/>
+          <p:cNvSpPr/>
+          <p:nvPr/>
+        </p:nvSpPr>
+        <p:spPr>
+          <a:xfrm>
+            <a:off x="533400" y="1788738"/>
+            <a:ext cx="5566775" cy="4524315"/>
+          </a:xfrm>
+          <a:prstGeom prst="rect">
+            <a:avLst/>
+          </a:prstGeom>
+        </p:spPr>
+        <p:txBody>
+          <a:bodyPr wrap="square">
+            <a:spAutoFit/>
+          </a:bodyPr>
+          <a:lstStyle/>
+          <a:p>
+            <a:r>
+              <a:rPr lang="en-US" dirty="0">
+                <a:solidFill>
+                  <a:srgbClr val="0000FF"/>
+                </a:solidFill>
+                <a:latin typeface="Consolas" panose="020B0609020204030204" pitchFamily="49" charset="0"/>
+              </a:rPr>
+              <a:t>def</a:t>
+            </a:r>
+            <a:r>
+              <a:rPr lang="en-US" dirty="0">
+                <a:solidFill>
+                  <a:srgbClr val="000000"/>
+                </a:solidFill>
+                <a:latin typeface="Consolas" panose="020B0609020204030204" pitchFamily="49" charset="0"/>
+              </a:rPr>
+              <a:t> function_ref(x, y, </a:t>
+            </a:r>
+            <a:r>
+              <a:rPr lang="en-US" b="1" dirty="0" smtClean="0">
+                <a:solidFill>
+                  <a:srgbClr val="000000"/>
+                </a:solidFill>
+                <a:latin typeface="Consolas" panose="020B0609020204030204" pitchFamily="49" charset="0"/>
+              </a:rPr>
+              <a:t>*</a:t>
+            </a:r>
+            <a:r>
+              <a:rPr lang="en-US" dirty="0"/>
+              <a:t> args</a:t>
+            </a:r>
+            <a:r>
+              <a:rPr lang="en-US" dirty="0" smtClean="0">
+                <a:solidFill>
+                  <a:srgbClr val="000000"/>
+                </a:solidFill>
+                <a:latin typeface="Consolas" panose="020B0609020204030204" pitchFamily="49" charset="0"/>
+              </a:rPr>
+              <a:t>):</a:t>
+            </a:r>
+            <a:r>
+              <a:rPr lang="en-US" dirty="0">
+                <a:solidFill>
+                  <a:srgbClr val="000000"/>
+                </a:solidFill>
+                <a:latin typeface="Consolas" panose="020B0609020204030204" pitchFamily="49" charset="0"/>
+              </a:rPr>
+              <a:t> </a:t>
+            </a:r>
+          </a:p>
+          <a:p>
+            <a:r>
+              <a:rPr lang="en-US" dirty="0">
+                <a:solidFill>
+                  <a:srgbClr val="000000"/>
+                </a:solidFill>
+                <a:latin typeface="Consolas" panose="020B0609020204030204" pitchFamily="49" charset="0"/>
+              </a:rPr>
+              <a:t>    print (</a:t>
+            </a:r>
+            <a:r>
+              <a:rPr lang="en-US" dirty="0">
+                <a:solidFill>
+                  <a:srgbClr val="A31515"/>
+                </a:solidFill>
+                <a:latin typeface="Consolas" panose="020B0609020204030204" pitchFamily="49" charset="0"/>
+              </a:rPr>
+              <a:t>"\n X="</a:t>
+            </a:r>
+            <a:r>
+              <a:rPr lang="en-US" dirty="0">
+                <a:solidFill>
+                  <a:srgbClr val="000000"/>
+                </a:solidFill>
+                <a:latin typeface="Consolas" panose="020B0609020204030204" pitchFamily="49" charset="0"/>
+              </a:rPr>
+              <a:t>, x, </a:t>
+            </a:r>
+            <a:r>
+              <a:rPr lang="en-US" dirty="0">
+                <a:solidFill>
+                  <a:srgbClr val="A31515"/>
+                </a:solidFill>
+                <a:latin typeface="Consolas" panose="020B0609020204030204" pitchFamily="49" charset="0"/>
+              </a:rPr>
+              <a:t>"&amp; Y="</a:t>
+            </a:r>
+            <a:r>
+              <a:rPr lang="en-US" dirty="0">
+                <a:solidFill>
+                  <a:srgbClr val="000000"/>
+                </a:solidFill>
+                <a:latin typeface="Consolas" panose="020B0609020204030204" pitchFamily="49" charset="0"/>
+              </a:rPr>
+              <a:t>, y) </a:t>
+            </a:r>
+          </a:p>
+          <a:p>
+            <a:r>
+              <a:rPr lang="en-US" dirty="0">
+                <a:solidFill>
+                  <a:srgbClr val="000000"/>
+                </a:solidFill>
+                <a:latin typeface="Consolas" panose="020B0609020204030204" pitchFamily="49" charset="0"/>
+              </a:rPr>
+              <a:t>    print (</a:t>
+            </a:r>
+            <a:r>
+              <a:rPr lang="en-US" dirty="0">
+                <a:solidFill>
+                  <a:srgbClr val="A31515"/>
+                </a:solidFill>
+                <a:latin typeface="Consolas" panose="020B0609020204030204" pitchFamily="49" charset="0"/>
+              </a:rPr>
+              <a:t>"Ref parameters : "</a:t>
+            </a:r>
+            <a:r>
+              <a:rPr lang="en-US" dirty="0">
+                <a:solidFill>
+                  <a:srgbClr val="000000"/>
+                </a:solidFill>
+                <a:latin typeface="Consolas" panose="020B0609020204030204" pitchFamily="49" charset="0"/>
+              </a:rPr>
+              <a:t>, </a:t>
+            </a:r>
+            <a:r>
+              <a:rPr lang="en-US" dirty="0"/>
+              <a:t> args</a:t>
+            </a:r>
+            <a:r>
+              <a:rPr lang="en-US" dirty="0" smtClean="0">
+                <a:solidFill>
+                  <a:srgbClr val="000000"/>
+                </a:solidFill>
+                <a:latin typeface="Consolas" panose="020B0609020204030204" pitchFamily="49" charset="0"/>
+              </a:rPr>
+              <a:t>)</a:t>
+            </a:r>
+            <a:endParaRPr lang="en-US" dirty="0">
+              <a:solidFill>
+                <a:srgbClr val="000000"/>
+              </a:solidFill>
+              <a:latin typeface="Consolas" panose="020B0609020204030204" pitchFamily="49" charset="0"/>
+            </a:endParaRPr>
+          </a:p>
+          <a:p>
+            <a:r>
+              <a:rPr lang="en-US" dirty="0">
+                <a:solidFill>
+                  <a:srgbClr val="000000"/>
+                </a:solidFill>
+                <a:latin typeface="Consolas" panose="020B0609020204030204" pitchFamily="49" charset="0"/>
+              </a:rPr>
+              <a:t>    print(</a:t>
+            </a:r>
+            <a:r>
+              <a:rPr lang="en-US" dirty="0">
+                <a:solidFill>
+                  <a:srgbClr val="A31515"/>
+                </a:solidFill>
+                <a:latin typeface="Consolas" panose="020B0609020204030204" pitchFamily="49" charset="0"/>
+              </a:rPr>
+              <a:t>"len </a:t>
+            </a:r>
+            <a:r>
+              <a:rPr lang="en-US" dirty="0" smtClean="0">
+                <a:solidFill>
+                  <a:srgbClr val="A31515"/>
+                </a:solidFill>
+                <a:latin typeface="Consolas" panose="020B0609020204030204" pitchFamily="49" charset="0"/>
+              </a:rPr>
+              <a:t>:"</a:t>
+            </a:r>
+            <a:r>
+              <a:rPr lang="en-US" dirty="0" smtClean="0">
+                <a:solidFill>
+                  <a:srgbClr val="000000"/>
+                </a:solidFill>
+                <a:latin typeface="Consolas" panose="020B0609020204030204" pitchFamily="49" charset="0"/>
+              </a:rPr>
+              <a:t>,len(</a:t>
+            </a:r>
+            <a:r>
+              <a:rPr lang="en-US" dirty="0"/>
+              <a:t>args</a:t>
+            </a:r>
+            <a:r>
+              <a:rPr lang="en-US" dirty="0" smtClean="0">
+                <a:solidFill>
+                  <a:srgbClr val="000000"/>
+                </a:solidFill>
+                <a:latin typeface="Consolas" panose="020B0609020204030204" pitchFamily="49" charset="0"/>
+              </a:rPr>
+              <a:t>))</a:t>
+            </a:r>
+            <a:endParaRPr lang="en-US" dirty="0">
+              <a:solidFill>
+                <a:srgbClr val="000000"/>
+              </a:solidFill>
+              <a:latin typeface="Consolas" panose="020B0609020204030204" pitchFamily="49" charset="0"/>
+            </a:endParaRPr>
+          </a:p>
+          <a:p>
+            <a:r>
+              <a:rPr lang="en-US" dirty="0">
+                <a:solidFill>
+                  <a:srgbClr val="000000"/>
+                </a:solidFill>
+                <a:latin typeface="Consolas" panose="020B0609020204030204" pitchFamily="49" charset="0"/>
+              </a:rPr>
+              <a:t/>
+            </a:r>
+            <a:br>
+              <a:rPr lang="en-US" dirty="0">
+                <a:solidFill>
+                  <a:srgbClr val="000000"/>
+                </a:solidFill>
+                <a:latin typeface="Consolas" panose="020B0609020204030204" pitchFamily="49" charset="0"/>
+              </a:rPr>
+            </a:br>
+            <a:r>
+              <a:rPr lang="en-US" dirty="0">
+                <a:solidFill>
+                  <a:srgbClr val="000000"/>
+                </a:solidFill>
+                <a:latin typeface="Consolas" panose="020B0609020204030204" pitchFamily="49" charset="0"/>
+              </a:rPr>
+              <a:t>    </a:t>
+            </a:r>
+            <a:r>
+              <a:rPr lang="en-US" dirty="0" smtClean="0">
+                <a:latin typeface="Consolas" panose="020B0609020204030204" pitchFamily="49" charset="0"/>
+              </a:rPr>
+              <a:t>if(len(</a:t>
+            </a:r>
+            <a:r>
+              <a:rPr lang="en-US" dirty="0"/>
+              <a:t>args</a:t>
+            </a:r>
+            <a:r>
+              <a:rPr lang="en-US" dirty="0" smtClean="0">
+                <a:latin typeface="Consolas" panose="020B0609020204030204" pitchFamily="49" charset="0"/>
+              </a:rPr>
+              <a:t>)&gt;</a:t>
+            </a:r>
+            <a:r>
+              <a:rPr lang="en-US" dirty="0">
+                <a:latin typeface="Consolas" panose="020B0609020204030204" pitchFamily="49" charset="0"/>
+              </a:rPr>
+              <a:t>0):</a:t>
+            </a:r>
+          </a:p>
+          <a:p>
+            <a:r>
+              <a:rPr lang="en-US" dirty="0">
+                <a:solidFill>
+                  <a:srgbClr val="000000"/>
+                </a:solidFill>
+                <a:latin typeface="Consolas" panose="020B0609020204030204" pitchFamily="49" charset="0"/>
+              </a:rPr>
+              <a:t>        </a:t>
+            </a:r>
+            <a:r>
+              <a:rPr lang="en-US" b="1" dirty="0">
+                <a:solidFill>
+                  <a:srgbClr val="000000"/>
+                </a:solidFill>
+                <a:latin typeface="Consolas" panose="020B0609020204030204" pitchFamily="49" charset="0"/>
+              </a:rPr>
+              <a:t>total=</a:t>
+            </a:r>
+            <a:r>
+              <a:rPr lang="en-US" b="1" dirty="0">
+                <a:solidFill>
+                  <a:srgbClr val="09885A"/>
+                </a:solidFill>
+                <a:latin typeface="Consolas" panose="020B0609020204030204" pitchFamily="49" charset="0"/>
+              </a:rPr>
+              <a:t>0</a:t>
+            </a:r>
+            <a:endParaRPr lang="en-US" b="1" dirty="0">
+              <a:solidFill>
+                <a:srgbClr val="000000"/>
+              </a:solidFill>
+              <a:latin typeface="Consolas" panose="020B0609020204030204" pitchFamily="49" charset="0"/>
+            </a:endParaRPr>
+          </a:p>
+          <a:p>
+            <a:r>
+              <a:rPr lang="en-US" b="1" dirty="0">
+                <a:solidFill>
+                  <a:srgbClr val="000000"/>
+                </a:solidFill>
+                <a:latin typeface="Consolas" panose="020B0609020204030204" pitchFamily="49" charset="0"/>
+              </a:rPr>
+              <a:t>        </a:t>
+            </a:r>
+            <a:r>
+              <a:rPr lang="en-US" b="1" dirty="0">
+                <a:solidFill>
+                  <a:srgbClr val="0000FF"/>
+                </a:solidFill>
+                <a:latin typeface="Consolas" panose="020B0609020204030204" pitchFamily="49" charset="0"/>
+              </a:rPr>
+              <a:t>for</a:t>
+            </a:r>
+            <a:r>
+              <a:rPr lang="en-US" b="1" dirty="0">
+                <a:solidFill>
+                  <a:srgbClr val="000000"/>
+                </a:solidFill>
+                <a:latin typeface="Consolas" panose="020B0609020204030204" pitchFamily="49" charset="0"/>
+              </a:rPr>
+              <a:t> i in </a:t>
+            </a:r>
+            <a:r>
+              <a:rPr lang="en-US" dirty="0"/>
+              <a:t> </a:t>
+            </a:r>
+            <a:r>
+              <a:rPr lang="en-US" sz="2000" b="1" dirty="0"/>
+              <a:t>args</a:t>
+            </a:r>
+            <a:r>
+              <a:rPr lang="en-US" dirty="0"/>
+              <a:t> </a:t>
+            </a:r>
+            <a:r>
+              <a:rPr lang="en-US" b="1" dirty="0" smtClean="0">
+                <a:solidFill>
+                  <a:srgbClr val="000000"/>
+                </a:solidFill>
+                <a:latin typeface="Consolas" panose="020B0609020204030204" pitchFamily="49" charset="0"/>
+              </a:rPr>
+              <a:t>:</a:t>
+            </a:r>
+            <a:endParaRPr lang="en-US" b="1" dirty="0">
+              <a:solidFill>
+                <a:srgbClr val="000000"/>
+              </a:solidFill>
+              <a:latin typeface="Consolas" panose="020B0609020204030204" pitchFamily="49" charset="0"/>
+            </a:endParaRPr>
+          </a:p>
+          <a:p>
+            <a:r>
+              <a:rPr lang="en-US" b="1" dirty="0">
+                <a:solidFill>
+                  <a:srgbClr val="000000"/>
+                </a:solidFill>
+                <a:latin typeface="Consolas" panose="020B0609020204030204" pitchFamily="49" charset="0"/>
+              </a:rPr>
+              <a:t>            total = total + i</a:t>
+            </a:r>
+          </a:p>
+          <a:p>
+            <a:r>
+              <a:rPr lang="en-US" dirty="0">
+                <a:solidFill>
+                  <a:srgbClr val="000000"/>
+                </a:solidFill>
+                <a:latin typeface="Consolas" panose="020B0609020204030204" pitchFamily="49" charset="0"/>
+              </a:rPr>
+              <a:t>        </a:t>
+            </a:r>
+            <a:r>
+              <a:rPr lang="en-US" b="1" dirty="0">
+                <a:solidFill>
+                  <a:srgbClr val="000000"/>
+                </a:solidFill>
+                <a:latin typeface="Consolas" panose="020B0609020204030204" pitchFamily="49" charset="0"/>
+              </a:rPr>
+              <a:t>sum</a:t>
+            </a:r>
+            <a:r>
+              <a:rPr lang="en-US" dirty="0">
+                <a:solidFill>
+                  <a:srgbClr val="000000"/>
+                </a:solidFill>
+                <a:latin typeface="Consolas" panose="020B0609020204030204" pitchFamily="49" charset="0"/>
+              </a:rPr>
+              <a:t> = total + x+ y </a:t>
+            </a:r>
+          </a:p>
+          <a:p>
+            <a:r>
+              <a:rPr lang="en-US" dirty="0">
+                <a:solidFill>
+                  <a:srgbClr val="000000"/>
+                </a:solidFill>
+                <a:latin typeface="Consolas" panose="020B0609020204030204" pitchFamily="49" charset="0"/>
+              </a:rPr>
+              <a:t>    </a:t>
+            </a:r>
+            <a:r>
+              <a:rPr lang="en-US" dirty="0">
+                <a:solidFill>
+                  <a:srgbClr val="0000FF"/>
+                </a:solidFill>
+                <a:latin typeface="Consolas" panose="020B0609020204030204" pitchFamily="49" charset="0"/>
+              </a:rPr>
+              <a:t>else</a:t>
+            </a:r>
+            <a:r>
+              <a:rPr lang="en-US" dirty="0">
+                <a:solidFill>
+                  <a:srgbClr val="000000"/>
+                </a:solidFill>
+                <a:latin typeface="Consolas" panose="020B0609020204030204" pitchFamily="49" charset="0"/>
+              </a:rPr>
+              <a:t>:</a:t>
+            </a:r>
+          </a:p>
+          <a:p>
+            <a:r>
+              <a:rPr lang="en-US" dirty="0">
+                <a:solidFill>
+                  <a:srgbClr val="000000"/>
+                </a:solidFill>
+                <a:latin typeface="Consolas" panose="020B0609020204030204" pitchFamily="49" charset="0"/>
+              </a:rPr>
+              <a:t>        </a:t>
+            </a:r>
+            <a:r>
+              <a:rPr lang="en-US" b="1" dirty="0">
+                <a:solidFill>
+                  <a:srgbClr val="000000"/>
+                </a:solidFill>
+                <a:latin typeface="Consolas" panose="020B0609020204030204" pitchFamily="49" charset="0"/>
+              </a:rPr>
+              <a:t>sum</a:t>
+            </a:r>
+            <a:r>
+              <a:rPr lang="en-US" dirty="0">
+                <a:solidFill>
+                  <a:srgbClr val="000000"/>
+                </a:solidFill>
+                <a:latin typeface="Consolas" panose="020B0609020204030204" pitchFamily="49" charset="0"/>
+              </a:rPr>
+              <a:t> = x+y</a:t>
+            </a:r>
+          </a:p>
+          <a:p>
+            <a:r>
+              <a:rPr lang="en-US" dirty="0">
+                <a:solidFill>
+                  <a:srgbClr val="000000"/>
+                </a:solidFill>
+                <a:latin typeface="Consolas" panose="020B0609020204030204" pitchFamily="49" charset="0"/>
+              </a:rPr>
+              <a:t>    </a:t>
+            </a:r>
+            <a:r>
+              <a:rPr lang="en-US" dirty="0" smtClean="0">
+                <a:solidFill>
+                  <a:srgbClr val="000000"/>
+                </a:solidFill>
+                <a:latin typeface="Consolas" panose="020B0609020204030204" pitchFamily="49" charset="0"/>
+              </a:rPr>
+              <a:t>print</a:t>
+            </a:r>
+            <a:r>
+              <a:rPr lang="en-US" dirty="0">
+                <a:solidFill>
+                  <a:srgbClr val="000000"/>
+                </a:solidFill>
+                <a:latin typeface="Consolas" panose="020B0609020204030204" pitchFamily="49" charset="0"/>
+              </a:rPr>
+              <a:t> (</a:t>
+            </a:r>
+            <a:r>
+              <a:rPr lang="en-US" dirty="0">
+                <a:solidFill>
+                  <a:srgbClr val="A31515"/>
+                </a:solidFill>
+                <a:latin typeface="Consolas" panose="020B0609020204030204" pitchFamily="49" charset="0"/>
+              </a:rPr>
+              <a:t>"Sum :"</a:t>
+            </a:r>
+            <a:r>
+              <a:rPr lang="en-US" dirty="0">
+                <a:solidFill>
+                  <a:srgbClr val="000000"/>
+                </a:solidFill>
+                <a:latin typeface="Consolas" panose="020B0609020204030204" pitchFamily="49" charset="0"/>
+              </a:rPr>
+              <a:t>, </a:t>
+            </a:r>
+            <a:r>
+              <a:rPr lang="en-US" b="1" dirty="0">
+                <a:solidFill>
+                  <a:srgbClr val="000000"/>
+                </a:solidFill>
+                <a:latin typeface="Consolas" panose="020B0609020204030204" pitchFamily="49" charset="0"/>
+              </a:rPr>
+              <a:t>sum</a:t>
+            </a:r>
+            <a:r>
+              <a:rPr lang="en-US" dirty="0">
+                <a:solidFill>
+                  <a:srgbClr val="000000"/>
+                </a:solidFill>
+                <a:latin typeface="Consolas" panose="020B0609020204030204" pitchFamily="49" charset="0"/>
+              </a:rPr>
+              <a:t>) </a:t>
+            </a:r>
+          </a:p>
+          <a:p>
+            <a:r>
+              <a:rPr lang="en-US" dirty="0">
+                <a:solidFill>
+                  <a:srgbClr val="000000"/>
+                </a:solidFill>
+                <a:latin typeface="Consolas" panose="020B0609020204030204" pitchFamily="49" charset="0"/>
+              </a:rPr>
+              <a:t/>
+            </a:r>
+            <a:br>
+              <a:rPr lang="en-US" dirty="0">
+                <a:solidFill>
+                  <a:srgbClr val="000000"/>
+                </a:solidFill>
+                <a:latin typeface="Consolas" panose="020B0609020204030204" pitchFamily="49" charset="0"/>
+              </a:rPr>
+            </a:br>
+            <a:r>
+              <a:rPr lang="en-US" dirty="0">
+                <a:solidFill>
+                  <a:srgbClr val="000000"/>
+                </a:solidFill>
+                <a:latin typeface="Consolas" panose="020B0609020204030204" pitchFamily="49" charset="0"/>
+              </a:rPr>
+              <a:t>function_ref(</a:t>
+            </a:r>
+            <a:r>
+              <a:rPr lang="en-US" dirty="0">
+                <a:solidFill>
+                  <a:srgbClr val="09885A"/>
+                </a:solidFill>
+                <a:latin typeface="Consolas" panose="020B0609020204030204" pitchFamily="49" charset="0"/>
+              </a:rPr>
+              <a:t>10</a:t>
+            </a:r>
+            <a:r>
+              <a:rPr lang="en-US" dirty="0">
+                <a:solidFill>
+                  <a:srgbClr val="000000"/>
+                </a:solidFill>
+                <a:latin typeface="Consolas" panose="020B0609020204030204" pitchFamily="49" charset="0"/>
+              </a:rPr>
+              <a:t>,</a:t>
+            </a:r>
+            <a:r>
+              <a:rPr lang="en-US" dirty="0">
+                <a:solidFill>
+                  <a:srgbClr val="09885A"/>
+                </a:solidFill>
+                <a:latin typeface="Consolas" panose="020B0609020204030204" pitchFamily="49" charset="0"/>
+              </a:rPr>
+              <a:t>20</a:t>
+            </a:r>
+            <a:r>
+              <a:rPr lang="en-US" dirty="0" smtClean="0">
+                <a:solidFill>
+                  <a:srgbClr val="000000"/>
+                </a:solidFill>
+                <a:latin typeface="Consolas" panose="020B0609020204030204" pitchFamily="49" charset="0"/>
+              </a:rPr>
+              <a:t>) #sum: 30</a:t>
+            </a:r>
+            <a:endParaRPr lang="en-US" dirty="0">
+              <a:solidFill>
+                <a:srgbClr val="000000"/>
+              </a:solidFill>
+              <a:latin typeface="Consolas" panose="020B0609020204030204" pitchFamily="49" charset="0"/>
+            </a:endParaRPr>
+          </a:p>
+          <a:p>
+            <a:r>
+              <a:rPr lang="en-US" dirty="0" smtClean="0">
+                <a:solidFill>
+                  <a:srgbClr val="000000"/>
+                </a:solidFill>
+                <a:latin typeface="Consolas" panose="020B0609020204030204" pitchFamily="49" charset="0"/>
+              </a:rPr>
+              <a:t>function_ref(</a:t>
+            </a:r>
+            <a:r>
+              <a:rPr lang="en-US" dirty="0" smtClean="0">
+                <a:solidFill>
+                  <a:srgbClr val="09885A"/>
+                </a:solidFill>
+                <a:latin typeface="Consolas" panose="020B0609020204030204" pitchFamily="49" charset="0"/>
+              </a:rPr>
+              <a:t>10</a:t>
+            </a:r>
+            <a:r>
+              <a:rPr lang="en-US" dirty="0" smtClean="0">
+                <a:solidFill>
+                  <a:srgbClr val="000000"/>
+                </a:solidFill>
+                <a:latin typeface="Consolas" panose="020B0609020204030204" pitchFamily="49" charset="0"/>
+              </a:rPr>
+              <a:t>,</a:t>
+            </a:r>
+            <a:r>
+              <a:rPr lang="en-US" dirty="0" smtClean="0">
+                <a:solidFill>
+                  <a:srgbClr val="09885A"/>
+                </a:solidFill>
+                <a:latin typeface="Consolas" panose="020B0609020204030204" pitchFamily="49" charset="0"/>
+              </a:rPr>
+              <a:t>20</a:t>
+            </a:r>
+            <a:r>
+              <a:rPr lang="en-US" dirty="0" smtClean="0">
+                <a:solidFill>
+                  <a:srgbClr val="000000"/>
+                </a:solidFill>
+                <a:latin typeface="Consolas" panose="020B0609020204030204" pitchFamily="49" charset="0"/>
+              </a:rPr>
+              <a:t>,</a:t>
+            </a:r>
+            <a:r>
+              <a:rPr lang="en-US" dirty="0" smtClean="0">
+                <a:solidFill>
+                  <a:srgbClr val="09885A"/>
+                </a:solidFill>
+                <a:latin typeface="Consolas" panose="020B0609020204030204" pitchFamily="49" charset="0"/>
+              </a:rPr>
+              <a:t>1</a:t>
+            </a:r>
+            <a:r>
+              <a:rPr lang="en-US" dirty="0" smtClean="0">
+                <a:solidFill>
+                  <a:srgbClr val="000000"/>
+                </a:solidFill>
+                <a:latin typeface="Consolas" panose="020B0609020204030204" pitchFamily="49" charset="0"/>
+              </a:rPr>
+              <a:t>,</a:t>
+            </a:r>
+            <a:r>
+              <a:rPr lang="en-US" dirty="0" smtClean="0">
+                <a:solidFill>
+                  <a:srgbClr val="09885A"/>
+                </a:solidFill>
+                <a:latin typeface="Consolas" panose="020B0609020204030204" pitchFamily="49" charset="0"/>
+              </a:rPr>
+              <a:t>2</a:t>
+            </a:r>
+            <a:r>
+              <a:rPr lang="en-US" dirty="0" smtClean="0">
+                <a:solidFill>
+                  <a:srgbClr val="000000"/>
+                </a:solidFill>
+                <a:latin typeface="Consolas" panose="020B0609020204030204" pitchFamily="49" charset="0"/>
+              </a:rPr>
+              <a:t>,</a:t>
+            </a:r>
+            <a:r>
+              <a:rPr lang="en-US" dirty="0" smtClean="0">
+                <a:solidFill>
+                  <a:srgbClr val="09885A"/>
+                </a:solidFill>
+                <a:latin typeface="Consolas" panose="020B0609020204030204" pitchFamily="49" charset="0"/>
+              </a:rPr>
+              <a:t>3</a:t>
+            </a:r>
+            <a:r>
+              <a:rPr lang="en-US" dirty="0" smtClean="0">
+                <a:solidFill>
+                  <a:srgbClr val="000000"/>
+                </a:solidFill>
+                <a:latin typeface="Consolas" panose="020B0609020204030204" pitchFamily="49" charset="0"/>
+              </a:rPr>
+              <a:t>) #sum: 36</a:t>
+            </a:r>
+            <a:endParaRPr lang="en-US" b="0" dirty="0">
+              <a:solidFill>
+                <a:srgbClr val="000000"/>
+              </a:solidFill>
+              <a:effectLst/>
+              <a:latin typeface="Consolas" panose="020B0609020204030204" pitchFamily="49" charset="0"/>
+            </a:endParaRPr>
+          </a:p>
+        </p:txBody>
+      </p:sp>
+      <p:sp>
+        <p:nvSpPr>
+          <p:cNvPr id="14" name="Title 1"/>
+          <p:cNvSpPr txBox="1">
+            <a:spLocks/>
+          </p:cNvSpPr>
+          <p:nvPr/>
+        </p:nvSpPr>
+        <p:spPr>
+          <a:xfrm>
+            <a:off x="592897" y="93843"/>
+            <a:ext cx="10515600" cy="1325563"/>
+          </a:xfrm>
+          <a:prstGeom prst="rect">
+            <a:avLst/>
+          </a:prstGeom>
+        </p:spPr>
+        <p:txBody>
+          <a:bodyPr vert="horz" lIns="91440" tIns="45720" rIns="91440" bIns="45720" rtlCol="0" anchor="ctr">
+            <a:normAutofit/>
+          </a:bodyPr>
+          <a:lstStyle>
+            <a:lvl1pPr algn="l" defTabSz="914400" rtl="0" eaLnBrk="1" latinLnBrk="0" hangingPunct="1">
+              <a:lnSpc>
+                <a:spcPct val="90000"/>
+              </a:lnSpc>
+              <a:spcBef>
+                <a:spcPct val="0"/>
+              </a:spcBef>
+              <a:buNone/>
+              <a:defRPr sz="4400" kern="1200">
+                <a:solidFill>
+                  <a:schemeClr val="tx1"/>
+                </a:solidFill>
+                <a:latin typeface="+mj-lt"/>
+                <a:ea typeface="+mj-ea"/>
+                <a:cs typeface="+mj-cs"/>
+              </a:defRPr>
+            </a:lvl1pPr>
+          </a:lstStyle>
+          <a:p>
+            <a:r>
+              <a:rPr lang="en-US" dirty="0" smtClean="0"/>
+              <a:t>Functions: (*args, **</a:t>
+            </a:r>
+            <a:r>
+              <a:rPr lang="en-US" b="1" dirty="0" smtClean="0"/>
+              <a:t>k</a:t>
+            </a:r>
+            <a:r>
+              <a:rPr lang="en-US" dirty="0" smtClean="0"/>
+              <a:t>wargs)</a:t>
+            </a:r>
+            <a:endParaRPr lang="en-US" dirty="0"/>
+          </a:p>
+        </p:txBody>
+      </p:sp>
+      <p:sp>
+        <p:nvSpPr>
+          <p:cNvPr id="16" name="Rectangle 15"/>
+          <p:cNvSpPr/>
+          <p:nvPr/>
+        </p:nvSpPr>
+        <p:spPr>
+          <a:xfrm>
+            <a:off x="592897" y="1050074"/>
+            <a:ext cx="10197765" cy="369332"/>
+          </a:xfrm>
+          <a:prstGeom prst="rect">
+            <a:avLst/>
+          </a:prstGeom>
+        </p:spPr>
+        <p:txBody>
+          <a:bodyPr wrap="square">
+            <a:spAutoFit/>
+          </a:bodyPr>
+          <a:lstStyle/>
+          <a:p>
+            <a:pPr marL="0" marR="0" lvl="0" indent="0" algn="l" defTabSz="914400" rtl="0" eaLnBrk="1" fontAlgn="auto" latinLnBrk="0" hangingPunct="1">
+              <a:lnSpc>
+                <a:spcPct val="100000"/>
+              </a:lnSpc>
+              <a:spcBef>
+                <a:spcPts val="0"/>
+              </a:spcBef>
+              <a:spcAft>
+                <a:spcPts val="0"/>
+              </a:spcAft>
+              <a:buClrTx/>
+              <a:buSzTx/>
+              <a:buFontTx/>
+              <a:buNone/>
+              <a:tabLst/>
+              <a:defRPr/>
+            </a:pPr>
+            <a:r>
+              <a:rPr lang="en-US" dirty="0" smtClean="0">
+                <a:solidFill>
+                  <a:srgbClr val="000000"/>
+                </a:solidFill>
+                <a:latin typeface="Consolas" panose="020B0609020204030204" pitchFamily="49" charset="0"/>
+              </a:rPr>
+              <a:t>Situations may arise when the exact number of parameters are not favorable</a:t>
+            </a:r>
+          </a:p>
+        </p:txBody>
+      </p:sp>
+      <p:sp>
+        <p:nvSpPr>
+          <p:cNvPr id="19" name="Rectangle 1"/>
+          <p:cNvSpPr>
+            <a:spLocks noChangeArrowheads="1"/>
+          </p:cNvSpPr>
+          <p:nvPr/>
+        </p:nvSpPr>
+        <p:spPr bwMode="auto">
+          <a:xfrm>
+            <a:off x="417532" y="1335875"/>
+            <a:ext cx="11540852" cy="369332"/>
+          </a:xfrm>
+          <a:prstGeom prst="rect">
+            <a:avLst/>
+          </a:prstGeom>
+          <a:solidFill>
+            <a:srgbClr val="FFFFFF"/>
+          </a:solidFill>
+          <a:ln>
+            <a:noFill/>
+          </a:ln>
+          <a:effectLst/>
+          <a:extLst>
+            <a:ext uri="{91240B29-F687-4F45-9708-019B960494DF}">
+              <a14:hiddenLine xmlns:a14="http://schemas.microsoft.com/office/drawing/2010/main" w="9525">
+                <a:solidFill>
+                  <a:schemeClr val="tx1"/>
+                </a:solidFill>
+                <a:miter lim="800000"/>
+                <a:headEnd/>
+                <a:tailEnd/>
+              </a14:hiddenLine>
+            </a:ext>
+            <a:ext uri="{AF507438-7753-43E0-B8FC-AC1667EBCBE1}">
+              <a14:hiddenEffects xmlns:a14="http://schemas.microsoft.com/office/drawing/2010/main">
+                <a:effectLst>
+                  <a:outerShdw dist="35921" dir="2700000" algn="ctr" rotWithShape="0">
+                    <a:schemeClr val="bg2"/>
+                  </a:outerShdw>
+                </a:effectLst>
+              </a14:hiddenEffects>
+            </a:ext>
+          </a:extLst>
+        </p:spPr>
+        <p:txBody>
+          <a:bodyPr vert="horz" wrap="none" lIns="91440" tIns="45720" rIns="91440" bIns="45720" numCol="1" anchor="ctr" anchorCtr="0" compatLnSpc="1">
+            <a:prstTxWarp prst="textNoShape">
+              <a:avLst/>
+            </a:prstTxWarp>
+            <a:spAutoFit/>
+          </a:bodyPr>
+          <a:lstStyle>
+            <a:lvl1pPr eaLnBrk="0" fontAlgn="base" hangingPunct="0">
+              <a:spcBef>
+                <a:spcPct val="0"/>
+              </a:spcBef>
+              <a:spcAft>
+                <a:spcPct val="0"/>
+              </a:spcAft>
+              <a:defRPr>
+                <a:solidFill>
+                  <a:schemeClr val="tx1"/>
+                </a:solidFill>
+                <a:latin typeface="Arial" panose="020B0604020202020204" pitchFamily="34" charset="0"/>
+              </a:defRPr>
+            </a:lvl1pPr>
+            <a:lvl2pPr eaLnBrk="0" fontAlgn="base" hangingPunct="0">
+              <a:spcBef>
+                <a:spcPct val="0"/>
+              </a:spcBef>
+              <a:spcAft>
+                <a:spcPct val="0"/>
+              </a:spcAft>
+              <a:defRPr>
+                <a:solidFill>
+                  <a:schemeClr val="tx1"/>
+                </a:solidFill>
+                <a:latin typeface="Arial" panose="020B0604020202020204" pitchFamily="34" charset="0"/>
+              </a:defRPr>
+            </a:lvl2pPr>
+            <a:lvl3pPr eaLnBrk="0" fontAlgn="base" hangingPunct="0">
+              <a:spcBef>
+                <a:spcPct val="0"/>
+              </a:spcBef>
+              <a:spcAft>
+                <a:spcPct val="0"/>
+              </a:spcAft>
+              <a:defRPr>
+                <a:solidFill>
+                  <a:schemeClr val="tx1"/>
+                </a:solidFill>
+                <a:latin typeface="Arial" panose="020B0604020202020204" pitchFamily="34" charset="0"/>
+              </a:defRPr>
+            </a:lvl3pPr>
+            <a:lvl4pPr eaLnBrk="0" fontAlgn="base" hangingPunct="0">
+              <a:spcBef>
+                <a:spcPct val="0"/>
+              </a:spcBef>
+              <a:spcAft>
+                <a:spcPct val="0"/>
+              </a:spcAft>
+              <a:defRPr>
+                <a:solidFill>
+                  <a:schemeClr val="tx1"/>
+                </a:solidFill>
+                <a:latin typeface="Arial" panose="020B0604020202020204" pitchFamily="34" charset="0"/>
+              </a:defRPr>
+            </a:lvl4pPr>
+            <a:lvl5pPr eaLnBrk="0" fontAlgn="base" hangingPunct="0">
+              <a:spcBef>
+                <a:spcPct val="0"/>
+              </a:spcBef>
+              <a:spcAft>
+                <a:spcPct val="0"/>
+              </a:spcAft>
+              <a:defRPr>
+                <a:solidFill>
+                  <a:schemeClr val="tx1"/>
+                </a:solidFill>
+                <a:latin typeface="Arial" panose="020B0604020202020204" pitchFamily="34" charset="0"/>
+              </a:defRPr>
+            </a:lvl5pPr>
+            <a:lvl6pPr eaLnBrk="0" fontAlgn="base" hangingPunct="0">
+              <a:spcBef>
+                <a:spcPct val="0"/>
+              </a:spcBef>
+              <a:spcAft>
+                <a:spcPct val="0"/>
+              </a:spcAft>
+              <a:defRPr>
+                <a:solidFill>
+                  <a:schemeClr val="tx1"/>
+                </a:solidFill>
+                <a:latin typeface="Arial" panose="020B0604020202020204" pitchFamily="34" charset="0"/>
+              </a:defRPr>
+            </a:lvl6pPr>
+            <a:lvl7pPr eaLnBrk="0" fontAlgn="base" hangingPunct="0">
+              <a:spcBef>
+                <a:spcPct val="0"/>
+              </a:spcBef>
+              <a:spcAft>
+                <a:spcPct val="0"/>
+              </a:spcAft>
+              <a:defRPr>
+                <a:solidFill>
+                  <a:schemeClr val="tx1"/>
+                </a:solidFill>
+                <a:latin typeface="Arial" panose="020B0604020202020204" pitchFamily="34" charset="0"/>
+              </a:defRPr>
+            </a:lvl7pPr>
+            <a:lvl8pPr eaLnBrk="0" fontAlgn="base" hangingPunct="0">
+              <a:spcBef>
+                <a:spcPct val="0"/>
+              </a:spcBef>
+              <a:spcAft>
+                <a:spcPct val="0"/>
+              </a:spcAft>
+              <a:defRPr>
+                <a:solidFill>
+                  <a:schemeClr val="tx1"/>
+                </a:solidFill>
+                <a:latin typeface="Arial" panose="020B0604020202020204" pitchFamily="34" charset="0"/>
+              </a:defRPr>
+            </a:lvl8pPr>
+            <a:lvl9pPr eaLnBrk="0" fontAlgn="base" hangingPunct="0">
+              <a:spcBef>
+                <a:spcPct val="0"/>
+              </a:spcBef>
+              <a:spcAft>
+                <a:spcPct val="0"/>
+              </a:spcAft>
+              <a:defRPr>
+                <a:solidFill>
+                  <a:schemeClr val="tx1"/>
+                </a:solidFill>
+                <a:latin typeface="Arial" panose="020B0604020202020204" pitchFamily="34" charset="0"/>
+              </a:defRPr>
+            </a:lvl9pPr>
+          </a:lstStyle>
+          <a:p>
+            <a:pPr lvl="0"/>
+            <a:r>
+              <a:rPr kumimoji="0" lang="en-US" altLang="en-US" i="0" u="none" strike="noStrike" cap="none" normalizeH="0" baseline="0" dirty="0" smtClean="0">
+                <a:ln>
+                  <a:noFill/>
+                </a:ln>
+                <a:solidFill>
+                  <a:srgbClr val="333333"/>
+                </a:solidFill>
+                <a:effectLst/>
+                <a:latin typeface="+mn-lt"/>
+              </a:rPr>
+              <a:t>   (</a:t>
+            </a:r>
+            <a:r>
+              <a:rPr kumimoji="0" lang="en-US" altLang="en-US" i="0" u="none" strike="noStrike" cap="none" normalizeH="0" baseline="0" dirty="0" smtClean="0">
+                <a:ln>
+                  <a:noFill/>
+                </a:ln>
+                <a:solidFill>
+                  <a:srgbClr val="000000"/>
+                </a:solidFill>
+                <a:effectLst/>
+                <a:latin typeface="+mn-lt"/>
+              </a:rPr>
+              <a:t>*args</a:t>
+            </a:r>
+            <a:r>
+              <a:rPr kumimoji="0" lang="en-US" altLang="en-US" i="0" u="none" strike="noStrike" cap="none" normalizeH="0" baseline="0" dirty="0" smtClean="0">
+                <a:ln>
+                  <a:noFill/>
+                </a:ln>
+                <a:solidFill>
+                  <a:srgbClr val="333333"/>
+                </a:solidFill>
+                <a:effectLst/>
+                <a:latin typeface="+mn-lt"/>
+              </a:rPr>
+              <a:t>) is used to pass a </a:t>
+            </a:r>
+            <a:r>
+              <a:rPr kumimoji="0" lang="en-US" altLang="en-US" i="1" u="none" strike="noStrike" cap="none" normalizeH="0" baseline="0" dirty="0" smtClean="0">
+                <a:ln>
+                  <a:noFill/>
+                </a:ln>
+                <a:solidFill>
+                  <a:srgbClr val="333333"/>
+                </a:solidFill>
+                <a:effectLst/>
+                <a:latin typeface="+mn-lt"/>
+              </a:rPr>
+              <a:t>non-keyworded</a:t>
+            </a:r>
+            <a:r>
+              <a:rPr kumimoji="0" lang="en-US" altLang="en-US" i="0" u="none" strike="noStrike" cap="none" normalizeH="0" baseline="0" dirty="0" smtClean="0">
+                <a:ln>
+                  <a:noFill/>
+                </a:ln>
+                <a:solidFill>
+                  <a:srgbClr val="333333"/>
+                </a:solidFill>
+                <a:effectLst/>
+                <a:latin typeface="+mn-lt"/>
+              </a:rPr>
+              <a:t>, variable-length argument list</a:t>
+            </a:r>
+            <a:r>
+              <a:rPr kumimoji="0" lang="en-US" altLang="en-US" i="0" u="none" strike="noStrike" cap="none" normalizeH="0" baseline="0" dirty="0" smtClean="0">
+                <a:ln>
+                  <a:noFill/>
+                </a:ln>
+                <a:solidFill>
+                  <a:schemeClr val="tx1"/>
+                </a:solidFill>
+                <a:effectLst/>
+                <a:latin typeface="+mn-lt"/>
+              </a:rPr>
+              <a:t> , **kwargs: </a:t>
+            </a:r>
+            <a:r>
+              <a:rPr lang="en-US" i="1" dirty="0">
+                <a:latin typeface="+mn-lt"/>
+              </a:rPr>
+              <a:t>keyworded</a:t>
+            </a:r>
+            <a:r>
+              <a:rPr lang="en-US" dirty="0">
+                <a:latin typeface="+mn-lt"/>
+              </a:rPr>
+              <a:t>, variable-length argument</a:t>
+            </a:r>
+            <a:endParaRPr kumimoji="0" lang="en-US" altLang="en-US" i="0" u="none" strike="noStrike" cap="none" normalizeH="0" baseline="0" dirty="0" smtClean="0">
+              <a:ln>
+                <a:noFill/>
+              </a:ln>
+              <a:solidFill>
+                <a:schemeClr val="tx1"/>
+              </a:solidFill>
+              <a:effectLst/>
+              <a:latin typeface="+mn-lt"/>
+            </a:endParaRPr>
+          </a:p>
+        </p:txBody>
+      </p:sp>
+      <p:sp>
+        <p:nvSpPr>
+          <p:cNvPr id="20" name="Rectangle 19"/>
+          <p:cNvSpPr/>
+          <p:nvPr/>
+        </p:nvSpPr>
+        <p:spPr>
+          <a:xfrm>
+            <a:off x="5691779" y="2947239"/>
+            <a:ext cx="6096000" cy="2031325"/>
+          </a:xfrm>
+          <a:prstGeom prst="rect">
+            <a:avLst/>
+          </a:prstGeom>
+        </p:spPr>
+        <p:style>
+          <a:lnRef idx="2">
+            <a:schemeClr val="dk1"/>
+          </a:lnRef>
+          <a:fillRef idx="1">
+            <a:schemeClr val="lt1"/>
+          </a:fillRef>
+          <a:effectRef idx="0">
+            <a:schemeClr val="dk1"/>
+          </a:effectRef>
+          <a:fontRef idx="minor">
+            <a:schemeClr val="dk1"/>
+          </a:fontRef>
+        </p:style>
+        <p:txBody>
+          <a:bodyPr>
+            <a:spAutoFit/>
+          </a:bodyPr>
+          <a:lstStyle/>
+          <a:p>
+            <a:r>
+              <a:rPr lang="en-US" dirty="0">
+                <a:solidFill>
+                  <a:srgbClr val="0000FF"/>
+                </a:solidFill>
+                <a:latin typeface="Consolas" panose="020B0609020204030204" pitchFamily="49" charset="0"/>
+              </a:rPr>
+              <a:t>def</a:t>
+            </a:r>
+            <a:r>
+              <a:rPr lang="en-US" dirty="0">
+                <a:solidFill>
+                  <a:srgbClr val="000000"/>
+                </a:solidFill>
+                <a:latin typeface="Consolas" panose="020B0609020204030204" pitchFamily="49" charset="0"/>
+              </a:rPr>
+              <a:t> </a:t>
+            </a:r>
+            <a:r>
+              <a:rPr lang="en-US" dirty="0" err="1" smtClean="0">
+                <a:solidFill>
+                  <a:srgbClr val="000000"/>
+                </a:solidFill>
+                <a:latin typeface="Consolas" panose="020B0609020204030204" pitchFamily="49" charset="0"/>
+              </a:rPr>
+              <a:t>function_ref_kwargs</a:t>
+            </a:r>
+            <a:r>
+              <a:rPr lang="en-US" dirty="0" smtClean="0">
+                <a:solidFill>
+                  <a:srgbClr val="000000"/>
+                </a:solidFill>
+                <a:latin typeface="Consolas" panose="020B0609020204030204" pitchFamily="49" charset="0"/>
+              </a:rPr>
+              <a:t>(arg1</a:t>
+            </a:r>
+            <a:r>
+              <a:rPr lang="en-US" dirty="0">
+                <a:solidFill>
+                  <a:srgbClr val="000000"/>
+                </a:solidFill>
+                <a:latin typeface="Consolas" panose="020B0609020204030204" pitchFamily="49" charset="0"/>
+              </a:rPr>
+              <a:t>, arg2, arg3):</a:t>
+            </a:r>
+          </a:p>
+          <a:p>
+            <a:r>
+              <a:rPr lang="en-US" dirty="0">
+                <a:solidFill>
+                  <a:srgbClr val="000000"/>
+                </a:solidFill>
+                <a:latin typeface="Consolas" panose="020B0609020204030204" pitchFamily="49" charset="0"/>
+              </a:rPr>
+              <a:t>    print(</a:t>
+            </a:r>
+            <a:r>
+              <a:rPr lang="en-US" dirty="0">
+                <a:solidFill>
+                  <a:srgbClr val="A31515"/>
+                </a:solidFill>
+                <a:latin typeface="Consolas" panose="020B0609020204030204" pitchFamily="49" charset="0"/>
+              </a:rPr>
+              <a:t>"arg1:"</a:t>
+            </a:r>
+            <a:r>
+              <a:rPr lang="en-US" dirty="0">
+                <a:solidFill>
+                  <a:srgbClr val="000000"/>
+                </a:solidFill>
+                <a:latin typeface="Consolas" panose="020B0609020204030204" pitchFamily="49" charset="0"/>
+              </a:rPr>
+              <a:t>, arg1)</a:t>
+            </a:r>
+          </a:p>
+          <a:p>
+            <a:r>
+              <a:rPr lang="en-US" dirty="0">
+                <a:solidFill>
+                  <a:srgbClr val="000000"/>
+                </a:solidFill>
+                <a:latin typeface="Consolas" panose="020B0609020204030204" pitchFamily="49" charset="0"/>
+              </a:rPr>
+              <a:t>    print (</a:t>
+            </a:r>
+            <a:r>
+              <a:rPr lang="en-US" dirty="0">
+                <a:solidFill>
+                  <a:srgbClr val="A31515"/>
+                </a:solidFill>
+                <a:latin typeface="Consolas" panose="020B0609020204030204" pitchFamily="49" charset="0"/>
+              </a:rPr>
+              <a:t>"arg2:"</a:t>
+            </a:r>
+            <a:r>
+              <a:rPr lang="en-US" dirty="0">
+                <a:solidFill>
+                  <a:srgbClr val="000000"/>
+                </a:solidFill>
+                <a:latin typeface="Consolas" panose="020B0609020204030204" pitchFamily="49" charset="0"/>
+              </a:rPr>
+              <a:t>, arg2)</a:t>
+            </a:r>
+          </a:p>
+          <a:p>
+            <a:r>
+              <a:rPr lang="en-US" dirty="0">
+                <a:solidFill>
+                  <a:srgbClr val="000000"/>
+                </a:solidFill>
+                <a:latin typeface="Consolas" panose="020B0609020204030204" pitchFamily="49" charset="0"/>
+              </a:rPr>
+              <a:t>    print (</a:t>
+            </a:r>
+            <a:r>
+              <a:rPr lang="en-US" dirty="0">
+                <a:solidFill>
+                  <a:srgbClr val="A31515"/>
+                </a:solidFill>
+                <a:latin typeface="Consolas" panose="020B0609020204030204" pitchFamily="49" charset="0"/>
+              </a:rPr>
+              <a:t>"arg3:"</a:t>
+            </a:r>
+            <a:r>
+              <a:rPr lang="en-US" dirty="0">
+                <a:solidFill>
+                  <a:srgbClr val="000000"/>
+                </a:solidFill>
+                <a:latin typeface="Consolas" panose="020B0609020204030204" pitchFamily="49" charset="0"/>
+              </a:rPr>
+              <a:t>, arg3)</a:t>
+            </a:r>
+          </a:p>
+          <a:p>
+            <a:r>
+              <a:rPr lang="en-US" dirty="0">
+                <a:solidFill>
+                  <a:srgbClr val="000000"/>
+                </a:solidFill>
+                <a:latin typeface="Consolas" panose="020B0609020204030204" pitchFamily="49" charset="0"/>
+              </a:rPr>
+              <a:t/>
+            </a:r>
+            <a:br>
+              <a:rPr lang="en-US" dirty="0">
+                <a:solidFill>
+                  <a:srgbClr val="000000"/>
+                </a:solidFill>
+                <a:latin typeface="Consolas" panose="020B0609020204030204" pitchFamily="49" charset="0"/>
+              </a:rPr>
+            </a:br>
+            <a:r>
+              <a:rPr lang="en-US" dirty="0">
+                <a:solidFill>
+                  <a:srgbClr val="000000"/>
+                </a:solidFill>
+                <a:latin typeface="Consolas" panose="020B0609020204030204" pitchFamily="49" charset="0"/>
+              </a:rPr>
+              <a:t>kwargs = {</a:t>
+            </a:r>
+            <a:r>
+              <a:rPr lang="en-US" dirty="0">
+                <a:solidFill>
+                  <a:srgbClr val="A31515"/>
+                </a:solidFill>
+                <a:latin typeface="Consolas" panose="020B0609020204030204" pitchFamily="49" charset="0"/>
+              </a:rPr>
+              <a:t>"arg3"</a:t>
+            </a:r>
+            <a:r>
+              <a:rPr lang="en-US" dirty="0">
+                <a:solidFill>
+                  <a:srgbClr val="000000"/>
+                </a:solidFill>
+                <a:latin typeface="Consolas" panose="020B0609020204030204" pitchFamily="49" charset="0"/>
+              </a:rPr>
+              <a:t>: </a:t>
+            </a:r>
+            <a:r>
+              <a:rPr lang="en-US" dirty="0">
+                <a:solidFill>
+                  <a:srgbClr val="09885A"/>
+                </a:solidFill>
+                <a:latin typeface="Consolas" panose="020B0609020204030204" pitchFamily="49" charset="0"/>
+              </a:rPr>
+              <a:t>3</a:t>
+            </a:r>
+            <a:r>
+              <a:rPr lang="en-US" dirty="0">
+                <a:solidFill>
+                  <a:srgbClr val="000000"/>
+                </a:solidFill>
+                <a:latin typeface="Consolas" panose="020B0609020204030204" pitchFamily="49" charset="0"/>
+              </a:rPr>
+              <a:t>, </a:t>
+            </a:r>
+            <a:r>
+              <a:rPr lang="en-US" dirty="0">
+                <a:solidFill>
+                  <a:srgbClr val="A31515"/>
+                </a:solidFill>
+                <a:latin typeface="Consolas" panose="020B0609020204030204" pitchFamily="49" charset="0"/>
+              </a:rPr>
+              <a:t>"arg2"</a:t>
+            </a:r>
+            <a:r>
+              <a:rPr lang="en-US" dirty="0">
+                <a:solidFill>
+                  <a:srgbClr val="000000"/>
+                </a:solidFill>
+                <a:latin typeface="Consolas" panose="020B0609020204030204" pitchFamily="49" charset="0"/>
+              </a:rPr>
+              <a:t>: </a:t>
+            </a:r>
+            <a:r>
+              <a:rPr lang="en-US" dirty="0">
+                <a:solidFill>
+                  <a:srgbClr val="A31515"/>
+                </a:solidFill>
+                <a:latin typeface="Consolas" panose="020B0609020204030204" pitchFamily="49" charset="0"/>
+              </a:rPr>
+              <a:t>"two"</a:t>
+            </a:r>
+            <a:r>
+              <a:rPr lang="en-US" dirty="0">
+                <a:solidFill>
+                  <a:srgbClr val="000000"/>
+                </a:solidFill>
+                <a:latin typeface="Consolas" panose="020B0609020204030204" pitchFamily="49" charset="0"/>
+              </a:rPr>
+              <a:t>}</a:t>
+            </a:r>
+          </a:p>
+          <a:p>
+            <a:r>
+              <a:rPr lang="en-US" dirty="0" err="1" smtClean="0">
+                <a:solidFill>
+                  <a:srgbClr val="000000"/>
+                </a:solidFill>
+                <a:latin typeface="Consolas" panose="020B0609020204030204" pitchFamily="49" charset="0"/>
+              </a:rPr>
+              <a:t>function_ref_kwargs</a:t>
+            </a:r>
+            <a:r>
+              <a:rPr lang="en-US" dirty="0" smtClean="0">
+                <a:solidFill>
+                  <a:srgbClr val="000000"/>
+                </a:solidFill>
+                <a:latin typeface="Consolas" panose="020B0609020204030204" pitchFamily="49" charset="0"/>
+              </a:rPr>
+              <a:t>(</a:t>
+            </a:r>
+            <a:r>
+              <a:rPr lang="en-US" dirty="0" smtClean="0">
+                <a:solidFill>
+                  <a:srgbClr val="09885A"/>
+                </a:solidFill>
+                <a:latin typeface="Consolas" panose="020B0609020204030204" pitchFamily="49" charset="0"/>
+              </a:rPr>
+              <a:t>1</a:t>
+            </a:r>
+            <a:r>
+              <a:rPr lang="en-US" dirty="0">
+                <a:solidFill>
+                  <a:srgbClr val="000000"/>
+                </a:solidFill>
+                <a:latin typeface="Consolas" panose="020B0609020204030204" pitchFamily="49" charset="0"/>
+              </a:rPr>
+              <a:t>, **kwargs)</a:t>
+            </a:r>
+            <a:endParaRPr lang="en-US" b="0" dirty="0">
+              <a:solidFill>
+                <a:srgbClr val="000000"/>
+              </a:solidFill>
+              <a:effectLst/>
+              <a:latin typeface="Consolas" panose="020B0609020204030204" pitchFamily="49" charset="0"/>
+            </a:endParaRPr>
+          </a:p>
+        </p:txBody>
+      </p:sp>
+    </p:spTree>
+    <p:extLst>
+      <p:ext uri="{BB962C8B-B14F-4D97-AF65-F5344CB8AC3E}">
+        <p14:creationId xmlns:p14="http://schemas.microsoft.com/office/powerpoint/2010/main" val="173740628"/>
       </p:ext>
     </p:extLst>
   </p:cSld>
@@ -18432,7 +23207,6 @@
               <a:rPr lang="en-US" sz="1800" dirty="0" smtClean="0"/>
               <a:t>Visual Studio Code Editor</a:t>
             </a:r>
-            <a:endParaRPr lang="en-US" sz="1800" dirty="0" smtClean="0"/>
           </a:p>
           <a:p>
             <a:pPr marL="0" indent="0">
@@ -19210,15 +23984,7 @@
             </a:pPr>
             <a:r>
               <a:rPr lang="en-US" sz="3800" dirty="0"/>
-              <a:t>&gt;&gt;&gt; str = "</a:t>
-            </a:r>
-            <a:r>
-              <a:rPr lang="en-US" sz="3800" dirty="0" err="1"/>
-              <a:t>i</a:t>
-            </a:r>
-            <a:r>
-              <a:rPr lang="en-US" sz="3800" dirty="0"/>
-              <a:t> am learning python"</a:t>
+              <a:t>&gt;&gt;&gt; str = "i am learning python"</a:t>
             </a:r>
           </a:p>
           <a:p>
@@ -19657,11 +24423,7 @@
             </a:r>
             <a:r>
               <a:rPr lang="en-US" dirty="0" smtClean="0"/>
-              <a:t>this                  </a:t>
-            </a:r>
-            <a:r>
-              <a:rPr lang="en-US" dirty="0" smtClean="0"/>
-              <a:t>#</a:t>
+              <a:t>this                  #</a:t>
             </a:r>
             <a:r>
               <a:rPr lang="en-US" dirty="0" err="1" smtClean="0"/>
@@ -19794,23 +24556,91 @@
             </a:r>
             <a:r>
               <a:rPr lang="en-US" dirty="0" smtClean="0"/>
-              <a:t>)                                         </a:t>
-            </a:r>
+              <a:t>)                                         &gt;&gt;&gt; </a:t>
+            </a:r>
+            <a:r>
+              <a:rPr lang="en-US" dirty="0" err="1"/>
+              <a:t>str.count</a:t>
+            </a:r>
+            <a:r>
+              <a:rPr lang="en-US" dirty="0"/>
+              <a:t>("cat</a:t>
+            </a:r>
+            <a:r>
+              <a:rPr lang="en-US" dirty="0" smtClean="0"/>
+              <a:t>")  </a:t>
+            </a:r>
+            <a:r>
+              <a:rPr lang="en-US" dirty="0"/>
+              <a:t> </a:t>
+            </a:r>
+            <a:r>
+              <a:rPr lang="en-US" dirty="0" smtClean="0"/>
+              <a:t>                      &gt;&gt;&gt; print</a:t>
+            </a:r>
+            <a:r>
+              <a:rPr lang="en-US" dirty="0"/>
+              <a:t>("Length of Str: ",</a:t>
+            </a:r>
+            <a:r>
+              <a:rPr lang="en-US" dirty="0" err="1"/>
+              <a:t>len</a:t>
+            </a:r>
+            <a:r>
+              <a:rPr lang="en-US" dirty="0"/>
+              <a:t>(</a:t>
+            </a:r>
+            <a:r>
+              <a:rPr lang="en-US" dirty="0" err="1"/>
+              <a:t>str</a:t>
+            </a:r>
+            <a:r>
+              <a:rPr lang="en-US" dirty="0" smtClean="0"/>
+              <a:t>)) </a:t>
+            </a:r>
+          </a:p>
+          <a:p>
             <a:r>
               <a:rPr lang="en-US" dirty="0" smtClean="0"/>
               <a:t>&gt;&gt;&gt; </a:t>
             </a:r>
             <a:r>
+              <a:rPr lang="en-US" dirty="0"/>
+              <a:t>words = </a:t>
+            </a:r>
+            <a:r>
               <a:rPr lang="en-US" dirty="0" err="1"/>
-              <a:t>str.count</a:t>
+              <a:t>str.split</a:t>
             </a:r>
             <a:r>
               <a:rPr lang="en-US" dirty="0"/>
-              <a:t>("cat</a:t>
+              <a:t>()</a:t>
+            </a:r>
+          </a:p>
+          <a:p>
+            <a:r>
+              <a:rPr lang="en-US" dirty="0"/>
+              <a:t>&gt;&gt;&gt; words</a:t>
+            </a:r>
+          </a:p>
+          <a:p>
+            <a:r>
+              <a:rPr lang="en-US" dirty="0"/>
+              <a:t>['The', 'cat', 'sat', 'on', 'the', 'mat,', 'and', 'the', 'cat', 'was', 'happy', 'playing', 'with', 'the', 'rat', 'on', 'the', 'mat']</a:t>
+            </a:r>
+          </a:p>
+          <a:p>
+            <a:r>
+              <a:rPr lang="en-US" dirty="0"/>
+              <a:t>&gt;&gt;&gt; type(</a:t>
+            </a:r>
+            <a:r>
+              <a:rPr lang="en-US" dirty="0" err="1"/>
+              <a:t>str</a:t>
             </a:r>
             <a:r>
               <a:rPr lang="en-US" dirty="0" smtClean="0"/>
-              <a:t>")  </a:t>
+              <a:t>) </a:t>
             </a:r>
             <a:r>
               <a:rPr lang="en-US" dirty="0"/>
@@ -19818,84 +24648,11 @@
             </a:r>
             <a:r>
               <a:rPr lang="en-US" dirty="0" smtClean="0"/>
-              <a:t>                 </a:t>
-            </a:r>
-            <a:r>
-              <a:rPr lang="en-US" dirty="0" smtClean="0"/>
-              <a:t>    </a:t>
-            </a:r>
-            <a:r>
-              <a:rPr lang="en-US" dirty="0" smtClean="0"/>
-              <a:t> </a:t>
-            </a:r>
-            <a:r>
-              <a:rPr lang="en-US" dirty="0" smtClean="0"/>
-              <a:t>&gt;&gt;&gt; </a:t>
-            </a:r>
-            <a:r>
-              <a:rPr lang="en-US" dirty="0" smtClean="0"/>
-              <a:t>print</a:t>
+              <a:t>     &gt;&gt;&gt; </a:t>
             </a:r>
             <a:r>
               <a:rPr lang="en-US" dirty="0"/>
-              <a:t>("Length of Str: ",</a:t>
-            </a:r>
-            <a:r>
-              <a:rPr lang="en-US" dirty="0" err="1"/>
-              <a:t>len</a:t>
-            </a:r>
-            <a:r>
-              <a:rPr lang="en-US" dirty="0"/>
-              <a:t>(</a:t>
-            </a:r>
-            <a:r>
-              <a:rPr lang="en-US" dirty="0" err="1"/>
-              <a:t>str</a:t>
-            </a:r>
-            <a:r>
-              <a:rPr lang="en-US" dirty="0" smtClean="0"/>
-              <a:t>)) </a:t>
-            </a:r>
-            <a:endParaRPr lang="en-US" dirty="0" smtClean="0"/>
-          </a:p>
-          <a:p>
-            <a:r>
-              <a:rPr lang="en-US" dirty="0" smtClean="0"/>
-              <a:t>&gt;&gt;&gt; </a:t>
-            </a:r>
-            <a:r>
-              <a:rPr lang="en-US" dirty="0"/>
-              <a:t>words = </a:t>
-            </a:r>
-            <a:r>
-              <a:rPr lang="en-US" dirty="0" err="1"/>
-              <a:t>str.split</a:t>
-            </a:r>
-            <a:r>
-              <a:rPr lang="en-US" dirty="0"/>
-              <a:t>()</a:t>
-            </a:r>
-          </a:p>
-          <a:p>
-            <a:r>
-              <a:rPr lang="en-US" dirty="0"/>
-              <a:t>&gt;&gt;&gt; words</a:t>
-            </a:r>
-          </a:p>
-          <a:p>
-            <a:r>
-              <a:rPr lang="en-US" dirty="0"/>
-              <a:t>['The', 'cat', 'sat', 'on', 'the', 'mat,', 'and', 'the', 'cat', 'was', 'happy', 'playing', 'with', 'the', 'rat', 'on', 'the', 'mat']</a:t>
-            </a:r>
-          </a:p>
-          <a:p>
-            <a:r>
-              <a:rPr lang="en-US" dirty="0"/>
-              <a:t>&gt;&gt;&gt; type(</a:t>
-            </a:r>
-            <a:r>
-              <a:rPr lang="en-US" dirty="0" err="1"/>
-              <a:t>str</a:t>
+              <a:t>type(words</a:t>
             </a:r>
             <a:r>
               <a:rPr lang="en-US" dirty="0" smtClean="0"/>
@@ -19907,31 +24664,7 @@
             </a:r>
             <a:r>
               <a:rPr lang="en-US" dirty="0" smtClean="0"/>
-              <a:t>     </a:t>
-            </a:r>
-            <a:r>
-              <a:rPr lang="en-US" dirty="0" smtClean="0"/>
-              <a:t>&gt;&gt;&gt; </a:t>
-            </a:r>
-            <a:r>
-              <a:rPr lang="en-US" dirty="0"/>
-              <a:t>type(words</a:t>
-            </a:r>
-            <a:r>
-              <a:rPr lang="en-US" dirty="0" smtClean="0"/>
-              <a:t>) </a:t>
-            </a:r>
-            <a:r>
-              <a:rPr lang="en-US" dirty="0"/>
-              <a:t> </a:t>
-            </a:r>
-            <a:r>
-              <a:rPr lang="en-US" dirty="0" smtClean="0"/>
-              <a:t>              </a:t>
-            </a:r>
-            <a:r>
-              <a:rPr lang="en-US" dirty="0" smtClean="0"/>
-              <a:t>&gt;&gt;&gt; </a:t>
+              <a:t>              &gt;&gt;&gt; </a:t>
             </a:r>
             <a:r>
               <a:rPr lang="en-US" dirty="0" err="1" smtClean="0"/>

--- a/python_notes.pptx
+++ b/python_notes.pptx
@@ -7,10 +7,10 @@
     <p:sldMasterId id="2147483660" r:id="rId3"/>
   </p:sldMasterIdLst>
   <p:notesMasterIdLst>
-    <p:notesMasterId r:id="rId32"/>
+    <p:notesMasterId r:id="rId37"/>
   </p:notesMasterIdLst>
   <p:handoutMasterIdLst>
-    <p:handoutMasterId r:id="rId33"/>
+    <p:handoutMasterId r:id="rId38"/>
   </p:handoutMasterIdLst>
   <p:sldIdLst>
     <p:sldId id="256" r:id="rId4"/>
@@ -41,6 +41,11 @@
     <p:sldId id="281" r:id="rId29"/>
     <p:sldId id="283" r:id="rId30"/>
     <p:sldId id="282" r:id="rId31"/>
+    <p:sldId id="288" r:id="rId32"/>
+    <p:sldId id="285" r:id="rId33"/>
+    <p:sldId id="286" r:id="rId34"/>
+    <p:sldId id="287" r:id="rId35"/>
+    <p:sldId id="284" r:id="rId36"/>
   </p:sldIdLst>
   <p:sldSz cx="12192000" cy="6858000"/>
   <p:notesSz cx="6858000" cy="9144000"/>
@@ -244,7 +249,7 @@
           <a:p>
             <a:fld id="{A63E0BE3-463E-487B-B716-77FFA30EA717}" type="datetimeFigureOut">
               <a:rPr lang="en-US" smtClean="0"/>
-              <a:t>3/15/2017</a:t>
+              <a:t>3/18/2017</a:t>
             </a:fld>
             <a:endParaRPr lang="en-US"/>
           </a:p>
@@ -414,7 +419,7 @@
           <a:p>
             <a:fld id="{FDDEC35C-4CAE-4F25-B3C3-137572B012EB}" type="datetimeFigureOut">
               <a:rPr lang="en-US" smtClean="0"/>
-              <a:t>3/15/2017</a:t>
+              <a:t>3/18/2017</a:t>
             </a:fld>
             <a:endParaRPr lang="en-US"/>
           </a:p>
@@ -804,7 +809,7 @@
           <a:p>
             <a:fld id="{72095589-1F2D-4229-8793-7914286CC95D}" type="datetime1">
               <a:rPr lang="en-US" smtClean="0"/>
-              <a:t>3/15/2017</a:t>
+              <a:t>3/18/2017</a:t>
             </a:fld>
             <a:endParaRPr lang="en-US" dirty="0"/>
           </a:p>
@@ -978,7 +983,7 @@
           <a:p>
             <a:fld id="{B442EE64-96CE-4274-81F7-8145DC33C301}" type="datetime1">
               <a:rPr lang="en-US" smtClean="0"/>
-              <a:t>3/15/2017</a:t>
+              <a:t>3/18/2017</a:t>
             </a:fld>
             <a:endParaRPr lang="en-US"/>
           </a:p>
@@ -1162,7 +1167,7 @@
           <a:p>
             <a:fld id="{3848B6D6-B9DD-445B-9CF3-1B88585CD718}" type="datetime1">
               <a:rPr lang="en-US" smtClean="0"/>
-              <a:t>3/15/2017</a:t>
+              <a:t>3/18/2017</a:t>
             </a:fld>
             <a:endParaRPr lang="en-US"/>
           </a:p>
@@ -1358,7 +1363,7 @@
           <a:p>
             <a:fld id="{54B6762C-E026-40C6-869B-46FDA69BBE10}" type="datetimeFigureOut">
               <a:rPr lang="en-US" smtClean="0"/>
-              <a:t>3/15/2017</a:t>
+              <a:t>3/18/2017</a:t>
             </a:fld>
             <a:endParaRPr lang="en-US"/>
           </a:p>
@@ -1528,7 +1533,7 @@
           <a:p>
             <a:fld id="{54B6762C-E026-40C6-869B-46FDA69BBE10}" type="datetimeFigureOut">
               <a:rPr lang="en-US" smtClean="0"/>
-              <a:t>3/15/2017</a:t>
+              <a:t>3/18/2017</a:t>
             </a:fld>
             <a:endParaRPr lang="en-US"/>
           </a:p>
@@ -1774,7 +1779,7 @@
           <a:p>
             <a:fld id="{54B6762C-E026-40C6-869B-46FDA69BBE10}" type="datetimeFigureOut">
               <a:rPr lang="en-US" smtClean="0"/>
-              <a:t>3/15/2017</a:t>
+              <a:t>3/18/2017</a:t>
             </a:fld>
             <a:endParaRPr lang="en-US"/>
           </a:p>
@@ -2006,7 +2011,7 @@
           <a:p>
             <a:fld id="{54B6762C-E026-40C6-869B-46FDA69BBE10}" type="datetimeFigureOut">
               <a:rPr lang="en-US" smtClean="0"/>
-              <a:t>3/15/2017</a:t>
+              <a:t>3/18/2017</a:t>
             </a:fld>
             <a:endParaRPr lang="en-US"/>
           </a:p>
@@ -2373,7 +2378,7 @@
           <a:p>
             <a:fld id="{54B6762C-E026-40C6-869B-46FDA69BBE10}" type="datetimeFigureOut">
               <a:rPr lang="en-US" smtClean="0"/>
-              <a:t>3/15/2017</a:t>
+              <a:t>3/18/2017</a:t>
             </a:fld>
             <a:endParaRPr lang="en-US"/>
           </a:p>
@@ -2491,7 +2496,7 @@
           <a:p>
             <a:fld id="{54B6762C-E026-40C6-869B-46FDA69BBE10}" type="datetimeFigureOut">
               <a:rPr lang="en-US" smtClean="0"/>
-              <a:t>3/15/2017</a:t>
+              <a:t>3/18/2017</a:t>
             </a:fld>
             <a:endParaRPr lang="en-US"/>
           </a:p>
@@ -2586,7 +2591,7 @@
           <a:p>
             <a:fld id="{54B6762C-E026-40C6-869B-46FDA69BBE10}" type="datetimeFigureOut">
               <a:rPr lang="en-US" smtClean="0"/>
-              <a:t>3/15/2017</a:t>
+              <a:t>3/18/2017</a:t>
             </a:fld>
             <a:endParaRPr lang="en-US"/>
           </a:p>
@@ -2863,7 +2868,7 @@
           <a:p>
             <a:fld id="{54B6762C-E026-40C6-869B-46FDA69BBE10}" type="datetimeFigureOut">
               <a:rPr lang="en-US" smtClean="0"/>
-              <a:t>3/15/2017</a:t>
+              <a:t>3/18/2017</a:t>
             </a:fld>
             <a:endParaRPr lang="en-US"/>
           </a:p>
@@ -3033,7 +3038,7 @@
           <a:p>
             <a:fld id="{C7E82F5F-9B4F-4A5C-831E-120949344C92}" type="datetime1">
               <a:rPr lang="en-US" smtClean="0"/>
-              <a:t>3/15/2017</a:t>
+              <a:t>3/18/2017</a:t>
             </a:fld>
             <a:endParaRPr lang="en-US"/>
           </a:p>
@@ -3290,7 +3295,7 @@
           <a:p>
             <a:fld id="{54B6762C-E026-40C6-869B-46FDA69BBE10}" type="datetimeFigureOut">
               <a:rPr lang="en-US" smtClean="0"/>
-              <a:t>3/15/2017</a:t>
+              <a:t>3/18/2017</a:t>
             </a:fld>
             <a:endParaRPr lang="en-US"/>
           </a:p>
@@ -3460,7 +3465,7 @@
           <a:p>
             <a:fld id="{54B6762C-E026-40C6-869B-46FDA69BBE10}" type="datetimeFigureOut">
               <a:rPr lang="en-US" smtClean="0"/>
-              <a:t>3/15/2017</a:t>
+              <a:t>3/18/2017</a:t>
             </a:fld>
             <a:endParaRPr lang="en-US"/>
           </a:p>
@@ -3640,7 +3645,7 @@
           <a:p>
             <a:fld id="{54B6762C-E026-40C6-869B-46FDA69BBE10}" type="datetimeFigureOut">
               <a:rPr lang="en-US" smtClean="0"/>
-              <a:t>3/15/2017</a:t>
+              <a:t>3/18/2017</a:t>
             </a:fld>
             <a:endParaRPr lang="en-US"/>
           </a:p>
@@ -3832,7 +3837,7 @@
           <a:p>
             <a:fld id="{103E9E45-B669-4A43-8B9E-837119EB0DD3}" type="datetime1">
               <a:rPr lang="en-US" smtClean="0"/>
-              <a:t>3/15/2017</a:t>
+              <a:t>3/18/2017</a:t>
             </a:fld>
             <a:endParaRPr lang="en-US"/>
           </a:p>
@@ -4006,7 +4011,7 @@
           <a:p>
             <a:fld id="{F2CA510D-6B86-4582-AF81-2DE653D099D7}" type="datetime1">
               <a:rPr lang="en-US" smtClean="0"/>
-              <a:t>3/15/2017</a:t>
+              <a:t>3/18/2017</a:t>
             </a:fld>
             <a:endParaRPr lang="en-US"/>
           </a:p>
@@ -4256,7 +4261,7 @@
           <a:p>
             <a:fld id="{8BA0F55E-C955-480E-A584-66D799BA9E83}" type="datetime1">
               <a:rPr lang="en-US" smtClean="0"/>
-              <a:t>3/15/2017</a:t>
+              <a:t>3/18/2017</a:t>
             </a:fld>
             <a:endParaRPr lang="en-US"/>
           </a:p>
@@ -4492,7 +4497,7 @@
           <a:p>
             <a:fld id="{E6A13AF9-560C-4C87-A060-76ECE80A9794}" type="datetime1">
               <a:rPr lang="en-US" smtClean="0"/>
-              <a:t>3/15/2017</a:t>
+              <a:t>3/18/2017</a:t>
             </a:fld>
             <a:endParaRPr lang="en-US"/>
           </a:p>
@@ -4863,7 +4868,7 @@
           <a:p>
             <a:fld id="{E25AD518-FFB5-4660-80A9-484DCA4A4002}" type="datetime1">
               <a:rPr lang="en-US" smtClean="0"/>
-              <a:t>3/15/2017</a:t>
+              <a:t>3/18/2017</a:t>
             </a:fld>
             <a:endParaRPr lang="en-US"/>
           </a:p>
@@ -4985,7 +4990,7 @@
           <a:p>
             <a:fld id="{AE587E42-D10B-4207-B78A-ACA68AA0A68F}" type="datetime1">
               <a:rPr lang="en-US" smtClean="0"/>
-              <a:t>3/15/2017</a:t>
+              <a:t>3/18/2017</a:t>
             </a:fld>
             <a:endParaRPr lang="en-US"/>
           </a:p>
@@ -5084,7 +5089,7 @@
           <a:p>
             <a:fld id="{58DE498A-CD33-4B65-8AFD-4E31FE81F72D}" type="datetime1">
               <a:rPr lang="en-US" smtClean="0"/>
-              <a:t>3/15/2017</a:t>
+              <a:t>3/18/2017</a:t>
             </a:fld>
             <a:endParaRPr lang="en-US"/>
           </a:p>
@@ -5334,7 +5339,7 @@
           <a:p>
             <a:fld id="{0E00E361-17BE-4288-AB08-3B97BE0737C5}" type="datetime1">
               <a:rPr lang="en-US" smtClean="0"/>
-              <a:t>3/15/2017</a:t>
+              <a:t>3/18/2017</a:t>
             </a:fld>
             <a:endParaRPr lang="en-US"/>
           </a:p>
@@ -5615,7 +5620,7 @@
           <a:p>
             <a:fld id="{20DB26F4-13D4-43D6-A93F-56528E17975A}" type="datetime1">
               <a:rPr lang="en-US" smtClean="0"/>
-              <a:t>3/15/2017</a:t>
+              <a:t>3/18/2017</a:t>
             </a:fld>
             <a:endParaRPr lang="en-US"/>
           </a:p>
@@ -5872,7 +5877,7 @@
           <a:p>
             <a:fld id="{0055BD7E-6FF0-4E09-805C-AA88A4081083}" type="datetime1">
               <a:rPr lang="en-US" smtClean="0"/>
-              <a:t>3/15/2017</a:t>
+              <a:t>3/18/2017</a:t>
             </a:fld>
             <a:endParaRPr lang="en-US"/>
           </a:p>
@@ -6046,7 +6051,7 @@
           <a:p>
             <a:fld id="{6EF56BD1-7354-4DA0-8F03-706940EEC3C8}" type="datetime1">
               <a:rPr lang="en-US" smtClean="0"/>
-              <a:t>3/15/2017</a:t>
+              <a:t>3/18/2017</a:t>
             </a:fld>
             <a:endParaRPr lang="en-US"/>
           </a:p>
@@ -6230,7 +6235,7 @@
           <a:p>
             <a:fld id="{1CB1BE92-4DAA-4B83-A86A-7009169ECDC7}" type="datetime1">
               <a:rPr lang="en-US" smtClean="0"/>
-              <a:t>3/15/2017</a:t>
+              <a:t>3/18/2017</a:t>
             </a:fld>
             <a:endParaRPr lang="en-US"/>
           </a:p>
@@ -6466,7 +6471,7 @@
           <a:p>
             <a:fld id="{C14F2707-F4DE-4EC3-906A-E569EC4FE6A2}" type="datetime1">
               <a:rPr lang="en-US" smtClean="0"/>
-              <a:t>3/15/2017</a:t>
+              <a:t>3/18/2017</a:t>
             </a:fld>
             <a:endParaRPr lang="en-US"/>
           </a:p>
@@ -6837,7 +6842,7 @@
           <a:p>
             <a:fld id="{88DAB92F-2757-4D94-8EE0-4CE602C71ACD}" type="datetime1">
               <a:rPr lang="en-US" smtClean="0"/>
-              <a:t>3/15/2017</a:t>
+              <a:t>3/18/2017</a:t>
             </a:fld>
             <a:endParaRPr lang="en-US"/>
           </a:p>
@@ -6959,7 +6964,7 @@
           <a:p>
             <a:fld id="{658FC12C-7C3B-4414-AA1B-E86D050AB677}" type="datetime1">
               <a:rPr lang="en-US" smtClean="0"/>
-              <a:t>3/15/2017</a:t>
+              <a:t>3/18/2017</a:t>
             </a:fld>
             <a:endParaRPr lang="en-US"/>
           </a:p>
@@ -7058,7 +7063,7 @@
           <a:p>
             <a:fld id="{9EE8A447-BA34-4273-95A6-71AB9806CD6B}" type="datetime1">
               <a:rPr lang="en-US" smtClean="0"/>
-              <a:t>3/15/2017</a:t>
+              <a:t>3/18/2017</a:t>
             </a:fld>
             <a:endParaRPr lang="en-US"/>
           </a:p>
@@ -7339,7 +7344,7 @@
           <a:p>
             <a:fld id="{A487F3D7-0A62-4B5F-9DF7-879DC6E4D81A}" type="datetime1">
               <a:rPr lang="en-US" smtClean="0"/>
-              <a:t>3/15/2017</a:t>
+              <a:t>3/18/2017</a:t>
             </a:fld>
             <a:endParaRPr lang="en-US"/>
           </a:p>
@@ -7596,7 +7601,7 @@
           <a:p>
             <a:fld id="{8383956E-0D60-4C7D-9238-FADDCB6660C3}" type="datetime1">
               <a:rPr lang="en-US" smtClean="0"/>
-              <a:t>3/15/2017</a:t>
+              <a:t>3/18/2017</a:t>
             </a:fld>
             <a:endParaRPr lang="en-US"/>
           </a:p>
@@ -7833,7 +7838,7 @@
           <a:p>
             <a:fld id="{13C4B124-5BB2-44B0-9672-EC3E897DD3A4}" type="datetime1">
               <a:rPr lang="en-US" smtClean="0"/>
-              <a:t>3/15/2017</a:t>
+              <a:t>3/18/2017</a:t>
             </a:fld>
             <a:endParaRPr lang="en-US"/>
           </a:p>
@@ -8378,7 +8383,7 @@
           <a:p>
             <a:fld id="{54B6762C-E026-40C6-869B-46FDA69BBE10}" type="datetimeFigureOut">
               <a:rPr lang="en-US" smtClean="0"/>
-              <a:t>3/15/2017</a:t>
+              <a:t>3/18/2017</a:t>
             </a:fld>
             <a:endParaRPr lang="en-US"/>
           </a:p>
@@ -8938,7 +8943,7 @@
           <a:p>
             <a:fld id="{4A261DF8-C7D3-4A7B-A51B-C4D4681F1B37}" type="datetime1">
               <a:rPr lang="en-US" smtClean="0"/>
-              <a:t>3/15/2017</a:t>
+              <a:t>3/18/2017</a:t>
             </a:fld>
             <a:endParaRPr lang="en-US"/>
           </a:p>
@@ -18278,15 +18283,7 @@
             </a:r>
             <a:r>
               <a:rPr lang="en-US" sz="2800" b="1" dirty="0" smtClean="0"/>
-              <a:t>(function</a:t>
-            </a:r>
-            <a:r>
-              <a:rPr lang="en-US" sz="2800" b="1" dirty="0" smtClean="0"/>
-              <a:t>, class</a:t>
-            </a:r>
-            <a:r>
-              <a:rPr lang="en-US" sz="2800" b="1" dirty="0" smtClean="0"/>
-              <a:t>)</a:t>
+              <a:t>(function, class)</a:t>
             </a:r>
             <a:endParaRPr lang="en-US" sz="2800" b="1" dirty="0"/>
           </a:p>
@@ -18766,7 +18763,16 @@
                 </a:solidFill>
                 <a:latin typeface="Consolas" panose="020B0609020204030204" pitchFamily="49" charset="0"/>
               </a:rPr>
-              <a:t> programs, also called subroutines or procedures</a:t>
+              <a:t> programs, also called subroutines or procedures. Helps </a:t>
+            </a:r>
+            <a:r>
+              <a:rPr lang="en-US" b="1" dirty="0" smtClean="0">
+                <a:solidFill>
+                  <a:srgbClr val="000000"/>
+                </a:solidFill>
+                <a:latin typeface="Consolas" panose="020B0609020204030204" pitchFamily="49" charset="0"/>
+              </a:rPr>
+              <a:t>organizing</a:t>
             </a:r>
             <a:r>
               <a:rPr lang="en-US" dirty="0" smtClean="0">
@@ -18775,7 +18781,7 @@
                 </a:solidFill>
                 <a:latin typeface="Consolas" panose="020B0609020204030204" pitchFamily="49" charset="0"/>
               </a:rPr>
-              <a:t>. Helps </a:t>
+              <a:t> programs, </a:t>
             </a:r>
             <a:r>
               <a:rPr lang="en-US" b="1" dirty="0" smtClean="0">
@@ -18784,7 +18790,7 @@
                 </a:solidFill>
                 <a:latin typeface="Consolas" panose="020B0609020204030204" pitchFamily="49" charset="0"/>
               </a:rPr>
-              <a:t>organizing</a:t>
+              <a:t>re-using</a:t>
             </a:r>
             <a:r>
               <a:rPr lang="en-US" dirty="0" smtClean="0">
@@ -18793,35 +18799,10 @@
                 </a:solidFill>
                 <a:latin typeface="Consolas" panose="020B0609020204030204" pitchFamily="49" charset="0"/>
               </a:rPr>
-              <a:t> </a:t>
-            </a:r>
-            <a:r>
-              <a:rPr lang="en-US" dirty="0" smtClean="0">
-                <a:solidFill>
-                  <a:srgbClr val="000000"/>
-                </a:solidFill>
-                <a:latin typeface="Consolas" panose="020B0609020204030204" pitchFamily="49" charset="0"/>
-              </a:rPr>
-              <a:t>programs, </a:t>
-            </a:r>
-            <a:r>
-              <a:rPr lang="en-US" b="1" dirty="0" smtClean="0">
-                <a:solidFill>
-                  <a:srgbClr val="000000"/>
-                </a:solidFill>
-                <a:latin typeface="Consolas" panose="020B0609020204030204" pitchFamily="49" charset="0"/>
-              </a:rPr>
-              <a:t>re-using</a:t>
-            </a:r>
-            <a:r>
-              <a:rPr lang="en-US" dirty="0" smtClean="0">
-                <a:solidFill>
-                  <a:srgbClr val="000000"/>
-                </a:solidFill>
-                <a:latin typeface="Consolas" panose="020B0609020204030204" pitchFamily="49" charset="0"/>
-              </a:rPr>
               <a:t> codes!!</a:t>
             </a:r>
+          </a:p>
+          <a:p>
             <a:endParaRPr lang="en-US" dirty="0" smtClean="0">
               <a:solidFill>
                 <a:srgbClr val="000000"/>
@@ -18830,6 +18811,14 @@
             </a:endParaRPr>
           </a:p>
           <a:p>
+            <a:r>
+              <a:rPr lang="en-US" sz="1400" i="1" dirty="0" smtClean="0">
+                <a:latin typeface="Consolas" panose="020B0609020204030204" pitchFamily="49" charset="0"/>
+              </a:rPr>
+              <a:t>Methods are similar to Function, but they have object reference</a:t>
+            </a:r>
+          </a:p>
+          <a:p>
             <a:endParaRPr lang="en-US" dirty="0" smtClean="0">
               <a:solidFill>
                 <a:srgbClr val="000000"/>
@@ -18838,17 +18827,6 @@
             </a:endParaRPr>
           </a:p>
           <a:p>
-            <a:r>
-              <a:rPr lang="en-US" sz="1400" i="1" dirty="0" smtClean="0">
-                <a:latin typeface="Consolas" panose="020B0609020204030204" pitchFamily="49" charset="0"/>
-              </a:rPr>
-              <a:t>Methods are similar to Function, but they have object reference</a:t>
-            </a:r>
-            <a:endParaRPr lang="en-US" sz="1400" i="1" dirty="0" smtClean="0">
-              <a:latin typeface="Consolas" panose="020B0609020204030204" pitchFamily="49" charset="0"/>
-            </a:endParaRPr>
-          </a:p>
-          <a:p>
             <a:endParaRPr lang="en-US" dirty="0" smtClean="0">
               <a:solidFill>
                 <a:srgbClr val="000000"/>
@@ -18857,14 +18835,6 @@
             </a:endParaRPr>
           </a:p>
           <a:p>
-            <a:endParaRPr lang="en-US" dirty="0" smtClean="0">
-              <a:solidFill>
-                <a:srgbClr val="000000"/>
-              </a:solidFill>
-              <a:latin typeface="Consolas" panose="020B0609020204030204" pitchFamily="49" charset="0"/>
-            </a:endParaRPr>
-          </a:p>
-          <a:p>
             <a:r>
               <a:rPr lang="en-US" b="1" dirty="0" smtClean="0">
                 <a:solidFill>
@@ -18974,16 +18944,7 @@
                 </a:solidFill>
                 <a:latin typeface="Consolas" panose="020B0609020204030204" pitchFamily="49" charset="0"/>
               </a:rPr>
-              <a:t>function </a:t>
-            </a:r>
-            <a:r>
-              <a:rPr lang="en-US" dirty="0" smtClean="0">
-                <a:solidFill>
-                  <a:srgbClr val="000000"/>
-                </a:solidFill>
-                <a:latin typeface="Consolas" panose="020B0609020204030204" pitchFamily="49" charset="0"/>
-              </a:rPr>
-              <a:t>body</a:t>
+              <a:t>function body</a:t>
             </a:r>
           </a:p>
           <a:p>
@@ -22087,22 +22048,13 @@
               <a:t> </a:t>
             </a:r>
             <a:r>
-              <a:rPr lang="en-US" dirty="0" err="1" smtClean="0">
-                <a:solidFill>
-                  <a:srgbClr val="000000"/>
-                </a:solidFill>
-                <a:latin typeface="Consolas" panose="020B0609020204030204" pitchFamily="49" charset="0"/>
-              </a:rPr>
-              <a:t>function_ref_kwargs</a:t>
-            </a:r>
-            <a:r>
               <a:rPr lang="en-US" dirty="0" smtClean="0">
                 <a:solidFill>
                   <a:srgbClr val="000000"/>
                 </a:solidFill>
                 <a:latin typeface="Consolas" panose="020B0609020204030204" pitchFamily="49" charset="0"/>
               </a:rPr>
-              <a:t>(arg1</a:t>
+              <a:t>function_ref_kwargs(arg1</a:t>
             </a:r>
             <a:r>
               <a:rPr lang="en-US" dirty="0">
@@ -22303,22 +22255,13 @@
           </a:p>
           <a:p>
             <a:r>
-              <a:rPr lang="en-US" dirty="0" err="1" smtClean="0">
-                <a:solidFill>
-                  <a:srgbClr val="000000"/>
-                </a:solidFill>
-                <a:latin typeface="Consolas" panose="020B0609020204030204" pitchFamily="49" charset="0"/>
-              </a:rPr>
-              <a:t>function_ref_kwargs</a:t>
-            </a:r>
-            <a:r>
               <a:rPr lang="en-US" dirty="0" smtClean="0">
                 <a:solidFill>
                   <a:srgbClr val="000000"/>
                 </a:solidFill>
                 <a:latin typeface="Consolas" panose="020B0609020204030204" pitchFamily="49" charset="0"/>
               </a:rPr>
-              <a:t>(</a:t>
+              <a:t>function_ref_kwargs(</a:t>
             </a:r>
             <a:r>
               <a:rPr lang="en-US" dirty="0" smtClean="0">
@@ -22352,6 +22295,472 @@
     <p:extLst>
       <p:ext uri="{BB962C8B-B14F-4D97-AF65-F5344CB8AC3E}">
         <p14:creationId xmlns:p14="http://schemas.microsoft.com/office/powerpoint/2010/main" val="173740628"/>
+      </p:ext>
+    </p:extLst>
+  </p:cSld>
+  <p:clrMapOvr>
+    <a:masterClrMapping/>
+  </p:clrMapOvr>
+</p:sld>
+</file>
+
+<file path=ppt/slides/slide29.xml><?xml version="1.0" encoding="utf-8"?>
+<p:sld xmlns:a="http://schemas.openxmlformats.org/drawingml/2006/main" xmlns:r="http://schemas.openxmlformats.org/officeDocument/2006/relationships" xmlns:p="http://schemas.openxmlformats.org/presentationml/2006/main">
+  <p:cSld>
+    <p:spTree>
+      <p:nvGrpSpPr>
+        <p:cNvPr id="1" name=""/>
+        <p:cNvGrpSpPr/>
+        <p:nvPr/>
+      </p:nvGrpSpPr>
+      <p:grpSpPr>
+        <a:xfrm>
+          <a:off x="0" y="0"/>
+          <a:ext cx="0" cy="0"/>
+          <a:chOff x="0" y="0"/>
+          <a:chExt cx="0" cy="0"/>
+        </a:xfrm>
+      </p:grpSpPr>
+      <p:sp>
+        <p:nvSpPr>
+          <p:cNvPr id="2" name="Title 1"/>
+          <p:cNvSpPr>
+            <a:spLocks noGrp="1"/>
+          </p:cNvSpPr>
+          <p:nvPr>
+            <p:ph type="title"/>
+          </p:nvPr>
+        </p:nvSpPr>
+        <p:spPr/>
+        <p:txBody>
+          <a:bodyPr/>
+          <a:lstStyle/>
+          <a:p>
+            <a:r>
+              <a:rPr lang="en-US" dirty="0" smtClean="0"/>
+              <a:t>Class</a:t>
+            </a:r>
+            <a:endParaRPr lang="en-US" dirty="0"/>
+          </a:p>
+        </p:txBody>
+      </p:sp>
+      <p:sp>
+        <p:nvSpPr>
+          <p:cNvPr id="4" name="Content Placeholder 3"/>
+          <p:cNvSpPr>
+            <a:spLocks noGrp="1"/>
+          </p:cNvSpPr>
+          <p:nvPr>
+            <p:ph sz="half" idx="2"/>
+          </p:nvPr>
+        </p:nvSpPr>
+        <p:spPr>
+          <a:xfrm>
+            <a:off x="838200" y="1474121"/>
+            <a:ext cx="10515600" cy="3497930"/>
+          </a:xfrm>
+        </p:spPr>
+        <p:txBody>
+          <a:bodyPr/>
+          <a:lstStyle/>
+          <a:p>
+            <a:r>
+              <a:rPr lang="en-US" b="1" dirty="0" smtClean="0"/>
+              <a:t>Class</a:t>
+            </a:r>
+            <a:r>
+              <a:rPr lang="en-US" dirty="0" smtClean="0"/>
+              <a:t> : a blueprint for an </a:t>
+            </a:r>
+            <a:r>
+              <a:rPr lang="en-US" b="1" dirty="0" smtClean="0"/>
+              <a:t>instance</a:t>
+            </a:r>
+          </a:p>
+          <a:p>
+            <a:r>
+              <a:rPr lang="en-US" b="1" dirty="0" smtClean="0"/>
+              <a:t>Instance</a:t>
+            </a:r>
+            <a:r>
+              <a:rPr lang="en-US" dirty="0" smtClean="0"/>
+              <a:t>: a constructed </a:t>
+            </a:r>
+            <a:r>
+              <a:rPr lang="en-US" b="1" dirty="0" smtClean="0"/>
+              <a:t>object</a:t>
+            </a:r>
+            <a:r>
+              <a:rPr lang="en-US" dirty="0" smtClean="0"/>
+              <a:t> of the class</a:t>
+            </a:r>
+          </a:p>
+          <a:p>
+            <a:r>
+              <a:rPr lang="en-US" b="1" dirty="0" smtClean="0"/>
+              <a:t>Type</a:t>
+            </a:r>
+            <a:r>
+              <a:rPr lang="en-US" dirty="0" smtClean="0"/>
+              <a:t>: indicates the </a:t>
+            </a:r>
+            <a:r>
+              <a:rPr lang="en-US" b="1" dirty="0" smtClean="0"/>
+              <a:t>class</a:t>
+            </a:r>
+            <a:r>
+              <a:rPr lang="en-US" dirty="0" smtClean="0"/>
+              <a:t> and the </a:t>
+            </a:r>
+            <a:r>
+              <a:rPr lang="en-US" b="1" dirty="0" smtClean="0"/>
+              <a:t>instance</a:t>
+            </a:r>
+            <a:r>
+              <a:rPr lang="en-US" dirty="0" smtClean="0"/>
+              <a:t> belongs to</a:t>
+            </a:r>
+          </a:p>
+          <a:p>
+            <a:r>
+              <a:rPr lang="en-US" b="1" dirty="0" smtClean="0"/>
+              <a:t>Attribute</a:t>
+            </a:r>
+            <a:r>
+              <a:rPr lang="en-US" dirty="0" smtClean="0"/>
+              <a:t>: any object value , </a:t>
+            </a:r>
+            <a:r>
+              <a:rPr lang="en-US" b="1" dirty="0" smtClean="0"/>
+              <a:t>variables</a:t>
+            </a:r>
+          </a:p>
+          <a:p>
+            <a:r>
+              <a:rPr lang="en-US" b="1" dirty="0" smtClean="0"/>
+              <a:t>Method</a:t>
+            </a:r>
+            <a:r>
+              <a:rPr lang="en-US" dirty="0" smtClean="0"/>
+              <a:t>: a callable attribute defined in a class, </a:t>
+            </a:r>
+            <a:r>
+              <a:rPr lang="en-US" b="1" dirty="0" smtClean="0"/>
+              <a:t>functions</a:t>
+            </a:r>
+            <a:r>
+              <a:rPr lang="en-US" dirty="0" smtClean="0"/>
+              <a:t> inside class</a:t>
+            </a:r>
+            <a:endParaRPr lang="en-US" dirty="0"/>
+          </a:p>
+        </p:txBody>
+      </p:sp>
+      <p:sp>
+        <p:nvSpPr>
+          <p:cNvPr id="5" name="Footer Placeholder 4"/>
+          <p:cNvSpPr>
+            <a:spLocks noGrp="1"/>
+          </p:cNvSpPr>
+          <p:nvPr>
+            <p:ph type="ftr" sz="quarter" idx="11"/>
+          </p:nvPr>
+        </p:nvSpPr>
+        <p:spPr/>
+        <p:txBody>
+          <a:bodyPr/>
+          <a:lstStyle/>
+          <a:p>
+            <a:r>
+              <a:rPr lang="en-US" smtClean="0"/>
+              <a:t>Python Programming 2017</a:t>
+            </a:r>
+            <a:endParaRPr lang="en-US"/>
+          </a:p>
+        </p:txBody>
+      </p:sp>
+      <p:sp>
+        <p:nvSpPr>
+          <p:cNvPr id="6" name="Slide Number Placeholder 5"/>
+          <p:cNvSpPr>
+            <a:spLocks noGrp="1"/>
+          </p:cNvSpPr>
+          <p:nvPr>
+            <p:ph type="sldNum" sz="quarter" idx="12"/>
+          </p:nvPr>
+        </p:nvSpPr>
+        <p:spPr/>
+        <p:txBody>
+          <a:bodyPr/>
+          <a:lstStyle/>
+          <a:p>
+            <a:fld id="{2A1B63E0-6EC5-4007-90B5-64164FE953DE}" type="slidenum">
+              <a:rPr lang="en-US" smtClean="0"/>
+              <a:t>29</a:t>
+            </a:fld>
+            <a:endParaRPr lang="en-US"/>
+          </a:p>
+        </p:txBody>
+      </p:sp>
+      <p:sp>
+        <p:nvSpPr>
+          <p:cNvPr id="7" name="Rectangle 6"/>
+          <p:cNvSpPr/>
+          <p:nvPr/>
+        </p:nvSpPr>
+        <p:spPr>
+          <a:xfrm>
+            <a:off x="2265947" y="750322"/>
+            <a:ext cx="9550400" cy="584775"/>
+          </a:xfrm>
+          <a:prstGeom prst="rect">
+            <a:avLst/>
+          </a:prstGeom>
+        </p:spPr>
+        <p:txBody>
+          <a:bodyPr wrap="square">
+            <a:spAutoFit/>
+          </a:bodyPr>
+          <a:lstStyle/>
+          <a:p>
+            <a:pPr lvl="0" algn="ctr">
+              <a:defRPr/>
+            </a:pPr>
+            <a:r>
+              <a:rPr lang="en-US" sz="3200" b="1" dirty="0">
+                <a:solidFill>
+                  <a:srgbClr val="000000"/>
+                </a:solidFill>
+                <a:latin typeface="Calibri" panose="020F0502020204030204" pitchFamily="34" charset="0"/>
+                <a:cs typeface="Calibri" panose="020F0502020204030204" pitchFamily="34" charset="0"/>
+              </a:rPr>
+              <a:t>Every object(instance of class) has a type (the class)</a:t>
+            </a:r>
+          </a:p>
+        </p:txBody>
+      </p:sp>
+      <p:sp>
+        <p:nvSpPr>
+          <p:cNvPr id="8" name="Rectangle 7"/>
+          <p:cNvSpPr/>
+          <p:nvPr/>
+        </p:nvSpPr>
+        <p:spPr>
+          <a:xfrm>
+            <a:off x="8006723" y="1651630"/>
+            <a:ext cx="4361740" cy="1077218"/>
+          </a:xfrm>
+          <a:prstGeom prst="rect">
+            <a:avLst/>
+          </a:prstGeom>
+        </p:spPr>
+        <p:txBody>
+          <a:bodyPr wrap="square">
+            <a:spAutoFit/>
+          </a:bodyPr>
+          <a:lstStyle/>
+          <a:p>
+            <a:r>
+              <a:rPr lang="en-US" sz="3200" dirty="0">
+                <a:solidFill>
+                  <a:srgbClr val="0000FF"/>
+                </a:solidFill>
+                <a:latin typeface="Consolas" panose="020B0609020204030204" pitchFamily="49" charset="0"/>
+              </a:rPr>
+              <a:t>class</a:t>
+            </a:r>
+            <a:r>
+              <a:rPr lang="en-US" sz="3200" dirty="0">
+                <a:solidFill>
+                  <a:srgbClr val="000000"/>
+                </a:solidFill>
+                <a:latin typeface="Consolas" panose="020B0609020204030204" pitchFamily="49" charset="0"/>
+              </a:rPr>
+              <a:t> </a:t>
+            </a:r>
+            <a:r>
+              <a:rPr lang="en-US" sz="3200" dirty="0" err="1">
+                <a:solidFill>
+                  <a:srgbClr val="000000"/>
+                </a:solidFill>
+                <a:latin typeface="Consolas" panose="020B0609020204030204" pitchFamily="49" charset="0"/>
+              </a:rPr>
+              <a:t>Classname</a:t>
+            </a:r>
+            <a:r>
+              <a:rPr lang="en-US" sz="3200" dirty="0" smtClean="0">
+                <a:solidFill>
+                  <a:srgbClr val="000000"/>
+                </a:solidFill>
+                <a:latin typeface="Consolas" panose="020B0609020204030204" pitchFamily="49" charset="0"/>
+              </a:rPr>
+              <a:t>:</a:t>
+            </a:r>
+          </a:p>
+          <a:p>
+            <a:r>
+              <a:rPr lang="en-US" sz="3200" dirty="0" smtClean="0">
+                <a:solidFill>
+                  <a:srgbClr val="000000"/>
+                </a:solidFill>
+                <a:latin typeface="Consolas" panose="020B0609020204030204" pitchFamily="49" charset="0"/>
+              </a:rPr>
+              <a:t>      </a:t>
+            </a:r>
+            <a:r>
+              <a:rPr lang="en-US" sz="3200" dirty="0" smtClean="0">
+                <a:solidFill>
+                  <a:srgbClr val="0000FF"/>
+                </a:solidFill>
+                <a:latin typeface="Consolas" panose="020B0609020204030204" pitchFamily="49" charset="0"/>
+              </a:rPr>
+              <a:t>pass</a:t>
+            </a:r>
+            <a:endParaRPr lang="en-US" sz="3200" b="0" dirty="0">
+              <a:solidFill>
+                <a:srgbClr val="000000"/>
+              </a:solidFill>
+              <a:effectLst/>
+              <a:latin typeface="Consolas" panose="020B0609020204030204" pitchFamily="49" charset="0"/>
+            </a:endParaRPr>
+          </a:p>
+        </p:txBody>
+      </p:sp>
+      <p:sp>
+        <p:nvSpPr>
+          <p:cNvPr id="9" name="Rectangle 8"/>
+          <p:cNvSpPr/>
+          <p:nvPr/>
+        </p:nvSpPr>
+        <p:spPr>
+          <a:xfrm>
+            <a:off x="838200" y="4278334"/>
+            <a:ext cx="10862733" cy="1938992"/>
+          </a:xfrm>
+          <a:prstGeom prst="rect">
+            <a:avLst/>
+          </a:prstGeom>
+        </p:spPr>
+        <p:txBody>
+          <a:bodyPr wrap="square">
+            <a:spAutoFit/>
+          </a:bodyPr>
+          <a:lstStyle/>
+          <a:p>
+            <a:pPr marL="0" marR="0" lvl="0" indent="0" algn="l" defTabSz="914400" rtl="0" eaLnBrk="1" fontAlgn="auto" latinLnBrk="0" hangingPunct="1">
+              <a:lnSpc>
+                <a:spcPct val="100000"/>
+              </a:lnSpc>
+              <a:spcBef>
+                <a:spcPts val="0"/>
+              </a:spcBef>
+              <a:spcAft>
+                <a:spcPts val="0"/>
+              </a:spcAft>
+              <a:buClrTx/>
+              <a:buSzTx/>
+              <a:buFontTx/>
+              <a:buNone/>
+              <a:tabLst/>
+              <a:defRPr/>
+            </a:pPr>
+            <a:r>
+              <a:rPr lang="en-US" sz="2400" dirty="0" smtClean="0"/>
+              <a:t>An </a:t>
+            </a:r>
+            <a:r>
+              <a:rPr lang="en-US" sz="2400" b="1" dirty="0" smtClean="0"/>
+              <a:t>object</a:t>
+            </a:r>
+            <a:r>
+              <a:rPr lang="en-US" sz="2400" dirty="0" smtClean="0"/>
+              <a:t> is a unit of data (having one or more attributes), of a particular class or type with associated functionality (methods)</a:t>
+            </a:r>
+            <a:endParaRPr lang="en-US" sz="2400" b="1" dirty="0" smtClean="0">
+              <a:solidFill>
+                <a:srgbClr val="000000"/>
+              </a:solidFill>
+              <a:latin typeface="Consolas" panose="020B0609020204030204" pitchFamily="49" charset="0"/>
+            </a:endParaRPr>
+          </a:p>
+          <a:p>
+            <a:pPr marL="0" marR="0" lvl="0" indent="0" algn="l" defTabSz="914400" rtl="0" eaLnBrk="1" fontAlgn="auto" latinLnBrk="0" hangingPunct="1">
+              <a:lnSpc>
+                <a:spcPct val="100000"/>
+              </a:lnSpc>
+              <a:spcBef>
+                <a:spcPts val="0"/>
+              </a:spcBef>
+              <a:spcAft>
+                <a:spcPts val="0"/>
+              </a:spcAft>
+              <a:buClrTx/>
+              <a:buSzTx/>
+              <a:buFontTx/>
+              <a:buNone/>
+              <a:tabLst/>
+              <a:defRPr/>
+            </a:pPr>
+            <a:endParaRPr lang="en-US" sz="2400" b="1" dirty="0">
+              <a:solidFill>
+                <a:srgbClr val="000000"/>
+              </a:solidFill>
+              <a:latin typeface="Consolas" panose="020B0609020204030204" pitchFamily="49" charset="0"/>
+            </a:endParaRPr>
+          </a:p>
+          <a:p>
+            <a:pPr marL="0" marR="0" lvl="0" indent="0" algn="l" defTabSz="914400" rtl="0" eaLnBrk="1" fontAlgn="auto" latinLnBrk="0" hangingPunct="1">
+              <a:lnSpc>
+                <a:spcPct val="100000"/>
+              </a:lnSpc>
+              <a:spcBef>
+                <a:spcPts val="0"/>
+              </a:spcBef>
+              <a:spcAft>
+                <a:spcPts val="0"/>
+              </a:spcAft>
+              <a:buClrTx/>
+              <a:buSzTx/>
+              <a:buFontTx/>
+              <a:buNone/>
+              <a:tabLst/>
+              <a:defRPr/>
+            </a:pPr>
+            <a:r>
+              <a:rPr lang="en-US" sz="2400" dirty="0" smtClean="0">
+                <a:solidFill>
+                  <a:srgbClr val="000000"/>
+                </a:solidFill>
+                <a:latin typeface="Consolas" panose="020B0609020204030204" pitchFamily="49" charset="0"/>
+              </a:rPr>
+              <a:t>“</a:t>
+            </a:r>
+            <a:r>
+              <a:rPr lang="en-US" sz="2400" b="1" dirty="0" smtClean="0">
+                <a:solidFill>
+                  <a:srgbClr val="000000"/>
+                </a:solidFill>
+                <a:latin typeface="Consolas" panose="020B0609020204030204" pitchFamily="49" charset="0"/>
+              </a:rPr>
+              <a:t>modules</a:t>
+            </a:r>
+            <a:r>
+              <a:rPr lang="en-US" sz="2400" dirty="0" smtClean="0">
+                <a:solidFill>
+                  <a:srgbClr val="000000"/>
+                </a:solidFill>
+                <a:latin typeface="Consolas" panose="020B0609020204030204" pitchFamily="49" charset="0"/>
+              </a:rPr>
+              <a:t>” are files that contain Python code, class definitions and can be executed and imported. Some contain Single class.</a:t>
+            </a:r>
+            <a:endParaRPr lang="en-US" sz="2400" dirty="0" smtClean="0"/>
+          </a:p>
+        </p:txBody>
+      </p:sp>
+    </p:spTree>
+    <p:extLst>
+      <p:ext uri="{BB962C8B-B14F-4D97-AF65-F5344CB8AC3E}">
+        <p14:creationId xmlns:p14="http://schemas.microsoft.com/office/powerpoint/2010/main" val="2907610367"/>
       </p:ext>
     </p:extLst>
   </p:cSld>
@@ -22692,6 +23101,2311 @@
       </p:par>
     </p:tnLst>
   </p:timing>
+</p:sld>
+</file>
+
+<file path=ppt/slides/slide30.xml><?xml version="1.0" encoding="utf-8"?>
+<p:sld xmlns:a="http://schemas.openxmlformats.org/drawingml/2006/main" xmlns:r="http://schemas.openxmlformats.org/officeDocument/2006/relationships" xmlns:p="http://schemas.openxmlformats.org/presentationml/2006/main">
+  <p:cSld>
+    <p:spTree>
+      <p:nvGrpSpPr>
+        <p:cNvPr id="1" name=""/>
+        <p:cNvGrpSpPr/>
+        <p:nvPr/>
+      </p:nvGrpSpPr>
+      <p:grpSpPr>
+        <a:xfrm>
+          <a:off x="0" y="0"/>
+          <a:ext cx="0" cy="0"/>
+          <a:chOff x="0" y="0"/>
+          <a:chExt cx="0" cy="0"/>
+        </a:xfrm>
+      </p:grpSpPr>
+      <p:sp>
+        <p:nvSpPr>
+          <p:cNvPr id="2" name="Title 1"/>
+          <p:cNvSpPr>
+            <a:spLocks noGrp="1"/>
+          </p:cNvSpPr>
+          <p:nvPr>
+            <p:ph type="title"/>
+          </p:nvPr>
+        </p:nvSpPr>
+        <p:spPr>
+          <a:xfrm>
+            <a:off x="838200" y="248554"/>
+            <a:ext cx="10515600" cy="903841"/>
+          </a:xfrm>
+        </p:spPr>
+        <p:txBody>
+          <a:bodyPr/>
+          <a:lstStyle/>
+          <a:p>
+            <a:pPr lvl="0"/>
+            <a:r>
+              <a:rPr lang="en-US" dirty="0" smtClean="0"/>
+              <a:t>Class </a:t>
+            </a:r>
+            <a:r>
+              <a:rPr lang="en-US" sz="2400" b="1" dirty="0"/>
+              <a:t>everything</a:t>
+            </a:r>
+            <a:r>
+              <a:rPr lang="en-US" sz="2400" dirty="0"/>
+              <a:t> is a class in </a:t>
+            </a:r>
+            <a:r>
+              <a:rPr lang="en-US" sz="2400" dirty="0" smtClean="0"/>
+              <a:t>Python</a:t>
+            </a:r>
+            <a:endParaRPr lang="en-US" dirty="0"/>
+          </a:p>
+        </p:txBody>
+      </p:sp>
+      <p:sp>
+        <p:nvSpPr>
+          <p:cNvPr id="5" name="Footer Placeholder 4"/>
+          <p:cNvSpPr>
+            <a:spLocks noGrp="1"/>
+          </p:cNvSpPr>
+          <p:nvPr>
+            <p:ph type="ftr" sz="quarter" idx="11"/>
+          </p:nvPr>
+        </p:nvSpPr>
+        <p:spPr/>
+        <p:txBody>
+          <a:bodyPr/>
+          <a:lstStyle/>
+          <a:p>
+            <a:r>
+              <a:rPr lang="en-US" dirty="0" smtClean="0"/>
+              <a:t>Python Programming 2017</a:t>
+            </a:r>
+            <a:endParaRPr lang="en-US" dirty="0"/>
+          </a:p>
+        </p:txBody>
+      </p:sp>
+      <p:sp>
+        <p:nvSpPr>
+          <p:cNvPr id="6" name="Slide Number Placeholder 5"/>
+          <p:cNvSpPr>
+            <a:spLocks noGrp="1"/>
+          </p:cNvSpPr>
+          <p:nvPr>
+            <p:ph type="sldNum" sz="quarter" idx="12"/>
+          </p:nvPr>
+        </p:nvSpPr>
+        <p:spPr/>
+        <p:txBody>
+          <a:bodyPr/>
+          <a:lstStyle/>
+          <a:p>
+            <a:fld id="{2A1B63E0-6EC5-4007-90B5-64164FE953DE}" type="slidenum">
+              <a:rPr lang="en-US" smtClean="0"/>
+              <a:t>30</a:t>
+            </a:fld>
+            <a:endParaRPr lang="en-US" dirty="0"/>
+          </a:p>
+        </p:txBody>
+      </p:sp>
+      <p:sp>
+        <p:nvSpPr>
+          <p:cNvPr id="7" name="Rectangle 6"/>
+          <p:cNvSpPr/>
+          <p:nvPr/>
+        </p:nvSpPr>
+        <p:spPr>
+          <a:xfrm>
+            <a:off x="838200" y="947176"/>
+            <a:ext cx="10974524" cy="2554545"/>
+          </a:xfrm>
+          <a:prstGeom prst="rect">
+            <a:avLst/>
+          </a:prstGeom>
+        </p:spPr>
+        <p:txBody>
+          <a:bodyPr wrap="square">
+            <a:spAutoFit/>
+          </a:bodyPr>
+          <a:lstStyle/>
+          <a:p>
+            <a:pPr lvl="0">
+              <a:defRPr/>
+            </a:pPr>
+            <a:r>
+              <a:rPr lang="en-US" sz="2000" dirty="0" smtClean="0"/>
+              <a:t>Implementing </a:t>
+            </a:r>
+            <a:r>
+              <a:rPr lang="en-US" sz="2000" dirty="0" smtClean="0"/>
+              <a:t>OOP (</a:t>
+            </a:r>
+            <a:r>
+              <a:rPr lang="en-US" sz="2000" b="1" dirty="0" smtClean="0"/>
+              <a:t>Object Oriented Programming</a:t>
+            </a:r>
+            <a:r>
+              <a:rPr lang="en-US" sz="2000" dirty="0" smtClean="0"/>
+              <a:t>)</a:t>
+            </a:r>
+          </a:p>
+          <a:p>
+            <a:pPr lvl="0">
+              <a:defRPr/>
+            </a:pPr>
+            <a:endParaRPr lang="en-US" sz="2000" dirty="0" smtClean="0"/>
+          </a:p>
+          <a:p>
+            <a:pPr lvl="0">
+              <a:defRPr/>
+            </a:pPr>
+            <a:r>
+              <a:rPr lang="en-US" sz="2000" dirty="0"/>
+              <a:t>There is no explicit constructor or destructor method in </a:t>
+            </a:r>
+            <a:r>
+              <a:rPr lang="en-US" sz="2000" dirty="0" smtClean="0"/>
+              <a:t>Python</a:t>
+            </a:r>
+          </a:p>
+          <a:p>
+            <a:pPr lvl="0">
+              <a:defRPr/>
+            </a:pPr>
+            <a:endParaRPr lang="en-US" sz="2000" dirty="0" smtClean="0"/>
+          </a:p>
+          <a:p>
+            <a:pPr lvl="0">
+              <a:defRPr/>
+            </a:pPr>
+            <a:r>
+              <a:rPr lang="en-US" sz="2000" dirty="0" smtClean="0"/>
+              <a:t>OOP is </a:t>
+            </a:r>
+            <a:r>
+              <a:rPr lang="en-US" sz="2000" dirty="0"/>
+              <a:t>based on classes and there exists a collection of interacting objects, as opposed to the conventional model, in which a program consists of functions and routines. In OOP, each </a:t>
+            </a:r>
+            <a:r>
+              <a:rPr lang="en-US" sz="2000" b="1" dirty="0"/>
+              <a:t>object can receive messages, process data, and send messages to other </a:t>
+            </a:r>
+            <a:r>
+              <a:rPr lang="en-US" sz="2000" b="1" dirty="0" smtClean="0"/>
+              <a:t>objects</a:t>
+            </a:r>
+            <a:endParaRPr lang="en-US" sz="2000" dirty="0"/>
+          </a:p>
+          <a:p>
+            <a:pPr lvl="0">
+              <a:defRPr/>
+            </a:pPr>
+            <a:endParaRPr lang="en-US" sz="2000" dirty="0" smtClean="0"/>
+          </a:p>
+        </p:txBody>
+      </p:sp>
+      <p:sp>
+        <p:nvSpPr>
+          <p:cNvPr id="3" name="Rectangle 2"/>
+          <p:cNvSpPr/>
+          <p:nvPr/>
+        </p:nvSpPr>
+        <p:spPr>
+          <a:xfrm>
+            <a:off x="5723790" y="3215182"/>
+            <a:ext cx="6355915" cy="1200329"/>
+          </a:xfrm>
+          <a:prstGeom prst="rect">
+            <a:avLst/>
+          </a:prstGeom>
+        </p:spPr>
+        <p:txBody>
+          <a:bodyPr wrap="square">
+            <a:spAutoFit/>
+          </a:bodyPr>
+          <a:lstStyle/>
+          <a:p>
+            <a:r>
+              <a:rPr lang="en-US" dirty="0">
+                <a:solidFill>
+                  <a:srgbClr val="0000FF"/>
+                </a:solidFill>
+                <a:latin typeface="Consolas" panose="020B0609020204030204" pitchFamily="49" charset="0"/>
+              </a:rPr>
+              <a:t>class</a:t>
+            </a:r>
+            <a:r>
+              <a:rPr lang="en-US" dirty="0">
+                <a:solidFill>
+                  <a:srgbClr val="000000"/>
+                </a:solidFill>
+                <a:latin typeface="Consolas" panose="020B0609020204030204" pitchFamily="49" charset="0"/>
+              </a:rPr>
+              <a:t> A:</a:t>
+            </a:r>
+          </a:p>
+          <a:p>
+            <a:r>
+              <a:rPr lang="en-US" dirty="0">
+                <a:solidFill>
+                  <a:srgbClr val="000000"/>
+                </a:solidFill>
+                <a:latin typeface="Consolas" panose="020B0609020204030204" pitchFamily="49" charset="0"/>
+              </a:rPr>
+              <a:t>    </a:t>
+            </a:r>
+            <a:r>
+              <a:rPr lang="en-US" dirty="0">
+                <a:solidFill>
+                  <a:srgbClr val="A31515"/>
+                </a:solidFill>
+                <a:latin typeface="Consolas" panose="020B0609020204030204" pitchFamily="49" charset="0"/>
+              </a:rPr>
+              <a:t>"""Class A, displaying Arguments"""</a:t>
+            </a:r>
+            <a:endParaRPr lang="en-US" dirty="0">
+              <a:solidFill>
+                <a:srgbClr val="000000"/>
+              </a:solidFill>
+              <a:latin typeface="Consolas" panose="020B0609020204030204" pitchFamily="49" charset="0"/>
+            </a:endParaRPr>
+          </a:p>
+          <a:p>
+            <a:r>
+              <a:rPr lang="en-US" dirty="0">
+                <a:solidFill>
+                  <a:srgbClr val="000000"/>
+                </a:solidFill>
+                <a:latin typeface="Consolas" panose="020B0609020204030204" pitchFamily="49" charset="0"/>
+              </a:rPr>
+              <a:t>    </a:t>
+            </a:r>
+            <a:r>
+              <a:rPr lang="en-US" dirty="0">
+                <a:solidFill>
+                  <a:srgbClr val="0000FF"/>
+                </a:solidFill>
+                <a:latin typeface="Consolas" panose="020B0609020204030204" pitchFamily="49" charset="0"/>
+              </a:rPr>
+              <a:t>def</a:t>
+            </a:r>
+            <a:r>
+              <a:rPr lang="en-US" dirty="0">
+                <a:solidFill>
+                  <a:srgbClr val="000000"/>
+                </a:solidFill>
+                <a:latin typeface="Consolas" panose="020B0609020204030204" pitchFamily="49" charset="0"/>
+              </a:rPr>
+              <a:t> __init__(self):</a:t>
+            </a:r>
+          </a:p>
+          <a:p>
+            <a:r>
+              <a:rPr lang="en-US" dirty="0">
+                <a:solidFill>
+                  <a:srgbClr val="000000"/>
+                </a:solidFill>
+                <a:latin typeface="Consolas" panose="020B0609020204030204" pitchFamily="49" charset="0"/>
+              </a:rPr>
+              <a:t>        print(</a:t>
+            </a:r>
+            <a:r>
+              <a:rPr lang="en-US" dirty="0">
+                <a:solidFill>
+                  <a:srgbClr val="A31515"/>
+                </a:solidFill>
+                <a:latin typeface="Consolas" panose="020B0609020204030204" pitchFamily="49" charset="0"/>
+              </a:rPr>
+              <a:t>"An instance of A was initialized"</a:t>
+            </a:r>
+            <a:r>
+              <a:rPr lang="en-US" dirty="0">
+                <a:solidFill>
+                  <a:srgbClr val="000000"/>
+                </a:solidFill>
+                <a:latin typeface="Consolas" panose="020B0609020204030204" pitchFamily="49" charset="0"/>
+              </a:rPr>
+              <a:t>)</a:t>
+            </a:r>
+            <a:endParaRPr lang="en-US" dirty="0">
+              <a:solidFill>
+                <a:srgbClr val="000000"/>
+              </a:solidFill>
+              <a:latin typeface="Consolas" panose="020B0609020204030204" pitchFamily="49" charset="0"/>
+            </a:endParaRPr>
+          </a:p>
+        </p:txBody>
+      </p:sp>
+      <p:sp>
+        <p:nvSpPr>
+          <p:cNvPr id="4" name="Rectangle 3"/>
+          <p:cNvSpPr/>
+          <p:nvPr/>
+        </p:nvSpPr>
+        <p:spPr>
+          <a:xfrm>
+            <a:off x="618377" y="3601749"/>
+            <a:ext cx="10735423" cy="2862322"/>
+          </a:xfrm>
+          <a:prstGeom prst="rect">
+            <a:avLst/>
+          </a:prstGeom>
+        </p:spPr>
+        <p:txBody>
+          <a:bodyPr wrap="square">
+            <a:spAutoFit/>
+          </a:bodyPr>
+          <a:lstStyle/>
+          <a:p>
+            <a:r>
+              <a:rPr lang="en-US" sz="2000" b="1" dirty="0">
+                <a:solidFill>
+                  <a:srgbClr val="C00000"/>
+                </a:solidFill>
+              </a:rPr>
+              <a:t>__init__ </a:t>
+            </a:r>
+            <a:r>
+              <a:rPr lang="en-US" sz="2000" dirty="0"/>
+              <a:t>is one of the so-called magic </a:t>
+            </a:r>
+            <a:r>
+              <a:rPr lang="en-US" sz="2000" dirty="0" smtClean="0"/>
+              <a:t>methods</a:t>
+            </a:r>
+          </a:p>
+          <a:p>
+            <a:r>
+              <a:rPr lang="en-US" sz="2000" b="1" dirty="0">
+                <a:solidFill>
+                  <a:srgbClr val="C00000"/>
+                </a:solidFill>
+              </a:rPr>
+              <a:t>__init__ </a:t>
+            </a:r>
+            <a:r>
+              <a:rPr lang="en-US" sz="2000" dirty="0"/>
+              <a:t>method is used to initialize an </a:t>
+            </a:r>
+            <a:r>
+              <a:rPr lang="en-US" sz="2000" dirty="0" smtClean="0"/>
+              <a:t>instance,</a:t>
+            </a:r>
+            <a:r>
+              <a:rPr lang="en-US" sz="2000" dirty="0"/>
+              <a:t> </a:t>
+            </a:r>
+            <a:endParaRPr lang="en-US" sz="2000" dirty="0" smtClean="0"/>
+          </a:p>
+          <a:p>
+            <a:r>
+              <a:rPr lang="en-US" sz="2000" b="1" dirty="0" smtClean="0">
+                <a:solidFill>
+                  <a:srgbClr val="C00000"/>
+                </a:solidFill>
+              </a:rPr>
+              <a:t>__</a:t>
+            </a:r>
+            <a:r>
+              <a:rPr lang="en-US" sz="2000" b="1" dirty="0">
+                <a:solidFill>
+                  <a:srgbClr val="C00000"/>
+                </a:solidFill>
+              </a:rPr>
+              <a:t>init__ </a:t>
+            </a:r>
+            <a:r>
+              <a:rPr lang="en-US" sz="2000" dirty="0"/>
+              <a:t>method can be anywhere in a class definition, </a:t>
+            </a:r>
+            <a:endParaRPr lang="en-US" sz="2000" dirty="0" smtClean="0"/>
+          </a:p>
+          <a:p>
+            <a:r>
+              <a:rPr lang="en-US" sz="2000" dirty="0" smtClean="0"/>
+              <a:t>but </a:t>
+            </a:r>
+            <a:r>
+              <a:rPr lang="en-US" sz="2000" dirty="0"/>
+              <a:t>it is usually the first method of a </a:t>
+            </a:r>
+            <a:r>
+              <a:rPr lang="en-US" sz="2000" dirty="0" smtClean="0"/>
+              <a:t>class</a:t>
+            </a:r>
+          </a:p>
+          <a:p>
+            <a:endParaRPr lang="en-US" sz="2000" dirty="0">
+              <a:latin typeface="+mj-lt"/>
+            </a:endParaRPr>
+          </a:p>
+          <a:p>
+            <a:r>
+              <a:rPr lang="en-US" sz="2000" b="1" dirty="0" smtClean="0">
+                <a:solidFill>
+                  <a:srgbClr val="C00000"/>
+                </a:solidFill>
+              </a:rPr>
+              <a:t>self</a:t>
+            </a:r>
+            <a:r>
+              <a:rPr lang="en-US" sz="2000" dirty="0" smtClean="0"/>
+              <a:t> first </a:t>
+            </a:r>
+            <a:r>
+              <a:rPr lang="en-US" sz="2000" dirty="0"/>
+              <a:t>parameter in the definition of a method has to be a reference to the </a:t>
+            </a:r>
+            <a:r>
+              <a:rPr lang="en-US" sz="2000" dirty="0" smtClean="0"/>
+              <a:t>instance,</a:t>
+            </a:r>
+            <a:r>
+              <a:rPr lang="en-US" sz="2000" dirty="0"/>
+              <a:t> </a:t>
+            </a:r>
+            <a:endParaRPr lang="en-US" sz="2000" dirty="0" smtClean="0"/>
+          </a:p>
+          <a:p>
+            <a:r>
+              <a:rPr lang="en-US" sz="2000" dirty="0" smtClean="0"/>
+              <a:t>which </a:t>
+            </a:r>
+            <a:r>
+              <a:rPr lang="en-US" sz="2000" dirty="0"/>
+              <a:t>called the </a:t>
+            </a:r>
+            <a:r>
+              <a:rPr lang="en-US" sz="2000" dirty="0" smtClean="0"/>
+              <a:t>method.</a:t>
+            </a:r>
+          </a:p>
+          <a:p>
+            <a:endParaRPr lang="en-US" sz="2000" dirty="0" smtClean="0"/>
+          </a:p>
+          <a:p>
+            <a:r>
+              <a:rPr lang="en-US" sz="2000" dirty="0" smtClean="0"/>
+              <a:t>OOP </a:t>
+            </a:r>
+            <a:r>
+              <a:rPr lang="en-US" sz="2000" dirty="0"/>
+              <a:t>languages pass the reference to the object (</a:t>
+            </a:r>
+            <a:r>
+              <a:rPr lang="en-US" sz="2000" b="1" dirty="0">
+                <a:solidFill>
+                  <a:srgbClr val="C00000"/>
+                </a:solidFill>
+              </a:rPr>
+              <a:t>self</a:t>
+            </a:r>
+            <a:r>
+              <a:rPr lang="en-US" sz="2000" dirty="0"/>
+              <a:t>) as a hidden parameter to the methods</a:t>
+            </a:r>
+            <a:endParaRPr lang="en-US" sz="2000" dirty="0">
+              <a:latin typeface="+mj-lt"/>
+            </a:endParaRPr>
+          </a:p>
+        </p:txBody>
+      </p:sp>
+    </p:spTree>
+    <p:extLst>
+      <p:ext uri="{BB962C8B-B14F-4D97-AF65-F5344CB8AC3E}">
+        <p14:creationId xmlns:p14="http://schemas.microsoft.com/office/powerpoint/2010/main" val="3542345406"/>
+      </p:ext>
+    </p:extLst>
+  </p:cSld>
+  <p:clrMapOvr>
+    <a:masterClrMapping/>
+  </p:clrMapOvr>
+</p:sld>
+</file>
+
+<file path=ppt/slides/slide31.xml><?xml version="1.0" encoding="utf-8"?>
+<p:sld xmlns:a="http://schemas.openxmlformats.org/drawingml/2006/main" xmlns:r="http://schemas.openxmlformats.org/officeDocument/2006/relationships" xmlns:p="http://schemas.openxmlformats.org/presentationml/2006/main">
+  <p:cSld>
+    <p:spTree>
+      <p:nvGrpSpPr>
+        <p:cNvPr id="1" name=""/>
+        <p:cNvGrpSpPr/>
+        <p:nvPr/>
+      </p:nvGrpSpPr>
+      <p:grpSpPr>
+        <a:xfrm>
+          <a:off x="0" y="0"/>
+          <a:ext cx="0" cy="0"/>
+          <a:chOff x="0" y="0"/>
+          <a:chExt cx="0" cy="0"/>
+        </a:xfrm>
+      </p:grpSpPr>
+      <p:sp>
+        <p:nvSpPr>
+          <p:cNvPr id="5" name="Footer Placeholder 4"/>
+          <p:cNvSpPr>
+            <a:spLocks noGrp="1"/>
+          </p:cNvSpPr>
+          <p:nvPr>
+            <p:ph type="ftr" sz="quarter" idx="11"/>
+          </p:nvPr>
+        </p:nvSpPr>
+        <p:spPr/>
+        <p:txBody>
+          <a:bodyPr/>
+          <a:lstStyle/>
+          <a:p>
+            <a:r>
+              <a:rPr lang="en-US" smtClean="0"/>
+              <a:t>Python Programming 2017</a:t>
+            </a:r>
+            <a:endParaRPr lang="en-US"/>
+          </a:p>
+        </p:txBody>
+      </p:sp>
+      <p:sp>
+        <p:nvSpPr>
+          <p:cNvPr id="6" name="Slide Number Placeholder 5"/>
+          <p:cNvSpPr>
+            <a:spLocks noGrp="1"/>
+          </p:cNvSpPr>
+          <p:nvPr>
+            <p:ph type="sldNum" sz="quarter" idx="12"/>
+          </p:nvPr>
+        </p:nvSpPr>
+        <p:spPr/>
+        <p:txBody>
+          <a:bodyPr/>
+          <a:lstStyle/>
+          <a:p>
+            <a:fld id="{2A1B63E0-6EC5-4007-90B5-64164FE953DE}" type="slidenum">
+              <a:rPr lang="en-US" smtClean="0"/>
+              <a:t>31</a:t>
+            </a:fld>
+            <a:endParaRPr lang="en-US"/>
+          </a:p>
+        </p:txBody>
+      </p:sp>
+      <p:sp>
+        <p:nvSpPr>
+          <p:cNvPr id="7" name="Title 1"/>
+          <p:cNvSpPr>
+            <a:spLocks noGrp="1"/>
+          </p:cNvSpPr>
+          <p:nvPr>
+            <p:ph type="title"/>
+          </p:nvPr>
+        </p:nvSpPr>
+        <p:spPr>
+          <a:xfrm>
+            <a:off x="838200" y="248554"/>
+            <a:ext cx="10515600" cy="903841"/>
+          </a:xfrm>
+        </p:spPr>
+        <p:txBody>
+          <a:bodyPr/>
+          <a:lstStyle/>
+          <a:p>
+            <a:pPr lvl="0"/>
+            <a:r>
+              <a:rPr lang="en-US" dirty="0" smtClean="0"/>
+              <a:t>Class</a:t>
+            </a:r>
+            <a:endParaRPr lang="en-US" dirty="0"/>
+          </a:p>
+        </p:txBody>
+      </p:sp>
+      <p:sp>
+        <p:nvSpPr>
+          <p:cNvPr id="8" name="Rectangle 7"/>
+          <p:cNvSpPr/>
+          <p:nvPr/>
+        </p:nvSpPr>
+        <p:spPr>
+          <a:xfrm>
+            <a:off x="838200" y="1152395"/>
+            <a:ext cx="8506216" cy="2862322"/>
+          </a:xfrm>
+          <a:prstGeom prst="rect">
+            <a:avLst/>
+          </a:prstGeom>
+        </p:spPr>
+        <p:txBody>
+          <a:bodyPr wrap="square">
+            <a:spAutoFit/>
+          </a:bodyPr>
+          <a:lstStyle/>
+          <a:p>
+            <a:r>
+              <a:rPr lang="en-US" dirty="0">
+                <a:solidFill>
+                  <a:srgbClr val="0000FF"/>
+                </a:solidFill>
+                <a:latin typeface="Consolas" panose="020B0609020204030204" pitchFamily="49" charset="0"/>
+              </a:rPr>
+              <a:t>class</a:t>
+            </a:r>
+            <a:r>
+              <a:rPr lang="en-US" dirty="0">
+                <a:solidFill>
+                  <a:srgbClr val="000000"/>
+                </a:solidFill>
+                <a:latin typeface="Consolas" panose="020B0609020204030204" pitchFamily="49" charset="0"/>
+              </a:rPr>
+              <a:t> A:</a:t>
+            </a:r>
+          </a:p>
+          <a:p>
+            <a:r>
+              <a:rPr lang="en-US" dirty="0">
+                <a:solidFill>
+                  <a:srgbClr val="000000"/>
+                </a:solidFill>
+                <a:latin typeface="Consolas" panose="020B0609020204030204" pitchFamily="49" charset="0"/>
+              </a:rPr>
+              <a:t>    </a:t>
+            </a:r>
+            <a:r>
+              <a:rPr lang="en-US" dirty="0">
+                <a:solidFill>
+                  <a:srgbClr val="A31515"/>
+                </a:solidFill>
+                <a:latin typeface="Consolas" panose="020B0609020204030204" pitchFamily="49" charset="0"/>
+              </a:rPr>
+              <a:t>"""Class A, displaying Arguments</a:t>
+            </a:r>
+            <a:r>
+              <a:rPr lang="en-US" dirty="0" smtClean="0">
+                <a:solidFill>
+                  <a:srgbClr val="A31515"/>
+                </a:solidFill>
+                <a:latin typeface="Consolas" panose="020B0609020204030204" pitchFamily="49" charset="0"/>
+              </a:rPr>
+              <a:t>""“</a:t>
+            </a:r>
+          </a:p>
+          <a:p>
+            <a:endParaRPr lang="en-US" dirty="0">
+              <a:solidFill>
+                <a:srgbClr val="000000"/>
+              </a:solidFill>
+              <a:latin typeface="Consolas" panose="020B0609020204030204" pitchFamily="49" charset="0"/>
+            </a:endParaRPr>
+          </a:p>
+          <a:p>
+            <a:r>
+              <a:rPr lang="en-US" dirty="0">
+                <a:solidFill>
+                  <a:srgbClr val="000000"/>
+                </a:solidFill>
+                <a:latin typeface="Consolas" panose="020B0609020204030204" pitchFamily="49" charset="0"/>
+              </a:rPr>
+              <a:t>    </a:t>
+            </a:r>
+            <a:r>
+              <a:rPr lang="en-US" dirty="0">
+                <a:solidFill>
+                  <a:srgbClr val="0000FF"/>
+                </a:solidFill>
+                <a:latin typeface="Consolas" panose="020B0609020204030204" pitchFamily="49" charset="0"/>
+              </a:rPr>
+              <a:t>def</a:t>
+            </a:r>
+            <a:r>
+              <a:rPr lang="en-US" dirty="0">
+                <a:solidFill>
+                  <a:srgbClr val="000000"/>
+                </a:solidFill>
+                <a:latin typeface="Consolas" panose="020B0609020204030204" pitchFamily="49" charset="0"/>
+              </a:rPr>
+              <a:t> __init__(self</a:t>
+            </a:r>
+            <a:r>
+              <a:rPr lang="en-US" dirty="0" smtClean="0">
+                <a:solidFill>
+                  <a:srgbClr val="000000"/>
+                </a:solidFill>
+                <a:latin typeface="Consolas" panose="020B0609020204030204" pitchFamily="49" charset="0"/>
+              </a:rPr>
+              <a:t>): #constructor</a:t>
+            </a:r>
+            <a:endParaRPr lang="en-US" dirty="0">
+              <a:solidFill>
+                <a:srgbClr val="000000"/>
+              </a:solidFill>
+              <a:latin typeface="Consolas" panose="020B0609020204030204" pitchFamily="49" charset="0"/>
+            </a:endParaRPr>
+          </a:p>
+          <a:p>
+            <a:r>
+              <a:rPr lang="en-US" dirty="0">
+                <a:solidFill>
+                  <a:srgbClr val="000000"/>
+                </a:solidFill>
+                <a:latin typeface="Consolas" panose="020B0609020204030204" pitchFamily="49" charset="0"/>
+              </a:rPr>
+              <a:t>        print(</a:t>
+            </a:r>
+            <a:r>
+              <a:rPr lang="en-US" dirty="0">
+                <a:solidFill>
+                  <a:srgbClr val="A31515"/>
+                </a:solidFill>
+                <a:latin typeface="Consolas" panose="020B0609020204030204" pitchFamily="49" charset="0"/>
+              </a:rPr>
+              <a:t>"An instance of A was initialized</a:t>
+            </a:r>
+            <a:r>
+              <a:rPr lang="en-US" dirty="0" smtClean="0">
+                <a:solidFill>
+                  <a:srgbClr val="A31515"/>
+                </a:solidFill>
+                <a:latin typeface="Consolas" panose="020B0609020204030204" pitchFamily="49" charset="0"/>
+              </a:rPr>
+              <a:t>"</a:t>
+            </a:r>
+            <a:r>
+              <a:rPr lang="en-US" dirty="0" smtClean="0">
+                <a:solidFill>
+                  <a:srgbClr val="000000"/>
+                </a:solidFill>
+                <a:latin typeface="Consolas" panose="020B0609020204030204" pitchFamily="49" charset="0"/>
+              </a:rPr>
+              <a:t>)</a:t>
+            </a:r>
+          </a:p>
+          <a:p>
+            <a:endParaRPr lang="en-US" dirty="0">
+              <a:solidFill>
+                <a:srgbClr val="000000"/>
+              </a:solidFill>
+              <a:latin typeface="Consolas" panose="020B0609020204030204" pitchFamily="49" charset="0"/>
+            </a:endParaRPr>
+          </a:p>
+          <a:p>
+            <a:r>
+              <a:rPr lang="en-US" dirty="0">
+                <a:solidFill>
+                  <a:srgbClr val="000000"/>
+                </a:solidFill>
+                <a:latin typeface="Consolas" panose="020B0609020204030204" pitchFamily="49" charset="0"/>
+              </a:rPr>
+              <a:t> </a:t>
+            </a:r>
+            <a:r>
+              <a:rPr lang="en-US" dirty="0" smtClean="0">
+                <a:solidFill>
+                  <a:srgbClr val="000000"/>
+                </a:solidFill>
+                <a:latin typeface="Consolas" panose="020B0609020204030204" pitchFamily="49" charset="0"/>
+              </a:rPr>
+              <a:t>   </a:t>
+            </a:r>
+            <a:r>
+              <a:rPr lang="en-US" dirty="0" smtClean="0">
+                <a:solidFill>
+                  <a:schemeClr val="accent1">
+                    <a:lumMod val="75000"/>
+                  </a:schemeClr>
+                </a:solidFill>
+                <a:latin typeface="Consolas" panose="020B0609020204030204" pitchFamily="49" charset="0"/>
+              </a:rPr>
+              <a:t>def</a:t>
+            </a:r>
+            <a:r>
+              <a:rPr lang="en-US" dirty="0" smtClean="0">
+                <a:solidFill>
+                  <a:srgbClr val="000000"/>
+                </a:solidFill>
+                <a:latin typeface="Consolas" panose="020B0609020204030204" pitchFamily="49" charset="0"/>
+              </a:rPr>
+              <a:t> __del__(self):  #destructor</a:t>
+            </a:r>
+          </a:p>
+          <a:p>
+            <a:r>
+              <a:rPr lang="en-US" dirty="0">
+                <a:solidFill>
+                  <a:srgbClr val="000000"/>
+                </a:solidFill>
+                <a:latin typeface="Consolas" panose="020B0609020204030204" pitchFamily="49" charset="0"/>
+              </a:rPr>
+              <a:t>	print</a:t>
+            </a:r>
+            <a:r>
+              <a:rPr lang="en-US" dirty="0" smtClean="0">
+                <a:solidFill>
+                  <a:srgbClr val="000000"/>
+                </a:solidFill>
+                <a:latin typeface="Consolas" panose="020B0609020204030204" pitchFamily="49" charset="0"/>
+              </a:rPr>
+              <a:t>(</a:t>
+            </a:r>
+            <a:r>
+              <a:rPr lang="en-US" dirty="0" smtClean="0">
+                <a:solidFill>
+                  <a:srgbClr val="A31515"/>
+                </a:solidFill>
+                <a:latin typeface="Consolas" panose="020B0609020204030204" pitchFamily="49" charset="0"/>
+              </a:rPr>
+              <a:t>"Destructor is Called"</a:t>
+            </a:r>
+            <a:r>
+              <a:rPr lang="en-US" dirty="0" smtClean="0">
+                <a:solidFill>
+                  <a:srgbClr val="000000"/>
+                </a:solidFill>
+                <a:latin typeface="Consolas" panose="020B0609020204030204" pitchFamily="49" charset="0"/>
+              </a:rPr>
+              <a:t>)</a:t>
+            </a:r>
+            <a:endParaRPr lang="en-US" dirty="0">
+              <a:solidFill>
+                <a:srgbClr val="000000"/>
+              </a:solidFill>
+              <a:latin typeface="Consolas" panose="020B0609020204030204" pitchFamily="49" charset="0"/>
+            </a:endParaRPr>
+          </a:p>
+          <a:p>
+            <a:endParaRPr lang="en-US" dirty="0" smtClean="0">
+              <a:solidFill>
+                <a:srgbClr val="000000"/>
+              </a:solidFill>
+              <a:latin typeface="Consolas" panose="020B0609020204030204" pitchFamily="49" charset="0"/>
+            </a:endParaRPr>
+          </a:p>
+          <a:p>
+            <a:r>
+              <a:rPr lang="en-US" b="1" dirty="0" err="1" smtClean="0">
+                <a:solidFill>
+                  <a:srgbClr val="000000"/>
+                </a:solidFill>
+                <a:latin typeface="Consolas" panose="020B0609020204030204" pitchFamily="49" charset="0"/>
+              </a:rPr>
+              <a:t>Obj</a:t>
+            </a:r>
+            <a:r>
+              <a:rPr lang="en-US" b="1" dirty="0" smtClean="0">
+                <a:solidFill>
+                  <a:srgbClr val="000000"/>
+                </a:solidFill>
+                <a:latin typeface="Consolas" panose="020B0609020204030204" pitchFamily="49" charset="0"/>
+              </a:rPr>
+              <a:t>  = A()</a:t>
+            </a:r>
+            <a:endParaRPr lang="en-US" b="1" dirty="0">
+              <a:solidFill>
+                <a:srgbClr val="000000"/>
+              </a:solidFill>
+              <a:latin typeface="Consolas" panose="020B0609020204030204" pitchFamily="49" charset="0"/>
+            </a:endParaRPr>
+          </a:p>
+        </p:txBody>
+      </p:sp>
+      <p:sp>
+        <p:nvSpPr>
+          <p:cNvPr id="10" name="Rectangle 9"/>
+          <p:cNvSpPr/>
+          <p:nvPr/>
+        </p:nvSpPr>
+        <p:spPr>
+          <a:xfrm>
+            <a:off x="2286000" y="571719"/>
+            <a:ext cx="9550400" cy="461665"/>
+          </a:xfrm>
+          <a:prstGeom prst="rect">
+            <a:avLst/>
+          </a:prstGeom>
+        </p:spPr>
+        <p:txBody>
+          <a:bodyPr wrap="square">
+            <a:spAutoFit/>
+          </a:bodyPr>
+          <a:lstStyle/>
+          <a:p>
+            <a:pPr lvl="0">
+              <a:defRPr/>
+            </a:pPr>
+            <a:r>
+              <a:rPr lang="en-US" sz="2400" b="1" dirty="0">
+                <a:solidFill>
+                  <a:srgbClr val="000000"/>
+                </a:solidFill>
+                <a:latin typeface="Consolas" panose="020B0609020204030204" pitchFamily="49" charset="0"/>
+              </a:rPr>
+              <a:t>Every object(instance of class) has a type (the class)</a:t>
+            </a:r>
+          </a:p>
+        </p:txBody>
+      </p:sp>
+      <p:sp>
+        <p:nvSpPr>
+          <p:cNvPr id="11" name="Rectangle 10"/>
+          <p:cNvSpPr/>
+          <p:nvPr/>
+        </p:nvSpPr>
+        <p:spPr>
+          <a:xfrm>
+            <a:off x="982578" y="4599920"/>
+            <a:ext cx="10974524" cy="1938992"/>
+          </a:xfrm>
+          <a:prstGeom prst="rect">
+            <a:avLst/>
+          </a:prstGeom>
+        </p:spPr>
+        <p:txBody>
+          <a:bodyPr wrap="square">
+            <a:spAutoFit/>
+          </a:bodyPr>
+          <a:lstStyle/>
+          <a:p>
+            <a:pPr lvl="0">
+              <a:defRPr/>
+            </a:pPr>
+            <a:r>
+              <a:rPr lang="en-US" sz="2000" dirty="0" smtClean="0"/>
+              <a:t>Some conventions are to be followed:</a:t>
+            </a:r>
+          </a:p>
+          <a:p>
+            <a:pPr lvl="0">
+              <a:defRPr/>
+            </a:pPr>
+            <a:r>
+              <a:rPr lang="en-US" sz="2000" dirty="0" smtClean="0"/>
+              <a:t>attributeName: Public declaration</a:t>
+            </a:r>
+          </a:p>
+          <a:p>
+            <a:pPr lvl="0">
+              <a:defRPr/>
+            </a:pPr>
+            <a:r>
+              <a:rPr lang="en-US" sz="2000" dirty="0" smtClean="0"/>
+              <a:t>__attributeName: Private declaration   (Mangling: ClassName._ClassName__attributeName)</a:t>
+            </a:r>
+          </a:p>
+          <a:p>
+            <a:pPr lvl="0">
+              <a:defRPr/>
+            </a:pPr>
+            <a:r>
+              <a:rPr lang="en-US" sz="2000" dirty="0" smtClean="0"/>
+              <a:t>_attributeName: Protected declaration </a:t>
+            </a:r>
+            <a:endParaRPr lang="en-US" sz="2000" dirty="0" smtClean="0"/>
+          </a:p>
+          <a:p>
+            <a:pPr lvl="0">
+              <a:defRPr/>
+            </a:pPr>
+            <a:endParaRPr lang="en-US" sz="2000" dirty="0"/>
+          </a:p>
+          <a:p>
+            <a:pPr lvl="0">
+              <a:defRPr/>
+            </a:pPr>
+            <a:endParaRPr lang="en-US" sz="2000" dirty="0" smtClean="0"/>
+          </a:p>
+        </p:txBody>
+      </p:sp>
+    </p:spTree>
+    <p:extLst>
+      <p:ext uri="{BB962C8B-B14F-4D97-AF65-F5344CB8AC3E}">
+        <p14:creationId xmlns:p14="http://schemas.microsoft.com/office/powerpoint/2010/main" val="666674926"/>
+      </p:ext>
+    </p:extLst>
+  </p:cSld>
+  <p:clrMapOvr>
+    <a:masterClrMapping/>
+  </p:clrMapOvr>
+</p:sld>
+</file>
+
+<file path=ppt/slides/slide32.xml><?xml version="1.0" encoding="utf-8"?>
+<p:sld xmlns:a="http://schemas.openxmlformats.org/drawingml/2006/main" xmlns:r="http://schemas.openxmlformats.org/officeDocument/2006/relationships" xmlns:p="http://schemas.openxmlformats.org/presentationml/2006/main">
+  <p:cSld>
+    <p:spTree>
+      <p:nvGrpSpPr>
+        <p:cNvPr id="1" name=""/>
+        <p:cNvGrpSpPr/>
+        <p:nvPr/>
+      </p:nvGrpSpPr>
+      <p:grpSpPr>
+        <a:xfrm>
+          <a:off x="0" y="0"/>
+          <a:ext cx="0" cy="0"/>
+          <a:chOff x="0" y="0"/>
+          <a:chExt cx="0" cy="0"/>
+        </a:xfrm>
+      </p:grpSpPr>
+      <p:sp>
+        <p:nvSpPr>
+          <p:cNvPr id="2" name="Title 1"/>
+          <p:cNvSpPr>
+            <a:spLocks noGrp="1"/>
+          </p:cNvSpPr>
+          <p:nvPr>
+            <p:ph type="title"/>
+          </p:nvPr>
+        </p:nvSpPr>
+        <p:spPr/>
+        <p:txBody>
+          <a:bodyPr/>
+          <a:lstStyle/>
+          <a:p>
+            <a:r>
+              <a:rPr lang="en-US" dirty="0" smtClean="0"/>
+              <a:t>Class : Inheritance</a:t>
+            </a:r>
+            <a:endParaRPr lang="en-US" dirty="0"/>
+          </a:p>
+        </p:txBody>
+      </p:sp>
+      <p:sp>
+        <p:nvSpPr>
+          <p:cNvPr id="5" name="Footer Placeholder 4"/>
+          <p:cNvSpPr>
+            <a:spLocks noGrp="1"/>
+          </p:cNvSpPr>
+          <p:nvPr>
+            <p:ph type="ftr" sz="quarter" idx="11"/>
+          </p:nvPr>
+        </p:nvSpPr>
+        <p:spPr/>
+        <p:txBody>
+          <a:bodyPr/>
+          <a:lstStyle/>
+          <a:p>
+            <a:r>
+              <a:rPr lang="en-US" smtClean="0"/>
+              <a:t>Python Programming 2017</a:t>
+            </a:r>
+            <a:endParaRPr lang="en-US"/>
+          </a:p>
+        </p:txBody>
+      </p:sp>
+      <p:sp>
+        <p:nvSpPr>
+          <p:cNvPr id="6" name="Slide Number Placeholder 5"/>
+          <p:cNvSpPr>
+            <a:spLocks noGrp="1"/>
+          </p:cNvSpPr>
+          <p:nvPr>
+            <p:ph type="sldNum" sz="quarter" idx="12"/>
+          </p:nvPr>
+        </p:nvSpPr>
+        <p:spPr/>
+        <p:txBody>
+          <a:bodyPr/>
+          <a:lstStyle/>
+          <a:p>
+            <a:fld id="{2A1B63E0-6EC5-4007-90B5-64164FE953DE}" type="slidenum">
+              <a:rPr lang="en-US" smtClean="0"/>
+              <a:t>32</a:t>
+            </a:fld>
+            <a:endParaRPr lang="en-US"/>
+          </a:p>
+        </p:txBody>
+      </p:sp>
+      <p:sp>
+        <p:nvSpPr>
+          <p:cNvPr id="7" name="Rectangle 6"/>
+          <p:cNvSpPr/>
+          <p:nvPr/>
+        </p:nvSpPr>
+        <p:spPr>
+          <a:xfrm>
+            <a:off x="793314" y="1460646"/>
+            <a:ext cx="10693053" cy="3046988"/>
+          </a:xfrm>
+          <a:prstGeom prst="rect">
+            <a:avLst/>
+          </a:prstGeom>
+        </p:spPr>
+        <p:txBody>
+          <a:bodyPr wrap="square">
+            <a:spAutoFit/>
+          </a:bodyPr>
+          <a:lstStyle/>
+          <a:p>
+            <a:pPr algn="just"/>
+            <a:r>
+              <a:rPr lang="en-US" sz="2400" dirty="0">
+                <a:solidFill>
+                  <a:srgbClr val="000000"/>
+                </a:solidFill>
+                <a:latin typeface="Verdana" panose="020B0604030504040204" pitchFamily="34" charset="0"/>
+              </a:rPr>
+              <a:t>create a class by </a:t>
+            </a:r>
+            <a:r>
+              <a:rPr lang="en-US" sz="2400" b="1" dirty="0">
+                <a:solidFill>
+                  <a:srgbClr val="000000"/>
+                </a:solidFill>
+                <a:latin typeface="Verdana" panose="020B0604030504040204" pitchFamily="34" charset="0"/>
+              </a:rPr>
+              <a:t>deriving</a:t>
+            </a:r>
+            <a:r>
+              <a:rPr lang="en-US" sz="2400" dirty="0">
+                <a:solidFill>
+                  <a:srgbClr val="000000"/>
+                </a:solidFill>
+                <a:latin typeface="Verdana" panose="020B0604030504040204" pitchFamily="34" charset="0"/>
+              </a:rPr>
+              <a:t> it from a </a:t>
+            </a:r>
+            <a:r>
+              <a:rPr lang="en-US" sz="2400" b="1" dirty="0">
+                <a:solidFill>
+                  <a:srgbClr val="000000"/>
+                </a:solidFill>
+                <a:latin typeface="Verdana" panose="020B0604030504040204" pitchFamily="34" charset="0"/>
+              </a:rPr>
+              <a:t>preexisting</a:t>
+            </a:r>
+            <a:r>
+              <a:rPr lang="en-US" sz="2400" dirty="0">
+                <a:solidFill>
+                  <a:srgbClr val="000000"/>
+                </a:solidFill>
+                <a:latin typeface="Verdana" panose="020B0604030504040204" pitchFamily="34" charset="0"/>
+              </a:rPr>
+              <a:t> class </a:t>
+            </a:r>
+            <a:endParaRPr lang="en-US" sz="2400" dirty="0" smtClean="0">
+              <a:solidFill>
+                <a:srgbClr val="000000"/>
+              </a:solidFill>
+              <a:latin typeface="Verdana" panose="020B0604030504040204" pitchFamily="34" charset="0"/>
+            </a:endParaRPr>
+          </a:p>
+          <a:p>
+            <a:pPr algn="just"/>
+            <a:endParaRPr lang="en-US" sz="2400" dirty="0">
+              <a:solidFill>
+                <a:srgbClr val="000000"/>
+              </a:solidFill>
+              <a:latin typeface="Verdana" panose="020B0604030504040204" pitchFamily="34" charset="0"/>
+            </a:endParaRPr>
+          </a:p>
+          <a:p>
+            <a:pPr algn="just"/>
+            <a:r>
+              <a:rPr lang="en-US" sz="2400" dirty="0" smtClean="0">
+                <a:solidFill>
+                  <a:srgbClr val="000000"/>
+                </a:solidFill>
+                <a:latin typeface="Verdana" panose="020B0604030504040204" pitchFamily="34" charset="0"/>
+              </a:rPr>
+              <a:t>by </a:t>
+            </a:r>
+            <a:r>
+              <a:rPr lang="en-US" sz="2400" dirty="0">
+                <a:solidFill>
+                  <a:srgbClr val="000000"/>
+                </a:solidFill>
+                <a:latin typeface="Verdana" panose="020B0604030504040204" pitchFamily="34" charset="0"/>
+              </a:rPr>
+              <a:t>listing the parent class in parentheses after the new class </a:t>
+            </a:r>
+            <a:r>
+              <a:rPr lang="en-US" sz="2400" dirty="0" smtClean="0">
+                <a:solidFill>
+                  <a:srgbClr val="000000"/>
+                </a:solidFill>
+                <a:latin typeface="Verdana" panose="020B0604030504040204" pitchFamily="34" charset="0"/>
+              </a:rPr>
+              <a:t>name</a:t>
+            </a:r>
+          </a:p>
+          <a:p>
+            <a:pPr algn="just"/>
+            <a:endParaRPr lang="en-US" sz="2400" dirty="0">
+              <a:solidFill>
+                <a:srgbClr val="000000"/>
+              </a:solidFill>
+              <a:latin typeface="Verdana" panose="020B0604030504040204" pitchFamily="34" charset="0"/>
+            </a:endParaRPr>
+          </a:p>
+          <a:p>
+            <a:pPr algn="just"/>
+            <a:r>
+              <a:rPr lang="en-US" sz="2400" dirty="0" smtClean="0">
+                <a:solidFill>
+                  <a:srgbClr val="000000"/>
+                </a:solidFill>
+                <a:latin typeface="Verdana" panose="020B0604030504040204" pitchFamily="34" charset="0"/>
+              </a:rPr>
+              <a:t>child </a:t>
+            </a:r>
+            <a:r>
+              <a:rPr lang="en-US" sz="2400" dirty="0">
+                <a:solidFill>
+                  <a:srgbClr val="000000"/>
+                </a:solidFill>
+                <a:latin typeface="Verdana" panose="020B0604030504040204" pitchFamily="34" charset="0"/>
+              </a:rPr>
+              <a:t>class </a:t>
+            </a:r>
+            <a:r>
+              <a:rPr lang="en-US" sz="2400" b="1" dirty="0">
+                <a:solidFill>
+                  <a:srgbClr val="000000"/>
+                </a:solidFill>
+                <a:latin typeface="Verdana" panose="020B0604030504040204" pitchFamily="34" charset="0"/>
+              </a:rPr>
+              <a:t>inherits the attributes</a:t>
+            </a:r>
+            <a:r>
+              <a:rPr lang="en-US" sz="2400" dirty="0">
+                <a:solidFill>
+                  <a:srgbClr val="000000"/>
+                </a:solidFill>
+                <a:latin typeface="Verdana" panose="020B0604030504040204" pitchFamily="34" charset="0"/>
+              </a:rPr>
+              <a:t> of its parent class, and you can </a:t>
+            </a:r>
+            <a:r>
+              <a:rPr lang="en-US" sz="2400" b="1" dirty="0">
+                <a:solidFill>
+                  <a:srgbClr val="000000"/>
+                </a:solidFill>
+                <a:latin typeface="Verdana" panose="020B0604030504040204" pitchFamily="34" charset="0"/>
+              </a:rPr>
+              <a:t>use</a:t>
+            </a:r>
+            <a:r>
+              <a:rPr lang="en-US" sz="2400" dirty="0">
+                <a:solidFill>
+                  <a:srgbClr val="000000"/>
+                </a:solidFill>
+                <a:latin typeface="Verdana" panose="020B0604030504040204" pitchFamily="34" charset="0"/>
+              </a:rPr>
+              <a:t> those attributes as if they were defined in the child class. A child class can also </a:t>
+            </a:r>
+            <a:r>
+              <a:rPr lang="en-US" sz="2400" b="1" dirty="0" smtClean="0">
+                <a:solidFill>
+                  <a:srgbClr val="000000"/>
+                </a:solidFill>
+                <a:latin typeface="Verdana" panose="020B0604030504040204" pitchFamily="34" charset="0"/>
+              </a:rPr>
+              <a:t>override/extend/implement abstract</a:t>
+            </a:r>
+            <a:r>
+              <a:rPr lang="en-US" sz="2400" dirty="0" smtClean="0">
+                <a:solidFill>
+                  <a:srgbClr val="000000"/>
+                </a:solidFill>
+                <a:latin typeface="Verdana" panose="020B0604030504040204" pitchFamily="34" charset="0"/>
+              </a:rPr>
+              <a:t> methods or data members from </a:t>
+            </a:r>
+            <a:r>
+              <a:rPr lang="en-US" sz="2400" dirty="0">
+                <a:solidFill>
+                  <a:srgbClr val="000000"/>
+                </a:solidFill>
+                <a:latin typeface="Verdana" panose="020B0604030504040204" pitchFamily="34" charset="0"/>
+              </a:rPr>
+              <a:t>the </a:t>
+            </a:r>
+            <a:r>
+              <a:rPr lang="en-US" sz="2400" dirty="0" smtClean="0">
+                <a:solidFill>
+                  <a:srgbClr val="000000"/>
+                </a:solidFill>
+                <a:latin typeface="Verdana" panose="020B0604030504040204" pitchFamily="34" charset="0"/>
+              </a:rPr>
+              <a:t>parent</a:t>
+            </a:r>
+            <a:endParaRPr lang="en-US" sz="2400" b="0" i="0" dirty="0">
+              <a:solidFill>
+                <a:srgbClr val="000000"/>
+              </a:solidFill>
+              <a:effectLst/>
+              <a:latin typeface="Verdana" panose="020B0604030504040204" pitchFamily="34" charset="0"/>
+            </a:endParaRPr>
+          </a:p>
+        </p:txBody>
+      </p:sp>
+      <p:sp>
+        <p:nvSpPr>
+          <p:cNvPr id="8" name="Rectangle 7"/>
+          <p:cNvSpPr/>
+          <p:nvPr/>
+        </p:nvSpPr>
+        <p:spPr>
+          <a:xfrm>
+            <a:off x="861163" y="4831827"/>
+            <a:ext cx="9347549" cy="1323439"/>
+          </a:xfrm>
+          <a:prstGeom prst="rect">
+            <a:avLst/>
+          </a:prstGeom>
+        </p:spPr>
+        <p:txBody>
+          <a:bodyPr wrap="square">
+            <a:spAutoFit/>
+          </a:bodyPr>
+          <a:lstStyle/>
+          <a:p>
+            <a:r>
+              <a:rPr lang="en-US" sz="2000" dirty="0">
+                <a:solidFill>
+                  <a:srgbClr val="0000FF"/>
+                </a:solidFill>
+                <a:latin typeface="Consolas" panose="020B0609020204030204" pitchFamily="49" charset="0"/>
+              </a:rPr>
+              <a:t>class</a:t>
+            </a:r>
+            <a:r>
+              <a:rPr lang="en-US" sz="2000" dirty="0">
+                <a:solidFill>
+                  <a:srgbClr val="000000"/>
+                </a:solidFill>
+                <a:latin typeface="Consolas" panose="020B0609020204030204" pitchFamily="49" charset="0"/>
+              </a:rPr>
+              <a:t> </a:t>
+            </a:r>
+            <a:r>
+              <a:rPr lang="en-US" sz="2000" dirty="0" smtClean="0">
+                <a:solidFill>
+                  <a:srgbClr val="000000"/>
+                </a:solidFill>
+                <a:latin typeface="Consolas" panose="020B0609020204030204" pitchFamily="49" charset="0"/>
+              </a:rPr>
+              <a:t>Child(Parent,Parent1,Parent2):</a:t>
+            </a:r>
+            <a:r>
+              <a:rPr lang="en-US" sz="2000" dirty="0">
+                <a:solidFill>
+                  <a:srgbClr val="000000"/>
+                </a:solidFill>
+                <a:latin typeface="Consolas" panose="020B0609020204030204" pitchFamily="49" charset="0"/>
+              </a:rPr>
+              <a:t> </a:t>
+            </a:r>
+            <a:r>
+              <a:rPr lang="en-US" sz="2000" dirty="0">
+                <a:solidFill>
+                  <a:srgbClr val="008000"/>
+                </a:solidFill>
+                <a:latin typeface="Consolas" panose="020B0609020204030204" pitchFamily="49" charset="0"/>
+              </a:rPr>
+              <a:t># define child class</a:t>
+            </a:r>
+            <a:endParaRPr lang="en-US" sz="2000" dirty="0">
+              <a:solidFill>
+                <a:srgbClr val="000000"/>
+              </a:solidFill>
+              <a:latin typeface="Consolas" panose="020B0609020204030204" pitchFamily="49" charset="0"/>
+            </a:endParaRPr>
+          </a:p>
+          <a:p>
+            <a:r>
+              <a:rPr lang="en-US" sz="2000" dirty="0" smtClean="0">
+                <a:solidFill>
+                  <a:srgbClr val="000000"/>
+                </a:solidFill>
+                <a:latin typeface="Consolas" panose="020B0609020204030204" pitchFamily="49" charset="0"/>
+              </a:rPr>
+              <a:t>	</a:t>
+            </a:r>
+          </a:p>
+          <a:p>
+            <a:r>
+              <a:rPr lang="en-US" sz="2000" dirty="0">
+                <a:solidFill>
+                  <a:srgbClr val="000000"/>
+                </a:solidFill>
+                <a:latin typeface="Consolas" panose="020B0609020204030204" pitchFamily="49" charset="0"/>
+              </a:rPr>
+              <a:t>	</a:t>
+            </a:r>
+            <a:r>
+              <a:rPr lang="en-US" sz="2000" dirty="0" smtClean="0">
+                <a:solidFill>
+                  <a:srgbClr val="0000FF"/>
+                </a:solidFill>
+                <a:latin typeface="Consolas" panose="020B0609020204030204" pitchFamily="49" charset="0"/>
+              </a:rPr>
+              <a:t>def</a:t>
+            </a:r>
+            <a:r>
+              <a:rPr lang="en-US" sz="2000" dirty="0">
+                <a:solidFill>
+                  <a:srgbClr val="000000"/>
+                </a:solidFill>
+                <a:latin typeface="Consolas" panose="020B0609020204030204" pitchFamily="49" charset="0"/>
+              </a:rPr>
+              <a:t> __init__(self):</a:t>
+            </a:r>
+          </a:p>
+          <a:p>
+            <a:r>
+              <a:rPr lang="en-US" sz="2000" dirty="0">
+                <a:solidFill>
+                  <a:srgbClr val="000000"/>
+                </a:solidFill>
+                <a:latin typeface="Consolas" panose="020B0609020204030204" pitchFamily="49" charset="0"/>
+              </a:rPr>
+              <a:t>      </a:t>
+            </a:r>
+            <a:r>
+              <a:rPr lang="en-US" sz="2000" dirty="0" smtClean="0">
+                <a:solidFill>
+                  <a:srgbClr val="000000"/>
+                </a:solidFill>
+                <a:latin typeface="Consolas" panose="020B0609020204030204" pitchFamily="49" charset="0"/>
+              </a:rPr>
+              <a:t>	</a:t>
+            </a:r>
+            <a:r>
+              <a:rPr lang="en-US" sz="2000" dirty="0" smtClean="0">
+                <a:solidFill>
+                  <a:srgbClr val="0000FF"/>
+                </a:solidFill>
+                <a:latin typeface="Consolas" panose="020B0609020204030204" pitchFamily="49" charset="0"/>
+              </a:rPr>
+              <a:t>print</a:t>
+            </a:r>
+            <a:r>
+              <a:rPr lang="en-US" sz="2000" dirty="0">
+                <a:solidFill>
+                  <a:srgbClr val="000000"/>
+                </a:solidFill>
+                <a:latin typeface="Consolas" panose="020B0609020204030204" pitchFamily="49" charset="0"/>
+              </a:rPr>
+              <a:t>(</a:t>
+            </a:r>
+            <a:r>
+              <a:rPr lang="en-US" sz="2000" dirty="0">
+                <a:solidFill>
+                  <a:srgbClr val="A31515"/>
+                </a:solidFill>
+                <a:latin typeface="Consolas" panose="020B0609020204030204" pitchFamily="49" charset="0"/>
+              </a:rPr>
+              <a:t>"Calling child constructor"</a:t>
+            </a:r>
+            <a:r>
+              <a:rPr lang="en-US" sz="2000" dirty="0">
+                <a:solidFill>
+                  <a:srgbClr val="000000"/>
+                </a:solidFill>
+                <a:latin typeface="Consolas" panose="020B0609020204030204" pitchFamily="49" charset="0"/>
+              </a:rPr>
+              <a:t>)</a:t>
+            </a:r>
+            <a:endParaRPr lang="en-US" sz="2000" b="0" dirty="0">
+              <a:solidFill>
+                <a:srgbClr val="000000"/>
+              </a:solidFill>
+              <a:effectLst/>
+              <a:latin typeface="Consolas" panose="020B0609020204030204" pitchFamily="49" charset="0"/>
+            </a:endParaRPr>
+          </a:p>
+        </p:txBody>
+      </p:sp>
+    </p:spTree>
+    <p:extLst>
+      <p:ext uri="{BB962C8B-B14F-4D97-AF65-F5344CB8AC3E}">
+        <p14:creationId xmlns:p14="http://schemas.microsoft.com/office/powerpoint/2010/main" val="2386530728"/>
+      </p:ext>
+    </p:extLst>
+  </p:cSld>
+  <p:clrMapOvr>
+    <a:masterClrMapping/>
+  </p:clrMapOvr>
+</p:sld>
+</file>
+
+<file path=ppt/slides/slide33.xml><?xml version="1.0" encoding="utf-8"?>
+<p:sld xmlns:a="http://schemas.openxmlformats.org/drawingml/2006/main" xmlns:r="http://schemas.openxmlformats.org/officeDocument/2006/relationships" xmlns:p="http://schemas.openxmlformats.org/presentationml/2006/main">
+  <p:cSld>
+    <p:spTree>
+      <p:nvGrpSpPr>
+        <p:cNvPr id="1" name=""/>
+        <p:cNvGrpSpPr/>
+        <p:nvPr/>
+      </p:nvGrpSpPr>
+      <p:grpSpPr>
+        <a:xfrm>
+          <a:off x="0" y="0"/>
+          <a:ext cx="0" cy="0"/>
+          <a:chOff x="0" y="0"/>
+          <a:chExt cx="0" cy="0"/>
+        </a:xfrm>
+      </p:grpSpPr>
+      <p:sp>
+        <p:nvSpPr>
+          <p:cNvPr id="2" name="Title 1"/>
+          <p:cNvSpPr>
+            <a:spLocks noGrp="1"/>
+          </p:cNvSpPr>
+          <p:nvPr>
+            <p:ph type="title"/>
+          </p:nvPr>
+        </p:nvSpPr>
+        <p:spPr>
+          <a:xfrm>
+            <a:off x="774526" y="403621"/>
+            <a:ext cx="10515600" cy="912530"/>
+          </a:xfrm>
+        </p:spPr>
+        <p:txBody>
+          <a:bodyPr/>
+          <a:lstStyle/>
+          <a:p>
+            <a:r>
+              <a:rPr lang="en-US" dirty="0" smtClean="0"/>
+              <a:t>Class:  </a:t>
+            </a:r>
+            <a:r>
+              <a:rPr lang="en-US" b="1" dirty="0" smtClean="0">
+                <a:solidFill>
+                  <a:srgbClr val="FF0000"/>
+                </a:solidFill>
+              </a:rPr>
+              <a:t>__call__</a:t>
+            </a:r>
+            <a:endParaRPr lang="en-US" b="1" dirty="0">
+              <a:solidFill>
+                <a:srgbClr val="FF0000"/>
+              </a:solidFill>
+            </a:endParaRPr>
+          </a:p>
+        </p:txBody>
+      </p:sp>
+      <p:sp>
+        <p:nvSpPr>
+          <p:cNvPr id="5" name="Footer Placeholder 4"/>
+          <p:cNvSpPr>
+            <a:spLocks noGrp="1"/>
+          </p:cNvSpPr>
+          <p:nvPr>
+            <p:ph type="ftr" sz="quarter" idx="11"/>
+          </p:nvPr>
+        </p:nvSpPr>
+        <p:spPr/>
+        <p:txBody>
+          <a:bodyPr/>
+          <a:lstStyle/>
+          <a:p>
+            <a:r>
+              <a:rPr lang="en-US" smtClean="0"/>
+              <a:t>Python Programming 2017</a:t>
+            </a:r>
+            <a:endParaRPr lang="en-US"/>
+          </a:p>
+        </p:txBody>
+      </p:sp>
+      <p:sp>
+        <p:nvSpPr>
+          <p:cNvPr id="6" name="Slide Number Placeholder 5"/>
+          <p:cNvSpPr>
+            <a:spLocks noGrp="1"/>
+          </p:cNvSpPr>
+          <p:nvPr>
+            <p:ph type="sldNum" sz="quarter" idx="12"/>
+          </p:nvPr>
+        </p:nvSpPr>
+        <p:spPr/>
+        <p:txBody>
+          <a:bodyPr/>
+          <a:lstStyle/>
+          <a:p>
+            <a:fld id="{2A1B63E0-6EC5-4007-90B5-64164FE953DE}" type="slidenum">
+              <a:rPr lang="en-US" smtClean="0"/>
+              <a:t>33</a:t>
+            </a:fld>
+            <a:endParaRPr lang="en-US"/>
+          </a:p>
+        </p:txBody>
+      </p:sp>
+      <p:sp>
+        <p:nvSpPr>
+          <p:cNvPr id="7" name="Rectangle 6"/>
+          <p:cNvSpPr/>
+          <p:nvPr/>
+        </p:nvSpPr>
+        <p:spPr>
+          <a:xfrm>
+            <a:off x="774526" y="1220174"/>
+            <a:ext cx="10197765" cy="1015663"/>
+          </a:xfrm>
+          <a:prstGeom prst="rect">
+            <a:avLst/>
+          </a:prstGeom>
+        </p:spPr>
+        <p:txBody>
+          <a:bodyPr wrap="square">
+            <a:spAutoFit/>
+          </a:bodyPr>
+          <a:lstStyle/>
+          <a:p>
+            <a:pPr marL="0" marR="0" lvl="0" indent="0" algn="l" defTabSz="914400" rtl="0" eaLnBrk="1" fontAlgn="auto" latinLnBrk="0" hangingPunct="1">
+              <a:lnSpc>
+                <a:spcPct val="100000"/>
+              </a:lnSpc>
+              <a:spcBef>
+                <a:spcPts val="0"/>
+              </a:spcBef>
+              <a:spcAft>
+                <a:spcPts val="0"/>
+              </a:spcAft>
+              <a:buClrTx/>
+              <a:buSzTx/>
+              <a:buFontTx/>
+              <a:buNone/>
+              <a:tabLst/>
+              <a:defRPr/>
+            </a:pPr>
+            <a:r>
+              <a:rPr lang="en-US" sz="2000" dirty="0" smtClean="0"/>
+              <a:t>We </a:t>
+            </a:r>
+            <a:r>
+              <a:rPr lang="en-US" sz="2000" dirty="0"/>
+              <a:t>can define classes as </a:t>
+            </a:r>
+            <a:r>
+              <a:rPr lang="en-US" sz="2000" b="1" dirty="0"/>
+              <a:t>callable</a:t>
+            </a:r>
+            <a:r>
+              <a:rPr lang="en-US" sz="2000" dirty="0"/>
+              <a:t> objects as well. The </a:t>
+            </a:r>
+            <a:r>
+              <a:rPr lang="en-US" sz="2000" dirty="0">
+                <a:solidFill>
+                  <a:srgbClr val="FF0000"/>
+                </a:solidFill>
+              </a:rPr>
+              <a:t>__call__ </a:t>
+            </a:r>
+            <a:r>
+              <a:rPr lang="en-US" sz="2000" dirty="0"/>
+              <a:t>method is called, if the instance is called "like a </a:t>
+            </a:r>
+            <a:r>
+              <a:rPr lang="en-US" sz="2000" dirty="0" smtClean="0"/>
+              <a:t>function“</a:t>
+            </a:r>
+          </a:p>
+          <a:p>
+            <a:pPr marL="0" marR="0" lvl="0" indent="0" algn="l" defTabSz="914400" rtl="0" eaLnBrk="1" fontAlgn="auto" latinLnBrk="0" hangingPunct="1">
+              <a:lnSpc>
+                <a:spcPct val="100000"/>
+              </a:lnSpc>
+              <a:spcBef>
+                <a:spcPts val="0"/>
+              </a:spcBef>
+              <a:spcAft>
+                <a:spcPts val="0"/>
+              </a:spcAft>
+              <a:buClrTx/>
+              <a:buSzTx/>
+              <a:buFontTx/>
+              <a:buNone/>
+              <a:tabLst/>
+              <a:defRPr/>
+            </a:pPr>
+            <a:r>
+              <a:rPr lang="en-US" sz="2000" b="1" dirty="0" smtClean="0">
+                <a:solidFill>
+                  <a:srgbClr val="000000"/>
+                </a:solidFill>
+                <a:latin typeface="Consolas" panose="020B0609020204030204" pitchFamily="49" charset="0"/>
+              </a:rPr>
+              <a:t>Using Object alike function</a:t>
+            </a:r>
+            <a:endParaRPr lang="en-US" sz="2000" b="1" dirty="0" smtClean="0">
+              <a:solidFill>
+                <a:srgbClr val="000000"/>
+              </a:solidFill>
+              <a:latin typeface="Consolas" panose="020B0609020204030204" pitchFamily="49" charset="0"/>
+            </a:endParaRPr>
+          </a:p>
+        </p:txBody>
+      </p:sp>
+      <p:sp>
+        <p:nvSpPr>
+          <p:cNvPr id="9" name="Rectangle 8"/>
+          <p:cNvSpPr/>
+          <p:nvPr/>
+        </p:nvSpPr>
+        <p:spPr>
+          <a:xfrm>
+            <a:off x="774526" y="2410580"/>
+            <a:ext cx="9734811" cy="4247317"/>
+          </a:xfrm>
+          <a:prstGeom prst="rect">
+            <a:avLst/>
+          </a:prstGeom>
+        </p:spPr>
+        <p:txBody>
+          <a:bodyPr wrap="square">
+            <a:spAutoFit/>
+          </a:bodyPr>
+          <a:lstStyle/>
+          <a:p>
+            <a:r>
+              <a:rPr lang="en-US" dirty="0">
+                <a:solidFill>
+                  <a:srgbClr val="0000FF"/>
+                </a:solidFill>
+                <a:latin typeface="Consolas" panose="020B0609020204030204" pitchFamily="49" charset="0"/>
+              </a:rPr>
+              <a:t>class</a:t>
+            </a:r>
+            <a:r>
+              <a:rPr lang="en-US" dirty="0">
+                <a:solidFill>
+                  <a:srgbClr val="000000"/>
+                </a:solidFill>
+                <a:latin typeface="Consolas" panose="020B0609020204030204" pitchFamily="49" charset="0"/>
+              </a:rPr>
+              <a:t> A:</a:t>
+            </a:r>
+          </a:p>
+          <a:p>
+            <a:r>
+              <a:rPr lang="en-US" dirty="0">
+                <a:solidFill>
+                  <a:srgbClr val="000000"/>
+                </a:solidFill>
+                <a:latin typeface="Consolas" panose="020B0609020204030204" pitchFamily="49" charset="0"/>
+              </a:rPr>
+              <a:t>    </a:t>
+            </a:r>
+            <a:r>
+              <a:rPr lang="en-US" dirty="0">
+                <a:solidFill>
+                  <a:srgbClr val="A31515"/>
+                </a:solidFill>
+                <a:latin typeface="Consolas" panose="020B0609020204030204" pitchFamily="49" charset="0"/>
+              </a:rPr>
+              <a:t>"""Class A, displaying Arguments"""</a:t>
+            </a:r>
+            <a:endParaRPr lang="en-US" dirty="0">
+              <a:solidFill>
+                <a:srgbClr val="000000"/>
+              </a:solidFill>
+              <a:latin typeface="Consolas" panose="020B0609020204030204" pitchFamily="49" charset="0"/>
+            </a:endParaRPr>
+          </a:p>
+          <a:p>
+            <a:r>
+              <a:rPr lang="en-US" dirty="0">
+                <a:solidFill>
+                  <a:srgbClr val="000000"/>
+                </a:solidFill>
+                <a:latin typeface="Consolas" panose="020B0609020204030204" pitchFamily="49" charset="0"/>
+              </a:rPr>
+              <a:t>    </a:t>
+            </a:r>
+            <a:r>
+              <a:rPr lang="en-US" dirty="0">
+                <a:solidFill>
+                  <a:srgbClr val="0000FF"/>
+                </a:solidFill>
+                <a:latin typeface="Consolas" panose="020B0609020204030204" pitchFamily="49" charset="0"/>
+              </a:rPr>
+              <a:t>def</a:t>
+            </a:r>
+            <a:r>
+              <a:rPr lang="en-US" dirty="0">
+                <a:solidFill>
+                  <a:srgbClr val="000000"/>
+                </a:solidFill>
+                <a:latin typeface="Consolas" panose="020B0609020204030204" pitchFamily="49" charset="0"/>
+              </a:rPr>
+              <a:t> __init__(self):</a:t>
+            </a:r>
+          </a:p>
+          <a:p>
+            <a:r>
+              <a:rPr lang="en-US" dirty="0">
+                <a:solidFill>
+                  <a:srgbClr val="000000"/>
+                </a:solidFill>
+                <a:latin typeface="Consolas" panose="020B0609020204030204" pitchFamily="49" charset="0"/>
+              </a:rPr>
+              <a:t>        print(</a:t>
+            </a:r>
+            <a:r>
+              <a:rPr lang="en-US" dirty="0">
+                <a:solidFill>
+                  <a:srgbClr val="A31515"/>
+                </a:solidFill>
+                <a:latin typeface="Consolas" panose="020B0609020204030204" pitchFamily="49" charset="0"/>
+              </a:rPr>
+              <a:t>"An instance of A was initialized"</a:t>
+            </a:r>
+            <a:r>
+              <a:rPr lang="en-US" dirty="0">
+                <a:solidFill>
+                  <a:srgbClr val="000000"/>
+                </a:solidFill>
+                <a:latin typeface="Consolas" panose="020B0609020204030204" pitchFamily="49" charset="0"/>
+              </a:rPr>
+              <a:t>)</a:t>
+            </a:r>
+          </a:p>
+          <a:p>
+            <a:r>
+              <a:rPr lang="en-US" dirty="0">
+                <a:solidFill>
+                  <a:srgbClr val="000000"/>
+                </a:solidFill>
+                <a:latin typeface="Consolas" panose="020B0609020204030204" pitchFamily="49" charset="0"/>
+              </a:rPr>
+              <a:t>    </a:t>
+            </a:r>
+            <a:r>
+              <a:rPr lang="en-US" dirty="0" smtClean="0">
+                <a:solidFill>
+                  <a:srgbClr val="0000FF"/>
+                </a:solidFill>
+                <a:latin typeface="Consolas" panose="020B0609020204030204" pitchFamily="49" charset="0"/>
+              </a:rPr>
+              <a:t>def</a:t>
+            </a:r>
+            <a:r>
+              <a:rPr lang="en-US" dirty="0">
+                <a:solidFill>
+                  <a:srgbClr val="000000"/>
+                </a:solidFill>
+                <a:latin typeface="Consolas" panose="020B0609020204030204" pitchFamily="49" charset="0"/>
+              </a:rPr>
+              <a:t> </a:t>
+            </a:r>
+            <a:r>
+              <a:rPr lang="en-US" b="1" dirty="0">
+                <a:solidFill>
+                  <a:srgbClr val="000000"/>
+                </a:solidFill>
+                <a:latin typeface="Consolas" panose="020B0609020204030204" pitchFamily="49" charset="0"/>
+              </a:rPr>
+              <a:t>__call__</a:t>
+            </a:r>
+            <a:r>
+              <a:rPr lang="en-US" dirty="0">
+                <a:solidFill>
+                  <a:srgbClr val="000000"/>
+                </a:solidFill>
+                <a:latin typeface="Consolas" panose="020B0609020204030204" pitchFamily="49" charset="0"/>
+              </a:rPr>
+              <a:t>(self, *args, **kwargs):</a:t>
+            </a:r>
+          </a:p>
+          <a:p>
+            <a:r>
+              <a:rPr lang="en-US" dirty="0">
+                <a:solidFill>
+                  <a:srgbClr val="000000"/>
+                </a:solidFill>
+                <a:latin typeface="Consolas" panose="020B0609020204030204" pitchFamily="49" charset="0"/>
+              </a:rPr>
+              <a:t>        print(</a:t>
+            </a:r>
+            <a:r>
+              <a:rPr lang="en-US" dirty="0">
+                <a:solidFill>
+                  <a:srgbClr val="A31515"/>
+                </a:solidFill>
+                <a:latin typeface="Consolas" panose="020B0609020204030204" pitchFamily="49" charset="0"/>
+              </a:rPr>
+              <a:t>"Arguments are:"</a:t>
+            </a:r>
+            <a:r>
+              <a:rPr lang="en-US" dirty="0">
+                <a:solidFill>
+                  <a:srgbClr val="000000"/>
+                </a:solidFill>
+                <a:latin typeface="Consolas" panose="020B0609020204030204" pitchFamily="49" charset="0"/>
+              </a:rPr>
+              <a:t>, args, kwargs)</a:t>
+            </a:r>
+          </a:p>
+          <a:p>
+            <a:r>
+              <a:rPr lang="en-US" dirty="0">
+                <a:solidFill>
+                  <a:srgbClr val="000000"/>
+                </a:solidFill>
+                <a:latin typeface="Consolas" panose="020B0609020204030204" pitchFamily="49" charset="0"/>
+              </a:rPr>
+              <a:t>              </a:t>
+            </a:r>
+          </a:p>
+          <a:p>
+            <a:r>
+              <a:rPr lang="en-US" dirty="0">
+                <a:solidFill>
+                  <a:srgbClr val="000000"/>
+                </a:solidFill>
+                <a:latin typeface="Consolas" panose="020B0609020204030204" pitchFamily="49" charset="0"/>
+              </a:rPr>
+              <a:t>print(</a:t>
+            </a:r>
+            <a:r>
+              <a:rPr lang="en-US" b="1" dirty="0">
+                <a:solidFill>
+                  <a:srgbClr val="000000"/>
+                </a:solidFill>
+                <a:latin typeface="Consolas" panose="020B0609020204030204" pitchFamily="49" charset="0"/>
+              </a:rPr>
+              <a:t>A.__doc__</a:t>
+            </a:r>
+            <a:r>
+              <a:rPr lang="en-US" dirty="0">
+                <a:solidFill>
+                  <a:srgbClr val="000000"/>
+                </a:solidFill>
+                <a:latin typeface="Consolas" panose="020B0609020204030204" pitchFamily="49" charset="0"/>
+              </a:rPr>
+              <a:t>)</a:t>
+            </a:r>
+          </a:p>
+          <a:p>
+            <a:r>
+              <a:rPr lang="en-US" dirty="0">
+                <a:solidFill>
+                  <a:srgbClr val="000000"/>
+                </a:solidFill>
+                <a:latin typeface="Consolas" panose="020B0609020204030204" pitchFamily="49" charset="0"/>
+              </a:rPr>
+              <a:t>x = A() </a:t>
+            </a:r>
+            <a:r>
+              <a:rPr lang="en-US" dirty="0">
+                <a:solidFill>
+                  <a:srgbClr val="008000"/>
+                </a:solidFill>
+                <a:latin typeface="Consolas" panose="020B0609020204030204" pitchFamily="49" charset="0"/>
+              </a:rPr>
+              <a:t>#creating Object x</a:t>
+            </a:r>
+            <a:endParaRPr lang="en-US" dirty="0">
+              <a:solidFill>
+                <a:srgbClr val="000000"/>
+              </a:solidFill>
+              <a:latin typeface="Consolas" panose="020B0609020204030204" pitchFamily="49" charset="0"/>
+            </a:endParaRPr>
+          </a:p>
+          <a:p>
+            <a:r>
+              <a:rPr lang="en-US" dirty="0">
+                <a:solidFill>
+                  <a:srgbClr val="000000"/>
+                </a:solidFill>
+                <a:latin typeface="Consolas" panose="020B0609020204030204" pitchFamily="49" charset="0"/>
+              </a:rPr>
+              <a:t>print(</a:t>
+            </a:r>
+            <a:r>
+              <a:rPr lang="en-US" b="1" dirty="0">
+                <a:solidFill>
+                  <a:srgbClr val="000000"/>
+                </a:solidFill>
+                <a:latin typeface="Consolas" panose="020B0609020204030204" pitchFamily="49" charset="0"/>
+              </a:rPr>
+              <a:t>x.__doc</a:t>
+            </a:r>
+            <a:r>
+              <a:rPr lang="en-US" b="1" dirty="0" smtClean="0">
+                <a:solidFill>
+                  <a:srgbClr val="000000"/>
+                </a:solidFill>
+                <a:latin typeface="Consolas" panose="020B0609020204030204" pitchFamily="49" charset="0"/>
+              </a:rPr>
+              <a:t>__</a:t>
+            </a:r>
+            <a:r>
+              <a:rPr lang="en-US" dirty="0" smtClean="0">
+                <a:solidFill>
+                  <a:srgbClr val="000000"/>
+                </a:solidFill>
+                <a:latin typeface="Consolas" panose="020B0609020204030204" pitchFamily="49" charset="0"/>
+              </a:rPr>
+              <a:t>)</a:t>
+            </a:r>
+          </a:p>
+          <a:p>
+            <a:endParaRPr lang="en-US" dirty="0">
+              <a:solidFill>
+                <a:srgbClr val="000000"/>
+              </a:solidFill>
+              <a:latin typeface="Consolas" panose="020B0609020204030204" pitchFamily="49" charset="0"/>
+            </a:endParaRPr>
+          </a:p>
+          <a:p>
+            <a:r>
+              <a:rPr lang="en-US" dirty="0" smtClean="0">
+                <a:solidFill>
+                  <a:srgbClr val="000000"/>
+                </a:solidFill>
+                <a:latin typeface="Consolas" panose="020B0609020204030204" pitchFamily="49" charset="0"/>
+              </a:rPr>
+              <a:t>print</a:t>
+            </a:r>
+            <a:r>
+              <a:rPr lang="en-US" dirty="0">
+                <a:solidFill>
+                  <a:srgbClr val="000000"/>
+                </a:solidFill>
+                <a:latin typeface="Consolas" panose="020B0609020204030204" pitchFamily="49" charset="0"/>
+              </a:rPr>
+              <a:t>(</a:t>
+            </a:r>
+            <a:r>
+              <a:rPr lang="en-US" dirty="0">
+                <a:solidFill>
+                  <a:srgbClr val="A31515"/>
+                </a:solidFill>
+                <a:latin typeface="Consolas" panose="020B0609020204030204" pitchFamily="49" charset="0"/>
+              </a:rPr>
+              <a:t>"\nCalling the instance:"</a:t>
+            </a:r>
+            <a:r>
+              <a:rPr lang="en-US" dirty="0">
+                <a:solidFill>
+                  <a:srgbClr val="000000"/>
+                </a:solidFill>
+                <a:latin typeface="Consolas" panose="020B0609020204030204" pitchFamily="49" charset="0"/>
+              </a:rPr>
+              <a:t>)</a:t>
+            </a:r>
+          </a:p>
+          <a:p>
+            <a:r>
+              <a:rPr lang="en-US" dirty="0">
+                <a:solidFill>
+                  <a:srgbClr val="000000"/>
+                </a:solidFill>
+                <a:latin typeface="Consolas" panose="020B0609020204030204" pitchFamily="49" charset="0"/>
+              </a:rPr>
+              <a:t>x(</a:t>
+            </a:r>
+            <a:r>
+              <a:rPr lang="en-US" dirty="0">
+                <a:solidFill>
+                  <a:srgbClr val="09885A"/>
+                </a:solidFill>
+                <a:latin typeface="Consolas" panose="020B0609020204030204" pitchFamily="49" charset="0"/>
+              </a:rPr>
+              <a:t>3</a:t>
+            </a:r>
+            <a:r>
+              <a:rPr lang="en-US" dirty="0">
+                <a:solidFill>
+                  <a:srgbClr val="000000"/>
+                </a:solidFill>
+                <a:latin typeface="Consolas" panose="020B0609020204030204" pitchFamily="49" charset="0"/>
+              </a:rPr>
+              <a:t>, </a:t>
+            </a:r>
+            <a:r>
+              <a:rPr lang="en-US" dirty="0">
+                <a:solidFill>
+                  <a:srgbClr val="09885A"/>
+                </a:solidFill>
+                <a:latin typeface="Consolas" panose="020B0609020204030204" pitchFamily="49" charset="0"/>
+              </a:rPr>
+              <a:t>4</a:t>
+            </a:r>
+            <a:r>
+              <a:rPr lang="en-US" dirty="0">
+                <a:solidFill>
+                  <a:srgbClr val="000000"/>
+                </a:solidFill>
+                <a:latin typeface="Consolas" panose="020B0609020204030204" pitchFamily="49" charset="0"/>
+              </a:rPr>
+              <a:t>, x=</a:t>
+            </a:r>
+            <a:r>
+              <a:rPr lang="en-US" dirty="0">
+                <a:solidFill>
+                  <a:srgbClr val="09885A"/>
+                </a:solidFill>
+                <a:latin typeface="Consolas" panose="020B0609020204030204" pitchFamily="49" charset="0"/>
+              </a:rPr>
+              <a:t>11</a:t>
+            </a:r>
+            <a:r>
+              <a:rPr lang="en-US" dirty="0">
+                <a:solidFill>
+                  <a:srgbClr val="000000"/>
+                </a:solidFill>
+                <a:latin typeface="Consolas" panose="020B0609020204030204" pitchFamily="49" charset="0"/>
+              </a:rPr>
+              <a:t>, y=</a:t>
+            </a:r>
+            <a:r>
+              <a:rPr lang="en-US" dirty="0">
+                <a:solidFill>
+                  <a:srgbClr val="09885A"/>
+                </a:solidFill>
+                <a:latin typeface="Consolas" panose="020B0609020204030204" pitchFamily="49" charset="0"/>
+              </a:rPr>
+              <a:t>10</a:t>
+            </a:r>
+            <a:r>
+              <a:rPr lang="en-US" dirty="0">
+                <a:solidFill>
+                  <a:srgbClr val="000000"/>
+                </a:solidFill>
+                <a:latin typeface="Consolas" panose="020B0609020204030204" pitchFamily="49" charset="0"/>
+              </a:rPr>
+              <a:t>)</a:t>
+            </a:r>
+          </a:p>
+          <a:p>
+            <a:r>
+              <a:rPr lang="en-US" dirty="0" smtClean="0">
+                <a:solidFill>
+                  <a:srgbClr val="000000"/>
+                </a:solidFill>
+                <a:latin typeface="Consolas" panose="020B0609020204030204" pitchFamily="49" charset="0"/>
+              </a:rPr>
+              <a:t>print</a:t>
+            </a:r>
+            <a:r>
+              <a:rPr lang="en-US" dirty="0">
+                <a:solidFill>
+                  <a:srgbClr val="000000"/>
+                </a:solidFill>
+                <a:latin typeface="Consolas" panose="020B0609020204030204" pitchFamily="49" charset="0"/>
+              </a:rPr>
+              <a:t>(</a:t>
+            </a:r>
+            <a:r>
+              <a:rPr lang="en-US" dirty="0">
+                <a:solidFill>
+                  <a:srgbClr val="A31515"/>
+                </a:solidFill>
+                <a:latin typeface="Consolas" panose="020B0609020204030204" pitchFamily="49" charset="0"/>
+              </a:rPr>
+              <a:t>"Let's call it again:"</a:t>
+            </a:r>
+            <a:r>
+              <a:rPr lang="en-US" dirty="0">
+                <a:solidFill>
+                  <a:srgbClr val="000000"/>
+                </a:solidFill>
+                <a:latin typeface="Consolas" panose="020B0609020204030204" pitchFamily="49" charset="0"/>
+              </a:rPr>
+              <a:t>)</a:t>
+            </a:r>
+          </a:p>
+          <a:p>
+            <a:r>
+              <a:rPr lang="en-US" dirty="0">
+                <a:solidFill>
+                  <a:srgbClr val="000000"/>
+                </a:solidFill>
+                <a:latin typeface="Consolas" panose="020B0609020204030204" pitchFamily="49" charset="0"/>
+              </a:rPr>
+              <a:t>x(</a:t>
+            </a:r>
+            <a:r>
+              <a:rPr lang="en-US" dirty="0">
+                <a:solidFill>
+                  <a:srgbClr val="09885A"/>
+                </a:solidFill>
+                <a:latin typeface="Consolas" panose="020B0609020204030204" pitchFamily="49" charset="0"/>
+              </a:rPr>
+              <a:t>3</a:t>
+            </a:r>
+            <a:r>
+              <a:rPr lang="en-US" dirty="0">
+                <a:solidFill>
+                  <a:srgbClr val="000000"/>
+                </a:solidFill>
+                <a:latin typeface="Consolas" panose="020B0609020204030204" pitchFamily="49" charset="0"/>
+              </a:rPr>
+              <a:t>, </a:t>
+            </a:r>
+            <a:r>
+              <a:rPr lang="en-US" dirty="0">
+                <a:solidFill>
+                  <a:srgbClr val="09885A"/>
+                </a:solidFill>
+                <a:latin typeface="Consolas" panose="020B0609020204030204" pitchFamily="49" charset="0"/>
+              </a:rPr>
+              <a:t>4</a:t>
+            </a:r>
+            <a:r>
+              <a:rPr lang="en-US" dirty="0">
+                <a:solidFill>
+                  <a:srgbClr val="000000"/>
+                </a:solidFill>
+                <a:latin typeface="Consolas" panose="020B0609020204030204" pitchFamily="49" charset="0"/>
+              </a:rPr>
+              <a:t>, x=</a:t>
+            </a:r>
+            <a:r>
+              <a:rPr lang="en-US" dirty="0">
+                <a:solidFill>
+                  <a:srgbClr val="09885A"/>
+                </a:solidFill>
+                <a:latin typeface="Consolas" panose="020B0609020204030204" pitchFamily="49" charset="0"/>
+              </a:rPr>
+              <a:t>11</a:t>
+            </a:r>
+            <a:r>
+              <a:rPr lang="en-US" dirty="0">
+                <a:solidFill>
+                  <a:srgbClr val="000000"/>
+                </a:solidFill>
+                <a:latin typeface="Consolas" panose="020B0609020204030204" pitchFamily="49" charset="0"/>
+              </a:rPr>
+              <a:t>, y=</a:t>
+            </a:r>
+            <a:r>
+              <a:rPr lang="en-US" dirty="0">
+                <a:solidFill>
+                  <a:srgbClr val="09885A"/>
+                </a:solidFill>
+                <a:latin typeface="Consolas" panose="020B0609020204030204" pitchFamily="49" charset="0"/>
+              </a:rPr>
+              <a:t>10</a:t>
+            </a:r>
+            <a:r>
+              <a:rPr lang="en-US" dirty="0">
+                <a:solidFill>
+                  <a:srgbClr val="000000"/>
+                </a:solidFill>
+                <a:latin typeface="Consolas" panose="020B0609020204030204" pitchFamily="49" charset="0"/>
+              </a:rPr>
+              <a:t>)</a:t>
+            </a:r>
+            <a:endParaRPr lang="en-US" b="0" dirty="0">
+              <a:solidFill>
+                <a:srgbClr val="000000"/>
+              </a:solidFill>
+              <a:effectLst/>
+              <a:latin typeface="Consolas" panose="020B0609020204030204" pitchFamily="49" charset="0"/>
+            </a:endParaRPr>
+          </a:p>
+        </p:txBody>
+      </p:sp>
+    </p:spTree>
+    <p:extLst>
+      <p:ext uri="{BB962C8B-B14F-4D97-AF65-F5344CB8AC3E}">
+        <p14:creationId xmlns:p14="http://schemas.microsoft.com/office/powerpoint/2010/main" val="4167631956"/>
+      </p:ext>
+    </p:extLst>
+  </p:cSld>
+  <p:clrMapOvr>
+    <a:masterClrMapping/>
+  </p:clrMapOvr>
 </p:sld>
 </file>
 
